--- a/presentazione_progetto.pptx
+++ b/presentazione_progetto.pptx
@@ -5,10 +5,10 @@
     <p:sldMasterId id="2147483669" r:id="rId1"/>
   </p:sldMasterIdLst>
   <p:notesMasterIdLst>
-    <p:notesMasterId r:id="rId12"/>
+    <p:notesMasterId r:id="rId14"/>
   </p:notesMasterIdLst>
   <p:handoutMasterIdLst>
-    <p:handoutMasterId r:id="rId13"/>
+    <p:handoutMasterId r:id="rId15"/>
   </p:handoutMasterIdLst>
   <p:sldIdLst>
     <p:sldId id="256" r:id="rId2"/>
@@ -17,10 +17,12 @@
     <p:sldId id="265" r:id="rId5"/>
     <p:sldId id="271" r:id="rId6"/>
     <p:sldId id="266" r:id="rId7"/>
-    <p:sldId id="267" r:id="rId8"/>
-    <p:sldId id="268" r:id="rId9"/>
-    <p:sldId id="269" r:id="rId10"/>
-    <p:sldId id="270" r:id="rId11"/>
+    <p:sldId id="273" r:id="rId8"/>
+    <p:sldId id="267" r:id="rId9"/>
+    <p:sldId id="272" r:id="rId10"/>
+    <p:sldId id="268" r:id="rId11"/>
+    <p:sldId id="269" r:id="rId12"/>
+    <p:sldId id="270" r:id="rId13"/>
   </p:sldIdLst>
   <p:sldSz cx="12192000" cy="6858000"/>
   <p:notesSz cx="6858000" cy="9144000"/>
@@ -224,7 +226,7 @@
           <a:p>
             <a:fld id="{F9F05DC1-1DA0-4802-8BFC-5A51951A2E1E}" type="datetimeFigureOut">
               <a:rPr lang="it-IT" smtClean="0"/>
-              <a:t>11/02/2025</a:t>
+              <a:t>12/02/2025</a:t>
             </a:fld>
             <a:endParaRPr lang="it-IT"/>
           </a:p>
@@ -402,7 +404,7 @@
           <a:p>
             <a:fld id="{772828B9-BC13-4054-B42C-8C22A5482F6C}" type="datetimeFigureOut">
               <a:rPr lang="it-IT" noProof="0" smtClean="0"/>
-              <a:t>11/02/2025</a:t>
+              <a:t>12/02/2025</a:t>
             </a:fld>
             <a:endParaRPr lang="it-IT" noProof="0"/>
           </a:p>
@@ -762,6 +764,114 @@
         <p:cNvPr id="1" name="">
           <a:extLst>
             <a:ext uri="{FF2B5EF4-FFF2-40B4-BE49-F238E27FC236}">
+              <a16:creationId xmlns:a16="http://schemas.microsoft.com/office/drawing/2014/main" id="{70798BFE-6409-40F1-BCB1-A5EAE8CB327B}"/>
+            </a:ext>
+          </a:extLst>
+        </p:cNvPr>
+        <p:cNvGrpSpPr/>
+        <p:nvPr/>
+      </p:nvGrpSpPr>
+      <p:grpSpPr>
+        <a:xfrm>
+          <a:off x="0" y="0"/>
+          <a:ext cx="0" cy="0"/>
+          <a:chOff x="0" y="0"/>
+          <a:chExt cx="0" cy="0"/>
+        </a:xfrm>
+      </p:grpSpPr>
+      <p:sp>
+        <p:nvSpPr>
+          <p:cNvPr id="2" name="Segnaposto immagine diapositiva 1">
+            <a:extLst>
+              <a:ext uri="{FF2B5EF4-FFF2-40B4-BE49-F238E27FC236}">
+                <a16:creationId xmlns:a16="http://schemas.microsoft.com/office/drawing/2014/main" id="{02A97869-E798-49A3-23F1-16B99F26C94D}"/>
+              </a:ext>
+            </a:extLst>
+          </p:cNvPr>
+          <p:cNvSpPr>
+            <a:spLocks noGrp="1" noRot="1" noChangeAspect="1"/>
+          </p:cNvSpPr>
+          <p:nvPr>
+            <p:ph type="sldImg"/>
+          </p:nvPr>
+        </p:nvSpPr>
+        <p:spPr/>
+      </p:sp>
+      <p:sp>
+        <p:nvSpPr>
+          <p:cNvPr id="3" name="Segnaposto note 2">
+            <a:extLst>
+              <a:ext uri="{FF2B5EF4-FFF2-40B4-BE49-F238E27FC236}">
+                <a16:creationId xmlns:a16="http://schemas.microsoft.com/office/drawing/2014/main" id="{E7D8E7F8-ECD2-2F62-00FE-1E8B104FA08B}"/>
+              </a:ext>
+            </a:extLst>
+          </p:cNvPr>
+          <p:cNvSpPr>
+            <a:spLocks noGrp="1"/>
+          </p:cNvSpPr>
+          <p:nvPr>
+            <p:ph type="body" idx="1"/>
+          </p:nvPr>
+        </p:nvSpPr>
+        <p:spPr/>
+        <p:txBody>
+          <a:bodyPr/>
+          <a:lstStyle/>
+          <a:p>
+            <a:endParaRPr lang="it-IT"/>
+          </a:p>
+        </p:txBody>
+      </p:sp>
+      <p:sp>
+        <p:nvSpPr>
+          <p:cNvPr id="4" name="Segnaposto numero diapositiva 3">
+            <a:extLst>
+              <a:ext uri="{FF2B5EF4-FFF2-40B4-BE49-F238E27FC236}">
+                <a16:creationId xmlns:a16="http://schemas.microsoft.com/office/drawing/2014/main" id="{599899F0-D3CD-F89A-2FFC-78A81A868B15}"/>
+              </a:ext>
+            </a:extLst>
+          </p:cNvPr>
+          <p:cNvSpPr>
+            <a:spLocks noGrp="1"/>
+          </p:cNvSpPr>
+          <p:nvPr>
+            <p:ph type="sldNum" sz="quarter" idx="5"/>
+          </p:nvPr>
+        </p:nvSpPr>
+        <p:spPr/>
+        <p:txBody>
+          <a:bodyPr/>
+          <a:lstStyle/>
+          <a:p>
+            <a:fld id="{AD00EC7B-1EC4-49B2-9D36-0990CC3D1063}" type="slidenum">
+              <a:rPr lang="it-IT" smtClean="0"/>
+              <a:t>11</a:t>
+            </a:fld>
+            <a:endParaRPr lang="it-IT"/>
+          </a:p>
+        </p:txBody>
+      </p:sp>
+    </p:spTree>
+    <p:extLst>
+      <p:ext uri="{BB962C8B-B14F-4D97-AF65-F5344CB8AC3E}">
+        <p14:creationId xmlns:p14="http://schemas.microsoft.com/office/powerpoint/2010/main" val="922248399"/>
+      </p:ext>
+    </p:extLst>
+  </p:cSld>
+  <p:clrMapOvr>
+    <a:masterClrMapping/>
+  </p:clrMapOvr>
+</p:notes>
+</file>
+
+<file path=ppt/notesSlides/notesSlide11.xml><?xml version="1.0" encoding="utf-8"?>
+<p:notes xmlns:a="http://schemas.openxmlformats.org/drawingml/2006/main" xmlns:r="http://schemas.openxmlformats.org/officeDocument/2006/relationships" xmlns:p="http://schemas.openxmlformats.org/presentationml/2006/main">
+  <p:cSld>
+    <p:spTree>
+      <p:nvGrpSpPr>
+        <p:cNvPr id="1" name="">
+          <a:extLst>
+            <a:ext uri="{FF2B5EF4-FFF2-40B4-BE49-F238E27FC236}">
               <a16:creationId xmlns:a16="http://schemas.microsoft.com/office/drawing/2014/main" id="{7EC3DE72-C529-1801-CC46-73C66672FF1C}"/>
             </a:ext>
           </a:extLst>
@@ -843,7 +953,7 @@
           <a:p>
             <a:fld id="{AD00EC7B-1EC4-49B2-9D36-0990CC3D1063}" type="slidenum">
               <a:rPr lang="it-IT" smtClean="0"/>
-              <a:t>10</a:t>
+              <a:t>12</a:t>
             </a:fld>
             <a:endParaRPr lang="it-IT"/>
           </a:p>
@@ -1467,7 +1577,7 @@
           <a:p>
             <a:fld id="{AD00EC7B-1EC4-49B2-9D36-0990CC3D1063}" type="slidenum">
               <a:rPr lang="it-IT" smtClean="0"/>
-              <a:t>7</a:t>
+              <a:t>8</a:t>
             </a:fld>
             <a:endParaRPr lang="it-IT"/>
           </a:p>
@@ -1487,6 +1597,114 @@
 </file>
 
 <file path=ppt/notesSlides/notesSlide8.xml><?xml version="1.0" encoding="utf-8"?>
+<p:notes xmlns:a="http://schemas.openxmlformats.org/drawingml/2006/main" xmlns:r="http://schemas.openxmlformats.org/officeDocument/2006/relationships" xmlns:p="http://schemas.openxmlformats.org/presentationml/2006/main">
+  <p:cSld>
+    <p:spTree>
+      <p:nvGrpSpPr>
+        <p:cNvPr id="1" name="">
+          <a:extLst>
+            <a:ext uri="{FF2B5EF4-FFF2-40B4-BE49-F238E27FC236}">
+              <a16:creationId xmlns:a16="http://schemas.microsoft.com/office/drawing/2014/main" id="{DCA5BB73-5D18-0C83-DBFB-323292DFE84F}"/>
+            </a:ext>
+          </a:extLst>
+        </p:cNvPr>
+        <p:cNvGrpSpPr/>
+        <p:nvPr/>
+      </p:nvGrpSpPr>
+      <p:grpSpPr>
+        <a:xfrm>
+          <a:off x="0" y="0"/>
+          <a:ext cx="0" cy="0"/>
+          <a:chOff x="0" y="0"/>
+          <a:chExt cx="0" cy="0"/>
+        </a:xfrm>
+      </p:grpSpPr>
+      <p:sp>
+        <p:nvSpPr>
+          <p:cNvPr id="2" name="Segnaposto immagine diapositiva 1">
+            <a:extLst>
+              <a:ext uri="{FF2B5EF4-FFF2-40B4-BE49-F238E27FC236}">
+                <a16:creationId xmlns:a16="http://schemas.microsoft.com/office/drawing/2014/main" id="{15C3F4A4-851C-131A-F975-AE67AF4C8C11}"/>
+              </a:ext>
+            </a:extLst>
+          </p:cNvPr>
+          <p:cNvSpPr>
+            <a:spLocks noGrp="1" noRot="1" noChangeAspect="1"/>
+          </p:cNvSpPr>
+          <p:nvPr>
+            <p:ph type="sldImg"/>
+          </p:nvPr>
+        </p:nvSpPr>
+        <p:spPr/>
+      </p:sp>
+      <p:sp>
+        <p:nvSpPr>
+          <p:cNvPr id="3" name="Segnaposto note 2">
+            <a:extLst>
+              <a:ext uri="{FF2B5EF4-FFF2-40B4-BE49-F238E27FC236}">
+                <a16:creationId xmlns:a16="http://schemas.microsoft.com/office/drawing/2014/main" id="{A4E14F5D-474E-F5C8-F00D-95A01B7CD040}"/>
+              </a:ext>
+            </a:extLst>
+          </p:cNvPr>
+          <p:cNvSpPr>
+            <a:spLocks noGrp="1"/>
+          </p:cNvSpPr>
+          <p:nvPr>
+            <p:ph type="body" idx="1"/>
+          </p:nvPr>
+        </p:nvSpPr>
+        <p:spPr/>
+        <p:txBody>
+          <a:bodyPr/>
+          <a:lstStyle/>
+          <a:p>
+            <a:endParaRPr lang="it-IT"/>
+          </a:p>
+        </p:txBody>
+      </p:sp>
+      <p:sp>
+        <p:nvSpPr>
+          <p:cNvPr id="4" name="Segnaposto numero diapositiva 3">
+            <a:extLst>
+              <a:ext uri="{FF2B5EF4-FFF2-40B4-BE49-F238E27FC236}">
+                <a16:creationId xmlns:a16="http://schemas.microsoft.com/office/drawing/2014/main" id="{F2F6F727-5474-E90D-993A-D11D25110FE9}"/>
+              </a:ext>
+            </a:extLst>
+          </p:cNvPr>
+          <p:cNvSpPr>
+            <a:spLocks noGrp="1"/>
+          </p:cNvSpPr>
+          <p:nvPr>
+            <p:ph type="sldNum" sz="quarter" idx="5"/>
+          </p:nvPr>
+        </p:nvSpPr>
+        <p:spPr/>
+        <p:txBody>
+          <a:bodyPr/>
+          <a:lstStyle/>
+          <a:p>
+            <a:fld id="{AD00EC7B-1EC4-49B2-9D36-0990CC3D1063}" type="slidenum">
+              <a:rPr lang="it-IT" smtClean="0"/>
+              <a:t>9</a:t>
+            </a:fld>
+            <a:endParaRPr lang="it-IT"/>
+          </a:p>
+        </p:txBody>
+      </p:sp>
+    </p:spTree>
+    <p:extLst>
+      <p:ext uri="{BB962C8B-B14F-4D97-AF65-F5344CB8AC3E}">
+        <p14:creationId xmlns:p14="http://schemas.microsoft.com/office/powerpoint/2010/main" val="644307054"/>
+      </p:ext>
+    </p:extLst>
+  </p:cSld>
+  <p:clrMapOvr>
+    <a:masterClrMapping/>
+  </p:clrMapOvr>
+</p:notes>
+</file>
+
+<file path=ppt/notesSlides/notesSlide9.xml><?xml version="1.0" encoding="utf-8"?>
 <p:notes xmlns:a="http://schemas.openxmlformats.org/drawingml/2006/main" xmlns:r="http://schemas.openxmlformats.org/officeDocument/2006/relationships" xmlns:p="http://schemas.openxmlformats.org/presentationml/2006/main">
   <p:cSld>
     <p:spTree>
@@ -1575,7 +1793,7 @@
           <a:p>
             <a:fld id="{AD00EC7B-1EC4-49B2-9D36-0990CC3D1063}" type="slidenum">
               <a:rPr lang="it-IT" smtClean="0"/>
-              <a:t>8</a:t>
+              <a:t>10</a:t>
             </a:fld>
             <a:endParaRPr lang="it-IT"/>
           </a:p>
@@ -1585,114 +1803,6 @@
     <p:extLst>
       <p:ext uri="{BB962C8B-B14F-4D97-AF65-F5344CB8AC3E}">
         <p14:creationId xmlns:p14="http://schemas.microsoft.com/office/powerpoint/2010/main" val="28961285"/>
-      </p:ext>
-    </p:extLst>
-  </p:cSld>
-  <p:clrMapOvr>
-    <a:masterClrMapping/>
-  </p:clrMapOvr>
-</p:notes>
-</file>
-
-<file path=ppt/notesSlides/notesSlide9.xml><?xml version="1.0" encoding="utf-8"?>
-<p:notes xmlns:a="http://schemas.openxmlformats.org/drawingml/2006/main" xmlns:r="http://schemas.openxmlformats.org/officeDocument/2006/relationships" xmlns:p="http://schemas.openxmlformats.org/presentationml/2006/main">
-  <p:cSld>
-    <p:spTree>
-      <p:nvGrpSpPr>
-        <p:cNvPr id="1" name="">
-          <a:extLst>
-            <a:ext uri="{FF2B5EF4-FFF2-40B4-BE49-F238E27FC236}">
-              <a16:creationId xmlns:a16="http://schemas.microsoft.com/office/drawing/2014/main" id="{70798BFE-6409-40F1-BCB1-A5EAE8CB327B}"/>
-            </a:ext>
-          </a:extLst>
-        </p:cNvPr>
-        <p:cNvGrpSpPr/>
-        <p:nvPr/>
-      </p:nvGrpSpPr>
-      <p:grpSpPr>
-        <a:xfrm>
-          <a:off x="0" y="0"/>
-          <a:ext cx="0" cy="0"/>
-          <a:chOff x="0" y="0"/>
-          <a:chExt cx="0" cy="0"/>
-        </a:xfrm>
-      </p:grpSpPr>
-      <p:sp>
-        <p:nvSpPr>
-          <p:cNvPr id="2" name="Segnaposto immagine diapositiva 1">
-            <a:extLst>
-              <a:ext uri="{FF2B5EF4-FFF2-40B4-BE49-F238E27FC236}">
-                <a16:creationId xmlns:a16="http://schemas.microsoft.com/office/drawing/2014/main" id="{02A97869-E798-49A3-23F1-16B99F26C94D}"/>
-              </a:ext>
-            </a:extLst>
-          </p:cNvPr>
-          <p:cNvSpPr>
-            <a:spLocks noGrp="1" noRot="1" noChangeAspect="1"/>
-          </p:cNvSpPr>
-          <p:nvPr>
-            <p:ph type="sldImg"/>
-          </p:nvPr>
-        </p:nvSpPr>
-        <p:spPr/>
-      </p:sp>
-      <p:sp>
-        <p:nvSpPr>
-          <p:cNvPr id="3" name="Segnaposto note 2">
-            <a:extLst>
-              <a:ext uri="{FF2B5EF4-FFF2-40B4-BE49-F238E27FC236}">
-                <a16:creationId xmlns:a16="http://schemas.microsoft.com/office/drawing/2014/main" id="{E7D8E7F8-ECD2-2F62-00FE-1E8B104FA08B}"/>
-              </a:ext>
-            </a:extLst>
-          </p:cNvPr>
-          <p:cNvSpPr>
-            <a:spLocks noGrp="1"/>
-          </p:cNvSpPr>
-          <p:nvPr>
-            <p:ph type="body" idx="1"/>
-          </p:nvPr>
-        </p:nvSpPr>
-        <p:spPr/>
-        <p:txBody>
-          <a:bodyPr/>
-          <a:lstStyle/>
-          <a:p>
-            <a:endParaRPr lang="it-IT"/>
-          </a:p>
-        </p:txBody>
-      </p:sp>
-      <p:sp>
-        <p:nvSpPr>
-          <p:cNvPr id="4" name="Segnaposto numero diapositiva 3">
-            <a:extLst>
-              <a:ext uri="{FF2B5EF4-FFF2-40B4-BE49-F238E27FC236}">
-                <a16:creationId xmlns:a16="http://schemas.microsoft.com/office/drawing/2014/main" id="{599899F0-D3CD-F89A-2FFC-78A81A868B15}"/>
-              </a:ext>
-            </a:extLst>
-          </p:cNvPr>
-          <p:cNvSpPr>
-            <a:spLocks noGrp="1"/>
-          </p:cNvSpPr>
-          <p:nvPr>
-            <p:ph type="sldNum" sz="quarter" idx="5"/>
-          </p:nvPr>
-        </p:nvSpPr>
-        <p:spPr/>
-        <p:txBody>
-          <a:bodyPr/>
-          <a:lstStyle/>
-          <a:p>
-            <a:fld id="{AD00EC7B-1EC4-49B2-9D36-0990CC3D1063}" type="slidenum">
-              <a:rPr lang="it-IT" smtClean="0"/>
-              <a:t>9</a:t>
-            </a:fld>
-            <a:endParaRPr lang="it-IT"/>
-          </a:p>
-        </p:txBody>
-      </p:sp>
-    </p:spTree>
-    <p:extLst>
-      <p:ext uri="{BB962C8B-B14F-4D97-AF65-F5344CB8AC3E}">
-        <p14:creationId xmlns:p14="http://schemas.microsoft.com/office/powerpoint/2010/main" val="922248399"/>
       </p:ext>
     </p:extLst>
   </p:cSld>
@@ -5985,7 +6095,7 @@
             <a:pPr rtl="0"/>
             <a:fld id="{9F07C412-3A91-42D6-9B61-4FCDC427A2DF}" type="datetime1">
               <a:rPr lang="it-IT" noProof="0" smtClean="0"/>
-              <a:t>11/02/2025</a:t>
+              <a:t>12/02/2025</a:t>
             </a:fld>
             <a:endParaRPr lang="it-IT" noProof="0"/>
           </a:p>
@@ -6254,7 +6364,7 @@
             <a:pPr rtl="0"/>
             <a:fld id="{0E5F0924-62E5-463C-8BF5-2B1C587AAB62}" type="datetime1">
               <a:rPr lang="it-IT" noProof="0" smtClean="0"/>
-              <a:t>11/02/2025</a:t>
+              <a:t>12/02/2025</a:t>
             </a:fld>
             <a:endParaRPr lang="it-IT" noProof="0"/>
           </a:p>
@@ -6453,7 +6563,7 @@
             <a:pPr rtl="0"/>
             <a:fld id="{2418E10D-0776-44D6-963B-DC0E8263B4A3}" type="datetime1">
               <a:rPr lang="it-IT" noProof="0" smtClean="0"/>
-              <a:t>11/02/2025</a:t>
+              <a:t>12/02/2025</a:t>
             </a:fld>
             <a:endParaRPr lang="it-IT" noProof="0"/>
           </a:p>
@@ -6719,7 +6829,7 @@
             <a:pPr rtl="0"/>
             <a:fld id="{A4B6D974-EE66-4A1B-A230-B07D9415C521}" type="datetime1">
               <a:rPr lang="it-IT" noProof="0" smtClean="0"/>
-              <a:t>11/02/2025</a:t>
+              <a:t>12/02/2025</a:t>
             </a:fld>
             <a:endParaRPr lang="it-IT" noProof="0"/>
           </a:p>
@@ -7156,7 +7266,7 @@
             <a:pPr rtl="0"/>
             <a:fld id="{B8CBCA41-3B27-42BB-A896-14406F9B4BB2}" type="datetime1">
               <a:rPr lang="it-IT" noProof="0" smtClean="0"/>
-              <a:t>11/02/2025</a:t>
+              <a:t>12/02/2025</a:t>
             </a:fld>
             <a:endParaRPr lang="it-IT" noProof="0"/>
           </a:p>
@@ -7705,7 +7815,7 @@
             <a:pPr rtl="0"/>
             <a:fld id="{0DDBE533-468B-4DF8-989E-AE4D84890758}" type="datetime1">
               <a:rPr lang="it-IT" noProof="0" smtClean="0"/>
-              <a:t>11/02/2025</a:t>
+              <a:t>12/02/2025</a:t>
             </a:fld>
             <a:endParaRPr lang="it-IT" noProof="0"/>
           </a:p>
@@ -8429,7 +8539,7 @@
             <a:pPr rtl="0"/>
             <a:fld id="{CF450CD3-1E9A-42ED-B6B3-2B7762497156}" type="datetime1">
               <a:rPr lang="it-IT" noProof="0" smtClean="0"/>
-              <a:t>11/02/2025</a:t>
+              <a:t>12/02/2025</a:t>
             </a:fld>
             <a:endParaRPr lang="it-IT" noProof="0"/>
           </a:p>
@@ -8605,7 +8715,7 @@
             <a:pPr rtl="0"/>
             <a:fld id="{2FA54109-2DBF-44E4-B491-5C8B534E9B1F}" type="datetime1">
               <a:rPr lang="it-IT" noProof="0" smtClean="0"/>
-              <a:t>11/02/2025</a:t>
+              <a:t>12/02/2025</a:t>
             </a:fld>
             <a:endParaRPr lang="it-IT" noProof="0"/>
           </a:p>
@@ -8791,7 +8901,7 @@
             <a:pPr rtl="0"/>
             <a:fld id="{D3CC41FE-9AED-44D9-BC63-8BB1EF16618B}" type="datetime1">
               <a:rPr lang="it-IT" noProof="0" smtClean="0"/>
-              <a:t>11/02/2025</a:t>
+              <a:t>12/02/2025</a:t>
             </a:fld>
             <a:endParaRPr lang="it-IT" noProof="0"/>
           </a:p>
@@ -8967,7 +9077,7 @@
             <a:pPr rtl="0"/>
             <a:fld id="{F93AB055-364E-487C-A7AC-4F0B10DC386A}" type="datetime1">
               <a:rPr lang="it-IT" noProof="0" smtClean="0"/>
-              <a:t>11/02/2025</a:t>
+              <a:t>12/02/2025</a:t>
             </a:fld>
             <a:endParaRPr lang="it-IT" noProof="0"/>
           </a:p>
@@ -9220,7 +9330,7 @@
             <a:pPr rtl="0"/>
             <a:fld id="{AFBFA9F5-A62B-4527-A612-E4EF95C576C6}" type="datetime1">
               <a:rPr lang="it-IT" noProof="0" smtClean="0"/>
-              <a:t>11/02/2025</a:t>
+              <a:t>12/02/2025</a:t>
             </a:fld>
             <a:endParaRPr lang="it-IT" noProof="0"/>
           </a:p>
@@ -9461,7 +9571,7 @@
             <a:pPr rtl="0"/>
             <a:fld id="{65A3CC1B-4CC0-43F6-B4FE-A108262B34F1}" type="datetime1">
               <a:rPr lang="it-IT" noProof="0" smtClean="0"/>
-              <a:t>11/02/2025</a:t>
+              <a:t>12/02/2025</a:t>
             </a:fld>
             <a:endParaRPr lang="it-IT" noProof="0"/>
           </a:p>
@@ -9851,7 +9961,7 @@
             <a:pPr rtl="0"/>
             <a:fld id="{6F7EC582-D1B1-4956-8471-5858519B7C3E}" type="datetime1">
               <a:rPr lang="it-IT" noProof="0" smtClean="0"/>
-              <a:t>11/02/2025</a:t>
+              <a:t>12/02/2025</a:t>
             </a:fld>
             <a:endParaRPr lang="it-IT" noProof="0"/>
           </a:p>
@@ -9972,7 +10082,7 @@
             <a:pPr rtl="0"/>
             <a:fld id="{7F2E543F-C901-4A41-AEA4-880C40EA1C68}" type="datetime1">
               <a:rPr lang="it-IT" noProof="0" smtClean="0"/>
-              <a:t>11/02/2025</a:t>
+              <a:t>12/02/2025</a:t>
             </a:fld>
             <a:endParaRPr lang="it-IT" noProof="0"/>
           </a:p>
@@ -10070,7 +10180,7 @@
             <a:pPr rtl="0"/>
             <a:fld id="{43628562-FD3D-4B47-BC1E-58BECF47F1DB}" type="datetime1">
               <a:rPr lang="it-IT" noProof="0" smtClean="0"/>
-              <a:t>11/02/2025</a:t>
+              <a:t>12/02/2025</a:t>
             </a:fld>
             <a:endParaRPr lang="it-IT" noProof="0"/>
           </a:p>
@@ -10325,7 +10435,7 @@
             <a:pPr rtl="0"/>
             <a:fld id="{83D084F5-34B4-46AE-8DB4-08A7B0B97DD5}" type="datetime1">
               <a:rPr lang="it-IT" noProof="0" smtClean="0"/>
-              <a:t>11/02/2025</a:t>
+              <a:t>12/02/2025</a:t>
             </a:fld>
             <a:endParaRPr lang="it-IT" noProof="0"/>
           </a:p>
@@ -10608,7 +10718,7 @@
             <a:pPr rtl="0"/>
             <a:fld id="{5C4E6ABF-EADB-4B87-94E5-A6252FA0837A}" type="datetime1">
               <a:rPr lang="it-IT" noProof="0" smtClean="0"/>
-              <a:t>11/02/2025</a:t>
+              <a:t>12/02/2025</a:t>
             </a:fld>
             <a:endParaRPr lang="it-IT" noProof="0"/>
           </a:p>
@@ -13678,7 +13788,7 @@
             <a:pPr rtl="0"/>
             <a:fld id="{C9D3B909-5AB1-46A3-A753-94B6F9B0BED5}" type="datetime1">
               <a:rPr lang="it-IT" noProof="0" smtClean="0"/>
-              <a:t>11/02/2025</a:t>
+              <a:t>12/02/2025</a:t>
             </a:fld>
             <a:endParaRPr lang="it-IT" noProof="0"/>
           </a:p>
@@ -14269,6 +14379,320 @@
         <p:cNvPr id="1" name="">
           <a:extLst>
             <a:ext uri="{FF2B5EF4-FFF2-40B4-BE49-F238E27FC236}">
+              <a16:creationId xmlns:a16="http://schemas.microsoft.com/office/drawing/2014/main" id="{BD16E7A7-9C54-8D18-26BB-11ADC07B28EC}"/>
+            </a:ext>
+          </a:extLst>
+        </p:cNvPr>
+        <p:cNvGrpSpPr/>
+        <p:nvPr/>
+      </p:nvGrpSpPr>
+      <p:grpSpPr>
+        <a:xfrm>
+          <a:off x="0" y="0"/>
+          <a:ext cx="0" cy="0"/>
+          <a:chOff x="0" y="0"/>
+          <a:chExt cx="0" cy="0"/>
+        </a:xfrm>
+      </p:grpSpPr>
+      <p:sp>
+        <p:nvSpPr>
+          <p:cNvPr id="2" name="Titolo 1">
+            <a:extLst>
+              <a:ext uri="{FF2B5EF4-FFF2-40B4-BE49-F238E27FC236}">
+                <a16:creationId xmlns:a16="http://schemas.microsoft.com/office/drawing/2014/main" id="{214FD0AB-600B-5AF2-15F0-F047130D81FE}"/>
+              </a:ext>
+            </a:extLst>
+          </p:cNvPr>
+          <p:cNvSpPr>
+            <a:spLocks noGrp="1"/>
+          </p:cNvSpPr>
+          <p:nvPr>
+            <p:ph type="title"/>
+          </p:nvPr>
+        </p:nvSpPr>
+        <p:spPr>
+          <a:xfrm>
+            <a:off x="1141413" y="618518"/>
+            <a:ext cx="9905998" cy="790404"/>
+          </a:xfrm>
+        </p:spPr>
+        <p:txBody>
+          <a:bodyPr rtlCol="0">
+            <a:normAutofit fontScale="90000"/>
+          </a:bodyPr>
+          <a:lstStyle/>
+          <a:p>
+            <a:pPr rtl="0"/>
+            <a:r>
+              <a:rPr lang="it-IT" sz="4400" dirty="0">
+                <a:latin typeface="Rockwell" panose="02060603020205020403" pitchFamily="18" charset="0"/>
+              </a:rPr>
+              <a:t>second mode </a:t>
+            </a:r>
+            <a:r>
+              <a:rPr lang="it-IT" sz="4400" dirty="0" err="1">
+                <a:latin typeface="Rockwell" panose="02060603020205020403" pitchFamily="18" charset="0"/>
+              </a:rPr>
+              <a:t>attenuation</a:t>
+            </a:r>
+            <a:r>
+              <a:rPr lang="it-IT" sz="4400" dirty="0">
+                <a:latin typeface="Rockwell" panose="02060603020205020403" pitchFamily="18" charset="0"/>
+              </a:rPr>
+              <a:t> </a:t>
+            </a:r>
+            <a:r>
+              <a:rPr lang="it-IT" sz="4400" dirty="0" err="1">
+                <a:latin typeface="Rockwell" panose="02060603020205020403" pitchFamily="18" charset="0"/>
+              </a:rPr>
+              <a:t>result</a:t>
+            </a:r>
+            <a:endParaRPr lang="it-IT" sz="4400" dirty="0">
+              <a:latin typeface="Rockwell" panose="02060603020205020403" pitchFamily="18" charset="0"/>
+            </a:endParaRPr>
+          </a:p>
+        </p:txBody>
+      </p:sp>
+      <p:sp>
+        <p:nvSpPr>
+          <p:cNvPr id="3" name="Titolo 1">
+            <a:extLst>
+              <a:ext uri="{FF2B5EF4-FFF2-40B4-BE49-F238E27FC236}">
+                <a16:creationId xmlns:a16="http://schemas.microsoft.com/office/drawing/2014/main" id="{038C935C-E4A7-C08A-C814-E337EF65C3FD}"/>
+              </a:ext>
+            </a:extLst>
+          </p:cNvPr>
+          <p:cNvSpPr txBox="1">
+            <a:spLocks/>
+          </p:cNvSpPr>
+          <p:nvPr/>
+        </p:nvSpPr>
+        <p:spPr>
+          <a:xfrm>
+            <a:off x="1141413" y="1408922"/>
+            <a:ext cx="9905998" cy="438539"/>
+          </a:xfrm>
+          <a:prstGeom prst="rect">
+            <a:avLst/>
+          </a:prstGeom>
+        </p:spPr>
+        <p:txBody>
+          <a:bodyPr vert="horz" lIns="91440" tIns="45720" rIns="91440" bIns="45720" rtlCol="0" anchor="ctr">
+            <a:normAutofit fontScale="70000" lnSpcReduction="20000"/>
+          </a:bodyPr>
+          <a:lstStyle>
+            <a:lvl1pPr algn="l" defTabSz="914400" rtl="0" eaLnBrk="1" latinLnBrk="0" hangingPunct="1">
+              <a:lnSpc>
+                <a:spcPct val="90000"/>
+              </a:lnSpc>
+              <a:spcBef>
+                <a:spcPct val="0"/>
+              </a:spcBef>
+              <a:buNone/>
+              <a:defRPr sz="3600" kern="1200" cap="all" baseline="0">
+                <a:solidFill>
+                  <a:schemeClr val="tx1"/>
+                </a:solidFill>
+                <a:latin typeface="+mj-lt"/>
+                <a:ea typeface="+mj-ea"/>
+                <a:cs typeface="+mj-cs"/>
+              </a:defRPr>
+            </a:lvl1pPr>
+          </a:lstStyle>
+          <a:p>
+            <a:r>
+              <a:rPr lang="it-IT" sz="2800" dirty="0">
+                <a:latin typeface="Rockwell" panose="02060603020205020403" pitchFamily="18" charset="0"/>
+              </a:rPr>
+              <a:t>Resistive</a:t>
+            </a:r>
+            <a:r>
+              <a:rPr lang="it-IT" sz="4400" dirty="0">
+                <a:latin typeface="Rockwell" panose="02060603020205020403" pitchFamily="18" charset="0"/>
+              </a:rPr>
+              <a:t> </a:t>
+            </a:r>
+          </a:p>
+        </p:txBody>
+      </p:sp>
+    </p:spTree>
+    <p:extLst>
+      <p:ext uri="{BB962C8B-B14F-4D97-AF65-F5344CB8AC3E}">
+        <p14:creationId xmlns:p14="http://schemas.microsoft.com/office/powerpoint/2010/main" val="157466471"/>
+      </p:ext>
+    </p:extLst>
+  </p:cSld>
+  <p:clrMapOvr>
+    <a:masterClrMapping/>
+  </p:clrMapOvr>
+</p:sld>
+</file>
+
+<file path=ppt/slides/slide11.xml><?xml version="1.0" encoding="utf-8"?>
+<p:sld xmlns:a="http://schemas.openxmlformats.org/drawingml/2006/main" xmlns:r="http://schemas.openxmlformats.org/officeDocument/2006/relationships" xmlns:p="http://schemas.openxmlformats.org/presentationml/2006/main">
+  <p:cSld>
+    <p:spTree>
+      <p:nvGrpSpPr>
+        <p:cNvPr id="1" name="">
+          <a:extLst>
+            <a:ext uri="{FF2B5EF4-FFF2-40B4-BE49-F238E27FC236}">
+              <a16:creationId xmlns:a16="http://schemas.microsoft.com/office/drawing/2014/main" id="{2BF3F1F5-34E1-4E95-E2F8-C3ED77AF68C5}"/>
+            </a:ext>
+          </a:extLst>
+        </p:cNvPr>
+        <p:cNvGrpSpPr/>
+        <p:nvPr/>
+      </p:nvGrpSpPr>
+      <p:grpSpPr>
+        <a:xfrm>
+          <a:off x="0" y="0"/>
+          <a:ext cx="0" cy="0"/>
+          <a:chOff x="0" y="0"/>
+          <a:chExt cx="0" cy="0"/>
+        </a:xfrm>
+      </p:grpSpPr>
+      <p:sp>
+        <p:nvSpPr>
+          <p:cNvPr id="2" name="Titolo 1">
+            <a:extLst>
+              <a:ext uri="{FF2B5EF4-FFF2-40B4-BE49-F238E27FC236}">
+                <a16:creationId xmlns:a16="http://schemas.microsoft.com/office/drawing/2014/main" id="{AF7B3018-7AA2-58F4-D42F-642C09C02F88}"/>
+              </a:ext>
+            </a:extLst>
+          </p:cNvPr>
+          <p:cNvSpPr>
+            <a:spLocks noGrp="1"/>
+          </p:cNvSpPr>
+          <p:nvPr>
+            <p:ph type="title"/>
+          </p:nvPr>
+        </p:nvSpPr>
+        <p:spPr>
+          <a:xfrm>
+            <a:off x="1141413" y="618518"/>
+            <a:ext cx="9905998" cy="790404"/>
+          </a:xfrm>
+        </p:spPr>
+        <p:txBody>
+          <a:bodyPr rtlCol="0">
+            <a:normAutofit fontScale="90000"/>
+          </a:bodyPr>
+          <a:lstStyle/>
+          <a:p>
+            <a:pPr rtl="0"/>
+            <a:r>
+              <a:rPr lang="it-IT" sz="4400" dirty="0">
+                <a:latin typeface="Rockwell" panose="02060603020205020403" pitchFamily="18" charset="0"/>
+              </a:rPr>
+              <a:t>second mode </a:t>
+            </a:r>
+            <a:r>
+              <a:rPr lang="it-IT" sz="4400" dirty="0" err="1">
+                <a:latin typeface="Rockwell" panose="02060603020205020403" pitchFamily="18" charset="0"/>
+              </a:rPr>
+              <a:t>attenuation</a:t>
+            </a:r>
+            <a:r>
+              <a:rPr lang="it-IT" sz="4400" dirty="0">
+                <a:latin typeface="Rockwell" panose="02060603020205020403" pitchFamily="18" charset="0"/>
+              </a:rPr>
+              <a:t> </a:t>
+            </a:r>
+            <a:r>
+              <a:rPr lang="it-IT" sz="4400" dirty="0" err="1">
+                <a:latin typeface="Rockwell" panose="02060603020205020403" pitchFamily="18" charset="0"/>
+              </a:rPr>
+              <a:t>result</a:t>
+            </a:r>
+            <a:endParaRPr lang="it-IT" sz="4400" dirty="0">
+              <a:latin typeface="Rockwell" panose="02060603020205020403" pitchFamily="18" charset="0"/>
+            </a:endParaRPr>
+          </a:p>
+        </p:txBody>
+      </p:sp>
+      <p:sp>
+        <p:nvSpPr>
+          <p:cNvPr id="3" name="Titolo 1">
+            <a:extLst>
+              <a:ext uri="{FF2B5EF4-FFF2-40B4-BE49-F238E27FC236}">
+                <a16:creationId xmlns:a16="http://schemas.microsoft.com/office/drawing/2014/main" id="{4A89BA54-6DF8-7E4D-EE25-2906FCB982E3}"/>
+              </a:ext>
+            </a:extLst>
+          </p:cNvPr>
+          <p:cNvSpPr txBox="1">
+            <a:spLocks/>
+          </p:cNvSpPr>
+          <p:nvPr/>
+        </p:nvSpPr>
+        <p:spPr>
+          <a:xfrm>
+            <a:off x="1141413" y="1408922"/>
+            <a:ext cx="9905998" cy="438539"/>
+          </a:xfrm>
+          <a:prstGeom prst="rect">
+            <a:avLst/>
+          </a:prstGeom>
+        </p:spPr>
+        <p:txBody>
+          <a:bodyPr vert="horz" lIns="91440" tIns="45720" rIns="91440" bIns="45720" rtlCol="0" anchor="ctr">
+            <a:normAutofit fontScale="70000" lnSpcReduction="20000"/>
+          </a:bodyPr>
+          <a:lstStyle>
+            <a:lvl1pPr algn="l" defTabSz="914400" rtl="0" eaLnBrk="1" latinLnBrk="0" hangingPunct="1">
+              <a:lnSpc>
+                <a:spcPct val="90000"/>
+              </a:lnSpc>
+              <a:spcBef>
+                <a:spcPct val="0"/>
+              </a:spcBef>
+              <a:buNone/>
+              <a:defRPr sz="3600" kern="1200" cap="all" baseline="0">
+                <a:solidFill>
+                  <a:schemeClr val="tx1"/>
+                </a:solidFill>
+                <a:latin typeface="+mj-lt"/>
+                <a:ea typeface="+mj-ea"/>
+                <a:cs typeface="+mj-cs"/>
+              </a:defRPr>
+            </a:lvl1pPr>
+          </a:lstStyle>
+          <a:p>
+            <a:r>
+              <a:rPr lang="it-IT" sz="2800" dirty="0" err="1">
+                <a:latin typeface="Rockwell" panose="02060603020205020403" pitchFamily="18" charset="0"/>
+              </a:rPr>
+              <a:t>Resonant</a:t>
+            </a:r>
+            <a:r>
+              <a:rPr lang="it-IT" sz="4400" dirty="0">
+                <a:latin typeface="Rockwell" panose="02060603020205020403" pitchFamily="18" charset="0"/>
+              </a:rPr>
+              <a:t> </a:t>
+            </a:r>
+          </a:p>
+        </p:txBody>
+      </p:sp>
+    </p:spTree>
+    <p:extLst>
+      <p:ext uri="{BB962C8B-B14F-4D97-AF65-F5344CB8AC3E}">
+        <p14:creationId xmlns:p14="http://schemas.microsoft.com/office/powerpoint/2010/main" val="3569274786"/>
+      </p:ext>
+    </p:extLst>
+  </p:cSld>
+  <p:clrMapOvr>
+    <a:masterClrMapping/>
+  </p:clrMapOvr>
+</p:sld>
+</file>
+
+<file path=ppt/slides/slide12.xml><?xml version="1.0" encoding="utf-8"?>
+<p:sld xmlns:a="http://schemas.openxmlformats.org/drawingml/2006/main" xmlns:r="http://schemas.openxmlformats.org/officeDocument/2006/relationships" xmlns:p="http://schemas.openxmlformats.org/presentationml/2006/main">
+  <p:cSld>
+    <p:spTree>
+      <p:nvGrpSpPr>
+        <p:cNvPr id="1" name="">
+          <a:extLst>
+            <a:ext uri="{FF2B5EF4-FFF2-40B4-BE49-F238E27FC236}">
               <a16:creationId xmlns:a16="http://schemas.microsoft.com/office/drawing/2014/main" id="{EC755A76-1710-7D11-9312-7F0487B5EBC8}"/>
             </a:ext>
           </a:extLst>
@@ -16280,7 +16704,7 @@
         </p:nvSpPr>
         <p:spPr>
           <a:xfrm>
-            <a:off x="1141413" y="618518"/>
+            <a:off x="1391784" y="727375"/>
             <a:ext cx="9905998" cy="790404"/>
           </a:xfrm>
         </p:spPr>
@@ -16292,26 +16716,115 @@
           <a:p>
             <a:pPr rtl="0"/>
             <a:r>
-              <a:rPr lang="it-IT" sz="4400" dirty="0" err="1">
-                <a:latin typeface="Rockwell" panose="02060603020205020403" pitchFamily="18" charset="0"/>
-              </a:rPr>
-              <a:t>Simulation</a:t>
-            </a:r>
-            <a:r>
               <a:rPr lang="it-IT" sz="4400" dirty="0">
                 <a:latin typeface="Rockwell" panose="02060603020205020403" pitchFamily="18" charset="0"/>
               </a:rPr>
-              <a:t> </a:t>
-            </a:r>
-            <a:r>
-              <a:rPr lang="it-IT" sz="4400" dirty="0" err="1">
-                <a:latin typeface="Rockwell" panose="02060603020205020403" pitchFamily="18" charset="0"/>
+              <a:t>GOALS</a:t>
+            </a:r>
+          </a:p>
+        </p:txBody>
+      </p:sp>
+      <p:sp>
+        <p:nvSpPr>
+          <p:cNvPr id="3" name="TextBox 2">
+            <a:extLst>
+              <a:ext uri="{FF2B5EF4-FFF2-40B4-BE49-F238E27FC236}">
+                <a16:creationId xmlns:a16="http://schemas.microsoft.com/office/drawing/2014/main" id="{4CA198BC-6516-7C0A-B661-48F52E8C00A1}"/>
+              </a:ext>
+            </a:extLst>
+          </p:cNvPr>
+          <p:cNvSpPr txBox="1"/>
+          <p:nvPr/>
+        </p:nvSpPr>
+        <p:spPr>
+          <a:xfrm>
+            <a:off x="1507670" y="2226129"/>
+            <a:ext cx="8855529" cy="3170099"/>
+          </a:xfrm>
+          <a:prstGeom prst="rect">
+            <a:avLst/>
+          </a:prstGeom>
+          <a:noFill/>
+        </p:spPr>
+        <p:txBody>
+          <a:bodyPr wrap="square" rtlCol="0">
+            <a:spAutoFit/>
+          </a:bodyPr>
+          <a:lstStyle/>
+          <a:p>
+            <a:r>
+              <a:rPr lang="it-IT" sz="2000" dirty="0"/>
+              <a:t> The gal of our project is:</a:t>
+            </a:r>
+          </a:p>
+          <a:p>
+            <a:r>
+              <a:rPr lang="it-IT" sz="2000" dirty="0"/>
+              <a:t>- </a:t>
+            </a:r>
+            <a:r>
+              <a:rPr lang="it-IT" sz="2000" b="1" dirty="0"/>
+              <a:t>SINGLE MODE </a:t>
+            </a:r>
+            <a:r>
+              <a:rPr lang="it-IT" sz="2000" dirty="0">
+                <a:ln w="0"/>
+                <a:effectLst>
+                  <a:outerShdw blurRad="38100" dist="19050" dir="2700000" algn="tl" rotWithShape="0">
+                    <a:schemeClr val="dk1">
+                      <a:alpha val="40000"/>
+                    </a:schemeClr>
+                  </a:outerShdw>
+                </a:effectLst>
               </a:rPr>
-              <a:t>approach</a:t>
-            </a:r>
-            <a:endParaRPr lang="it-IT" sz="4400" dirty="0">
-              <a:latin typeface="Rockwell" panose="02060603020205020403" pitchFamily="18" charset="0"/>
-            </a:endParaRPr>
+              <a:t>optimization</a:t>
+            </a:r>
+            <a:endParaRPr lang="it-IT" sz="2000" dirty="0"/>
+          </a:p>
+          <a:p>
+            <a:pPr marL="742950" lvl="1" indent="-285750">
+              <a:buFontTx/>
+              <a:buChar char="-"/>
+            </a:pPr>
+            <a:r>
+              <a:rPr lang="it-IT" sz="2000" dirty="0"/>
+              <a:t>Find the optimal value of Resistance to conncet with the pizoelectric bar for reduce the vibration of specific natural frequence.</a:t>
+            </a:r>
+          </a:p>
+          <a:p>
+            <a:pPr marL="742950" lvl="1" indent="-285750">
+              <a:buFontTx/>
+              <a:buChar char="-"/>
+            </a:pPr>
+            <a:r>
+              <a:rPr lang="it-IT" sz="2000" dirty="0"/>
+              <a:t>Find the optimal value of the Indicutance and Resistance to conncet with one piezo and snnoze vibration of specic natural frequence</a:t>
+            </a:r>
+          </a:p>
+          <a:p>
+            <a:pPr marL="285750" indent="-285750">
+              <a:buFontTx/>
+              <a:buChar char="-"/>
+            </a:pPr>
+            <a:r>
+              <a:rPr lang="it-IT" sz="2000" b="1" dirty="0"/>
+              <a:t>MULTI MODE </a:t>
+            </a:r>
+            <a:r>
+              <a:rPr lang="it-IT" sz="2000" dirty="0"/>
+              <a:t>optimization</a:t>
+            </a:r>
+          </a:p>
+          <a:p>
+            <a:pPr marL="742950" lvl="1" indent="-285750">
+              <a:buFontTx/>
+              <a:buChar char="-"/>
+            </a:pPr>
+            <a:r>
+              <a:rPr lang="it-IT" sz="2000" dirty="0"/>
+              <a:t>Find the correct values of L and R and connect these circuit to both piezo patch attached to metallic bar for snnoze the vubration associated to first and second natual frequences of the system</a:t>
+            </a:r>
+            <a:endParaRPr lang="en-GB" sz="2000" dirty="0"/>
           </a:p>
         </p:txBody>
       </p:sp>
@@ -16369,23 +16882,170 @@
         </p:nvSpPr>
         <p:spPr>
           <a:xfrm>
-            <a:off x="1141413" y="618518"/>
+            <a:off x="1391784" y="634846"/>
             <a:ext cx="9905998" cy="790404"/>
           </a:xfrm>
         </p:spPr>
         <p:txBody>
           <a:bodyPr rtlCol="0">
-            <a:normAutofit/>
+            <a:noAutofit/>
           </a:bodyPr>
           <a:lstStyle/>
           <a:p>
             <a:pPr rtl="0"/>
             <a:r>
-              <a:rPr lang="it-IT" sz="4400" dirty="0">
+              <a:rPr lang="it-IT" sz="3200" dirty="0">
                 <a:latin typeface="Rockwell" panose="02060603020205020403" pitchFamily="18" charset="0"/>
               </a:rPr>
-              <a:t>Experiment procedure</a:t>
-            </a:r>
+              <a:t>Experiment procedure SINGLE MODE</a:t>
+            </a:r>
+          </a:p>
+        </p:txBody>
+      </p:sp>
+      <p:sp>
+        <p:nvSpPr>
+          <p:cNvPr id="4" name="TextBox 3">
+            <a:extLst>
+              <a:ext uri="{FF2B5EF4-FFF2-40B4-BE49-F238E27FC236}">
+                <a16:creationId xmlns:a16="http://schemas.microsoft.com/office/drawing/2014/main" id="{9DAA8730-5F44-A081-5D84-3C47D0C4EA24}"/>
+              </a:ext>
+            </a:extLst>
+          </p:cNvPr>
+          <p:cNvSpPr txBox="1"/>
+          <p:nvPr/>
+        </p:nvSpPr>
+        <p:spPr>
+          <a:xfrm>
+            <a:off x="1589314" y="1953986"/>
+            <a:ext cx="9105900" cy="4339650"/>
+          </a:xfrm>
+          <a:prstGeom prst="rect">
+            <a:avLst/>
+          </a:prstGeom>
+          <a:noFill/>
+        </p:spPr>
+        <p:txBody>
+          <a:bodyPr wrap="square" rtlCol="0">
+            <a:spAutoFit/>
+          </a:bodyPr>
+          <a:lstStyle/>
+          <a:p>
+            <a:r>
+              <a:rPr lang="it-IT" sz="2000" dirty="0"/>
+              <a:t>The procedure utilized for the single mode piezo-shaunt optimization is the following:</a:t>
+            </a:r>
+          </a:p>
+          <a:p>
+            <a:endParaRPr lang="it-IT" sz="2000" dirty="0"/>
+          </a:p>
+          <a:p>
+            <a:pPr marL="285750" indent="-285750">
+              <a:buFontTx/>
+              <a:buChar char="-"/>
+            </a:pPr>
+            <a:r>
+              <a:rPr lang="it-IT" sz="2000" dirty="0"/>
+              <a:t>Preoare and check all the laboratory equipement  </a:t>
+            </a:r>
+          </a:p>
+          <a:p>
+            <a:pPr marL="285750" indent="-285750">
+              <a:buFontTx/>
+              <a:buChar char="-"/>
+            </a:pPr>
+            <a:r>
+              <a:rPr lang="it-IT" sz="2000" dirty="0"/>
+              <a:t>Set all the Dewesoft parameters for acquiring correct data ( sampling freq, and natural freequences of our interest)</a:t>
+            </a:r>
+          </a:p>
+          <a:p>
+            <a:pPr marL="285750" indent="-285750">
+              <a:buFontTx/>
+              <a:buChar char="-"/>
+            </a:pPr>
+            <a:r>
+              <a:rPr lang="it-IT" sz="2000" dirty="0"/>
+              <a:t>Excite the bar with </a:t>
+            </a:r>
+            <a:r>
+              <a:rPr lang="it-IT" sz="2000" b="1" dirty="0"/>
+              <a:t>WHITE NOISE signal</a:t>
+            </a:r>
+            <a:r>
+              <a:rPr lang="it-IT" sz="2000" dirty="0"/>
+              <a:t>, elaborate a little bit the </a:t>
+            </a:r>
+            <a:r>
+              <a:rPr lang="it-IT" sz="2000" b="1" dirty="0"/>
+              <a:t>WN</a:t>
+            </a:r>
+            <a:r>
+              <a:rPr lang="it-IT" sz="2000" dirty="0"/>
+              <a:t> signal for better analysis (use of hanning window) </a:t>
+            </a:r>
+          </a:p>
+          <a:p>
+            <a:pPr marL="285750" indent="-285750">
+              <a:buFontTx/>
+              <a:buChar char="-"/>
+            </a:pPr>
+            <a:r>
+              <a:rPr lang="it-IT" sz="2000" dirty="0"/>
+              <a:t>Find the </a:t>
+            </a:r>
+            <a:r>
+              <a:rPr lang="it-IT" sz="2000" b="1" i="1" dirty="0"/>
+              <a:t>FRF</a:t>
+            </a:r>
+            <a:r>
+              <a:rPr lang="it-IT" sz="2000" dirty="0"/>
+              <a:t> (Frequency response funcion with different system configuration:</a:t>
+            </a:r>
+          </a:p>
+          <a:p>
+            <a:pPr marL="742950" lvl="1" indent="-285750">
+              <a:buFontTx/>
+              <a:buChar char="-"/>
+            </a:pPr>
+            <a:r>
+              <a:rPr lang="it-IT" sz="2000" b="1" dirty="0"/>
+              <a:t>FRF_sc_sc</a:t>
+            </a:r>
+            <a:r>
+              <a:rPr lang="it-IT" sz="2000" dirty="0"/>
+              <a:t>: two piezo in short circuit ( no influemce of the piezo voltage on mechanical system)</a:t>
+            </a:r>
+          </a:p>
+          <a:p>
+            <a:pPr marL="742950" lvl="1" indent="-285750">
+              <a:buFontTx/>
+              <a:buChar char="-"/>
+            </a:pPr>
+            <a:r>
+              <a:rPr lang="it-IT" sz="2000" b="1" dirty="0"/>
+              <a:t>FRF_oc_sc</a:t>
+            </a:r>
+            <a:r>
+              <a:rPr lang="it-IT" sz="2000" dirty="0"/>
+              <a:t>: the first piezo id now in open circuit, so its voltage influenzate the system maechanical behaviour</a:t>
+            </a:r>
+          </a:p>
+          <a:p>
+            <a:pPr marL="742950" lvl="1" indent="-285750">
+              <a:buFontTx/>
+              <a:buChar char="-"/>
+            </a:pPr>
+            <a:r>
+              <a:rPr lang="it-IT" sz="2000" b="1" dirty="0"/>
+              <a:t>FRF_sc_oc</a:t>
+            </a:r>
+            <a:r>
+              <a:rPr lang="it-IT" sz="2000" dirty="0"/>
+              <a:t>: now the first piezo is in short circuit and the second in open circit</a:t>
+            </a:r>
+          </a:p>
+          <a:p>
+            <a:endParaRPr lang="it-IT" dirty="0"/>
           </a:p>
         </p:txBody>
       </p:sp>
@@ -16425,6 +17085,37 @@
           <a:chExt cx="0" cy="0"/>
         </a:xfrm>
       </p:grpSpPr>
+      <p:pic>
+        <p:nvPicPr>
+          <p:cNvPr id="4" name="Picture 3" descr="A graph of a graph&#10;&#10;AI-generated content may be incorrect.">
+            <a:extLst>
+              <a:ext uri="{FF2B5EF4-FFF2-40B4-BE49-F238E27FC236}">
+                <a16:creationId xmlns:a16="http://schemas.microsoft.com/office/drawing/2014/main" id="{D09013C3-8CF9-C767-E9F6-21AAF8B9E8F5}"/>
+              </a:ext>
+            </a:extLst>
+          </p:cNvPr>
+          <p:cNvPicPr>
+            <a:picLocks noChangeAspect="1"/>
+          </p:cNvPicPr>
+          <p:nvPr/>
+        </p:nvPicPr>
+        <p:blipFill>
+          <a:blip r:embed="rId3"/>
+          <a:stretch>
+            <a:fillRect/>
+          </a:stretch>
+        </p:blipFill>
+        <p:spPr>
+          <a:xfrm>
+            <a:off x="4303711" y="1825587"/>
+            <a:ext cx="6921500" cy="3758759"/>
+          </a:xfrm>
+          <a:prstGeom prst="rect">
+            <a:avLst/>
+          </a:prstGeom>
+          <a:noFill/>
+        </p:spPr>
+      </p:pic>
       <p:sp>
         <p:nvSpPr>
           <p:cNvPr id="2" name="Titolo 1">
@@ -16443,7 +17134,7 @@
         </p:nvSpPr>
         <p:spPr>
           <a:xfrm>
-            <a:off x="1141413" y="618518"/>
+            <a:off x="1415957" y="404756"/>
             <a:ext cx="9905998" cy="790404"/>
           </a:xfrm>
         </p:spPr>
@@ -16458,8 +17149,170 @@
               <a:rPr lang="it-IT" sz="4400" dirty="0">
                 <a:latin typeface="Rockwell" panose="02060603020205020403" pitchFamily="18" charset="0"/>
               </a:rPr>
-              <a:t>Experiment procedure</a:t>
-            </a:r>
+              <a:t>FRF </a:t>
+            </a:r>
+            <a:r>
+              <a:rPr lang="it-IT" sz="4400" dirty="0">
+                <a:solidFill>
+                  <a:srgbClr val="002060"/>
+                </a:solidFill>
+                <a:latin typeface="Rockwell" panose="02060603020205020403" pitchFamily="18" charset="0"/>
+              </a:rPr>
+              <a:t>SC-SC</a:t>
+            </a:r>
+            <a:r>
+              <a:rPr lang="it-IT" sz="4400" dirty="0">
+                <a:latin typeface="Rockwell" panose="02060603020205020403" pitchFamily="18" charset="0"/>
+              </a:rPr>
+              <a:t> / </a:t>
+            </a:r>
+            <a:r>
+              <a:rPr lang="it-IT" sz="4400" dirty="0">
+                <a:solidFill>
+                  <a:srgbClr val="C00000"/>
+                </a:solidFill>
+                <a:latin typeface="Rockwell" panose="02060603020205020403" pitchFamily="18" charset="0"/>
+              </a:rPr>
+              <a:t>OC-OC</a:t>
+            </a:r>
+          </a:p>
+        </p:txBody>
+      </p:sp>
+      <p:pic>
+        <p:nvPicPr>
+          <p:cNvPr id="10" name="Picture 9" descr="A graph with red and blue lines&#10;&#10;AI-generated content may be incorrect.">
+            <a:extLst>
+              <a:ext uri="{FF2B5EF4-FFF2-40B4-BE49-F238E27FC236}">
+                <a16:creationId xmlns:a16="http://schemas.microsoft.com/office/drawing/2014/main" id="{0DFDF52E-7852-94FE-0C23-F02491BE2358}"/>
+              </a:ext>
+            </a:extLst>
+          </p:cNvPr>
+          <p:cNvPicPr>
+            <a:picLocks noChangeAspect="1"/>
+          </p:cNvPicPr>
+          <p:nvPr/>
+        </p:nvPicPr>
+        <p:blipFill>
+          <a:blip r:embed="rId4"/>
+          <a:stretch>
+            <a:fillRect/>
+          </a:stretch>
+        </p:blipFill>
+        <p:spPr>
+          <a:xfrm>
+            <a:off x="1415956" y="1242841"/>
+            <a:ext cx="2747001" cy="4924252"/>
+          </a:xfrm>
+          <a:prstGeom prst="rect">
+            <a:avLst/>
+          </a:prstGeom>
+        </p:spPr>
+      </p:pic>
+      <p:sp>
+        <p:nvSpPr>
+          <p:cNvPr id="11" name="Oval 10">
+            <a:extLst>
+              <a:ext uri="{FF2B5EF4-FFF2-40B4-BE49-F238E27FC236}">
+                <a16:creationId xmlns:a16="http://schemas.microsoft.com/office/drawing/2014/main" id="{6D07532F-CD2C-8666-C77D-EAE8DA57FF92}"/>
+              </a:ext>
+            </a:extLst>
+          </p:cNvPr>
+          <p:cNvSpPr/>
+          <p:nvPr/>
+        </p:nvSpPr>
+        <p:spPr>
+          <a:xfrm>
+            <a:off x="5224641" y="1954530"/>
+            <a:ext cx="438151" cy="715010"/>
+          </a:xfrm>
+          <a:prstGeom prst="ellipse">
+            <a:avLst/>
+          </a:prstGeom>
+          <a:noFill/>
+          <a:ln w="38100">
+            <a:solidFill>
+              <a:srgbClr val="FF0000"/>
+            </a:solidFill>
+          </a:ln>
+        </p:spPr>
+        <p:style>
+          <a:lnRef idx="2">
+            <a:schemeClr val="accent1">
+              <a:shade val="15000"/>
+            </a:schemeClr>
+          </a:lnRef>
+          <a:fillRef idx="1">
+            <a:schemeClr val="accent1"/>
+          </a:fillRef>
+          <a:effectRef idx="0">
+            <a:schemeClr val="accent1"/>
+          </a:effectRef>
+          <a:fontRef idx="minor">
+            <a:schemeClr val="lt1"/>
+          </a:fontRef>
+        </p:style>
+        <p:txBody>
+          <a:bodyPr rtlCol="0" anchor="ctr"/>
+          <a:lstStyle/>
+          <a:p>
+            <a:pPr algn="ctr"/>
+            <a:endParaRPr lang="en-GB" dirty="0"/>
+          </a:p>
+        </p:txBody>
+      </p:sp>
+      <p:sp>
+        <p:nvSpPr>
+          <p:cNvPr id="13" name="Arrow: Right 12">
+            <a:extLst>
+              <a:ext uri="{FF2B5EF4-FFF2-40B4-BE49-F238E27FC236}">
+                <a16:creationId xmlns:a16="http://schemas.microsoft.com/office/drawing/2014/main" id="{28007CEA-2BC1-4369-218B-59C42C1306CC}"/>
+              </a:ext>
+            </a:extLst>
+          </p:cNvPr>
+          <p:cNvSpPr/>
+          <p:nvPr/>
+        </p:nvSpPr>
+        <p:spPr>
+          <a:xfrm rot="10430790">
+            <a:off x="3587036" y="2063582"/>
+            <a:ext cx="1433352" cy="715010"/>
+          </a:xfrm>
+          <a:prstGeom prst="rightArrow">
+            <a:avLst/>
+          </a:prstGeom>
+          <a:noFill/>
+          <a:ln w="38100">
+            <a:solidFill>
+              <a:srgbClr val="FF0000"/>
+            </a:solidFill>
+          </a:ln>
+        </p:spPr>
+        <p:style>
+          <a:lnRef idx="2">
+            <a:schemeClr val="accent1">
+              <a:shade val="15000"/>
+            </a:schemeClr>
+          </a:lnRef>
+          <a:fillRef idx="1">
+            <a:schemeClr val="accent1"/>
+          </a:fillRef>
+          <a:effectRef idx="0">
+            <a:schemeClr val="accent1"/>
+          </a:effectRef>
+          <a:fontRef idx="minor">
+            <a:schemeClr val="lt1"/>
+          </a:fontRef>
+        </p:style>
+        <p:txBody>
+          <a:bodyPr rtlCol="0" anchor="ctr"/>
+          <a:lstStyle/>
+          <a:p>
+            <a:pPr algn="r"/>
+            <a:endParaRPr lang="en-GB" dirty="0">
+              <a:solidFill>
+                <a:srgbClr val="00B050"/>
+              </a:solidFill>
+            </a:endParaRPr>
           </a:p>
         </p:txBody>
       </p:sp>
@@ -16477,6 +17330,536 @@
 </file>
 
 <file path=ppt/slides/slide7.xml><?xml version="1.0" encoding="utf-8"?>
+<p:sld xmlns:a="http://schemas.openxmlformats.org/drawingml/2006/main" xmlns:r="http://schemas.openxmlformats.org/officeDocument/2006/relationships" xmlns:p="http://schemas.openxmlformats.org/presentationml/2006/main">
+  <p:cSld>
+    <p:spTree>
+      <p:nvGrpSpPr>
+        <p:cNvPr id="1" name=""/>
+        <p:cNvGrpSpPr/>
+        <p:nvPr/>
+      </p:nvGrpSpPr>
+      <p:grpSpPr>
+        <a:xfrm>
+          <a:off x="0" y="0"/>
+          <a:ext cx="0" cy="0"/>
+          <a:chOff x="0" y="0"/>
+          <a:chExt cx="0" cy="0"/>
+        </a:xfrm>
+      </p:grpSpPr>
+      <p:sp>
+        <p:nvSpPr>
+          <p:cNvPr id="2" name="Title 1">
+            <a:extLst>
+              <a:ext uri="{FF2B5EF4-FFF2-40B4-BE49-F238E27FC236}">
+                <a16:creationId xmlns:a16="http://schemas.microsoft.com/office/drawing/2014/main" id="{90078109-AACC-256F-4B3D-4E054D73DEF2}"/>
+              </a:ext>
+            </a:extLst>
+          </p:cNvPr>
+          <p:cNvSpPr>
+            <a:spLocks noGrp="1"/>
+          </p:cNvSpPr>
+          <p:nvPr>
+            <p:ph type="title"/>
+          </p:nvPr>
+        </p:nvSpPr>
+        <p:spPr>
+          <a:xfrm>
+            <a:off x="1312863" y="205768"/>
+            <a:ext cx="9905998" cy="867382"/>
+          </a:xfrm>
+        </p:spPr>
+        <p:txBody>
+          <a:bodyPr/>
+          <a:lstStyle/>
+          <a:p>
+            <a:endParaRPr lang="en-GB" dirty="0"/>
+          </a:p>
+        </p:txBody>
+      </p:sp>
+      <p:sp>
+        <p:nvSpPr>
+          <p:cNvPr id="3" name="Content Placeholder 2">
+            <a:extLst>
+              <a:ext uri="{FF2B5EF4-FFF2-40B4-BE49-F238E27FC236}">
+                <a16:creationId xmlns:a16="http://schemas.microsoft.com/office/drawing/2014/main" id="{1F72DD8B-B373-D0DE-4A85-9F7715CBF6C2}"/>
+              </a:ext>
+            </a:extLst>
+          </p:cNvPr>
+          <p:cNvSpPr>
+            <a:spLocks noGrp="1"/>
+          </p:cNvSpPr>
+          <p:nvPr>
+            <p:ph idx="1"/>
+          </p:nvPr>
+        </p:nvSpPr>
+        <p:spPr>
+          <a:xfrm>
+            <a:off x="1047751" y="1301750"/>
+            <a:ext cx="4483099" cy="4984750"/>
+          </a:xfrm>
+        </p:spPr>
+        <p:txBody>
+          <a:bodyPr>
+            <a:normAutofit/>
+          </a:bodyPr>
+          <a:lstStyle/>
+          <a:p>
+            <a:pPr>
+              <a:buFontTx/>
+              <a:buChar char="-"/>
+            </a:pPr>
+            <a:r>
+              <a:rPr lang="it-IT" sz="1900" dirty="0"/>
+              <a:t>FRF sc-sc allow us to find:</a:t>
+            </a:r>
+          </a:p>
+          <a:p>
+            <a:pPr>
+              <a:buFontTx/>
+              <a:buChar char="-"/>
+            </a:pPr>
+            <a:r>
+              <a:rPr lang="it-IT" sz="1900" dirty="0"/>
+              <a:t>Natual frequences of the mecchanical system without the influence of the two piezo’s voltage</a:t>
+            </a:r>
+          </a:p>
+          <a:p>
+            <a:pPr lvl="1">
+              <a:buFontTx/>
+              <a:buChar char="-"/>
+            </a:pPr>
+            <a:r>
+              <a:rPr lang="it-IT" sz="1900" dirty="0"/>
+              <a:t>w_1 = 20.122 [Hz]</a:t>
+            </a:r>
+          </a:p>
+          <a:p>
+            <a:pPr lvl="1">
+              <a:buFontTx/>
+              <a:buChar char="-"/>
+            </a:pPr>
+            <a:r>
+              <a:rPr lang="it-IT" sz="1900" dirty="0"/>
+              <a:t>w_2 = 115.74 [Hz]</a:t>
+            </a:r>
+          </a:p>
+          <a:p>
+            <a:pPr lvl="1">
+              <a:buFontTx/>
+              <a:buChar char="-"/>
+            </a:pPr>
+            <a:r>
+              <a:rPr lang="it-IT" sz="1900" dirty="0"/>
+              <a:t>w_2 = 314.24 [Hz]</a:t>
+            </a:r>
+          </a:p>
+          <a:p>
+            <a:pPr>
+              <a:buFontTx/>
+              <a:buChar char="-"/>
+            </a:pPr>
+            <a:r>
+              <a:rPr lang="it-IT" sz="1900" dirty="0"/>
+              <a:t>Mechanical damping of the system associated to different mode shape csi</a:t>
+            </a:r>
+          </a:p>
+          <a:p>
+            <a:pPr lvl="1">
+              <a:buFontTx/>
+              <a:buChar char="-"/>
+            </a:pPr>
+            <a:r>
+              <a:rPr lang="en-GB" sz="1900" dirty="0">
+                <a:latin typeface="Tw Cen MT (Body)"/>
+              </a:rPr>
+              <a:t>csi_1</a:t>
+            </a:r>
+            <a:r>
+              <a:rPr lang="en-GB" sz="1900" b="0" i="0" dirty="0">
+                <a:effectLst/>
+                <a:latin typeface="Tw Cen MT (Body)"/>
+              </a:rPr>
+              <a:t> = 0.0010033</a:t>
+            </a:r>
+          </a:p>
+          <a:p>
+            <a:pPr lvl="1">
+              <a:buFontTx/>
+              <a:buChar char="-"/>
+            </a:pPr>
+            <a:r>
+              <a:rPr lang="en-GB" sz="1900" dirty="0">
+                <a:latin typeface="Tw Cen MT (Body)"/>
+              </a:rPr>
+              <a:t>c</a:t>
+            </a:r>
+            <a:r>
+              <a:rPr lang="en-GB" sz="1900" b="0" i="0" dirty="0">
+                <a:effectLst/>
+                <a:latin typeface="Tw Cen MT (Body)"/>
+              </a:rPr>
+              <a:t>si_2= 0.0047168</a:t>
+            </a:r>
+          </a:p>
+          <a:p>
+            <a:pPr marL="457200" lvl="1" indent="0">
+              <a:buNone/>
+            </a:pPr>
+            <a:r>
+              <a:rPr lang="en-GB" sz="1900" dirty="0">
+                <a:latin typeface="Tw Cen MT (Body)"/>
+              </a:rPr>
+              <a:t>-  csi_3</a:t>
+            </a:r>
+            <a:r>
+              <a:rPr lang="en-GB" sz="1900" b="0" i="0" dirty="0">
+                <a:effectLst/>
+                <a:latin typeface="Tw Cen MT (Body)"/>
+              </a:rPr>
+              <a:t> = 0.0028293</a:t>
+            </a:r>
+          </a:p>
+          <a:p>
+            <a:pPr>
+              <a:buFontTx/>
+              <a:buChar char="-"/>
+            </a:pPr>
+            <a:endParaRPr lang="it-IT" dirty="0"/>
+          </a:p>
+          <a:p>
+            <a:pPr>
+              <a:buFontTx/>
+              <a:buChar char="-"/>
+            </a:pPr>
+            <a:endParaRPr lang="en-GB" dirty="0"/>
+          </a:p>
+        </p:txBody>
+      </p:sp>
+      <p:sp>
+        <p:nvSpPr>
+          <p:cNvPr id="4" name="Content Placeholder 2">
+            <a:extLst>
+              <a:ext uri="{FF2B5EF4-FFF2-40B4-BE49-F238E27FC236}">
+                <a16:creationId xmlns:a16="http://schemas.microsoft.com/office/drawing/2014/main" id="{C89CF9D6-894F-6DAB-E0E5-027FFD2B92BE}"/>
+              </a:ext>
+            </a:extLst>
+          </p:cNvPr>
+          <p:cNvSpPr txBox="1">
+            <a:spLocks/>
+          </p:cNvSpPr>
+          <p:nvPr/>
+        </p:nvSpPr>
+        <p:spPr>
+          <a:xfrm>
+            <a:off x="6242049" y="1289050"/>
+            <a:ext cx="4902200" cy="4984750"/>
+          </a:xfrm>
+          <a:prstGeom prst="rect">
+            <a:avLst/>
+          </a:prstGeom>
+        </p:spPr>
+        <p:txBody>
+          <a:bodyPr vert="horz" lIns="91440" tIns="45720" rIns="91440" bIns="45720" rtlCol="0">
+            <a:normAutofit fontScale="92500" lnSpcReduction="10000"/>
+          </a:bodyPr>
+          <a:lstStyle>
+            <a:lvl1pPr marL="228600" indent="-228600" algn="l" defTabSz="914400" rtl="0" eaLnBrk="1" latinLnBrk="0" hangingPunct="1">
+              <a:lnSpc>
+                <a:spcPct val="120000"/>
+              </a:lnSpc>
+              <a:spcBef>
+                <a:spcPts val="1000"/>
+              </a:spcBef>
+              <a:buSzPct val="125000"/>
+              <a:buFont typeface="Arial" panose="020B0604020202020204" pitchFamily="34" charset="0"/>
+              <a:buChar char="•"/>
+              <a:defRPr sz="2400" kern="1200">
+                <a:solidFill>
+                  <a:schemeClr val="tx1"/>
+                </a:solidFill>
+                <a:latin typeface="+mn-lt"/>
+                <a:ea typeface="+mn-ea"/>
+                <a:cs typeface="+mn-cs"/>
+              </a:defRPr>
+            </a:lvl1pPr>
+            <a:lvl2pPr marL="685800" indent="-228600" algn="l" defTabSz="914400" rtl="0" eaLnBrk="1" latinLnBrk="0" hangingPunct="1">
+              <a:lnSpc>
+                <a:spcPct val="120000"/>
+              </a:lnSpc>
+              <a:spcBef>
+                <a:spcPts val="500"/>
+              </a:spcBef>
+              <a:buSzPct val="125000"/>
+              <a:buFont typeface="Arial" panose="020B0604020202020204" pitchFamily="34" charset="0"/>
+              <a:buChar char="•"/>
+              <a:defRPr sz="2000" kern="1200">
+                <a:solidFill>
+                  <a:schemeClr val="tx1"/>
+                </a:solidFill>
+                <a:latin typeface="+mn-lt"/>
+                <a:ea typeface="+mn-ea"/>
+                <a:cs typeface="+mn-cs"/>
+              </a:defRPr>
+            </a:lvl2pPr>
+            <a:lvl3pPr marL="1143000" indent="-228600" algn="l" defTabSz="914400" rtl="0" eaLnBrk="1" latinLnBrk="0" hangingPunct="1">
+              <a:lnSpc>
+                <a:spcPct val="120000"/>
+              </a:lnSpc>
+              <a:spcBef>
+                <a:spcPts val="500"/>
+              </a:spcBef>
+              <a:buSzPct val="125000"/>
+              <a:buFont typeface="Arial" panose="020B0604020202020204" pitchFamily="34" charset="0"/>
+              <a:buChar char="•"/>
+              <a:defRPr sz="1800" kern="1200">
+                <a:solidFill>
+                  <a:schemeClr val="tx1"/>
+                </a:solidFill>
+                <a:latin typeface="+mn-lt"/>
+                <a:ea typeface="+mn-ea"/>
+                <a:cs typeface="+mn-cs"/>
+              </a:defRPr>
+            </a:lvl3pPr>
+            <a:lvl4pPr marL="1600200" indent="-228600" algn="l" defTabSz="914400" rtl="0" eaLnBrk="1" latinLnBrk="0" hangingPunct="1">
+              <a:lnSpc>
+                <a:spcPct val="120000"/>
+              </a:lnSpc>
+              <a:spcBef>
+                <a:spcPts val="500"/>
+              </a:spcBef>
+              <a:buSzPct val="125000"/>
+              <a:buFont typeface="Arial" panose="020B0604020202020204" pitchFamily="34" charset="0"/>
+              <a:buChar char="•"/>
+              <a:defRPr sz="1600" kern="1200">
+                <a:solidFill>
+                  <a:schemeClr val="tx1"/>
+                </a:solidFill>
+                <a:latin typeface="+mn-lt"/>
+                <a:ea typeface="+mn-ea"/>
+                <a:cs typeface="+mn-cs"/>
+              </a:defRPr>
+            </a:lvl4pPr>
+            <a:lvl5pPr marL="2057400" indent="-228600" algn="l" defTabSz="914400" rtl="0" eaLnBrk="1" latinLnBrk="0" hangingPunct="1">
+              <a:lnSpc>
+                <a:spcPct val="120000"/>
+              </a:lnSpc>
+              <a:spcBef>
+                <a:spcPts val="500"/>
+              </a:spcBef>
+              <a:buSzPct val="125000"/>
+              <a:buFont typeface="Arial" panose="020B0604020202020204" pitchFamily="34" charset="0"/>
+              <a:buChar char="•"/>
+              <a:defRPr sz="1600" kern="1200">
+                <a:solidFill>
+                  <a:schemeClr val="tx1"/>
+                </a:solidFill>
+                <a:latin typeface="+mn-lt"/>
+                <a:ea typeface="+mn-ea"/>
+                <a:cs typeface="+mn-cs"/>
+              </a:defRPr>
+            </a:lvl5pPr>
+            <a:lvl6pPr marL="2514600" indent="-228600" algn="l" defTabSz="914400" rtl="0" eaLnBrk="1" latinLnBrk="0" hangingPunct="1">
+              <a:lnSpc>
+                <a:spcPct val="120000"/>
+              </a:lnSpc>
+              <a:spcBef>
+                <a:spcPts val="500"/>
+              </a:spcBef>
+              <a:buSzPct val="125000"/>
+              <a:buFont typeface="Arial" panose="020B0604020202020204" pitchFamily="34" charset="0"/>
+              <a:buChar char="•"/>
+              <a:defRPr sz="1400" kern="1200">
+                <a:solidFill>
+                  <a:schemeClr val="tx1"/>
+                </a:solidFill>
+                <a:latin typeface="+mn-lt"/>
+                <a:ea typeface="+mn-ea"/>
+                <a:cs typeface="+mn-cs"/>
+              </a:defRPr>
+            </a:lvl6pPr>
+            <a:lvl7pPr marL="2971800" indent="-228600" algn="l" defTabSz="914400" rtl="0" eaLnBrk="1" latinLnBrk="0" hangingPunct="1">
+              <a:lnSpc>
+                <a:spcPct val="120000"/>
+              </a:lnSpc>
+              <a:spcBef>
+                <a:spcPts val="500"/>
+              </a:spcBef>
+              <a:buSzPct val="125000"/>
+              <a:buFont typeface="Arial" panose="020B0604020202020204" pitchFamily="34" charset="0"/>
+              <a:buChar char="•"/>
+              <a:defRPr sz="1400" kern="1200">
+                <a:solidFill>
+                  <a:schemeClr val="tx1"/>
+                </a:solidFill>
+                <a:latin typeface="+mn-lt"/>
+                <a:ea typeface="+mn-ea"/>
+                <a:cs typeface="+mn-cs"/>
+              </a:defRPr>
+            </a:lvl7pPr>
+            <a:lvl8pPr marL="3429000" indent="-228600" algn="l" defTabSz="914400" rtl="0" eaLnBrk="1" latinLnBrk="0" hangingPunct="1">
+              <a:lnSpc>
+                <a:spcPct val="120000"/>
+              </a:lnSpc>
+              <a:spcBef>
+                <a:spcPts val="500"/>
+              </a:spcBef>
+              <a:buSzPct val="125000"/>
+              <a:buFont typeface="Arial" panose="020B0604020202020204" pitchFamily="34" charset="0"/>
+              <a:buChar char="•"/>
+              <a:defRPr sz="1400" kern="1200">
+                <a:solidFill>
+                  <a:schemeClr val="tx1"/>
+                </a:solidFill>
+                <a:latin typeface="+mn-lt"/>
+                <a:ea typeface="+mn-ea"/>
+                <a:cs typeface="+mn-cs"/>
+              </a:defRPr>
+            </a:lvl8pPr>
+            <a:lvl9pPr marL="3886200" indent="-228600" algn="l" defTabSz="914400" rtl="0" eaLnBrk="1" latinLnBrk="0" hangingPunct="1">
+              <a:lnSpc>
+                <a:spcPct val="120000"/>
+              </a:lnSpc>
+              <a:spcBef>
+                <a:spcPts val="500"/>
+              </a:spcBef>
+              <a:buSzPct val="125000"/>
+              <a:buFont typeface="Arial" panose="020B0604020202020204" pitchFamily="34" charset="0"/>
+              <a:buChar char="•"/>
+              <a:defRPr sz="1400" kern="1200">
+                <a:solidFill>
+                  <a:schemeClr val="tx1"/>
+                </a:solidFill>
+                <a:latin typeface="+mn-lt"/>
+                <a:ea typeface="+mn-ea"/>
+                <a:cs typeface="+mn-cs"/>
+              </a:defRPr>
+            </a:lvl9pPr>
+          </a:lstStyle>
+          <a:p>
+            <a:pPr>
+              <a:buFontTx/>
+              <a:buChar char="-"/>
+            </a:pPr>
+            <a:r>
+              <a:rPr lang="it-IT" sz="1900" dirty="0"/>
+              <a:t>FRF oc-sc allow us to find:</a:t>
+            </a:r>
+          </a:p>
+          <a:p>
+            <a:pPr>
+              <a:buFontTx/>
+              <a:buChar char="-"/>
+            </a:pPr>
+            <a:r>
+              <a:rPr lang="it-IT" sz="1900" dirty="0"/>
+              <a:t>Natual frequences of the mecchanical system with the influence of the first piezo’s voltage. This cause an increase of stifness of the system, so the natural freq. are little bit high</a:t>
+            </a:r>
+          </a:p>
+          <a:p>
+            <a:pPr lvl="1">
+              <a:buFontTx/>
+              <a:buChar char="-"/>
+            </a:pPr>
+            <a:r>
+              <a:rPr lang="it-IT" sz="1900" dirty="0"/>
+              <a:t>w_1 = 20.723 [Hz]</a:t>
+            </a:r>
+          </a:p>
+          <a:p>
+            <a:pPr lvl="1">
+              <a:buFontTx/>
+              <a:buChar char="-"/>
+            </a:pPr>
+            <a:r>
+              <a:rPr lang="it-IT" sz="1900" dirty="0"/>
+              <a:t>w_2 = 115.94 [Hz]</a:t>
+            </a:r>
+          </a:p>
+          <a:p>
+            <a:pPr lvl="1">
+              <a:buFontTx/>
+              <a:buChar char="-"/>
+            </a:pPr>
+            <a:r>
+              <a:rPr lang="it-IT" sz="1900" dirty="0"/>
+              <a:t>w_2 = 314.81 [Hz]</a:t>
+            </a:r>
+          </a:p>
+          <a:p>
+            <a:pPr>
+              <a:buFontTx/>
+              <a:buChar char="-"/>
+            </a:pPr>
+            <a:r>
+              <a:rPr lang="it-IT" sz="1900" dirty="0"/>
+              <a:t>Mechanical damping of the system associated to different mode shape csi, also the damping is little bit high	</a:t>
+            </a:r>
+          </a:p>
+          <a:p>
+            <a:pPr lvl="1">
+              <a:buFontTx/>
+              <a:buChar char="-"/>
+            </a:pPr>
+            <a:r>
+              <a:rPr lang="en-GB" sz="1900" dirty="0">
+                <a:latin typeface="Tw Cen MT (Body)"/>
+              </a:rPr>
+              <a:t>csi_1 = 0.0086232</a:t>
+            </a:r>
+          </a:p>
+          <a:p>
+            <a:pPr lvl="1">
+              <a:buFontTx/>
+              <a:buChar char="-"/>
+            </a:pPr>
+            <a:r>
+              <a:rPr lang="en-GB" sz="1900" dirty="0">
+                <a:latin typeface="Tw Cen MT (Body)"/>
+              </a:rPr>
+              <a:t>csi_2= 0.0053901</a:t>
+            </a:r>
+          </a:p>
+          <a:p>
+            <a:pPr marL="457200" lvl="1" indent="0">
+              <a:buFont typeface="Arial" panose="020B0604020202020204" pitchFamily="34" charset="0"/>
+              <a:buNone/>
+            </a:pPr>
+            <a:r>
+              <a:rPr lang="en-GB" sz="1900" dirty="0">
+                <a:latin typeface="Tw Cen MT (Body)"/>
+              </a:rPr>
+              <a:t>-  csi_3 = 0.0040261</a:t>
+            </a:r>
+          </a:p>
+          <a:p>
+            <a:pPr marL="0" indent="0">
+              <a:buNone/>
+            </a:pPr>
+            <a:endParaRPr lang="it-IT" dirty="0"/>
+          </a:p>
+          <a:p>
+            <a:pPr>
+              <a:buFontTx/>
+              <a:buChar char="-"/>
+            </a:pPr>
+            <a:endParaRPr lang="en-GB" dirty="0"/>
+          </a:p>
+        </p:txBody>
+      </p:sp>
+    </p:spTree>
+    <p:extLst>
+      <p:ext uri="{BB962C8B-B14F-4D97-AF65-F5344CB8AC3E}">
+        <p14:creationId xmlns:p14="http://schemas.microsoft.com/office/powerpoint/2010/main" val="1194759343"/>
+      </p:ext>
+    </p:extLst>
+  </p:cSld>
+  <p:clrMapOvr>
+    <a:masterClrMapping/>
+  </p:clrMapOvr>
+</p:sld>
+</file>
+
+<file path=ppt/slides/slide8.xml><?xml version="1.0" encoding="utf-8"?>
 <p:sld xmlns:a="http://schemas.openxmlformats.org/drawingml/2006/main" xmlns:r="http://schemas.openxmlformats.org/officeDocument/2006/relationships" xmlns:p="http://schemas.openxmlformats.org/presentationml/2006/main">
   <p:cSld>
     <p:spTree>
@@ -16517,7 +17900,7 @@
         </p:nvSpPr>
         <p:spPr>
           <a:xfrm>
-            <a:off x="1141413" y="618518"/>
+            <a:off x="1141413" y="510568"/>
             <a:ext cx="9905998" cy="790404"/>
           </a:xfrm>
         </p:spPr>
@@ -16532,29 +17915,8 @@
               <a:rPr lang="it-IT" sz="4400" dirty="0">
                 <a:latin typeface="Rockwell" panose="02060603020205020403" pitchFamily="18" charset="0"/>
               </a:rPr>
-              <a:t>First mode </a:t>
-            </a:r>
-            <a:r>
-              <a:rPr lang="it-IT" sz="4400" dirty="0" err="1">
-                <a:latin typeface="Rockwell" panose="02060603020205020403" pitchFamily="18" charset="0"/>
-              </a:rPr>
-              <a:t>attenuation</a:t>
-            </a:r>
-            <a:r>
-              <a:rPr lang="it-IT" sz="4400" dirty="0">
-                <a:latin typeface="Rockwell" panose="02060603020205020403" pitchFamily="18" charset="0"/>
-              </a:rPr>
-              <a:t> </a:t>
-            </a:r>
-            <a:r>
-              <a:rPr lang="it-IT" sz="4400" dirty="0" err="1">
-                <a:latin typeface="Rockwell" panose="02060603020205020403" pitchFamily="18" charset="0"/>
-              </a:rPr>
-              <a:t>result</a:t>
-            </a:r>
-            <a:endParaRPr lang="it-IT" sz="4400" dirty="0">
-              <a:latin typeface="Rockwell" panose="02060603020205020403" pitchFamily="18" charset="0"/>
-            </a:endParaRPr>
+              <a:t>First mode RESISTIVE SHAUNT </a:t>
+            </a:r>
           </a:p>
         </p:txBody>
       </p:sp>
@@ -16606,12 +17968,6 @@
           </a:lstStyle>
           <a:p>
             <a:r>
-              <a:rPr lang="it-IT" sz="2800" dirty="0">
-                <a:latin typeface="Rockwell" panose="02060603020205020403" pitchFamily="18" charset="0"/>
-              </a:rPr>
-              <a:t>Resistive</a:t>
-            </a:r>
-            <a:r>
               <a:rPr lang="it-IT" sz="4400" dirty="0">
                 <a:latin typeface="Rockwell" panose="02060603020205020403" pitchFamily="18" charset="0"/>
               </a:rPr>
@@ -16620,167 +17976,52 @@
           </a:p>
         </p:txBody>
       </p:sp>
+      <p:sp>
+        <p:nvSpPr>
+          <p:cNvPr id="6" name="TextBox 5">
+            <a:extLst>
+              <a:ext uri="{FF2B5EF4-FFF2-40B4-BE49-F238E27FC236}">
+                <a16:creationId xmlns:a16="http://schemas.microsoft.com/office/drawing/2014/main" id="{B55ADFDB-8B55-ACEE-DEBD-F158CCDDA013}"/>
+              </a:ext>
+            </a:extLst>
+          </p:cNvPr>
+          <p:cNvSpPr txBox="1"/>
+          <p:nvPr/>
+        </p:nvSpPr>
+        <p:spPr>
+          <a:xfrm>
+            <a:off x="1141413" y="2082800"/>
+            <a:ext cx="9342437" cy="1015663"/>
+          </a:xfrm>
+          <a:prstGeom prst="rect">
+            <a:avLst/>
+          </a:prstGeom>
+          <a:noFill/>
+        </p:spPr>
+        <p:txBody>
+          <a:bodyPr wrap="square" rtlCol="0">
+            <a:spAutoFit/>
+          </a:bodyPr>
+          <a:lstStyle/>
+          <a:p>
+            <a:r>
+              <a:rPr lang="it-IT" sz="2000" dirty="0"/>
+              <a:t>The goal of the resistence optimization is to find the value of R for wich the new FRF curv has his maximum </a:t>
+            </a:r>
+            <a:r>
+              <a:rPr lang="it-IT" sz="2000"/>
+              <a:t>point in the crossing poinnt between the FRF sc-sc and FRF oc_sc.</a:t>
+            </a:r>
+          </a:p>
+          <a:p>
+            <a:endParaRPr lang="en-GB" sz="2000" dirty="0"/>
+          </a:p>
+        </p:txBody>
+      </p:sp>
     </p:spTree>
     <p:extLst>
       <p:ext uri="{BB962C8B-B14F-4D97-AF65-F5344CB8AC3E}">
         <p14:creationId xmlns:p14="http://schemas.microsoft.com/office/powerpoint/2010/main" val="2538641720"/>
-      </p:ext>
-    </p:extLst>
-  </p:cSld>
-  <p:clrMapOvr>
-    <a:masterClrMapping/>
-  </p:clrMapOvr>
-</p:sld>
-</file>
-
-<file path=ppt/slides/slide8.xml><?xml version="1.0" encoding="utf-8"?>
-<p:sld xmlns:a="http://schemas.openxmlformats.org/drawingml/2006/main" xmlns:r="http://schemas.openxmlformats.org/officeDocument/2006/relationships" xmlns:p="http://schemas.openxmlformats.org/presentationml/2006/main">
-  <p:cSld>
-    <p:spTree>
-      <p:nvGrpSpPr>
-        <p:cNvPr id="1" name="">
-          <a:extLst>
-            <a:ext uri="{FF2B5EF4-FFF2-40B4-BE49-F238E27FC236}">
-              <a16:creationId xmlns:a16="http://schemas.microsoft.com/office/drawing/2014/main" id="{BD16E7A7-9C54-8D18-26BB-11ADC07B28EC}"/>
-            </a:ext>
-          </a:extLst>
-        </p:cNvPr>
-        <p:cNvGrpSpPr/>
-        <p:nvPr/>
-      </p:nvGrpSpPr>
-      <p:grpSpPr>
-        <a:xfrm>
-          <a:off x="0" y="0"/>
-          <a:ext cx="0" cy="0"/>
-          <a:chOff x="0" y="0"/>
-          <a:chExt cx="0" cy="0"/>
-        </a:xfrm>
-      </p:grpSpPr>
-      <p:sp>
-        <p:nvSpPr>
-          <p:cNvPr id="2" name="Titolo 1">
-            <a:extLst>
-              <a:ext uri="{FF2B5EF4-FFF2-40B4-BE49-F238E27FC236}">
-                <a16:creationId xmlns:a16="http://schemas.microsoft.com/office/drawing/2014/main" id="{214FD0AB-600B-5AF2-15F0-F047130D81FE}"/>
-              </a:ext>
-            </a:extLst>
-          </p:cNvPr>
-          <p:cNvSpPr>
-            <a:spLocks noGrp="1"/>
-          </p:cNvSpPr>
-          <p:nvPr>
-            <p:ph type="title"/>
-          </p:nvPr>
-        </p:nvSpPr>
-        <p:spPr>
-          <a:xfrm>
-            <a:off x="1141413" y="618518"/>
-            <a:ext cx="9905998" cy="790404"/>
-          </a:xfrm>
-        </p:spPr>
-        <p:txBody>
-          <a:bodyPr rtlCol="0">
-            <a:normAutofit fontScale="90000"/>
-          </a:bodyPr>
-          <a:lstStyle/>
-          <a:p>
-            <a:pPr rtl="0"/>
-            <a:r>
-              <a:rPr lang="it-IT" sz="4400" dirty="0">
-                <a:latin typeface="Rockwell" panose="02060603020205020403" pitchFamily="18" charset="0"/>
-              </a:rPr>
-              <a:t>second mode </a:t>
-            </a:r>
-            <a:r>
-              <a:rPr lang="it-IT" sz="4400" dirty="0" err="1">
-                <a:latin typeface="Rockwell" panose="02060603020205020403" pitchFamily="18" charset="0"/>
-              </a:rPr>
-              <a:t>attenuation</a:t>
-            </a:r>
-            <a:r>
-              <a:rPr lang="it-IT" sz="4400" dirty="0">
-                <a:latin typeface="Rockwell" panose="02060603020205020403" pitchFamily="18" charset="0"/>
-              </a:rPr>
-              <a:t> </a:t>
-            </a:r>
-            <a:r>
-              <a:rPr lang="it-IT" sz="4400" dirty="0" err="1">
-                <a:latin typeface="Rockwell" panose="02060603020205020403" pitchFamily="18" charset="0"/>
-              </a:rPr>
-              <a:t>result</a:t>
-            </a:r>
-            <a:endParaRPr lang="it-IT" sz="4400" dirty="0">
-              <a:latin typeface="Rockwell" panose="02060603020205020403" pitchFamily="18" charset="0"/>
-            </a:endParaRPr>
-          </a:p>
-        </p:txBody>
-      </p:sp>
-      <p:sp>
-        <p:nvSpPr>
-          <p:cNvPr id="3" name="Titolo 1">
-            <a:extLst>
-              <a:ext uri="{FF2B5EF4-FFF2-40B4-BE49-F238E27FC236}">
-                <a16:creationId xmlns:a16="http://schemas.microsoft.com/office/drawing/2014/main" id="{038C935C-E4A7-C08A-C814-E337EF65C3FD}"/>
-              </a:ext>
-            </a:extLst>
-          </p:cNvPr>
-          <p:cNvSpPr txBox="1">
-            <a:spLocks/>
-          </p:cNvSpPr>
-          <p:nvPr/>
-        </p:nvSpPr>
-        <p:spPr>
-          <a:xfrm>
-            <a:off x="1141413" y="1408922"/>
-            <a:ext cx="9905998" cy="438539"/>
-          </a:xfrm>
-          <a:prstGeom prst="rect">
-            <a:avLst/>
-          </a:prstGeom>
-        </p:spPr>
-        <p:txBody>
-          <a:bodyPr vert="horz" lIns="91440" tIns="45720" rIns="91440" bIns="45720" rtlCol="0" anchor="ctr">
-            <a:normAutofit fontScale="70000" lnSpcReduction="20000"/>
-          </a:bodyPr>
-          <a:lstStyle>
-            <a:lvl1pPr algn="l" defTabSz="914400" rtl="0" eaLnBrk="1" latinLnBrk="0" hangingPunct="1">
-              <a:lnSpc>
-                <a:spcPct val="90000"/>
-              </a:lnSpc>
-              <a:spcBef>
-                <a:spcPct val="0"/>
-              </a:spcBef>
-              <a:buNone/>
-              <a:defRPr sz="3600" kern="1200" cap="all" baseline="0">
-                <a:solidFill>
-                  <a:schemeClr val="tx1"/>
-                </a:solidFill>
-                <a:latin typeface="+mj-lt"/>
-                <a:ea typeface="+mj-ea"/>
-                <a:cs typeface="+mj-cs"/>
-              </a:defRPr>
-            </a:lvl1pPr>
-          </a:lstStyle>
-          <a:p>
-            <a:r>
-              <a:rPr lang="it-IT" sz="2800" dirty="0">
-                <a:latin typeface="Rockwell" panose="02060603020205020403" pitchFamily="18" charset="0"/>
-              </a:rPr>
-              <a:t>Resistive</a:t>
-            </a:r>
-            <a:r>
-              <a:rPr lang="it-IT" sz="4400" dirty="0">
-                <a:latin typeface="Rockwell" panose="02060603020205020403" pitchFamily="18" charset="0"/>
-              </a:rPr>
-              <a:t> </a:t>
-            </a:r>
-          </a:p>
-        </p:txBody>
-      </p:sp>
-    </p:spTree>
-    <p:extLst>
-      <p:ext uri="{BB962C8B-B14F-4D97-AF65-F5344CB8AC3E}">
-        <p14:creationId xmlns:p14="http://schemas.microsoft.com/office/powerpoint/2010/main" val="157466471"/>
       </p:ext>
     </p:extLst>
   </p:cSld>
@@ -16798,7 +18039,7 @@
         <p:cNvPr id="1" name="">
           <a:extLst>
             <a:ext uri="{FF2B5EF4-FFF2-40B4-BE49-F238E27FC236}">
-              <a16:creationId xmlns:a16="http://schemas.microsoft.com/office/drawing/2014/main" id="{2BF3F1F5-34E1-4E95-E2F8-C3ED77AF68C5}"/>
+              <a16:creationId xmlns:a16="http://schemas.microsoft.com/office/drawing/2014/main" id="{B3867006-BAAE-5423-1DC7-30FB740ABF8E}"/>
             </a:ext>
           </a:extLst>
         </p:cNvPr>
@@ -16818,7 +18059,7 @@
           <p:cNvPr id="2" name="Titolo 1">
             <a:extLst>
               <a:ext uri="{FF2B5EF4-FFF2-40B4-BE49-F238E27FC236}">
-                <a16:creationId xmlns:a16="http://schemas.microsoft.com/office/drawing/2014/main" id="{AF7B3018-7AA2-58F4-D42F-642C09C02F88}"/>
+                <a16:creationId xmlns:a16="http://schemas.microsoft.com/office/drawing/2014/main" id="{748B82EE-CE29-2F6B-92AB-44CDA4EF65D3}"/>
               </a:ext>
             </a:extLst>
           </p:cNvPr>
@@ -16831,13 +18072,13 @@
         </p:nvSpPr>
         <p:spPr>
           <a:xfrm>
-            <a:off x="1141413" y="618518"/>
+            <a:off x="1415957" y="404756"/>
             <a:ext cx="9905998" cy="790404"/>
           </a:xfrm>
         </p:spPr>
         <p:txBody>
           <a:bodyPr rtlCol="0">
-            <a:normAutofit fontScale="90000"/>
+            <a:normAutofit/>
           </a:bodyPr>
           <a:lstStyle/>
           <a:p>
@@ -16846,98 +18087,237 @@
               <a:rPr lang="it-IT" sz="4400" dirty="0">
                 <a:latin typeface="Rockwell" panose="02060603020205020403" pitchFamily="18" charset="0"/>
               </a:rPr>
-              <a:t>second mode </a:t>
-            </a:r>
-            <a:r>
-              <a:rPr lang="it-IT" sz="4400" dirty="0" err="1">
+              <a:t>FRF </a:t>
+            </a:r>
+            <a:r>
+              <a:rPr lang="it-IT" sz="4400" dirty="0">
+                <a:solidFill>
+                  <a:srgbClr val="002060"/>
+                </a:solidFill>
                 <a:latin typeface="Rockwell" panose="02060603020205020403" pitchFamily="18" charset="0"/>
               </a:rPr>
-              <a:t>attenuation</a:t>
+              <a:t>SC-SC</a:t>
             </a:r>
             <a:r>
               <a:rPr lang="it-IT" sz="4400" dirty="0">
                 <a:latin typeface="Rockwell" panose="02060603020205020403" pitchFamily="18" charset="0"/>
               </a:rPr>
-              <a:t> </a:t>
-            </a:r>
-            <a:r>
-              <a:rPr lang="it-IT" sz="4400" dirty="0" err="1">
+              <a:t> / </a:t>
+            </a:r>
+            <a:r>
+              <a:rPr lang="it-IT" sz="4400" dirty="0">
+                <a:solidFill>
+                  <a:srgbClr val="C00000"/>
+                </a:solidFill>
                 <a:latin typeface="Rockwell" panose="02060603020205020403" pitchFamily="18" charset="0"/>
               </a:rPr>
-              <a:t>result</a:t>
+              <a:t>OC-OC </a:t>
+            </a:r>
+            <a:r>
+              <a:rPr lang="it-IT" sz="4400" dirty="0">
+                <a:latin typeface="Rockwell" panose="02060603020205020403" pitchFamily="18" charset="0"/>
+              </a:rPr>
+              <a:t>/</a:t>
+            </a:r>
+            <a:r>
+              <a:rPr lang="it-IT" sz="4400" dirty="0">
+                <a:solidFill>
+                  <a:srgbClr val="C00000"/>
+                </a:solidFill>
+                <a:latin typeface="Rockwell" panose="02060603020205020403" pitchFamily="18" charset="0"/>
+              </a:rPr>
+              <a:t> </a:t>
+            </a:r>
+            <a:r>
+              <a:rPr lang="it-IT" sz="4400" dirty="0">
+                <a:solidFill>
+                  <a:srgbClr val="00B050"/>
+                </a:solidFill>
+                <a:latin typeface="Rockwell" panose="02060603020205020403" pitchFamily="18" charset="0"/>
+              </a:rPr>
+              <a:t>R-sc</a:t>
             </a:r>
             <a:endParaRPr lang="it-IT" sz="4400" dirty="0">
+              <a:solidFill>
+                <a:srgbClr val="C00000"/>
+              </a:solidFill>
               <a:latin typeface="Rockwell" panose="02060603020205020403" pitchFamily="18" charset="0"/>
             </a:endParaRPr>
           </a:p>
         </p:txBody>
       </p:sp>
-      <p:sp>
-        <p:nvSpPr>
-          <p:cNvPr id="3" name="Titolo 1">
+      <p:pic>
+        <p:nvPicPr>
+          <p:cNvPr id="3" name="Picture 2" descr="A graph with a line graph&#10;&#10;AI-generated content may be incorrect.">
             <a:extLst>
               <a:ext uri="{FF2B5EF4-FFF2-40B4-BE49-F238E27FC236}">
-                <a16:creationId xmlns:a16="http://schemas.microsoft.com/office/drawing/2014/main" id="{4A89BA54-6DF8-7E4D-EE25-2906FCB982E3}"/>
+                <a16:creationId xmlns:a16="http://schemas.microsoft.com/office/drawing/2014/main" id="{2899CCB8-37ED-4756-9C74-3B2C9491F248}"/>
               </a:ext>
             </a:extLst>
           </p:cNvPr>
-          <p:cNvSpPr txBox="1">
-            <a:spLocks/>
-          </p:cNvSpPr>
+          <p:cNvPicPr>
+            <a:picLocks noChangeAspect="1"/>
+          </p:cNvPicPr>
           <p:nvPr/>
-        </p:nvSpPr>
+        </p:nvPicPr>
+        <p:blipFill>
+          <a:blip r:embed="rId3"/>
+          <a:stretch>
+            <a:fillRect/>
+          </a:stretch>
+        </p:blipFill>
         <p:spPr>
           <a:xfrm>
-            <a:off x="1141413" y="1408922"/>
-            <a:ext cx="9905998" cy="438539"/>
+            <a:off x="1270000" y="1300110"/>
+            <a:ext cx="2717467" cy="4809712"/>
           </a:xfrm>
           <a:prstGeom prst="rect">
             <a:avLst/>
           </a:prstGeom>
         </p:spPr>
+      </p:pic>
+      <p:pic>
+        <p:nvPicPr>
+          <p:cNvPr id="6" name="Picture 5" descr="A graph with green lines&#10;&#10;AI-generated content may be incorrect.">
+            <a:extLst>
+              <a:ext uri="{FF2B5EF4-FFF2-40B4-BE49-F238E27FC236}">
+                <a16:creationId xmlns:a16="http://schemas.microsoft.com/office/drawing/2014/main" id="{C710CF2F-5928-3580-B511-6CD548ED385B}"/>
+              </a:ext>
+            </a:extLst>
+          </p:cNvPr>
+          <p:cNvPicPr>
+            <a:picLocks noChangeAspect="1"/>
+          </p:cNvPicPr>
+          <p:nvPr/>
+        </p:nvPicPr>
+        <p:blipFill>
+          <a:blip r:embed="rId4"/>
+          <a:stretch>
+            <a:fillRect/>
+          </a:stretch>
+        </p:blipFill>
+        <p:spPr>
+          <a:xfrm>
+            <a:off x="4203652" y="1817029"/>
+            <a:ext cx="6953017" cy="3775874"/>
+          </a:xfrm>
+          <a:prstGeom prst="rect">
+            <a:avLst/>
+          </a:prstGeom>
+        </p:spPr>
+      </p:pic>
+      <p:sp>
+        <p:nvSpPr>
+          <p:cNvPr id="13" name="Arrow: Right 12">
+            <a:extLst>
+              <a:ext uri="{FF2B5EF4-FFF2-40B4-BE49-F238E27FC236}">
+                <a16:creationId xmlns:a16="http://schemas.microsoft.com/office/drawing/2014/main" id="{A54B5E1C-4D0C-84F7-8C40-E29940808123}"/>
+              </a:ext>
+            </a:extLst>
+          </p:cNvPr>
+          <p:cNvSpPr/>
+          <p:nvPr/>
+        </p:nvSpPr>
+        <p:spPr>
+          <a:xfrm rot="10430790">
+            <a:off x="3222039" y="2235032"/>
+            <a:ext cx="1433352" cy="715010"/>
+          </a:xfrm>
+          <a:prstGeom prst="rightArrow">
+            <a:avLst/>
+          </a:prstGeom>
+          <a:noFill/>
+          <a:ln w="38100">
+            <a:solidFill>
+              <a:srgbClr val="FF0000"/>
+            </a:solidFill>
+          </a:ln>
+        </p:spPr>
+        <p:style>
+          <a:lnRef idx="2">
+            <a:schemeClr val="accent1">
+              <a:shade val="15000"/>
+            </a:schemeClr>
+          </a:lnRef>
+          <a:fillRef idx="1">
+            <a:schemeClr val="accent1"/>
+          </a:fillRef>
+          <a:effectRef idx="0">
+            <a:schemeClr val="accent1"/>
+          </a:effectRef>
+          <a:fontRef idx="minor">
+            <a:schemeClr val="lt1"/>
+          </a:fontRef>
+        </p:style>
         <p:txBody>
-          <a:bodyPr vert="horz" lIns="91440" tIns="45720" rIns="91440" bIns="45720" rtlCol="0" anchor="ctr">
-            <a:normAutofit fontScale="70000" lnSpcReduction="20000"/>
-          </a:bodyPr>
-          <a:lstStyle>
-            <a:lvl1pPr algn="l" defTabSz="914400" rtl="0" eaLnBrk="1" latinLnBrk="0" hangingPunct="1">
-              <a:lnSpc>
-                <a:spcPct val="90000"/>
-              </a:lnSpc>
-              <a:spcBef>
-                <a:spcPct val="0"/>
-              </a:spcBef>
-              <a:buNone/>
-              <a:defRPr sz="3600" kern="1200" cap="all" baseline="0">
-                <a:solidFill>
-                  <a:schemeClr val="tx1"/>
-                </a:solidFill>
-                <a:latin typeface="+mj-lt"/>
-                <a:ea typeface="+mj-ea"/>
-                <a:cs typeface="+mj-cs"/>
-              </a:defRPr>
-            </a:lvl1pPr>
-          </a:lstStyle>
-          <a:p>
-            <a:r>
-              <a:rPr lang="it-IT" sz="2800" dirty="0" err="1">
-                <a:latin typeface="Rockwell" panose="02060603020205020403" pitchFamily="18" charset="0"/>
-              </a:rPr>
-              <a:t>Resonant</a:t>
-            </a:r>
-            <a:r>
-              <a:rPr lang="it-IT" sz="4400" dirty="0">
-                <a:latin typeface="Rockwell" panose="02060603020205020403" pitchFamily="18" charset="0"/>
-              </a:rPr>
-              <a:t> </a:t>
-            </a:r>
+          <a:bodyPr rtlCol="0" anchor="ctr"/>
+          <a:lstStyle/>
+          <a:p>
+            <a:pPr algn="r"/>
+            <a:endParaRPr lang="en-GB" dirty="0">
+              <a:solidFill>
+                <a:srgbClr val="00B050"/>
+              </a:solidFill>
+            </a:endParaRPr>
+          </a:p>
+        </p:txBody>
+      </p:sp>
+      <p:sp>
+        <p:nvSpPr>
+          <p:cNvPr id="11" name="Oval 10">
+            <a:extLst>
+              <a:ext uri="{FF2B5EF4-FFF2-40B4-BE49-F238E27FC236}">
+                <a16:creationId xmlns:a16="http://schemas.microsoft.com/office/drawing/2014/main" id="{2926C81C-4E10-26BE-0446-F4BE378DA2B1}"/>
+              </a:ext>
+            </a:extLst>
+          </p:cNvPr>
+          <p:cNvSpPr/>
+          <p:nvPr/>
+        </p:nvSpPr>
+        <p:spPr>
+          <a:xfrm>
+            <a:off x="5105666" y="1877527"/>
+            <a:ext cx="438151" cy="715010"/>
+          </a:xfrm>
+          <a:prstGeom prst="ellipse">
+            <a:avLst/>
+          </a:prstGeom>
+          <a:noFill/>
+          <a:ln w="38100">
+            <a:solidFill>
+              <a:srgbClr val="FF0000"/>
+            </a:solidFill>
+          </a:ln>
+        </p:spPr>
+        <p:style>
+          <a:lnRef idx="2">
+            <a:schemeClr val="accent1">
+              <a:shade val="15000"/>
+            </a:schemeClr>
+          </a:lnRef>
+          <a:fillRef idx="1">
+            <a:schemeClr val="accent1"/>
+          </a:fillRef>
+          <a:effectRef idx="0">
+            <a:schemeClr val="accent1"/>
+          </a:effectRef>
+          <a:fontRef idx="minor">
+            <a:schemeClr val="lt1"/>
+          </a:fontRef>
+        </p:style>
+        <p:txBody>
+          <a:bodyPr rtlCol="0" anchor="ctr"/>
+          <a:lstStyle/>
+          <a:p>
+            <a:pPr algn="ctr"/>
+            <a:endParaRPr lang="en-GB" dirty="0"/>
           </a:p>
         </p:txBody>
       </p:sp>
     </p:spTree>
     <p:extLst>
       <p:ext uri="{BB962C8B-B14F-4D97-AF65-F5344CB8AC3E}">
-        <p14:creationId xmlns:p14="http://schemas.microsoft.com/office/powerpoint/2010/main" val="3569274786"/>
+        <p14:creationId xmlns:p14="http://schemas.microsoft.com/office/powerpoint/2010/main" val="4250341818"/>
       </p:ext>
     </p:extLst>
   </p:cSld>

--- a/presentazione_progetto.pptx
+++ b/presentazione_progetto.pptx
@@ -5,10 +5,10 @@
     <p:sldMasterId id="2147483669" r:id="rId1"/>
   </p:sldMasterIdLst>
   <p:notesMasterIdLst>
-    <p:notesMasterId r:id="rId14"/>
+    <p:notesMasterId r:id="rId18"/>
   </p:notesMasterIdLst>
   <p:handoutMasterIdLst>
-    <p:handoutMasterId r:id="rId15"/>
+    <p:handoutMasterId r:id="rId19"/>
   </p:handoutMasterIdLst>
   <p:sldIdLst>
     <p:sldId id="256" r:id="rId2"/>
@@ -16,13 +16,17 @@
     <p:sldId id="264" r:id="rId4"/>
     <p:sldId id="265" r:id="rId5"/>
     <p:sldId id="271" r:id="rId6"/>
-    <p:sldId id="266" r:id="rId7"/>
-    <p:sldId id="273" r:id="rId8"/>
-    <p:sldId id="267" r:id="rId9"/>
-    <p:sldId id="272" r:id="rId10"/>
-    <p:sldId id="268" r:id="rId11"/>
-    <p:sldId id="269" r:id="rId12"/>
-    <p:sldId id="270" r:id="rId13"/>
+    <p:sldId id="275" r:id="rId7"/>
+    <p:sldId id="276" r:id="rId8"/>
+    <p:sldId id="266" r:id="rId9"/>
+    <p:sldId id="274" r:id="rId10"/>
+    <p:sldId id="277" r:id="rId11"/>
+    <p:sldId id="278" r:id="rId12"/>
+    <p:sldId id="280" r:id="rId13"/>
+    <p:sldId id="279" r:id="rId14"/>
+    <p:sldId id="268" r:id="rId15"/>
+    <p:sldId id="269" r:id="rId16"/>
+    <p:sldId id="270" r:id="rId17"/>
   </p:sldIdLst>
   <p:sldSz cx="12192000" cy="6858000"/>
   <p:notesSz cx="6858000" cy="9144000"/>
@@ -226,7 +230,7 @@
           <a:p>
             <a:fld id="{F9F05DC1-1DA0-4802-8BFC-5A51951A2E1E}" type="datetimeFigureOut">
               <a:rPr lang="it-IT" smtClean="0"/>
-              <a:t>12/02/2025</a:t>
+              <a:t>14/02/2025</a:t>
             </a:fld>
             <a:endParaRPr lang="it-IT"/>
           </a:p>
@@ -404,7 +408,7 @@
           <a:p>
             <a:fld id="{772828B9-BC13-4054-B42C-8C22A5482F6C}" type="datetimeFigureOut">
               <a:rPr lang="it-IT" noProof="0" smtClean="0"/>
-              <a:t>12/02/2025</a:t>
+              <a:t>14/02/2025</a:t>
             </a:fld>
             <a:endParaRPr lang="it-IT" noProof="0"/>
           </a:p>
@@ -845,7 +849,7 @@
           <a:p>
             <a:fld id="{AD00EC7B-1EC4-49B2-9D36-0990CC3D1063}" type="slidenum">
               <a:rPr lang="it-IT" smtClean="0"/>
-              <a:t>11</a:t>
+              <a:t>15</a:t>
             </a:fld>
             <a:endParaRPr lang="it-IT"/>
           </a:p>
@@ -953,7 +957,7 @@
           <a:p>
             <a:fld id="{AD00EC7B-1EC4-49B2-9D36-0990CC3D1063}" type="slidenum">
               <a:rPr lang="it-IT" smtClean="0"/>
-              <a:t>12</a:t>
+              <a:t>16</a:t>
             </a:fld>
             <a:endParaRPr lang="it-IT"/>
           </a:p>
@@ -1469,7 +1473,7 @@
           <a:p>
             <a:fld id="{AD00EC7B-1EC4-49B2-9D36-0990CC3D1063}" type="slidenum">
               <a:rPr lang="it-IT" smtClean="0"/>
-              <a:t>6</a:t>
+              <a:t>8</a:t>
             </a:fld>
             <a:endParaRPr lang="it-IT"/>
           </a:p>
@@ -1496,7 +1500,7 @@
         <p:cNvPr id="1" name="">
           <a:extLst>
             <a:ext uri="{FF2B5EF4-FFF2-40B4-BE49-F238E27FC236}">
-              <a16:creationId xmlns:a16="http://schemas.microsoft.com/office/drawing/2014/main" id="{074EB012-7EE6-9E95-2547-D1C8CD3BF1C6}"/>
+              <a16:creationId xmlns:a16="http://schemas.microsoft.com/office/drawing/2014/main" id="{A188BFC6-0E57-414F-D441-E21E57D8948A}"/>
             </a:ext>
           </a:extLst>
         </p:cNvPr>
@@ -1516,7 +1520,7 @@
           <p:cNvPr id="2" name="Segnaposto immagine diapositiva 1">
             <a:extLst>
               <a:ext uri="{FF2B5EF4-FFF2-40B4-BE49-F238E27FC236}">
-                <a16:creationId xmlns:a16="http://schemas.microsoft.com/office/drawing/2014/main" id="{1C9B002A-6558-6DA9-6D24-90A8E7F7CB20}"/>
+                <a16:creationId xmlns:a16="http://schemas.microsoft.com/office/drawing/2014/main" id="{55328289-B4C7-446D-6C38-23DE05A69E28}"/>
               </a:ext>
             </a:extLst>
           </p:cNvPr>
@@ -1534,7 +1538,7 @@
           <p:cNvPr id="3" name="Segnaposto note 2">
             <a:extLst>
               <a:ext uri="{FF2B5EF4-FFF2-40B4-BE49-F238E27FC236}">
-                <a16:creationId xmlns:a16="http://schemas.microsoft.com/office/drawing/2014/main" id="{E946060B-F4DB-34D6-B304-6497D579DC54}"/>
+                <a16:creationId xmlns:a16="http://schemas.microsoft.com/office/drawing/2014/main" id="{F045B511-5D04-79C1-F1F8-67F955215DFE}"/>
               </a:ext>
             </a:extLst>
           </p:cNvPr>
@@ -1559,7 +1563,7 @@
           <p:cNvPr id="4" name="Segnaposto numero diapositiva 3">
             <a:extLst>
               <a:ext uri="{FF2B5EF4-FFF2-40B4-BE49-F238E27FC236}">
-                <a16:creationId xmlns:a16="http://schemas.microsoft.com/office/drawing/2014/main" id="{E396D801-3B18-0624-D2A5-F48AFDB1DD1E}"/>
+                <a16:creationId xmlns:a16="http://schemas.microsoft.com/office/drawing/2014/main" id="{0B9DE6F5-701F-1D43-C202-FA791702D8F6}"/>
               </a:ext>
             </a:extLst>
           </p:cNvPr>
@@ -1577,7 +1581,7 @@
           <a:p>
             <a:fld id="{AD00EC7B-1EC4-49B2-9D36-0990CC3D1063}" type="slidenum">
               <a:rPr lang="it-IT" smtClean="0"/>
-              <a:t>8</a:t>
+              <a:t>9</a:t>
             </a:fld>
             <a:endParaRPr lang="it-IT"/>
           </a:p>
@@ -1586,7 +1590,7 @@
     </p:spTree>
     <p:extLst>
       <p:ext uri="{BB962C8B-B14F-4D97-AF65-F5344CB8AC3E}">
-        <p14:creationId xmlns:p14="http://schemas.microsoft.com/office/powerpoint/2010/main" val="445724501"/>
+        <p14:creationId xmlns:p14="http://schemas.microsoft.com/office/powerpoint/2010/main" val="958844622"/>
       </p:ext>
     </p:extLst>
   </p:cSld>
@@ -1604,7 +1608,7 @@
         <p:cNvPr id="1" name="">
           <a:extLst>
             <a:ext uri="{FF2B5EF4-FFF2-40B4-BE49-F238E27FC236}">
-              <a16:creationId xmlns:a16="http://schemas.microsoft.com/office/drawing/2014/main" id="{DCA5BB73-5D18-0C83-DBFB-323292DFE84F}"/>
+              <a16:creationId xmlns:a16="http://schemas.microsoft.com/office/drawing/2014/main" id="{E0CCA361-1889-A542-2968-D83C2247173D}"/>
             </a:ext>
           </a:extLst>
         </p:cNvPr>
@@ -1624,7 +1628,7 @@
           <p:cNvPr id="2" name="Segnaposto immagine diapositiva 1">
             <a:extLst>
               <a:ext uri="{FF2B5EF4-FFF2-40B4-BE49-F238E27FC236}">
-                <a16:creationId xmlns:a16="http://schemas.microsoft.com/office/drawing/2014/main" id="{15C3F4A4-851C-131A-F975-AE67AF4C8C11}"/>
+                <a16:creationId xmlns:a16="http://schemas.microsoft.com/office/drawing/2014/main" id="{4F7A3540-0FC9-0C62-7528-FF599D6C2047}"/>
               </a:ext>
             </a:extLst>
           </p:cNvPr>
@@ -1642,7 +1646,7 @@
           <p:cNvPr id="3" name="Segnaposto note 2">
             <a:extLst>
               <a:ext uri="{FF2B5EF4-FFF2-40B4-BE49-F238E27FC236}">
-                <a16:creationId xmlns:a16="http://schemas.microsoft.com/office/drawing/2014/main" id="{A4E14F5D-474E-F5C8-F00D-95A01B7CD040}"/>
+                <a16:creationId xmlns:a16="http://schemas.microsoft.com/office/drawing/2014/main" id="{5D12D8DD-B127-0499-8FE3-6DD844C0C4C5}"/>
               </a:ext>
             </a:extLst>
           </p:cNvPr>
@@ -1667,7 +1671,7 @@
           <p:cNvPr id="4" name="Segnaposto numero diapositiva 3">
             <a:extLst>
               <a:ext uri="{FF2B5EF4-FFF2-40B4-BE49-F238E27FC236}">
-                <a16:creationId xmlns:a16="http://schemas.microsoft.com/office/drawing/2014/main" id="{F2F6F727-5474-E90D-993A-D11D25110FE9}"/>
+                <a16:creationId xmlns:a16="http://schemas.microsoft.com/office/drawing/2014/main" id="{B831F3A8-093A-87B6-E497-E239958123E7}"/>
               </a:ext>
             </a:extLst>
           </p:cNvPr>
@@ -1685,7 +1689,7 @@
           <a:p>
             <a:fld id="{AD00EC7B-1EC4-49B2-9D36-0990CC3D1063}" type="slidenum">
               <a:rPr lang="it-IT" smtClean="0"/>
-              <a:t>9</a:t>
+              <a:t>10</a:t>
             </a:fld>
             <a:endParaRPr lang="it-IT"/>
           </a:p>
@@ -1694,7 +1698,7 @@
     </p:spTree>
     <p:extLst>
       <p:ext uri="{BB962C8B-B14F-4D97-AF65-F5344CB8AC3E}">
-        <p14:creationId xmlns:p14="http://schemas.microsoft.com/office/powerpoint/2010/main" val="644307054"/>
+        <p14:creationId xmlns:p14="http://schemas.microsoft.com/office/powerpoint/2010/main" val="1666475352"/>
       </p:ext>
     </p:extLst>
   </p:cSld>
@@ -1793,7 +1797,7 @@
           <a:p>
             <a:fld id="{AD00EC7B-1EC4-49B2-9D36-0990CC3D1063}" type="slidenum">
               <a:rPr lang="it-IT" smtClean="0"/>
-              <a:t>10</a:t>
+              <a:t>14</a:t>
             </a:fld>
             <a:endParaRPr lang="it-IT"/>
           </a:p>
@@ -1869,7 +1873,7 @@
           <a:noFill/>
           <a:extLst>
             <a:ext uri="{909E8E84-426E-40dd-AFC4-6F175D3DCCD1}">
-              <a14:hiddenFill xmlns:a14="http://schemas.microsoft.com/office/drawing/2010/main" xmlns="">
+              <a14:hiddenFill xmlns="" xmlns:a14="http://schemas.microsoft.com/office/drawing/2010/main">
                 <a:solidFill>
                   <a:srgbClr val="FFFFFF"/>
                 </a:solidFill>
@@ -1928,7 +1932,7 @@
             </a:ln>
             <a:extLst>
               <a:ext uri="{91240B29-F687-4f45-9708-019B960494DF}">
-                <a14:hiddenLine xmlns:a14="http://schemas.microsoft.com/office/drawing/2010/main" xmlns="" w="9525">
+                <a14:hiddenLine xmlns="" xmlns:a14="http://schemas.microsoft.com/office/drawing/2010/main" w="9525">
                   <a:solidFill>
                     <a:srgbClr val="000000"/>
                   </a:solidFill>
@@ -2018,7 +2022,7 @@
             </a:ln>
             <a:extLst>
               <a:ext uri="{91240B29-F687-4f45-9708-019B960494DF}">
-                <a14:hiddenLine xmlns:a14="http://schemas.microsoft.com/office/drawing/2010/main" xmlns="" w="9525">
+                <a14:hiddenLine xmlns="" xmlns:a14="http://schemas.microsoft.com/office/drawing/2010/main" w="9525">
                   <a:solidFill>
                     <a:srgbClr val="000000"/>
                   </a:solidFill>
@@ -2108,7 +2112,7 @@
             </a:ln>
             <a:extLst>
               <a:ext uri="{91240B29-F687-4f45-9708-019B960494DF}">
-                <a14:hiddenLine xmlns:a14="http://schemas.microsoft.com/office/drawing/2010/main" xmlns="" w="9525">
+                <a14:hiddenLine xmlns="" xmlns:a14="http://schemas.microsoft.com/office/drawing/2010/main" w="9525">
                   <a:solidFill>
                     <a:srgbClr val="000000"/>
                   </a:solidFill>
@@ -2142,7 +2146,7 @@
             </a:ln>
             <a:extLst>
               <a:ext uri="{91240B29-F687-4f45-9708-019B960494DF}">
-                <a14:hiddenLine xmlns:a14="http://schemas.microsoft.com/office/drawing/2010/main" xmlns="" w="9525">
+                <a14:hiddenLine xmlns="" xmlns:a14="http://schemas.microsoft.com/office/drawing/2010/main" w="9525">
                   <a:solidFill>
                     <a:srgbClr val="000000"/>
                   </a:solidFill>
@@ -2232,7 +2236,7 @@
             </a:ln>
             <a:extLst>
               <a:ext uri="{91240B29-F687-4f45-9708-019B960494DF}">
-                <a14:hiddenLine xmlns:a14="http://schemas.microsoft.com/office/drawing/2010/main" xmlns="" w="9525">
+                <a14:hiddenLine xmlns="" xmlns:a14="http://schemas.microsoft.com/office/drawing/2010/main" w="9525">
                   <a:solidFill>
                     <a:srgbClr val="000000"/>
                   </a:solidFill>
@@ -2294,7 +2298,7 @@
             </a:ln>
             <a:extLst>
               <a:ext uri="{91240B29-F687-4f45-9708-019B960494DF}">
-                <a14:hiddenLine xmlns:a14="http://schemas.microsoft.com/office/drawing/2010/main" xmlns="" w="9525">
+                <a14:hiddenLine xmlns="" xmlns:a14="http://schemas.microsoft.com/office/drawing/2010/main" w="9525">
                   <a:solidFill>
                     <a:srgbClr val="000000"/>
                   </a:solidFill>
@@ -2356,7 +2360,7 @@
             </a:ln>
             <a:extLst>
               <a:ext uri="{91240B29-F687-4f45-9708-019B960494DF}">
-                <a14:hiddenLine xmlns:a14="http://schemas.microsoft.com/office/drawing/2010/main" xmlns="" w="9525">
+                <a14:hiddenLine xmlns="" xmlns:a14="http://schemas.microsoft.com/office/drawing/2010/main" w="9525">
                   <a:solidFill>
                     <a:srgbClr val="000000"/>
                   </a:solidFill>
@@ -2446,7 +2450,7 @@
             </a:ln>
             <a:extLst>
               <a:ext uri="{91240B29-F687-4f45-9708-019B960494DF}">
-                <a14:hiddenLine xmlns:a14="http://schemas.microsoft.com/office/drawing/2010/main" xmlns="" w="9525">
+                <a14:hiddenLine xmlns="" xmlns:a14="http://schemas.microsoft.com/office/drawing/2010/main" w="9525">
                   <a:solidFill>
                     <a:srgbClr val="000000"/>
                   </a:solidFill>
@@ -2508,7 +2512,7 @@
             </a:ln>
             <a:extLst>
               <a:ext uri="{91240B29-F687-4f45-9708-019B960494DF}">
-                <a14:hiddenLine xmlns:a14="http://schemas.microsoft.com/office/drawing/2010/main" xmlns="" w="9525">
+                <a14:hiddenLine xmlns="" xmlns:a14="http://schemas.microsoft.com/office/drawing/2010/main" w="9525">
                   <a:solidFill>
                     <a:srgbClr val="000000"/>
                   </a:solidFill>
@@ -2570,7 +2574,7 @@
             </a:ln>
             <a:extLst>
               <a:ext uri="{91240B29-F687-4f45-9708-019B960494DF}">
-                <a14:hiddenLine xmlns:a14="http://schemas.microsoft.com/office/drawing/2010/main" xmlns="" w="9525">
+                <a14:hiddenLine xmlns="" xmlns:a14="http://schemas.microsoft.com/office/drawing/2010/main" w="9525">
                   <a:solidFill>
                     <a:srgbClr val="000000"/>
                   </a:solidFill>
@@ -2660,7 +2664,7 @@
             </a:ln>
             <a:extLst>
               <a:ext uri="{91240B29-F687-4f45-9708-019B960494DF}">
-                <a14:hiddenLine xmlns:a14="http://schemas.microsoft.com/office/drawing/2010/main" xmlns="" w="9525">
+                <a14:hiddenLine xmlns="" xmlns:a14="http://schemas.microsoft.com/office/drawing/2010/main" w="9525">
                   <a:solidFill>
                     <a:srgbClr val="000000"/>
                   </a:solidFill>
@@ -2750,7 +2754,7 @@
             </a:ln>
             <a:extLst>
               <a:ext uri="{91240B29-F687-4f45-9708-019B960494DF}">
-                <a14:hiddenLine xmlns:a14="http://schemas.microsoft.com/office/drawing/2010/main" xmlns="" w="9525">
+                <a14:hiddenLine xmlns="" xmlns:a14="http://schemas.microsoft.com/office/drawing/2010/main" w="9525">
                   <a:solidFill>
                     <a:srgbClr val="000000"/>
                   </a:solidFill>
@@ -2812,7 +2816,7 @@
             </a:ln>
             <a:extLst>
               <a:ext uri="{91240B29-F687-4f45-9708-019B960494DF}">
-                <a14:hiddenLine xmlns:a14="http://schemas.microsoft.com/office/drawing/2010/main" xmlns="" w="9525">
+                <a14:hiddenLine xmlns="" xmlns:a14="http://schemas.microsoft.com/office/drawing/2010/main" w="9525">
                   <a:solidFill>
                     <a:srgbClr val="000000"/>
                   </a:solidFill>
@@ -2922,7 +2926,7 @@
             </a:ln>
             <a:extLst>
               <a:ext uri="{91240B29-F687-4f45-9708-019B960494DF}">
-                <a14:hiddenLine xmlns:a14="http://schemas.microsoft.com/office/drawing/2010/main" xmlns="" w="9525">
+                <a14:hiddenLine xmlns="" xmlns:a14="http://schemas.microsoft.com/office/drawing/2010/main" w="9525">
                   <a:solidFill>
                     <a:srgbClr val="000000"/>
                   </a:solidFill>
@@ -2984,7 +2988,7 @@
             </a:ln>
             <a:extLst>
               <a:ext uri="{91240B29-F687-4f45-9708-019B960494DF}">
-                <a14:hiddenLine xmlns:a14="http://schemas.microsoft.com/office/drawing/2010/main" xmlns="" w="9525">
+                <a14:hiddenLine xmlns="" xmlns:a14="http://schemas.microsoft.com/office/drawing/2010/main" w="9525">
                   <a:solidFill>
                     <a:srgbClr val="000000"/>
                   </a:solidFill>
@@ -3074,7 +3078,7 @@
             </a:ln>
             <a:extLst>
               <a:ext uri="{91240B29-F687-4f45-9708-019B960494DF}">
-                <a14:hiddenLine xmlns:a14="http://schemas.microsoft.com/office/drawing/2010/main" xmlns="" w="9525">
+                <a14:hiddenLine xmlns="" xmlns:a14="http://schemas.microsoft.com/office/drawing/2010/main" w="9525">
                   <a:solidFill>
                     <a:srgbClr val="000000"/>
                   </a:solidFill>
@@ -3164,7 +3168,7 @@
             </a:ln>
             <a:extLst>
               <a:ext uri="{91240B29-F687-4f45-9708-019B960494DF}">
-                <a14:hiddenLine xmlns:a14="http://schemas.microsoft.com/office/drawing/2010/main" xmlns="" w="9525">
+                <a14:hiddenLine xmlns="" xmlns:a14="http://schemas.microsoft.com/office/drawing/2010/main" w="9525">
                   <a:solidFill>
                     <a:srgbClr val="000000"/>
                   </a:solidFill>
@@ -3226,7 +3230,7 @@
             </a:ln>
             <a:extLst>
               <a:ext uri="{91240B29-F687-4f45-9708-019B960494DF}">
-                <a14:hiddenLine xmlns:a14="http://schemas.microsoft.com/office/drawing/2010/main" xmlns="" w="9525">
+                <a14:hiddenLine xmlns="" xmlns:a14="http://schemas.microsoft.com/office/drawing/2010/main" w="9525">
                   <a:solidFill>
                     <a:srgbClr val="000000"/>
                   </a:solidFill>
@@ -3316,7 +3320,7 @@
             </a:ln>
             <a:extLst>
               <a:ext uri="{91240B29-F687-4f45-9708-019B960494DF}">
-                <a14:hiddenLine xmlns:a14="http://schemas.microsoft.com/office/drawing/2010/main" xmlns="" w="9525">
+                <a14:hiddenLine xmlns="" xmlns:a14="http://schemas.microsoft.com/office/drawing/2010/main" w="9525">
                   <a:solidFill>
                     <a:srgbClr val="000000"/>
                   </a:solidFill>
@@ -3406,7 +3410,7 @@
             </a:ln>
             <a:extLst>
               <a:ext uri="{91240B29-F687-4f45-9708-019B960494DF}">
-                <a14:hiddenLine xmlns:a14="http://schemas.microsoft.com/office/drawing/2010/main" xmlns="" w="9525">
+                <a14:hiddenLine xmlns="" xmlns:a14="http://schemas.microsoft.com/office/drawing/2010/main" w="9525">
                   <a:solidFill>
                     <a:srgbClr val="000000"/>
                   </a:solidFill>
@@ -3462,7 +3466,7 @@
             </a:ln>
             <a:extLst>
               <a:ext uri="{91240B29-F687-4f45-9708-019B960494DF}">
-                <a14:hiddenLine xmlns:a14="http://schemas.microsoft.com/office/drawing/2010/main" xmlns="" w="9525">
+                <a14:hiddenLine xmlns="" xmlns:a14="http://schemas.microsoft.com/office/drawing/2010/main" w="9525">
                   <a:solidFill>
                     <a:srgbClr val="000000"/>
                   </a:solidFill>
@@ -3552,7 +3556,7 @@
             </a:ln>
             <a:extLst>
               <a:ext uri="{91240B29-F687-4f45-9708-019B960494DF}">
-                <a14:hiddenLine xmlns:a14="http://schemas.microsoft.com/office/drawing/2010/main" xmlns="" w="9525">
+                <a14:hiddenLine xmlns="" xmlns:a14="http://schemas.microsoft.com/office/drawing/2010/main" w="9525">
                   <a:solidFill>
                     <a:srgbClr val="000000"/>
                   </a:solidFill>
@@ -3608,7 +3612,7 @@
             </a:ln>
             <a:extLst>
               <a:ext uri="{91240B29-F687-4f45-9708-019B960494DF}">
-                <a14:hiddenLine xmlns:a14="http://schemas.microsoft.com/office/drawing/2010/main" xmlns="" w="9525">
+                <a14:hiddenLine xmlns="" xmlns:a14="http://schemas.microsoft.com/office/drawing/2010/main" w="9525">
                   <a:solidFill>
                     <a:srgbClr val="000000"/>
                   </a:solidFill>
@@ -3698,7 +3702,7 @@
             </a:ln>
             <a:extLst>
               <a:ext uri="{91240B29-F687-4f45-9708-019B960494DF}">
-                <a14:hiddenLine xmlns:a14="http://schemas.microsoft.com/office/drawing/2010/main" xmlns="" w="9525">
+                <a14:hiddenLine xmlns="" xmlns:a14="http://schemas.microsoft.com/office/drawing/2010/main" w="9525">
                   <a:solidFill>
                     <a:srgbClr val="000000"/>
                   </a:solidFill>
@@ -3766,7 +3770,7 @@
             </a:ln>
             <a:extLst>
               <a:ext uri="{91240B29-F687-4f45-9708-019B960494DF}">
-                <a14:hiddenLine xmlns:a14="http://schemas.microsoft.com/office/drawing/2010/main" xmlns="" w="9525">
+                <a14:hiddenLine xmlns="" xmlns:a14="http://schemas.microsoft.com/office/drawing/2010/main" w="9525">
                   <a:solidFill>
                     <a:srgbClr val="000000"/>
                   </a:solidFill>
@@ -3856,7 +3860,7 @@
             </a:ln>
             <a:extLst>
               <a:ext uri="{91240B29-F687-4f45-9708-019B960494DF}">
-                <a14:hiddenLine xmlns:a14="http://schemas.microsoft.com/office/drawing/2010/main" xmlns="" w="9525">
+                <a14:hiddenLine xmlns="" xmlns:a14="http://schemas.microsoft.com/office/drawing/2010/main" w="9525">
                   <a:solidFill>
                     <a:srgbClr val="000000"/>
                   </a:solidFill>
@@ -3924,7 +3928,7 @@
             </a:ln>
             <a:extLst>
               <a:ext uri="{91240B29-F687-4f45-9708-019B960494DF}">
-                <a14:hiddenLine xmlns:a14="http://schemas.microsoft.com/office/drawing/2010/main" xmlns="" w="9525">
+                <a14:hiddenLine xmlns="" xmlns:a14="http://schemas.microsoft.com/office/drawing/2010/main" w="9525">
                   <a:solidFill>
                     <a:srgbClr val="000000"/>
                   </a:solidFill>
@@ -4014,7 +4018,7 @@
             </a:ln>
             <a:extLst>
               <a:ext uri="{91240B29-F687-4f45-9708-019B960494DF}">
-                <a14:hiddenLine xmlns:a14="http://schemas.microsoft.com/office/drawing/2010/main" xmlns="" w="9525">
+                <a14:hiddenLine xmlns="" xmlns:a14="http://schemas.microsoft.com/office/drawing/2010/main" w="9525">
                   <a:solidFill>
                     <a:srgbClr val="000000"/>
                   </a:solidFill>
@@ -4048,7 +4052,7 @@
             </a:ln>
             <a:extLst>
               <a:ext uri="{91240B29-F687-4f45-9708-019B960494DF}">
-                <a14:hiddenLine xmlns:a14="http://schemas.microsoft.com/office/drawing/2010/main" xmlns="" w="9525">
+                <a14:hiddenLine xmlns="" xmlns:a14="http://schemas.microsoft.com/office/drawing/2010/main" w="9525">
                   <a:solidFill>
                     <a:srgbClr val="000000"/>
                   </a:solidFill>
@@ -4138,7 +4142,7 @@
             </a:ln>
             <a:extLst>
               <a:ext uri="{91240B29-F687-4f45-9708-019B960494DF}">
-                <a14:hiddenLine xmlns:a14="http://schemas.microsoft.com/office/drawing/2010/main" xmlns="" w="9525">
+                <a14:hiddenLine xmlns="" xmlns:a14="http://schemas.microsoft.com/office/drawing/2010/main" w="9525">
                   <a:solidFill>
                     <a:srgbClr val="000000"/>
                   </a:solidFill>
@@ -4200,7 +4204,7 @@
             </a:ln>
             <a:extLst>
               <a:ext uri="{91240B29-F687-4f45-9708-019B960494DF}">
-                <a14:hiddenLine xmlns:a14="http://schemas.microsoft.com/office/drawing/2010/main" xmlns="" w="9525">
+                <a14:hiddenLine xmlns="" xmlns:a14="http://schemas.microsoft.com/office/drawing/2010/main" w="9525">
                   <a:solidFill>
                     <a:srgbClr val="000000"/>
                   </a:solidFill>
@@ -4262,7 +4266,7 @@
             </a:ln>
             <a:extLst>
               <a:ext uri="{91240B29-F687-4f45-9708-019B960494DF}">
-                <a14:hiddenLine xmlns:a14="http://schemas.microsoft.com/office/drawing/2010/main" xmlns="" w="9525">
+                <a14:hiddenLine xmlns="" xmlns:a14="http://schemas.microsoft.com/office/drawing/2010/main" w="9525">
                   <a:solidFill>
                     <a:srgbClr val="000000"/>
                   </a:solidFill>
@@ -4352,7 +4356,7 @@
             </a:ln>
             <a:extLst>
               <a:ext uri="{91240B29-F687-4f45-9708-019B960494DF}">
-                <a14:hiddenLine xmlns:a14="http://schemas.microsoft.com/office/drawing/2010/main" xmlns="" w="9525">
+                <a14:hiddenLine xmlns="" xmlns:a14="http://schemas.microsoft.com/office/drawing/2010/main" w="9525">
                   <a:solidFill>
                     <a:srgbClr val="000000"/>
                   </a:solidFill>
@@ -4420,7 +4424,7 @@
             </a:ln>
             <a:extLst>
               <a:ext uri="{91240B29-F687-4f45-9708-019B960494DF}">
-                <a14:hiddenLine xmlns:a14="http://schemas.microsoft.com/office/drawing/2010/main" xmlns="" w="9525">
+                <a14:hiddenLine xmlns="" xmlns:a14="http://schemas.microsoft.com/office/drawing/2010/main" w="9525">
                   <a:solidFill>
                     <a:srgbClr val="000000"/>
                   </a:solidFill>
@@ -4482,7 +4486,7 @@
             </a:ln>
             <a:extLst>
               <a:ext uri="{91240B29-F687-4f45-9708-019B960494DF}">
-                <a14:hiddenLine xmlns:a14="http://schemas.microsoft.com/office/drawing/2010/main" xmlns="" w="9525">
+                <a14:hiddenLine xmlns="" xmlns:a14="http://schemas.microsoft.com/office/drawing/2010/main" w="9525">
                   <a:solidFill>
                     <a:srgbClr val="000000"/>
                   </a:solidFill>
@@ -4572,7 +4576,7 @@
             </a:ln>
             <a:extLst>
               <a:ext uri="{91240B29-F687-4f45-9708-019B960494DF}">
-                <a14:hiddenLine xmlns:a14="http://schemas.microsoft.com/office/drawing/2010/main" xmlns="" w="9525">
+                <a14:hiddenLine xmlns="" xmlns:a14="http://schemas.microsoft.com/office/drawing/2010/main" w="9525">
                   <a:solidFill>
                     <a:srgbClr val="000000"/>
                   </a:solidFill>
@@ -4634,7 +4638,7 @@
             </a:ln>
             <a:extLst>
               <a:ext uri="{91240B29-F687-4f45-9708-019B960494DF}">
-                <a14:hiddenLine xmlns:a14="http://schemas.microsoft.com/office/drawing/2010/main" xmlns="" w="9525">
+                <a14:hiddenLine xmlns="" xmlns:a14="http://schemas.microsoft.com/office/drawing/2010/main" w="9525">
                   <a:solidFill>
                     <a:srgbClr val="000000"/>
                   </a:solidFill>
@@ -4724,7 +4728,7 @@
             </a:ln>
             <a:extLst>
               <a:ext uri="{91240B29-F687-4f45-9708-019B960494DF}">
-                <a14:hiddenLine xmlns:a14="http://schemas.microsoft.com/office/drawing/2010/main" xmlns="" w="9525">
+                <a14:hiddenLine xmlns="" xmlns:a14="http://schemas.microsoft.com/office/drawing/2010/main" w="9525">
                   <a:solidFill>
                     <a:srgbClr val="000000"/>
                   </a:solidFill>
@@ -4786,7 +4790,7 @@
             </a:ln>
             <a:extLst>
               <a:ext uri="{91240B29-F687-4f45-9708-019B960494DF}">
-                <a14:hiddenLine xmlns:a14="http://schemas.microsoft.com/office/drawing/2010/main" xmlns="" w="9525">
+                <a14:hiddenLine xmlns="" xmlns:a14="http://schemas.microsoft.com/office/drawing/2010/main" w="9525">
                   <a:solidFill>
                     <a:srgbClr val="000000"/>
                   </a:solidFill>
@@ -4876,7 +4880,7 @@
             </a:ln>
             <a:extLst>
               <a:ext uri="{91240B29-F687-4f45-9708-019B960494DF}">
-                <a14:hiddenLine xmlns:a14="http://schemas.microsoft.com/office/drawing/2010/main" xmlns="" w="9525">
+                <a14:hiddenLine xmlns="" xmlns:a14="http://schemas.microsoft.com/office/drawing/2010/main" w="9525">
                   <a:solidFill>
                     <a:srgbClr val="000000"/>
                   </a:solidFill>
@@ -4910,7 +4914,7 @@
             </a:ln>
             <a:extLst>
               <a:ext uri="{91240B29-F687-4f45-9708-019B960494DF}">
-                <a14:hiddenLine xmlns:a14="http://schemas.microsoft.com/office/drawing/2010/main" xmlns="" w="9525">
+                <a14:hiddenLine xmlns="" xmlns:a14="http://schemas.microsoft.com/office/drawing/2010/main" w="9525">
                   <a:solidFill>
                     <a:srgbClr val="000000"/>
                   </a:solidFill>
@@ -4975,7 +4979,7 @@
             </a:ln>
             <a:extLst>
               <a:ext uri="{91240B29-F687-4f45-9708-019B960494DF}">
-                <a14:hiddenLine xmlns:a14="http://schemas.microsoft.com/office/drawing/2010/main" xmlns="" w="9525">
+                <a14:hiddenLine xmlns="" xmlns:a14="http://schemas.microsoft.com/office/drawing/2010/main" w="9525">
                   <a:solidFill>
                     <a:srgbClr val="000000"/>
                   </a:solidFill>
@@ -5065,7 +5069,7 @@
             </a:ln>
             <a:extLst>
               <a:ext uri="{91240B29-F687-4f45-9708-019B960494DF}">
-                <a14:hiddenLine xmlns:a14="http://schemas.microsoft.com/office/drawing/2010/main" xmlns="" w="9525">
+                <a14:hiddenLine xmlns="" xmlns:a14="http://schemas.microsoft.com/office/drawing/2010/main" w="9525">
                   <a:solidFill>
                     <a:srgbClr val="000000"/>
                   </a:solidFill>
@@ -5127,7 +5131,7 @@
             </a:ln>
             <a:extLst>
               <a:ext uri="{91240B29-F687-4f45-9708-019B960494DF}">
-                <a14:hiddenLine xmlns:a14="http://schemas.microsoft.com/office/drawing/2010/main" xmlns="" w="9525">
+                <a14:hiddenLine xmlns="" xmlns:a14="http://schemas.microsoft.com/office/drawing/2010/main" w="9525">
                   <a:solidFill>
                     <a:srgbClr val="000000"/>
                   </a:solidFill>
@@ -5217,7 +5221,7 @@
             </a:ln>
             <a:extLst>
               <a:ext uri="{91240B29-F687-4f45-9708-019B960494DF}">
-                <a14:hiddenLine xmlns:a14="http://schemas.microsoft.com/office/drawing/2010/main" xmlns="" w="9525">
+                <a14:hiddenLine xmlns="" xmlns:a14="http://schemas.microsoft.com/office/drawing/2010/main" w="9525">
                   <a:solidFill>
                     <a:srgbClr val="000000"/>
                   </a:solidFill>
@@ -5307,7 +5311,7 @@
             </a:ln>
             <a:extLst>
               <a:ext uri="{91240B29-F687-4f45-9708-019B960494DF}">
-                <a14:hiddenLine xmlns:a14="http://schemas.microsoft.com/office/drawing/2010/main" xmlns="" w="9525">
+                <a14:hiddenLine xmlns="" xmlns:a14="http://schemas.microsoft.com/office/drawing/2010/main" w="9525">
                   <a:solidFill>
                     <a:srgbClr val="000000"/>
                   </a:solidFill>
@@ -5372,7 +5376,7 @@
             </a:ln>
             <a:extLst>
               <a:ext uri="{91240B29-F687-4f45-9708-019B960494DF}">
-                <a14:hiddenLine xmlns:a14="http://schemas.microsoft.com/office/drawing/2010/main" xmlns="" w="9525">
+                <a14:hiddenLine xmlns="" xmlns:a14="http://schemas.microsoft.com/office/drawing/2010/main" w="9525">
                   <a:solidFill>
                     <a:srgbClr val="000000"/>
                   </a:solidFill>
@@ -5434,7 +5438,7 @@
             </a:ln>
             <a:extLst>
               <a:ext uri="{91240B29-F687-4f45-9708-019B960494DF}">
-                <a14:hiddenLine xmlns:a14="http://schemas.microsoft.com/office/drawing/2010/main" xmlns="" w="9525">
+                <a14:hiddenLine xmlns="" xmlns:a14="http://schemas.microsoft.com/office/drawing/2010/main" w="9525">
                   <a:solidFill>
                     <a:srgbClr val="000000"/>
                   </a:solidFill>
@@ -5524,7 +5528,7 @@
             </a:ln>
             <a:extLst>
               <a:ext uri="{91240B29-F687-4f45-9708-019B960494DF}">
-                <a14:hiddenLine xmlns:a14="http://schemas.microsoft.com/office/drawing/2010/main" xmlns="" w="9525">
+                <a14:hiddenLine xmlns="" xmlns:a14="http://schemas.microsoft.com/office/drawing/2010/main" w="9525">
                   <a:solidFill>
                     <a:srgbClr val="000000"/>
                   </a:solidFill>
@@ -5614,7 +5618,7 @@
             </a:ln>
             <a:extLst>
               <a:ext uri="{91240B29-F687-4f45-9708-019B960494DF}">
-                <a14:hiddenLine xmlns:a14="http://schemas.microsoft.com/office/drawing/2010/main" xmlns="" w="9525">
+                <a14:hiddenLine xmlns="" xmlns:a14="http://schemas.microsoft.com/office/drawing/2010/main" w="9525">
                   <a:solidFill>
                     <a:srgbClr val="000000"/>
                   </a:solidFill>
@@ -5676,7 +5680,7 @@
             </a:ln>
             <a:extLst>
               <a:ext uri="{91240B29-F687-4f45-9708-019B960494DF}">
-                <a14:hiddenLine xmlns:a14="http://schemas.microsoft.com/office/drawing/2010/main" xmlns="" w="9525">
+                <a14:hiddenLine xmlns="" xmlns:a14="http://schemas.microsoft.com/office/drawing/2010/main" w="9525">
                   <a:solidFill>
                     <a:srgbClr val="000000"/>
                   </a:solidFill>
@@ -5796,7 +5800,7 @@
             </a:ln>
             <a:extLst>
               <a:ext uri="{91240B29-F687-4f45-9708-019B960494DF}">
-                <a14:hiddenLine xmlns:a14="http://schemas.microsoft.com/office/drawing/2010/main" xmlns="" w="9525">
+                <a14:hiddenLine xmlns="" xmlns:a14="http://schemas.microsoft.com/office/drawing/2010/main" w="9525">
                   <a:solidFill>
                     <a:srgbClr val="000000"/>
                   </a:solidFill>
@@ -5864,7 +5868,7 @@
             </a:ln>
             <a:extLst>
               <a:ext uri="{91240B29-F687-4f45-9708-019B960494DF}">
-                <a14:hiddenLine xmlns:a14="http://schemas.microsoft.com/office/drawing/2010/main" xmlns="" w="9525">
+                <a14:hiddenLine xmlns="" xmlns:a14="http://schemas.microsoft.com/office/drawing/2010/main" w="9525">
                   <a:solidFill>
                     <a:srgbClr val="000000"/>
                   </a:solidFill>
@@ -5954,7 +5958,7 @@
             </a:ln>
             <a:extLst>
               <a:ext uri="{91240B29-F687-4f45-9708-019B960494DF}">
-                <a14:hiddenLine xmlns:a14="http://schemas.microsoft.com/office/drawing/2010/main" xmlns="" w="9525">
+                <a14:hiddenLine xmlns="" xmlns:a14="http://schemas.microsoft.com/office/drawing/2010/main" w="9525">
                   <a:solidFill>
                     <a:srgbClr val="000000"/>
                   </a:solidFill>
@@ -6095,7 +6099,7 @@
             <a:pPr rtl="0"/>
             <a:fld id="{9F07C412-3A91-42D6-9B61-4FCDC427A2DF}" type="datetime1">
               <a:rPr lang="it-IT" noProof="0" smtClean="0"/>
-              <a:t>12/02/2025</a:t>
+              <a:t>14/02/2025</a:t>
             </a:fld>
             <a:endParaRPr lang="it-IT" noProof="0"/>
           </a:p>
@@ -6364,7 +6368,7 @@
             <a:pPr rtl="0"/>
             <a:fld id="{0E5F0924-62E5-463C-8BF5-2B1C587AAB62}" type="datetime1">
               <a:rPr lang="it-IT" noProof="0" smtClean="0"/>
-              <a:t>12/02/2025</a:t>
+              <a:t>14/02/2025</a:t>
             </a:fld>
             <a:endParaRPr lang="it-IT" noProof="0"/>
           </a:p>
@@ -6563,7 +6567,7 @@
             <a:pPr rtl="0"/>
             <a:fld id="{2418E10D-0776-44D6-963B-DC0E8263B4A3}" type="datetime1">
               <a:rPr lang="it-IT" noProof="0" smtClean="0"/>
-              <a:t>12/02/2025</a:t>
+              <a:t>14/02/2025</a:t>
             </a:fld>
             <a:endParaRPr lang="it-IT" noProof="0"/>
           </a:p>
@@ -6829,7 +6833,7 @@
             <a:pPr rtl="0"/>
             <a:fld id="{A4B6D974-EE66-4A1B-A230-B07D9415C521}" type="datetime1">
               <a:rPr lang="it-IT" noProof="0" smtClean="0"/>
-              <a:t>12/02/2025</a:t>
+              <a:t>14/02/2025</a:t>
             </a:fld>
             <a:endParaRPr lang="it-IT" noProof="0"/>
           </a:p>
@@ -7266,7 +7270,7 @@
             <a:pPr rtl="0"/>
             <a:fld id="{B8CBCA41-3B27-42BB-A896-14406F9B4BB2}" type="datetime1">
               <a:rPr lang="it-IT" noProof="0" smtClean="0"/>
-              <a:t>12/02/2025</a:t>
+              <a:t>14/02/2025</a:t>
             </a:fld>
             <a:endParaRPr lang="it-IT" noProof="0"/>
           </a:p>
@@ -7815,7 +7819,7 @@
             <a:pPr rtl="0"/>
             <a:fld id="{0DDBE533-468B-4DF8-989E-AE4D84890758}" type="datetime1">
               <a:rPr lang="it-IT" noProof="0" smtClean="0"/>
-              <a:t>12/02/2025</a:t>
+              <a:t>14/02/2025</a:t>
             </a:fld>
             <a:endParaRPr lang="it-IT" noProof="0"/>
           </a:p>
@@ -8539,7 +8543,7 @@
             <a:pPr rtl="0"/>
             <a:fld id="{CF450CD3-1E9A-42ED-B6B3-2B7762497156}" type="datetime1">
               <a:rPr lang="it-IT" noProof="0" smtClean="0"/>
-              <a:t>12/02/2025</a:t>
+              <a:t>14/02/2025</a:t>
             </a:fld>
             <a:endParaRPr lang="it-IT" noProof="0"/>
           </a:p>
@@ -8715,7 +8719,7 @@
             <a:pPr rtl="0"/>
             <a:fld id="{2FA54109-2DBF-44E4-B491-5C8B534E9B1F}" type="datetime1">
               <a:rPr lang="it-IT" noProof="0" smtClean="0"/>
-              <a:t>12/02/2025</a:t>
+              <a:t>14/02/2025</a:t>
             </a:fld>
             <a:endParaRPr lang="it-IT" noProof="0"/>
           </a:p>
@@ -8901,7 +8905,7 @@
             <a:pPr rtl="0"/>
             <a:fld id="{D3CC41FE-9AED-44D9-BC63-8BB1EF16618B}" type="datetime1">
               <a:rPr lang="it-IT" noProof="0" smtClean="0"/>
-              <a:t>12/02/2025</a:t>
+              <a:t>14/02/2025</a:t>
             </a:fld>
             <a:endParaRPr lang="it-IT" noProof="0"/>
           </a:p>
@@ -9077,7 +9081,7 @@
             <a:pPr rtl="0"/>
             <a:fld id="{F93AB055-364E-487C-A7AC-4F0B10DC386A}" type="datetime1">
               <a:rPr lang="it-IT" noProof="0" smtClean="0"/>
-              <a:t>12/02/2025</a:t>
+              <a:t>14/02/2025</a:t>
             </a:fld>
             <a:endParaRPr lang="it-IT" noProof="0"/>
           </a:p>
@@ -9330,7 +9334,7 @@
             <a:pPr rtl="0"/>
             <a:fld id="{AFBFA9F5-A62B-4527-A612-E4EF95C576C6}" type="datetime1">
               <a:rPr lang="it-IT" noProof="0" smtClean="0"/>
-              <a:t>12/02/2025</a:t>
+              <a:t>14/02/2025</a:t>
             </a:fld>
             <a:endParaRPr lang="it-IT" noProof="0"/>
           </a:p>
@@ -9571,7 +9575,7 @@
             <a:pPr rtl="0"/>
             <a:fld id="{65A3CC1B-4CC0-43F6-B4FE-A108262B34F1}" type="datetime1">
               <a:rPr lang="it-IT" noProof="0" smtClean="0"/>
-              <a:t>12/02/2025</a:t>
+              <a:t>14/02/2025</a:t>
             </a:fld>
             <a:endParaRPr lang="it-IT" noProof="0"/>
           </a:p>
@@ -9961,7 +9965,7 @@
             <a:pPr rtl="0"/>
             <a:fld id="{6F7EC582-D1B1-4956-8471-5858519B7C3E}" type="datetime1">
               <a:rPr lang="it-IT" noProof="0" smtClean="0"/>
-              <a:t>12/02/2025</a:t>
+              <a:t>14/02/2025</a:t>
             </a:fld>
             <a:endParaRPr lang="it-IT" noProof="0"/>
           </a:p>
@@ -10082,7 +10086,7 @@
             <a:pPr rtl="0"/>
             <a:fld id="{7F2E543F-C901-4A41-AEA4-880C40EA1C68}" type="datetime1">
               <a:rPr lang="it-IT" noProof="0" smtClean="0"/>
-              <a:t>12/02/2025</a:t>
+              <a:t>14/02/2025</a:t>
             </a:fld>
             <a:endParaRPr lang="it-IT" noProof="0"/>
           </a:p>
@@ -10180,7 +10184,7 @@
             <a:pPr rtl="0"/>
             <a:fld id="{43628562-FD3D-4B47-BC1E-58BECF47F1DB}" type="datetime1">
               <a:rPr lang="it-IT" noProof="0" smtClean="0"/>
-              <a:t>12/02/2025</a:t>
+              <a:t>14/02/2025</a:t>
             </a:fld>
             <a:endParaRPr lang="it-IT" noProof="0"/>
           </a:p>
@@ -10435,7 +10439,7 @@
             <a:pPr rtl="0"/>
             <a:fld id="{83D084F5-34B4-46AE-8DB4-08A7B0B97DD5}" type="datetime1">
               <a:rPr lang="it-IT" noProof="0" smtClean="0"/>
-              <a:t>12/02/2025</a:t>
+              <a:t>14/02/2025</a:t>
             </a:fld>
             <a:endParaRPr lang="it-IT" noProof="0"/>
           </a:p>
@@ -10718,7 +10722,7 @@
             <a:pPr rtl="0"/>
             <a:fld id="{5C4E6ABF-EADB-4B87-94E5-A6252FA0837A}" type="datetime1">
               <a:rPr lang="it-IT" noProof="0" smtClean="0"/>
-              <a:t>12/02/2025</a:t>
+              <a:t>14/02/2025</a:t>
             </a:fld>
             <a:endParaRPr lang="it-IT" noProof="0"/>
           </a:p>
@@ -10843,7 +10847,7 @@
           <a:noFill/>
           <a:extLst>
             <a:ext uri="{909E8E84-426E-40dd-AFC4-6F175D3DCCD1}">
-              <a14:hiddenFill xmlns:a14="http://schemas.microsoft.com/office/drawing/2010/main" xmlns="">
+              <a14:hiddenFill xmlns="" xmlns:a14="http://schemas.microsoft.com/office/drawing/2010/main">
                 <a:solidFill>
                   <a:srgbClr val="FFFFFF"/>
                 </a:solidFill>
@@ -10917,7 +10921,7 @@
               </a:ln>
               <a:extLst>
                 <a:ext uri="{91240B29-F687-4f45-9708-019B960494DF}">
-                  <a14:hiddenLine xmlns:a14="http://schemas.microsoft.com/office/drawing/2010/main" xmlns="" w="9525">
+                  <a14:hiddenLine xmlns="" xmlns:a14="http://schemas.microsoft.com/office/drawing/2010/main" w="9525">
                     <a:solidFill>
                       <a:srgbClr val="000000"/>
                     </a:solidFill>
@@ -11007,7 +11011,7 @@
               </a:ln>
               <a:extLst>
                 <a:ext uri="{91240B29-F687-4f45-9708-019B960494DF}">
-                  <a14:hiddenLine xmlns:a14="http://schemas.microsoft.com/office/drawing/2010/main" xmlns="" w="9525">
+                  <a14:hiddenLine xmlns="" xmlns:a14="http://schemas.microsoft.com/office/drawing/2010/main" w="9525">
                     <a:solidFill>
                       <a:srgbClr val="000000"/>
                     </a:solidFill>
@@ -11097,7 +11101,7 @@
               </a:ln>
               <a:extLst>
                 <a:ext uri="{91240B29-F687-4f45-9708-019B960494DF}">
-                  <a14:hiddenLine xmlns:a14="http://schemas.microsoft.com/office/drawing/2010/main" xmlns="" w="9525">
+                  <a14:hiddenLine xmlns="" xmlns:a14="http://schemas.microsoft.com/office/drawing/2010/main" w="9525">
                     <a:solidFill>
                       <a:srgbClr val="000000"/>
                     </a:solidFill>
@@ -11159,7 +11163,7 @@
               </a:ln>
               <a:extLst>
                 <a:ext uri="{91240B29-F687-4f45-9708-019B960494DF}">
-                  <a14:hiddenLine xmlns:a14="http://schemas.microsoft.com/office/drawing/2010/main" xmlns="" w="9525">
+                  <a14:hiddenLine xmlns="" xmlns:a14="http://schemas.microsoft.com/office/drawing/2010/main" w="9525">
                     <a:solidFill>
                       <a:srgbClr val="000000"/>
                     </a:solidFill>
@@ -11249,7 +11253,7 @@
               </a:ln>
               <a:extLst>
                 <a:ext uri="{91240B29-F687-4f45-9708-019B960494DF}">
-                  <a14:hiddenLine xmlns:a14="http://schemas.microsoft.com/office/drawing/2010/main" xmlns="" w="9525">
+                  <a14:hiddenLine xmlns="" xmlns:a14="http://schemas.microsoft.com/office/drawing/2010/main" w="9525">
                     <a:solidFill>
                       <a:srgbClr val="000000"/>
                     </a:solidFill>
@@ -11311,7 +11315,7 @@
               </a:ln>
               <a:extLst>
                 <a:ext uri="{91240B29-F687-4f45-9708-019B960494DF}">
-                  <a14:hiddenLine xmlns:a14="http://schemas.microsoft.com/office/drawing/2010/main" xmlns="" w="9525">
+                  <a14:hiddenLine xmlns="" xmlns:a14="http://schemas.microsoft.com/office/drawing/2010/main" w="9525">
                     <a:solidFill>
                       <a:srgbClr val="000000"/>
                     </a:solidFill>
@@ -11373,7 +11377,7 @@
               </a:ln>
               <a:extLst>
                 <a:ext uri="{91240B29-F687-4f45-9708-019B960494DF}">
-                  <a14:hiddenLine xmlns:a14="http://schemas.microsoft.com/office/drawing/2010/main" xmlns="" w="9525">
+                  <a14:hiddenLine xmlns="" xmlns:a14="http://schemas.microsoft.com/office/drawing/2010/main" w="9525">
                     <a:solidFill>
                       <a:srgbClr val="000000"/>
                     </a:solidFill>
@@ -11463,7 +11467,7 @@
               </a:ln>
               <a:extLst>
                 <a:ext uri="{91240B29-F687-4f45-9708-019B960494DF}">
-                  <a14:hiddenLine xmlns:a14="http://schemas.microsoft.com/office/drawing/2010/main" xmlns="" w="9525">
+                  <a14:hiddenLine xmlns="" xmlns:a14="http://schemas.microsoft.com/office/drawing/2010/main" w="9525">
                     <a:solidFill>
                       <a:srgbClr val="000000"/>
                     </a:solidFill>
@@ -11553,7 +11557,7 @@
               </a:ln>
               <a:extLst>
                 <a:ext uri="{91240B29-F687-4f45-9708-019B960494DF}">
-                  <a14:hiddenLine xmlns:a14="http://schemas.microsoft.com/office/drawing/2010/main" xmlns="" w="9525">
+                  <a14:hiddenLine xmlns="" xmlns:a14="http://schemas.microsoft.com/office/drawing/2010/main" w="9525">
                     <a:solidFill>
                       <a:srgbClr val="000000"/>
                     </a:solidFill>
@@ -11615,7 +11619,7 @@
               </a:ln>
               <a:extLst>
                 <a:ext uri="{91240B29-F687-4f45-9708-019B960494DF}">
-                  <a14:hiddenLine xmlns:a14="http://schemas.microsoft.com/office/drawing/2010/main" xmlns="" w="9525">
+                  <a14:hiddenLine xmlns="" xmlns:a14="http://schemas.microsoft.com/office/drawing/2010/main" w="9525">
                     <a:solidFill>
                       <a:srgbClr val="000000"/>
                     </a:solidFill>
@@ -11725,7 +11729,7 @@
               </a:ln>
               <a:extLst>
                 <a:ext uri="{91240B29-F687-4f45-9708-019B960494DF}">
-                  <a14:hiddenLine xmlns:a14="http://schemas.microsoft.com/office/drawing/2010/main" xmlns="" w="9525">
+                  <a14:hiddenLine xmlns="" xmlns:a14="http://schemas.microsoft.com/office/drawing/2010/main" w="9525">
                     <a:solidFill>
                       <a:srgbClr val="000000"/>
                     </a:solidFill>
@@ -11809,7 +11813,7 @@
               </a:ln>
               <a:extLst>
                 <a:ext uri="{91240B29-F687-4f45-9708-019B960494DF}">
-                  <a14:hiddenLine xmlns:a14="http://schemas.microsoft.com/office/drawing/2010/main" xmlns="" w="9525">
+                  <a14:hiddenLine xmlns="" xmlns:a14="http://schemas.microsoft.com/office/drawing/2010/main" w="9525">
                     <a:solidFill>
                       <a:srgbClr val="000000"/>
                     </a:solidFill>
@@ -11871,7 +11875,7 @@
               </a:ln>
               <a:extLst>
                 <a:ext uri="{91240B29-F687-4f45-9708-019B960494DF}">
-                  <a14:hiddenLine xmlns:a14="http://schemas.microsoft.com/office/drawing/2010/main" xmlns="" w="9525">
+                  <a14:hiddenLine xmlns="" xmlns:a14="http://schemas.microsoft.com/office/drawing/2010/main" w="9525">
                     <a:solidFill>
                       <a:srgbClr val="000000"/>
                     </a:solidFill>
@@ -11933,7 +11937,7 @@
               </a:ln>
               <a:extLst>
                 <a:ext uri="{91240B29-F687-4f45-9708-019B960494DF}">
-                  <a14:hiddenLine xmlns:a14="http://schemas.microsoft.com/office/drawing/2010/main" xmlns="" w="9525">
+                  <a14:hiddenLine xmlns="" xmlns:a14="http://schemas.microsoft.com/office/drawing/2010/main" w="9525">
                     <a:solidFill>
                       <a:srgbClr val="000000"/>
                     </a:solidFill>
@@ -12023,7 +12027,7 @@
               </a:ln>
               <a:extLst>
                 <a:ext uri="{91240B29-F687-4f45-9708-019B960494DF}">
-                  <a14:hiddenLine xmlns:a14="http://schemas.microsoft.com/office/drawing/2010/main" xmlns="" w="9525">
+                  <a14:hiddenLine xmlns="" xmlns:a14="http://schemas.microsoft.com/office/drawing/2010/main" w="9525">
                     <a:solidFill>
                       <a:srgbClr val="000000"/>
                     </a:solidFill>
@@ -12057,7 +12061,7 @@
               </a:ln>
               <a:extLst>
                 <a:ext uri="{91240B29-F687-4f45-9708-019B960494DF}">
-                  <a14:hiddenLine xmlns:a14="http://schemas.microsoft.com/office/drawing/2010/main" xmlns="" w="9525">
+                  <a14:hiddenLine xmlns="" xmlns:a14="http://schemas.microsoft.com/office/drawing/2010/main" w="9525">
                     <a:solidFill>
                       <a:srgbClr val="000000"/>
                     </a:solidFill>
@@ -12122,7 +12126,7 @@
               </a:ln>
               <a:extLst>
                 <a:ext uri="{91240B29-F687-4f45-9708-019B960494DF}">
-                  <a14:hiddenLine xmlns:a14="http://schemas.microsoft.com/office/drawing/2010/main" xmlns="" w="9525">
+                  <a14:hiddenLine xmlns="" xmlns:a14="http://schemas.microsoft.com/office/drawing/2010/main" w="9525">
                     <a:solidFill>
                       <a:srgbClr val="000000"/>
                     </a:solidFill>
@@ -12212,7 +12216,7 @@
               </a:ln>
               <a:extLst>
                 <a:ext uri="{91240B29-F687-4f45-9708-019B960494DF}">
-                  <a14:hiddenLine xmlns:a14="http://schemas.microsoft.com/office/drawing/2010/main" xmlns="" w="9525">
+                  <a14:hiddenLine xmlns="" xmlns:a14="http://schemas.microsoft.com/office/drawing/2010/main" w="9525">
                     <a:solidFill>
                       <a:srgbClr val="000000"/>
                     </a:solidFill>
@@ -12274,7 +12278,7 @@
               </a:ln>
               <a:extLst>
                 <a:ext uri="{91240B29-F687-4f45-9708-019B960494DF}">
-                  <a14:hiddenLine xmlns:a14="http://schemas.microsoft.com/office/drawing/2010/main" xmlns="" w="9525">
+                  <a14:hiddenLine xmlns="" xmlns:a14="http://schemas.microsoft.com/office/drawing/2010/main" w="9525">
                     <a:solidFill>
                       <a:srgbClr val="000000"/>
                     </a:solidFill>
@@ -12364,7 +12368,7 @@
               </a:ln>
               <a:extLst>
                 <a:ext uri="{91240B29-F687-4f45-9708-019B960494DF}">
-                  <a14:hiddenLine xmlns:a14="http://schemas.microsoft.com/office/drawing/2010/main" xmlns="" w="9525">
+                  <a14:hiddenLine xmlns="" xmlns:a14="http://schemas.microsoft.com/office/drawing/2010/main" w="9525">
                     <a:solidFill>
                       <a:srgbClr val="000000"/>
                     </a:solidFill>
@@ -12429,7 +12433,7 @@
               </a:ln>
               <a:extLst>
                 <a:ext uri="{91240B29-F687-4f45-9708-019B960494DF}">
-                  <a14:hiddenLine xmlns:a14="http://schemas.microsoft.com/office/drawing/2010/main" xmlns="" w="9525">
+                  <a14:hiddenLine xmlns="" xmlns:a14="http://schemas.microsoft.com/office/drawing/2010/main" w="9525">
                     <a:solidFill>
                       <a:srgbClr val="000000"/>
                     </a:solidFill>
@@ -12491,7 +12495,7 @@
               </a:ln>
               <a:extLst>
                 <a:ext uri="{91240B29-F687-4f45-9708-019B960494DF}">
-                  <a14:hiddenLine xmlns:a14="http://schemas.microsoft.com/office/drawing/2010/main" xmlns="" w="9525">
+                  <a14:hiddenLine xmlns="" xmlns:a14="http://schemas.microsoft.com/office/drawing/2010/main" w="9525">
                     <a:solidFill>
                       <a:srgbClr val="000000"/>
                     </a:solidFill>
@@ -12581,7 +12585,7 @@
               </a:ln>
               <a:extLst>
                 <a:ext uri="{91240B29-F687-4f45-9708-019B960494DF}">
-                  <a14:hiddenLine xmlns:a14="http://schemas.microsoft.com/office/drawing/2010/main" xmlns="" w="9525">
+                  <a14:hiddenLine xmlns="" xmlns:a14="http://schemas.microsoft.com/office/drawing/2010/main" w="9525">
                     <a:solidFill>
                       <a:srgbClr val="000000"/>
                     </a:solidFill>
@@ -12671,7 +12675,7 @@
               </a:ln>
               <a:extLst>
                 <a:ext uri="{91240B29-F687-4f45-9708-019B960494DF}">
-                  <a14:hiddenLine xmlns:a14="http://schemas.microsoft.com/office/drawing/2010/main" xmlns="" w="9525">
+                  <a14:hiddenLine xmlns="" xmlns:a14="http://schemas.microsoft.com/office/drawing/2010/main" w="9525">
                     <a:solidFill>
                       <a:srgbClr val="000000"/>
                     </a:solidFill>
@@ -12736,7 +12740,7 @@
               </a:ln>
               <a:extLst>
                 <a:ext uri="{91240B29-F687-4f45-9708-019B960494DF}">
-                  <a14:hiddenLine xmlns:a14="http://schemas.microsoft.com/office/drawing/2010/main" xmlns="" w="9525">
+                  <a14:hiddenLine xmlns="" xmlns:a14="http://schemas.microsoft.com/office/drawing/2010/main" w="9525">
                     <a:solidFill>
                       <a:srgbClr val="000000"/>
                     </a:solidFill>
@@ -12856,7 +12860,7 @@
               </a:ln>
               <a:extLst>
                 <a:ext uri="{91240B29-F687-4f45-9708-019B960494DF}">
-                  <a14:hiddenLine xmlns:a14="http://schemas.microsoft.com/office/drawing/2010/main" xmlns="" w="9525">
+                  <a14:hiddenLine xmlns="" xmlns:a14="http://schemas.microsoft.com/office/drawing/2010/main" w="9525">
                     <a:solidFill>
                       <a:srgbClr val="000000"/>
                     </a:solidFill>
@@ -12937,7 +12941,7 @@
               </a:ln>
               <a:extLst>
                 <a:ext uri="{91240B29-F687-4f45-9708-019B960494DF}">
-                  <a14:hiddenLine xmlns:a14="http://schemas.microsoft.com/office/drawing/2010/main" xmlns="" w="9525">
+                  <a14:hiddenLine xmlns="" xmlns:a14="http://schemas.microsoft.com/office/drawing/2010/main" w="9525">
                     <a:solidFill>
                       <a:srgbClr val="000000"/>
                     </a:solidFill>
@@ -13052,7 +13056,7 @@
               </a:ln>
               <a:extLst>
                 <a:ext uri="{91240B29-F687-4f45-9708-019B960494DF}">
-                  <a14:hiddenLine xmlns:a14="http://schemas.microsoft.com/office/drawing/2010/main" xmlns="" w="9525">
+                  <a14:hiddenLine xmlns="" xmlns:a14="http://schemas.microsoft.com/office/drawing/2010/main" w="9525">
                     <a:solidFill>
                       <a:srgbClr val="000000"/>
                     </a:solidFill>
@@ -13142,7 +13146,7 @@
               </a:ln>
               <a:extLst>
                 <a:ext uri="{91240B29-F687-4f45-9708-019B960494DF}">
-                  <a14:hiddenLine xmlns:a14="http://schemas.microsoft.com/office/drawing/2010/main" xmlns="" w="9525">
+                  <a14:hiddenLine xmlns="" xmlns:a14="http://schemas.microsoft.com/office/drawing/2010/main" w="9525">
                     <a:solidFill>
                       <a:srgbClr val="000000"/>
                     </a:solidFill>
@@ -13207,7 +13211,7 @@
               </a:ln>
               <a:extLst>
                 <a:ext uri="{91240B29-F687-4f45-9708-019B960494DF}">
-                  <a14:hiddenLine xmlns:a14="http://schemas.microsoft.com/office/drawing/2010/main" xmlns="" w="9525">
+                  <a14:hiddenLine xmlns="" xmlns:a14="http://schemas.microsoft.com/office/drawing/2010/main" w="9525">
                     <a:solidFill>
                       <a:srgbClr val="000000"/>
                     </a:solidFill>
@@ -13297,7 +13301,7 @@
               </a:ln>
               <a:extLst>
                 <a:ext uri="{91240B29-F687-4f45-9708-019B960494DF}">
-                  <a14:hiddenLine xmlns:a14="http://schemas.microsoft.com/office/drawing/2010/main" xmlns="" w="9525">
+                  <a14:hiddenLine xmlns="" xmlns:a14="http://schemas.microsoft.com/office/drawing/2010/main" w="9525">
                     <a:solidFill>
                       <a:srgbClr val="000000"/>
                     </a:solidFill>
@@ -13365,7 +13369,7 @@
               </a:ln>
               <a:extLst>
                 <a:ext uri="{91240B29-F687-4f45-9708-019B960494DF}">
-                  <a14:hiddenLine xmlns:a14="http://schemas.microsoft.com/office/drawing/2010/main" xmlns="" w="9525">
+                  <a14:hiddenLine xmlns="" xmlns:a14="http://schemas.microsoft.com/office/drawing/2010/main" w="9525">
                     <a:solidFill>
                       <a:srgbClr val="000000"/>
                     </a:solidFill>
@@ -13455,7 +13459,7 @@
               </a:ln>
               <a:extLst>
                 <a:ext uri="{91240B29-F687-4f45-9708-019B960494DF}">
-                  <a14:hiddenLine xmlns:a14="http://schemas.microsoft.com/office/drawing/2010/main" xmlns="" w="9525">
+                  <a14:hiddenLine xmlns="" xmlns:a14="http://schemas.microsoft.com/office/drawing/2010/main" w="9525">
                     <a:solidFill>
                       <a:srgbClr val="000000"/>
                     </a:solidFill>
@@ -13523,7 +13527,7 @@
               </a:ln>
               <a:extLst>
                 <a:ext uri="{91240B29-F687-4f45-9708-019B960494DF}">
-                  <a14:hiddenLine xmlns:a14="http://schemas.microsoft.com/office/drawing/2010/main" xmlns="" w="9525">
+                  <a14:hiddenLine xmlns="" xmlns:a14="http://schemas.microsoft.com/office/drawing/2010/main" w="9525">
                     <a:solidFill>
                       <a:srgbClr val="000000"/>
                     </a:solidFill>
@@ -13613,7 +13617,7 @@
               </a:ln>
               <a:extLst>
                 <a:ext uri="{91240B29-F687-4f45-9708-019B960494DF}">
-                  <a14:hiddenLine xmlns:a14="http://schemas.microsoft.com/office/drawing/2010/main" xmlns="" w="9525">
+                  <a14:hiddenLine xmlns="" xmlns:a14="http://schemas.microsoft.com/office/drawing/2010/main" w="9525">
                     <a:solidFill>
                       <a:srgbClr val="000000"/>
                     </a:solidFill>
@@ -13647,7 +13651,7 @@
               </a:ln>
               <a:extLst>
                 <a:ext uri="{91240B29-F687-4f45-9708-019B960494DF}">
-                  <a14:hiddenLine xmlns:a14="http://schemas.microsoft.com/office/drawing/2010/main" xmlns="" w="9525">
+                  <a14:hiddenLine xmlns="" xmlns:a14="http://schemas.microsoft.com/office/drawing/2010/main" w="9525">
                     <a:solidFill>
                       <a:srgbClr val="000000"/>
                     </a:solidFill>
@@ -13788,7 +13792,7 @@
             <a:pPr rtl="0"/>
             <a:fld id="{C9D3B909-5AB1-46A3-A753-94B6F9B0BED5}" type="datetime1">
               <a:rPr lang="it-IT" noProof="0" smtClean="0"/>
-              <a:t>12/02/2025</a:t>
+              <a:t>14/02/2025</a:t>
             </a:fld>
             <a:endParaRPr lang="it-IT" noProof="0"/>
           </a:p>
@@ -14379,6 +14383,1474 @@
         <p:cNvPr id="1" name="">
           <a:extLst>
             <a:ext uri="{FF2B5EF4-FFF2-40B4-BE49-F238E27FC236}">
+              <a16:creationId xmlns:a16="http://schemas.microsoft.com/office/drawing/2014/main" id="{8DF0265D-A599-FC74-6821-65AD4E077AD8}"/>
+            </a:ext>
+          </a:extLst>
+        </p:cNvPr>
+        <p:cNvGrpSpPr/>
+        <p:nvPr/>
+      </p:nvGrpSpPr>
+      <p:grpSpPr>
+        <a:xfrm>
+          <a:off x="0" y="0"/>
+          <a:ext cx="0" cy="0"/>
+          <a:chOff x="0" y="0"/>
+          <a:chExt cx="0" cy="0"/>
+        </a:xfrm>
+      </p:grpSpPr>
+      <p:sp>
+        <p:nvSpPr>
+          <p:cNvPr id="2" name="Titolo 1">
+            <a:extLst>
+              <a:ext uri="{FF2B5EF4-FFF2-40B4-BE49-F238E27FC236}">
+                <a16:creationId xmlns:a16="http://schemas.microsoft.com/office/drawing/2014/main" id="{71971647-F952-8E7B-2ACB-E6F6F9B9860E}"/>
+              </a:ext>
+            </a:extLst>
+          </p:cNvPr>
+          <p:cNvSpPr>
+            <a:spLocks noGrp="1"/>
+          </p:cNvSpPr>
+          <p:nvPr>
+            <p:ph type="title"/>
+          </p:nvPr>
+        </p:nvSpPr>
+        <p:spPr>
+          <a:xfrm>
+            <a:off x="1415957" y="404756"/>
+            <a:ext cx="9905998" cy="790404"/>
+          </a:xfrm>
+        </p:spPr>
+        <p:txBody>
+          <a:bodyPr rtlCol="0">
+            <a:normAutofit/>
+          </a:bodyPr>
+          <a:lstStyle/>
+          <a:p>
+            <a:pPr rtl="0"/>
+            <a:r>
+              <a:rPr lang="it-IT" sz="4400" dirty="0">
+                <a:latin typeface="Rockwell" panose="02060603020205020403" pitchFamily="18" charset="0"/>
+              </a:rPr>
+              <a:t>First mode, RESISTIVE SHAUNT </a:t>
+            </a:r>
+            <a:endParaRPr lang="it-IT" sz="4400" dirty="0">
+              <a:solidFill>
+                <a:srgbClr val="C00000"/>
+              </a:solidFill>
+              <a:latin typeface="Rockwell" panose="02060603020205020403" pitchFamily="18" charset="0"/>
+            </a:endParaRPr>
+          </a:p>
+        </p:txBody>
+      </p:sp>
+      <p:sp>
+        <p:nvSpPr>
+          <p:cNvPr id="21" name="TextBox 20">
+            <a:extLst>
+              <a:ext uri="{FF2B5EF4-FFF2-40B4-BE49-F238E27FC236}">
+                <a16:creationId xmlns:a16="http://schemas.microsoft.com/office/drawing/2014/main" id="{5C8D9FCB-C60C-B776-A756-D142D08AFFC5}"/>
+              </a:ext>
+            </a:extLst>
+          </p:cNvPr>
+          <p:cNvSpPr txBox="1"/>
+          <p:nvPr/>
+        </p:nvSpPr>
+        <p:spPr>
+          <a:xfrm>
+            <a:off x="1415957" y="1391033"/>
+            <a:ext cx="5283357" cy="5355312"/>
+          </a:xfrm>
+          <a:prstGeom prst="rect">
+            <a:avLst/>
+          </a:prstGeom>
+          <a:noFill/>
+        </p:spPr>
+        <p:txBody>
+          <a:bodyPr wrap="square" rtlCol="0">
+            <a:spAutoFit/>
+          </a:bodyPr>
+          <a:lstStyle/>
+          <a:p>
+            <a:r>
+              <a:rPr lang="en-GB" dirty="0"/>
+              <a:t>Here we have the zoom on first peak of </a:t>
+            </a:r>
+            <a:r>
+              <a:rPr lang="en-GB" b="1" dirty="0">
+                <a:latin typeface="Rockwell" panose="02060603020205020403" pitchFamily="18" charset="0"/>
+              </a:rPr>
+              <a:t>FRF R-</a:t>
+            </a:r>
+            <a:r>
+              <a:rPr lang="en-GB" b="1" dirty="0" err="1">
+                <a:latin typeface="Rockwell" panose="02060603020205020403" pitchFamily="18" charset="0"/>
+              </a:rPr>
+              <a:t>sc</a:t>
+            </a:r>
+            <a:r>
+              <a:rPr lang="en-GB" dirty="0"/>
+              <a:t>, the frequency response function with the Resistance attached to first piezo and the second piezo in short circuit. </a:t>
+            </a:r>
+          </a:p>
+          <a:p>
+            <a:r>
+              <a:rPr lang="en-GB" dirty="0"/>
+              <a:t>The peak is not precisely on the crossing point but we accept this result. </a:t>
+            </a:r>
+          </a:p>
+          <a:p>
+            <a:r>
+              <a:rPr lang="en-GB" dirty="0"/>
+              <a:t>The attenuation of first mode vibration with this methos is:</a:t>
+            </a:r>
+          </a:p>
+          <a:p>
+            <a:endParaRPr lang="en-GB" dirty="0"/>
+          </a:p>
+          <a:p>
+            <a:endParaRPr lang="en-GB" dirty="0"/>
+          </a:p>
+          <a:p>
+            <a:endParaRPr lang="en-GB" dirty="0"/>
+          </a:p>
+          <a:p>
+            <a:endParaRPr lang="en-GB" dirty="0"/>
+          </a:p>
+          <a:p>
+            <a:r>
+              <a:rPr lang="en-GB" dirty="0"/>
+              <a:t>The method used is very satisfactory considering that only a resistor is used to dissipate the energy that comes from our system. </a:t>
+            </a:r>
+          </a:p>
+          <a:p>
+            <a:r>
+              <a:rPr lang="en-GB" dirty="0"/>
+              <a:t>However, there are much more effective methods such as using Resistors and Inductors (R + L) as we will see in the next slides</a:t>
+            </a:r>
+          </a:p>
+          <a:p>
+            <a:endParaRPr lang="en-GB" dirty="0"/>
+          </a:p>
+        </p:txBody>
+      </p:sp>
+      <p:pic>
+        <p:nvPicPr>
+          <p:cNvPr id="3" name="Picture 2" descr="A graph with a line graph&#10;&#10;AI-generated content may be incorrect.">
+            <a:extLst>
+              <a:ext uri="{FF2B5EF4-FFF2-40B4-BE49-F238E27FC236}">
+                <a16:creationId xmlns:a16="http://schemas.microsoft.com/office/drawing/2014/main" id="{D81C0A34-E23D-2099-7982-F7FA168CB635}"/>
+              </a:ext>
+            </a:extLst>
+          </p:cNvPr>
+          <p:cNvPicPr>
+            <a:picLocks noChangeAspect="1"/>
+          </p:cNvPicPr>
+          <p:nvPr/>
+        </p:nvPicPr>
+        <p:blipFill>
+          <a:blip r:embed="rId3"/>
+          <a:stretch>
+            <a:fillRect/>
+          </a:stretch>
+        </p:blipFill>
+        <p:spPr>
+          <a:xfrm>
+            <a:off x="7214891" y="1391033"/>
+            <a:ext cx="3472252" cy="5062212"/>
+          </a:xfrm>
+          <a:prstGeom prst="rect">
+            <a:avLst/>
+          </a:prstGeom>
+        </p:spPr>
+      </p:pic>
+      <p:sp>
+        <p:nvSpPr>
+          <p:cNvPr id="4" name="Oval 3">
+            <a:extLst>
+              <a:ext uri="{FF2B5EF4-FFF2-40B4-BE49-F238E27FC236}">
+                <a16:creationId xmlns:a16="http://schemas.microsoft.com/office/drawing/2014/main" id="{1A913392-DE3B-7434-1EA5-762B23CF0992}"/>
+              </a:ext>
+            </a:extLst>
+          </p:cNvPr>
+          <p:cNvSpPr/>
+          <p:nvPr/>
+        </p:nvSpPr>
+        <p:spPr>
+          <a:xfrm>
+            <a:off x="8631338" y="3224778"/>
+            <a:ext cx="55651" cy="45719"/>
+          </a:xfrm>
+          <a:prstGeom prst="ellipse">
+            <a:avLst/>
+          </a:prstGeom>
+          <a:noFill/>
+          <a:ln>
+            <a:solidFill>
+              <a:srgbClr val="FF0000"/>
+            </a:solidFill>
+          </a:ln>
+        </p:spPr>
+        <p:style>
+          <a:lnRef idx="2">
+            <a:schemeClr val="accent1">
+              <a:shade val="15000"/>
+            </a:schemeClr>
+          </a:lnRef>
+          <a:fillRef idx="1">
+            <a:schemeClr val="accent1"/>
+          </a:fillRef>
+          <a:effectRef idx="0">
+            <a:schemeClr val="accent1"/>
+          </a:effectRef>
+          <a:fontRef idx="minor">
+            <a:schemeClr val="lt1"/>
+          </a:fontRef>
+        </p:style>
+        <p:txBody>
+          <a:bodyPr rtlCol="0" anchor="ctr"/>
+          <a:lstStyle/>
+          <a:p>
+            <a:pPr algn="ctr"/>
+            <a:endParaRPr lang="en-GB"/>
+          </a:p>
+        </p:txBody>
+      </p:sp>
+      <p:pic>
+        <p:nvPicPr>
+          <p:cNvPr id="11" name="Picture 10" descr="A black text with black text&#10;&#10;AI-generated content may be incorrect.">
+            <a:extLst>
+              <a:ext uri="{FF2B5EF4-FFF2-40B4-BE49-F238E27FC236}">
+                <a16:creationId xmlns:a16="http://schemas.microsoft.com/office/drawing/2014/main" id="{C12117CC-BA5D-FD91-E4DE-545E207D7B1F}"/>
+              </a:ext>
+            </a:extLst>
+          </p:cNvPr>
+          <p:cNvPicPr>
+            <a:picLocks noChangeAspect="1"/>
+          </p:cNvPicPr>
+          <p:nvPr/>
+        </p:nvPicPr>
+        <p:blipFill>
+          <a:blip r:embed="rId4"/>
+          <a:srcRect b="20232"/>
+          <a:stretch/>
+        </p:blipFill>
+        <p:spPr>
+          <a:xfrm>
+            <a:off x="2270066" y="3732494"/>
+            <a:ext cx="3575138" cy="571717"/>
+          </a:xfrm>
+          <a:prstGeom prst="rect">
+            <a:avLst/>
+          </a:prstGeom>
+        </p:spPr>
+      </p:pic>
+    </p:spTree>
+    <p:extLst>
+      <p:ext uri="{BB962C8B-B14F-4D97-AF65-F5344CB8AC3E}">
+        <p14:creationId xmlns:p14="http://schemas.microsoft.com/office/powerpoint/2010/main" val="3419649689"/>
+      </p:ext>
+    </p:extLst>
+  </p:cSld>
+  <p:clrMapOvr>
+    <a:masterClrMapping/>
+  </p:clrMapOvr>
+  <mc:AlternateContent xmlns:mc="http://schemas.openxmlformats.org/markup-compatibility/2006">
+    <mc:Choice xmlns:p159="http://schemas.microsoft.com/office/powerpoint/2015/09/main" Requires="p159">
+      <p:transition xmlns:p14="http://schemas.microsoft.com/office/powerpoint/2010/main" spd="slow" p14:dur="2000">
+        <p159:morph option="byObject"/>
+      </p:transition>
+    </mc:Choice>
+    <mc:Fallback>
+      <p:transition spd="slow">
+        <p:fade/>
+      </p:transition>
+    </mc:Fallback>
+  </mc:AlternateContent>
+</p:sld>
+</file>
+
+<file path=ppt/slides/slide11.xml><?xml version="1.0" encoding="utf-8"?>
+<p:sld xmlns:a="http://schemas.openxmlformats.org/drawingml/2006/main" xmlns:r="http://schemas.openxmlformats.org/officeDocument/2006/relationships" xmlns:p="http://schemas.openxmlformats.org/presentationml/2006/main">
+  <p:cSld>
+    <p:spTree>
+      <p:nvGrpSpPr>
+        <p:cNvPr id="1" name=""/>
+        <p:cNvGrpSpPr/>
+        <p:nvPr/>
+      </p:nvGrpSpPr>
+      <p:grpSpPr>
+        <a:xfrm>
+          <a:off x="0" y="0"/>
+          <a:ext cx="0" cy="0"/>
+          <a:chOff x="0" y="0"/>
+          <a:chExt cx="0" cy="0"/>
+        </a:xfrm>
+      </p:grpSpPr>
+      <p:sp>
+        <p:nvSpPr>
+          <p:cNvPr id="2" name="Title 1">
+            <a:extLst>
+              <a:ext uri="{FF2B5EF4-FFF2-40B4-BE49-F238E27FC236}">
+                <a16:creationId xmlns:a16="http://schemas.microsoft.com/office/drawing/2014/main" id="{5283C8D9-9233-41D0-8A1E-84A6B9FAC164}"/>
+              </a:ext>
+            </a:extLst>
+          </p:cNvPr>
+          <p:cNvSpPr>
+            <a:spLocks noGrp="1"/>
+          </p:cNvSpPr>
+          <p:nvPr>
+            <p:ph type="title"/>
+          </p:nvPr>
+        </p:nvSpPr>
+        <p:spPr>
+          <a:xfrm>
+            <a:off x="1144587" y="422575"/>
+            <a:ext cx="9902823" cy="955556"/>
+          </a:xfrm>
+        </p:spPr>
+        <p:txBody>
+          <a:bodyPr>
+            <a:normAutofit/>
+          </a:bodyPr>
+          <a:lstStyle/>
+          <a:p>
+            <a:r>
+              <a:rPr lang="it-IT" sz="3200" dirty="0"/>
+              <a:t>Se</a:t>
+            </a:r>
+            <a:r>
+              <a:rPr lang="it-IT" sz="3200" dirty="0">
+                <a:latin typeface="Rockwell" panose="02060603020205020403" pitchFamily="18" charset="0"/>
+              </a:rPr>
+              <a:t>cond mode </a:t>
+            </a:r>
+            <a:r>
+              <a:rPr lang="it-IT" sz="3200" b="1" dirty="0">
+                <a:latin typeface="Rockwell" panose="02060603020205020403" pitchFamily="18" charset="0"/>
+              </a:rPr>
+              <a:t>R, L </a:t>
+            </a:r>
+            <a:r>
+              <a:rPr lang="it-IT" sz="3200" dirty="0">
+                <a:latin typeface="Rockwell" panose="02060603020205020403" pitchFamily="18" charset="0"/>
+              </a:rPr>
+              <a:t>optimization</a:t>
+            </a:r>
+            <a:endParaRPr lang="en-GB" sz="3200" dirty="0"/>
+          </a:p>
+        </p:txBody>
+      </p:sp>
+      <p:sp>
+        <p:nvSpPr>
+          <p:cNvPr id="13" name="TextBox 12">
+            <a:extLst>
+              <a:ext uri="{FF2B5EF4-FFF2-40B4-BE49-F238E27FC236}">
+                <a16:creationId xmlns:a16="http://schemas.microsoft.com/office/drawing/2014/main" id="{A12ECFF0-628D-CE5D-76EE-76FD81C07A3C}"/>
+              </a:ext>
+            </a:extLst>
+          </p:cNvPr>
+          <p:cNvSpPr txBox="1"/>
+          <p:nvPr/>
+        </p:nvSpPr>
+        <p:spPr>
+          <a:xfrm>
+            <a:off x="1144588" y="1443026"/>
+            <a:ext cx="4760912" cy="5632311"/>
+          </a:xfrm>
+          <a:prstGeom prst="rect">
+            <a:avLst/>
+          </a:prstGeom>
+          <a:noFill/>
+        </p:spPr>
+        <p:txBody>
+          <a:bodyPr wrap="square" rtlCol="0">
+            <a:spAutoFit/>
+          </a:bodyPr>
+          <a:lstStyle/>
+          <a:p>
+            <a:pPr marL="285750" indent="-285750">
+              <a:buFont typeface="Arial" panose="020B0604020202020204" pitchFamily="34" charset="0"/>
+              <a:buChar char="•"/>
+            </a:pPr>
+            <a:r>
+              <a:rPr lang="it-IT" dirty="0"/>
+              <a:t>In this part we want to optimize the resonant shaunt for snooze the vibration associated to the second mode. </a:t>
+            </a:r>
+          </a:p>
+          <a:p>
+            <a:pPr marL="285750" indent="-285750">
+              <a:buFont typeface="Arial" panose="020B0604020202020204" pitchFamily="34" charset="0"/>
+              <a:buChar char="•"/>
+            </a:pPr>
+            <a:r>
+              <a:rPr lang="it-IT" dirty="0"/>
+              <a:t>For this type of optimization we followed an analitic procedure, so we can exacltly derive the fomulas for the optimal Resistance (</a:t>
+            </a:r>
+            <a:r>
+              <a:rPr lang="it-IT" b="1" dirty="0"/>
+              <a:t>R</a:t>
+            </a:r>
+            <a:r>
+              <a:rPr lang="it-IT" dirty="0"/>
+              <a:t>) and optimal Inductance (</a:t>
+            </a:r>
+            <a:r>
+              <a:rPr lang="it-IT" b="1" dirty="0"/>
+              <a:t>L</a:t>
+            </a:r>
+            <a:r>
+              <a:rPr lang="it-IT" dirty="0"/>
+              <a:t>). </a:t>
+            </a:r>
+          </a:p>
+          <a:p>
+            <a:pPr marL="285750" indent="-285750">
+              <a:buFont typeface="Arial" panose="020B0604020202020204" pitchFamily="34" charset="0"/>
+              <a:buChar char="•"/>
+            </a:pPr>
+            <a:r>
+              <a:rPr lang="it-IT" dirty="0"/>
+              <a:t>Starting from the equation of the system is poossible to derive:</a:t>
+            </a:r>
+          </a:p>
+          <a:p>
+            <a:pPr marL="285750" indent="-285750">
+              <a:buFont typeface="Arial" panose="020B0604020202020204" pitchFamily="34" charset="0"/>
+              <a:buChar char="•"/>
+            </a:pPr>
+            <a:endParaRPr lang="it-IT" dirty="0"/>
+          </a:p>
+          <a:p>
+            <a:pPr lvl="1"/>
+            <a:r>
+              <a:rPr lang="it-IT" dirty="0"/>
+              <a:t>-	</a:t>
+            </a:r>
+            <a:r>
+              <a:rPr lang="it-IT" b="1" dirty="0">
+                <a:latin typeface="Rockwell" panose="02060603020205020403" pitchFamily="18" charset="0"/>
+              </a:rPr>
+              <a:t>Electric Natural Frequency: </a:t>
+            </a:r>
+          </a:p>
+          <a:p>
+            <a:pPr marL="742950" lvl="1" indent="-285750">
+              <a:buFont typeface="Arial" panose="020B0604020202020204" pitchFamily="34" charset="0"/>
+              <a:buChar char="•"/>
+            </a:pPr>
+            <a:endParaRPr lang="it-IT" dirty="0"/>
+          </a:p>
+          <a:p>
+            <a:pPr marL="742950" lvl="1" indent="-285750">
+              <a:buFont typeface="Arial" panose="020B0604020202020204" pitchFamily="34" charset="0"/>
+              <a:buChar char="•"/>
+            </a:pPr>
+            <a:endParaRPr lang="it-IT" dirty="0"/>
+          </a:p>
+          <a:p>
+            <a:pPr lvl="1"/>
+            <a:endParaRPr lang="it-IT" dirty="0"/>
+          </a:p>
+          <a:p>
+            <a:pPr lvl="1"/>
+            <a:r>
+              <a:rPr lang="it-IT" b="1" dirty="0">
+                <a:latin typeface="Rockwell" panose="02060603020205020403" pitchFamily="18" charset="0"/>
+              </a:rPr>
+              <a:t>-	Electrical damping </a:t>
+            </a:r>
+          </a:p>
+          <a:p>
+            <a:pPr marL="285750" indent="-285750">
+              <a:buFont typeface="Arial" panose="020B0604020202020204" pitchFamily="34" charset="0"/>
+              <a:buChar char="•"/>
+            </a:pPr>
+            <a:endParaRPr lang="it-IT" dirty="0"/>
+          </a:p>
+          <a:p>
+            <a:pPr marL="285750" indent="-285750">
+              <a:buFont typeface="Arial" panose="020B0604020202020204" pitchFamily="34" charset="0"/>
+              <a:buChar char="•"/>
+            </a:pPr>
+            <a:endParaRPr lang="it-IT" dirty="0"/>
+          </a:p>
+          <a:p>
+            <a:pPr marL="285750" indent="-285750">
+              <a:buFont typeface="Arial" panose="020B0604020202020204" pitchFamily="34" charset="0"/>
+              <a:buChar char="•"/>
+            </a:pPr>
+            <a:endParaRPr lang="it-IT" dirty="0"/>
+          </a:p>
+          <a:p>
+            <a:pPr marL="285750" indent="-285750">
+              <a:buFontTx/>
+              <a:buChar char="-"/>
+            </a:pPr>
+            <a:endParaRPr lang="it-IT" dirty="0"/>
+          </a:p>
+          <a:p>
+            <a:pPr marL="285750" indent="-285750">
+              <a:buFontTx/>
+              <a:buChar char="-"/>
+            </a:pPr>
+            <a:endParaRPr lang="it-IT" dirty="0"/>
+          </a:p>
+        </p:txBody>
+      </p:sp>
+      <p:pic>
+        <p:nvPicPr>
+          <p:cNvPr id="12" name="Picture 11" descr="A black and white math equation&#10;&#10;AI-generated content may be incorrect.">
+            <a:extLst>
+              <a:ext uri="{FF2B5EF4-FFF2-40B4-BE49-F238E27FC236}">
+                <a16:creationId xmlns:a16="http://schemas.microsoft.com/office/drawing/2014/main" id="{5E461984-6134-0583-0337-24685B2C3E75}"/>
+              </a:ext>
+            </a:extLst>
+          </p:cNvPr>
+          <p:cNvPicPr>
+            <a:picLocks noChangeAspect="1"/>
+          </p:cNvPicPr>
+          <p:nvPr/>
+        </p:nvPicPr>
+        <p:blipFill>
+          <a:blip r:embed="rId2"/>
+          <a:stretch>
+            <a:fillRect/>
+          </a:stretch>
+        </p:blipFill>
+        <p:spPr>
+          <a:xfrm>
+            <a:off x="2588667" y="5794902"/>
+            <a:ext cx="1872753" cy="554890"/>
+          </a:xfrm>
+          <a:prstGeom prst="rect">
+            <a:avLst/>
+          </a:prstGeom>
+        </p:spPr>
+      </p:pic>
+      <p:pic>
+        <p:nvPicPr>
+          <p:cNvPr id="10" name="Picture 9" descr="A square root and square root symbol&#10;&#10;AI-generated content may be incorrect.">
+            <a:extLst>
+              <a:ext uri="{FF2B5EF4-FFF2-40B4-BE49-F238E27FC236}">
+                <a16:creationId xmlns:a16="http://schemas.microsoft.com/office/drawing/2014/main" id="{4620DB15-6C03-9EF6-03A8-D0EA42F0D871}"/>
+              </a:ext>
+            </a:extLst>
+          </p:cNvPr>
+          <p:cNvPicPr>
+            <a:picLocks noChangeAspect="1"/>
+          </p:cNvPicPr>
+          <p:nvPr/>
+        </p:nvPicPr>
+        <p:blipFill>
+          <a:blip r:embed="rId3"/>
+          <a:stretch>
+            <a:fillRect/>
+          </a:stretch>
+        </p:blipFill>
+        <p:spPr>
+          <a:xfrm rot="10800000" flipH="1" flipV="1">
+            <a:off x="2520039" y="4690104"/>
+            <a:ext cx="1872753" cy="544358"/>
+          </a:xfrm>
+          <a:prstGeom prst="rect">
+            <a:avLst/>
+          </a:prstGeom>
+        </p:spPr>
+      </p:pic>
+      <p:sp>
+        <p:nvSpPr>
+          <p:cNvPr id="14" name="TextBox 13">
+            <a:extLst>
+              <a:ext uri="{FF2B5EF4-FFF2-40B4-BE49-F238E27FC236}">
+                <a16:creationId xmlns:a16="http://schemas.microsoft.com/office/drawing/2014/main" id="{8DE0E080-3B26-8749-D245-CF0438CC6D16}"/>
+              </a:ext>
+            </a:extLst>
+          </p:cNvPr>
+          <p:cNvSpPr txBox="1"/>
+          <p:nvPr/>
+        </p:nvSpPr>
+        <p:spPr>
+          <a:xfrm>
+            <a:off x="6527735" y="1357492"/>
+            <a:ext cx="4368865" cy="3970318"/>
+          </a:xfrm>
+          <a:prstGeom prst="rect">
+            <a:avLst/>
+          </a:prstGeom>
+          <a:noFill/>
+        </p:spPr>
+        <p:txBody>
+          <a:bodyPr wrap="square" rtlCol="0">
+            <a:spAutoFit/>
+          </a:bodyPr>
+          <a:lstStyle/>
+          <a:p>
+            <a:r>
+              <a:rPr lang="it-IT" dirty="0"/>
+              <a:t>And also we have the forlmulas for find :</a:t>
+            </a:r>
+          </a:p>
+          <a:p>
+            <a:pPr marL="285750" indent="-285750">
+              <a:buFontTx/>
+              <a:buChar char="-"/>
+            </a:pPr>
+            <a:r>
+              <a:rPr lang="it-IT" dirty="0"/>
+              <a:t>The </a:t>
+            </a:r>
+            <a:r>
+              <a:rPr lang="it-IT" b="1" dirty="0">
+                <a:latin typeface="Rockwell" panose="02060603020205020403" pitchFamily="18" charset="0"/>
+              </a:rPr>
+              <a:t>optimal</a:t>
+            </a:r>
+            <a:r>
+              <a:rPr lang="it-IT" dirty="0"/>
+              <a:t> electical natural frequencies</a:t>
+            </a:r>
+          </a:p>
+          <a:p>
+            <a:pPr marL="285750" indent="-285750">
+              <a:buFontTx/>
+              <a:buChar char="-"/>
+            </a:pPr>
+            <a:endParaRPr lang="it-IT" dirty="0"/>
+          </a:p>
+          <a:p>
+            <a:pPr marL="285750" indent="-285750">
+              <a:buFontTx/>
+              <a:buChar char="-"/>
+            </a:pPr>
+            <a:endParaRPr lang="it-IT" dirty="0"/>
+          </a:p>
+          <a:p>
+            <a:pPr marL="285750" indent="-285750">
+              <a:buFontTx/>
+              <a:buChar char="-"/>
+            </a:pPr>
+            <a:r>
+              <a:rPr lang="it-IT" dirty="0"/>
+              <a:t>The </a:t>
+            </a:r>
+            <a:r>
+              <a:rPr lang="it-IT" b="1" dirty="0">
+                <a:latin typeface="Rockwell" panose="02060603020205020403" pitchFamily="18" charset="0"/>
+              </a:rPr>
+              <a:t>optimal</a:t>
+            </a:r>
+            <a:r>
+              <a:rPr lang="it-IT" dirty="0"/>
+              <a:t> electrical damping</a:t>
+            </a:r>
+          </a:p>
+          <a:p>
+            <a:pPr marL="285750" indent="-285750">
+              <a:buFontTx/>
+              <a:buChar char="-"/>
+            </a:pPr>
+            <a:endParaRPr lang="it-IT" dirty="0"/>
+          </a:p>
+          <a:p>
+            <a:pPr marL="285750" indent="-285750">
+              <a:buFontTx/>
+              <a:buChar char="-"/>
+            </a:pPr>
+            <a:endParaRPr lang="it-IT" dirty="0"/>
+          </a:p>
+          <a:p>
+            <a:pPr marL="285750" indent="-285750">
+              <a:buFontTx/>
+              <a:buChar char="-"/>
+            </a:pPr>
+            <a:endParaRPr lang="it-IT" dirty="0"/>
+          </a:p>
+          <a:p>
+            <a:endParaRPr lang="it-IT" dirty="0"/>
+          </a:p>
+          <a:p>
+            <a:r>
+              <a:rPr lang="it-IT" dirty="0"/>
+              <a:t>And then after computing this values is possible to find the optimal</a:t>
+            </a:r>
+            <a:r>
+              <a:rPr lang="it-IT" dirty="0">
+                <a:latin typeface="Rockwell" panose="02060603020205020403" pitchFamily="18" charset="0"/>
+              </a:rPr>
+              <a:t> </a:t>
+            </a:r>
+            <a:r>
+              <a:rPr lang="it-IT" b="1" dirty="0">
+                <a:latin typeface="Rockwell" panose="02060603020205020403" pitchFamily="18" charset="0"/>
+              </a:rPr>
+              <a:t>L</a:t>
+            </a:r>
+            <a:r>
+              <a:rPr lang="it-IT" dirty="0">
+                <a:latin typeface="Rockwell" panose="02060603020205020403" pitchFamily="18" charset="0"/>
+              </a:rPr>
+              <a:t> </a:t>
+            </a:r>
+            <a:r>
+              <a:rPr lang="it-IT" dirty="0"/>
+              <a:t>and </a:t>
+            </a:r>
+            <a:r>
+              <a:rPr lang="it-IT" b="1" dirty="0">
+                <a:latin typeface="Rockwell" panose="02060603020205020403" pitchFamily="18" charset="0"/>
+              </a:rPr>
+              <a:t>R</a:t>
+            </a:r>
+            <a:r>
+              <a:rPr lang="it-IT" dirty="0">
+                <a:latin typeface="Rockwell" panose="02060603020205020403" pitchFamily="18" charset="0"/>
+              </a:rPr>
+              <a:t>  for second mode knowing already the Cpi</a:t>
+            </a:r>
+          </a:p>
+          <a:p>
+            <a:pPr marL="285750" indent="-285750">
+              <a:buFontTx/>
+              <a:buChar char="-"/>
+            </a:pPr>
+            <a:r>
+              <a:rPr lang="it-IT" b="1" dirty="0">
+                <a:latin typeface="Rockwell" panose="02060603020205020403" pitchFamily="18" charset="0"/>
+              </a:rPr>
+              <a:t>L</a:t>
+            </a:r>
+            <a:r>
+              <a:rPr lang="it-IT" dirty="0"/>
+              <a:t>  = 24.48 [H]</a:t>
+            </a:r>
+          </a:p>
+          <a:p>
+            <a:pPr marL="285750" indent="-285750">
+              <a:buFontTx/>
+              <a:buChar char="-"/>
+            </a:pPr>
+            <a:r>
+              <a:rPr lang="it-IT" b="1" dirty="0">
+                <a:latin typeface="Rockwell" panose="02060603020205020403" pitchFamily="18" charset="0"/>
+              </a:rPr>
+              <a:t>R</a:t>
+            </a:r>
+            <a:r>
+              <a:rPr lang="it-IT" dirty="0"/>
+              <a:t> = 4.1174 [Kohm]</a:t>
+            </a:r>
+          </a:p>
+        </p:txBody>
+      </p:sp>
+      <p:pic>
+        <p:nvPicPr>
+          <p:cNvPr id="5" name="Content Placeholder 4">
+            <a:extLst>
+              <a:ext uri="{FF2B5EF4-FFF2-40B4-BE49-F238E27FC236}">
+                <a16:creationId xmlns:a16="http://schemas.microsoft.com/office/drawing/2014/main" id="{AEF72DEC-720B-2F2D-B33C-FE76F30F3AB8}"/>
+              </a:ext>
+            </a:extLst>
+          </p:cNvPr>
+          <p:cNvPicPr>
+            <a:picLocks noGrp="1" noChangeAspect="1"/>
+          </p:cNvPicPr>
+          <p:nvPr>
+            <p:ph idx="1"/>
+          </p:nvPr>
+        </p:nvPicPr>
+        <p:blipFill>
+          <a:blip r:embed="rId4"/>
+          <a:stretch>
+            <a:fillRect/>
+          </a:stretch>
+        </p:blipFill>
+        <p:spPr>
+          <a:xfrm>
+            <a:off x="7189250" y="2114186"/>
+            <a:ext cx="2740968" cy="301342"/>
+          </a:xfrm>
+        </p:spPr>
+      </p:pic>
+      <p:pic>
+        <p:nvPicPr>
+          <p:cNvPr id="7" name="Picture 6" descr="A number and square root of a mathematical equation&#10;&#10;AI-generated content may be incorrect.">
+            <a:extLst>
+              <a:ext uri="{FF2B5EF4-FFF2-40B4-BE49-F238E27FC236}">
+                <a16:creationId xmlns:a16="http://schemas.microsoft.com/office/drawing/2014/main" id="{A41859FA-F817-094D-ABB6-96CB1E05FC81}"/>
+              </a:ext>
+            </a:extLst>
+          </p:cNvPr>
+          <p:cNvPicPr>
+            <a:picLocks noChangeAspect="1"/>
+          </p:cNvPicPr>
+          <p:nvPr/>
+        </p:nvPicPr>
+        <p:blipFill>
+          <a:blip r:embed="rId5"/>
+          <a:stretch>
+            <a:fillRect/>
+          </a:stretch>
+        </p:blipFill>
+        <p:spPr>
+          <a:xfrm>
+            <a:off x="7236875" y="3028437"/>
+            <a:ext cx="2490087" cy="628428"/>
+          </a:xfrm>
+          <a:prstGeom prst="rect">
+            <a:avLst/>
+          </a:prstGeom>
+        </p:spPr>
+      </p:pic>
+    </p:spTree>
+    <p:extLst>
+      <p:ext uri="{BB962C8B-B14F-4D97-AF65-F5344CB8AC3E}">
+        <p14:creationId xmlns:p14="http://schemas.microsoft.com/office/powerpoint/2010/main" val="1089564326"/>
+      </p:ext>
+    </p:extLst>
+  </p:cSld>
+  <p:clrMapOvr>
+    <a:masterClrMapping/>
+  </p:clrMapOvr>
+</p:sld>
+</file>
+
+<file path=ppt/slides/slide12.xml><?xml version="1.0" encoding="utf-8"?>
+<p:sld xmlns:a="http://schemas.openxmlformats.org/drawingml/2006/main" xmlns:r="http://schemas.openxmlformats.org/officeDocument/2006/relationships" xmlns:p="http://schemas.openxmlformats.org/presentationml/2006/main">
+  <p:cSld>
+    <p:spTree>
+      <p:nvGrpSpPr>
+        <p:cNvPr id="1" name=""/>
+        <p:cNvGrpSpPr/>
+        <p:nvPr/>
+      </p:nvGrpSpPr>
+      <p:grpSpPr>
+        <a:xfrm>
+          <a:off x="0" y="0"/>
+          <a:ext cx="0" cy="0"/>
+          <a:chOff x="0" y="0"/>
+          <a:chExt cx="0" cy="0"/>
+        </a:xfrm>
+      </p:grpSpPr>
+      <p:sp>
+        <p:nvSpPr>
+          <p:cNvPr id="2" name="Title 1">
+            <a:extLst>
+              <a:ext uri="{FF2B5EF4-FFF2-40B4-BE49-F238E27FC236}">
+                <a16:creationId xmlns:a16="http://schemas.microsoft.com/office/drawing/2014/main" id="{D5D6C220-5BD9-9956-9792-2F3269B06F0E}"/>
+              </a:ext>
+            </a:extLst>
+          </p:cNvPr>
+          <p:cNvSpPr>
+            <a:spLocks noGrp="1"/>
+          </p:cNvSpPr>
+          <p:nvPr>
+            <p:ph type="title"/>
+          </p:nvPr>
+        </p:nvSpPr>
+        <p:spPr>
+          <a:xfrm>
+            <a:off x="1199565" y="299925"/>
+            <a:ext cx="10105863" cy="1101553"/>
+          </a:xfrm>
+        </p:spPr>
+        <p:txBody>
+          <a:bodyPr anchor="ctr">
+            <a:normAutofit/>
+          </a:bodyPr>
+          <a:lstStyle/>
+          <a:p>
+            <a:r>
+              <a:rPr lang="it-IT" dirty="0"/>
+              <a:t>ELECTRICAL CIRCUIT FOR THE SYNTHETIC INDuCTANCE </a:t>
+            </a:r>
+            <a:endParaRPr lang="en-GB" dirty="0"/>
+          </a:p>
+        </p:txBody>
+      </p:sp>
+      <p:pic>
+        <p:nvPicPr>
+          <p:cNvPr id="5" name="Picture 4">
+            <a:extLst>
+              <a:ext uri="{FF2B5EF4-FFF2-40B4-BE49-F238E27FC236}">
+                <a16:creationId xmlns:a16="http://schemas.microsoft.com/office/drawing/2014/main" id="{E10A128E-DE75-8DBD-6CFD-731D2FFEB8FB}"/>
+              </a:ext>
+            </a:extLst>
+          </p:cNvPr>
+          <p:cNvPicPr>
+            <a:picLocks noChangeAspect="1"/>
+          </p:cNvPicPr>
+          <p:nvPr/>
+        </p:nvPicPr>
+        <p:blipFill>
+          <a:blip r:embed="rId2"/>
+          <a:srcRect t="4359"/>
+          <a:stretch/>
+        </p:blipFill>
+        <p:spPr>
+          <a:xfrm>
+            <a:off x="1199565" y="3051289"/>
+            <a:ext cx="4667320" cy="2600211"/>
+          </a:xfrm>
+          <a:prstGeom prst="rect">
+            <a:avLst/>
+          </a:prstGeom>
+          <a:noFill/>
+        </p:spPr>
+      </p:pic>
+      <p:pic>
+        <p:nvPicPr>
+          <p:cNvPr id="11" name="Content Placeholder 10" descr="A circuit board with wires and wires&#10;&#10;AI-generated content may be incorrect.">
+            <a:extLst>
+              <a:ext uri="{FF2B5EF4-FFF2-40B4-BE49-F238E27FC236}">
+                <a16:creationId xmlns:a16="http://schemas.microsoft.com/office/drawing/2014/main" id="{26A26570-9D09-FFAF-2B87-DAA088E83FAF}"/>
+              </a:ext>
+            </a:extLst>
+          </p:cNvPr>
+          <p:cNvPicPr>
+            <a:picLocks noGrp="1" noChangeAspect="1"/>
+          </p:cNvPicPr>
+          <p:nvPr>
+            <p:ph sz="quarter" idx="4"/>
+          </p:nvPr>
+        </p:nvPicPr>
+        <p:blipFill>
+          <a:blip r:embed="rId3"/>
+          <a:srcRect t="52453" b="11264"/>
+          <a:stretch/>
+        </p:blipFill>
+        <p:spPr>
+          <a:xfrm>
+            <a:off x="6231193" y="3051289"/>
+            <a:ext cx="4664277" cy="2600211"/>
+          </a:xfrm>
+        </p:spPr>
+      </p:pic>
+      <p:sp>
+        <p:nvSpPr>
+          <p:cNvPr id="13" name="TextBox 12">
+            <a:extLst>
+              <a:ext uri="{FF2B5EF4-FFF2-40B4-BE49-F238E27FC236}">
+                <a16:creationId xmlns:a16="http://schemas.microsoft.com/office/drawing/2014/main" id="{621739D6-EA9D-50A6-9AAA-EF95A5C40E98}"/>
+              </a:ext>
+            </a:extLst>
+          </p:cNvPr>
+          <p:cNvSpPr txBox="1"/>
+          <p:nvPr/>
+        </p:nvSpPr>
+        <p:spPr>
+          <a:xfrm>
+            <a:off x="1199565" y="2509463"/>
+            <a:ext cx="4199530" cy="400110"/>
+          </a:xfrm>
+          <a:prstGeom prst="rect">
+            <a:avLst/>
+          </a:prstGeom>
+          <a:noFill/>
+        </p:spPr>
+        <p:txBody>
+          <a:bodyPr wrap="square" rtlCol="0">
+            <a:spAutoFit/>
+          </a:bodyPr>
+          <a:lstStyle/>
+          <a:p>
+            <a:r>
+              <a:rPr lang="it-IT" sz="2000" dirty="0"/>
+              <a:t>Schemtic of the </a:t>
+            </a:r>
+            <a:r>
+              <a:rPr lang="en-GB" sz="2000" dirty="0"/>
+              <a:t>Circuit</a:t>
+            </a:r>
+            <a:endParaRPr lang="it-IT" sz="2000" dirty="0"/>
+          </a:p>
+        </p:txBody>
+      </p:sp>
+      <p:sp>
+        <p:nvSpPr>
+          <p:cNvPr id="15" name="TextBox 14">
+            <a:extLst>
+              <a:ext uri="{FF2B5EF4-FFF2-40B4-BE49-F238E27FC236}">
+                <a16:creationId xmlns:a16="http://schemas.microsoft.com/office/drawing/2014/main" id="{7779504A-F026-F68B-FC65-EE6EE94FE37C}"/>
+              </a:ext>
+            </a:extLst>
+          </p:cNvPr>
+          <p:cNvSpPr txBox="1"/>
+          <p:nvPr/>
+        </p:nvSpPr>
+        <p:spPr>
+          <a:xfrm>
+            <a:off x="6231193" y="2509463"/>
+            <a:ext cx="4846348" cy="400110"/>
+          </a:xfrm>
+          <a:prstGeom prst="rect">
+            <a:avLst/>
+          </a:prstGeom>
+          <a:noFill/>
+        </p:spPr>
+        <p:txBody>
+          <a:bodyPr wrap="square" rtlCol="0">
+            <a:spAutoFit/>
+          </a:bodyPr>
+          <a:lstStyle/>
+          <a:p>
+            <a:r>
+              <a:rPr lang="it-IT" sz="2000" dirty="0"/>
+              <a:t>Physical implementation of the electric circuit</a:t>
+            </a:r>
+            <a:endParaRPr lang="en-GB" sz="2000" dirty="0"/>
+          </a:p>
+        </p:txBody>
+      </p:sp>
+      <p:sp>
+        <p:nvSpPr>
+          <p:cNvPr id="17" name="TextBox 16">
+            <a:extLst>
+              <a:ext uri="{FF2B5EF4-FFF2-40B4-BE49-F238E27FC236}">
+                <a16:creationId xmlns:a16="http://schemas.microsoft.com/office/drawing/2014/main" id="{B12549E4-C221-A341-42DE-96D8D5DF3EBD}"/>
+              </a:ext>
+            </a:extLst>
+          </p:cNvPr>
+          <p:cNvSpPr txBox="1"/>
+          <p:nvPr/>
+        </p:nvSpPr>
+        <p:spPr>
+          <a:xfrm>
+            <a:off x="1199565" y="1543195"/>
+            <a:ext cx="9695906" cy="646331"/>
+          </a:xfrm>
+          <a:prstGeom prst="rect">
+            <a:avLst/>
+          </a:prstGeom>
+          <a:noFill/>
+        </p:spPr>
+        <p:txBody>
+          <a:bodyPr wrap="square" rtlCol="0">
+            <a:spAutoFit/>
+          </a:bodyPr>
+          <a:lstStyle/>
+          <a:p>
+            <a:r>
+              <a:rPr lang="en-GB" dirty="0"/>
+              <a:t>The problem in this case arises due to the high value of the inductance. Such a high value needs to be achieved through a synthetic inductance. This inductance is realized through </a:t>
+            </a:r>
+            <a:r>
+              <a:rPr lang="en-GB" b="1" dirty="0">
+                <a:latin typeface="Rockwell" panose="02060603020205020403" pitchFamily="18" charset="0"/>
+              </a:rPr>
+              <a:t>Antoniou's circuit.</a:t>
+            </a:r>
+          </a:p>
+        </p:txBody>
+      </p:sp>
+    </p:spTree>
+    <p:extLst>
+      <p:ext uri="{BB962C8B-B14F-4D97-AF65-F5344CB8AC3E}">
+        <p14:creationId xmlns:p14="http://schemas.microsoft.com/office/powerpoint/2010/main" val="4051412317"/>
+      </p:ext>
+    </p:extLst>
+  </p:cSld>
+  <p:clrMapOvr>
+    <a:masterClrMapping/>
+  </p:clrMapOvr>
+</p:sld>
+</file>
+
+<file path=ppt/slides/slide13.xml><?xml version="1.0" encoding="utf-8"?>
+<p:sld xmlns:a="http://schemas.openxmlformats.org/drawingml/2006/main" xmlns:r="http://schemas.openxmlformats.org/officeDocument/2006/relationships" xmlns:p="http://schemas.openxmlformats.org/presentationml/2006/main">
+  <p:cSld>
+    <p:spTree>
+      <p:nvGrpSpPr>
+        <p:cNvPr id="1" name=""/>
+        <p:cNvGrpSpPr/>
+        <p:nvPr/>
+      </p:nvGrpSpPr>
+      <p:grpSpPr>
+        <a:xfrm>
+          <a:off x="0" y="0"/>
+          <a:ext cx="0" cy="0"/>
+          <a:chOff x="0" y="0"/>
+          <a:chExt cx="0" cy="0"/>
+        </a:xfrm>
+      </p:grpSpPr>
+      <p:sp>
+        <p:nvSpPr>
+          <p:cNvPr id="2" name="Title 1">
+            <a:extLst>
+              <a:ext uri="{FF2B5EF4-FFF2-40B4-BE49-F238E27FC236}">
+                <a16:creationId xmlns:a16="http://schemas.microsoft.com/office/drawing/2014/main" id="{5DE2A389-AD70-408E-4E01-3BB3C4F5E5CC}"/>
+              </a:ext>
+            </a:extLst>
+          </p:cNvPr>
+          <p:cNvSpPr>
+            <a:spLocks noGrp="1"/>
+          </p:cNvSpPr>
+          <p:nvPr>
+            <p:ph type="title"/>
+          </p:nvPr>
+        </p:nvSpPr>
+        <p:spPr>
+          <a:xfrm>
+            <a:off x="1600200" y="428018"/>
+            <a:ext cx="9447210" cy="816446"/>
+          </a:xfrm>
+        </p:spPr>
+        <p:txBody>
+          <a:bodyPr/>
+          <a:lstStyle/>
+          <a:p>
+            <a:r>
+              <a:rPr lang="en-GB" i="0" dirty="0">
+                <a:effectLst/>
+                <a:latin typeface="Rockwell" panose="02060603020205020403" pitchFamily="18" charset="0"/>
+              </a:rPr>
+              <a:t>Circuit sizing</a:t>
+            </a:r>
+            <a:endParaRPr lang="en-GB" dirty="0">
+              <a:latin typeface="Rockwell" panose="02060603020205020403" pitchFamily="18" charset="0"/>
+            </a:endParaRPr>
+          </a:p>
+        </p:txBody>
+      </p:sp>
+      <p:sp>
+        <p:nvSpPr>
+          <p:cNvPr id="16" name="Content Placeholder 15">
+            <a:extLst>
+              <a:ext uri="{FF2B5EF4-FFF2-40B4-BE49-F238E27FC236}">
+                <a16:creationId xmlns:a16="http://schemas.microsoft.com/office/drawing/2014/main" id="{D181914D-DFB4-2DC1-1822-3D4AEC3F4144}"/>
+              </a:ext>
+            </a:extLst>
+          </p:cNvPr>
+          <p:cNvSpPr txBox="1">
+            <a:spLocks noGrp="1"/>
+          </p:cNvSpPr>
+          <p:nvPr>
+            <p:ph idx="1"/>
+          </p:nvPr>
+        </p:nvSpPr>
+        <p:spPr>
+          <a:xfrm>
+            <a:off x="6413500" y="1384300"/>
+            <a:ext cx="4787899" cy="4109587"/>
+          </a:xfrm>
+          <a:prstGeom prst="rect">
+            <a:avLst/>
+          </a:prstGeom>
+          <a:noFill/>
+        </p:spPr>
+        <p:txBody>
+          <a:bodyPr wrap="square" rtlCol="0">
+            <a:spAutoFit/>
+          </a:bodyPr>
+          <a:lstStyle/>
+          <a:p>
+            <a:r>
+              <a:rPr lang="en-GB" sz="1800" dirty="0"/>
+              <a:t>A </a:t>
+            </a:r>
+            <a:r>
+              <a:rPr lang="en-GB" sz="1800" b="1" dirty="0">
+                <a:latin typeface="Rockwell" panose="02060603020205020403" pitchFamily="18" charset="0"/>
+              </a:rPr>
+              <a:t>possible problem </a:t>
+            </a:r>
+            <a:r>
+              <a:rPr lang="en-GB" sz="1800" dirty="0"/>
+              <a:t>that could arise is the possibility that the two op-amps could go into </a:t>
+            </a:r>
+            <a:r>
+              <a:rPr lang="en-GB" sz="1800" b="1" dirty="0">
+                <a:latin typeface="Rockwell" panose="02060603020205020403" pitchFamily="18" charset="0"/>
+              </a:rPr>
+              <a:t>saturation regime </a:t>
+            </a:r>
+            <a:r>
+              <a:rPr lang="en-GB" sz="1800" dirty="0"/>
+              <a:t>, i.e. at their input ends there would be too high a voltage, greater than    </a:t>
+            </a:r>
+            <a:r>
+              <a:rPr lang="en-GB" sz="1800" dirty="0" err="1"/>
+              <a:t>v</a:t>
+            </a:r>
+            <a:r>
+              <a:rPr lang="en-GB" sz="1800" baseline="-25000" dirty="0" err="1"/>
+              <a:t>source</a:t>
+            </a:r>
+            <a:r>
+              <a:rPr lang="en-GB" sz="1800" dirty="0"/>
+              <a:t> / gain. </a:t>
+            </a:r>
+          </a:p>
+          <a:p>
+            <a:r>
+              <a:rPr lang="en-GB" sz="1800" dirty="0"/>
+              <a:t>If this happens, the op-amp would no longer work in a linear regime, but would output the source voltage, in our case 30V.</a:t>
+            </a:r>
+          </a:p>
+          <a:p>
+            <a:r>
+              <a:rPr lang="en-GB" sz="1800" dirty="0"/>
+              <a:t>In any case, in our tests, with these sizes of </a:t>
+            </a:r>
+            <a:r>
+              <a:rPr lang="en-GB" sz="1800" b="1" dirty="0">
+                <a:latin typeface="Rockwell" panose="02060603020205020403" pitchFamily="18" charset="0"/>
+              </a:rPr>
+              <a:t>R</a:t>
+            </a:r>
+            <a:r>
+              <a:rPr lang="en-GB" sz="1800" dirty="0"/>
+              <a:t> and </a:t>
+            </a:r>
+            <a:r>
+              <a:rPr lang="en-GB" sz="1800" b="1" dirty="0">
+                <a:latin typeface="Rockwell" panose="02060603020205020403" pitchFamily="18" charset="0"/>
+              </a:rPr>
+              <a:t>C,</a:t>
+            </a:r>
+            <a:r>
+              <a:rPr lang="en-GB" sz="1800" dirty="0"/>
+              <a:t> the op-amps have always worked in liner regime.</a:t>
+            </a:r>
+          </a:p>
+        </p:txBody>
+      </p:sp>
+      <p:pic>
+        <p:nvPicPr>
+          <p:cNvPr id="4" name="Picture 3">
+            <a:extLst>
+              <a:ext uri="{FF2B5EF4-FFF2-40B4-BE49-F238E27FC236}">
+                <a16:creationId xmlns:a16="http://schemas.microsoft.com/office/drawing/2014/main" id="{7D66851C-1736-4E8C-01AB-3EB3D31B031D}"/>
+              </a:ext>
+            </a:extLst>
+          </p:cNvPr>
+          <p:cNvPicPr>
+            <a:picLocks noChangeAspect="1"/>
+          </p:cNvPicPr>
+          <p:nvPr/>
+        </p:nvPicPr>
+        <p:blipFill>
+          <a:blip r:embed="rId2"/>
+          <a:srcRect t="4359"/>
+          <a:stretch/>
+        </p:blipFill>
+        <p:spPr>
+          <a:xfrm>
+            <a:off x="1600200" y="1244464"/>
+            <a:ext cx="4495800" cy="2292397"/>
+          </a:xfrm>
+          <a:prstGeom prst="rect">
+            <a:avLst/>
+          </a:prstGeom>
+          <a:noFill/>
+        </p:spPr>
+      </p:pic>
+      <p:sp>
+        <p:nvSpPr>
+          <p:cNvPr id="6" name="TextBox 5">
+            <a:extLst>
+              <a:ext uri="{FF2B5EF4-FFF2-40B4-BE49-F238E27FC236}">
+                <a16:creationId xmlns:a16="http://schemas.microsoft.com/office/drawing/2014/main" id="{2D10F304-A13D-4E3E-D059-94BE906DD036}"/>
+              </a:ext>
+            </a:extLst>
+          </p:cNvPr>
+          <p:cNvSpPr txBox="1"/>
+          <p:nvPr/>
+        </p:nvSpPr>
+        <p:spPr>
+          <a:xfrm>
+            <a:off x="1460500" y="3644947"/>
+            <a:ext cx="4603750" cy="2585323"/>
+          </a:xfrm>
+          <a:prstGeom prst="rect">
+            <a:avLst/>
+          </a:prstGeom>
+          <a:noFill/>
+        </p:spPr>
+        <p:txBody>
+          <a:bodyPr wrap="square" rtlCol="0">
+            <a:spAutoFit/>
+          </a:bodyPr>
+          <a:lstStyle/>
+          <a:p>
+            <a:pPr marL="0" indent="0">
+              <a:buNone/>
+            </a:pPr>
+            <a:r>
+              <a:rPr lang="en-GB" sz="1800" dirty="0"/>
+              <a:t>From the point of view of circuit sizing we know this formula:</a:t>
+            </a:r>
+          </a:p>
+          <a:p>
+            <a:pPr marL="0" indent="0">
+              <a:buNone/>
+            </a:pPr>
+            <a:endParaRPr lang="en-GB" sz="1800" dirty="0"/>
+          </a:p>
+          <a:p>
+            <a:pPr marL="0" indent="0">
+              <a:buNone/>
+            </a:pPr>
+            <a:endParaRPr lang="en-GB" sz="1800" dirty="0"/>
+          </a:p>
+          <a:p>
+            <a:pPr marL="0" indent="0">
+              <a:buNone/>
+            </a:pPr>
+            <a:r>
+              <a:rPr lang="en-GB" sz="1800" dirty="0"/>
+              <a:t>And the values we diced to use as firs dimensioning this values:</a:t>
+            </a:r>
+          </a:p>
+          <a:p>
+            <a:pPr marL="0" indent="0">
+              <a:buNone/>
+            </a:pPr>
+            <a:r>
+              <a:rPr lang="en-GB" sz="1800" dirty="0">
+                <a:latin typeface="Rockwell" panose="02060603020205020403" pitchFamily="18" charset="0"/>
+              </a:rPr>
+              <a:t>C</a:t>
+            </a:r>
+            <a:r>
+              <a:rPr lang="en-GB" sz="1800" dirty="0"/>
+              <a:t> = 100 x 10</a:t>
+            </a:r>
+            <a:r>
+              <a:rPr lang="en-GB" sz="1800" baseline="30000" dirty="0"/>
+              <a:t>-9  </a:t>
+            </a:r>
+            <a:r>
+              <a:rPr lang="en-GB" sz="1800" dirty="0"/>
+              <a:t>(the smallest one into lab)</a:t>
+            </a:r>
+            <a:endParaRPr lang="en-GB" sz="1800" baseline="30000" dirty="0"/>
+          </a:p>
+          <a:p>
+            <a:pPr marL="0" indent="0">
+              <a:buNone/>
+            </a:pPr>
+            <a:r>
+              <a:rPr lang="en-GB" sz="1800" b="1" dirty="0">
+                <a:latin typeface="Rockwell" panose="02060603020205020403" pitchFamily="18" charset="0"/>
+              </a:rPr>
+              <a:t>R</a:t>
+            </a:r>
+            <a:r>
+              <a:rPr lang="en-GB" sz="1800" b="1" baseline="-25000" dirty="0">
+                <a:latin typeface="Rockwell" panose="02060603020205020403" pitchFamily="18" charset="0"/>
+              </a:rPr>
+              <a:t>A , </a:t>
+            </a:r>
+            <a:r>
+              <a:rPr lang="en-GB" sz="1800" b="1" dirty="0">
+                <a:latin typeface="Rockwell" panose="02060603020205020403" pitchFamily="18" charset="0"/>
+              </a:rPr>
+              <a:t>R</a:t>
+            </a:r>
+            <a:r>
+              <a:rPr lang="en-GB" sz="1800" b="1" baseline="-25000" dirty="0">
+                <a:latin typeface="Rockwell" panose="02060603020205020403" pitchFamily="18" charset="0"/>
+              </a:rPr>
+              <a:t>B</a:t>
+            </a:r>
+            <a:r>
+              <a:rPr lang="en-GB" sz="1800" b="1" dirty="0">
+                <a:latin typeface="Rockwell" panose="02060603020205020403" pitchFamily="18" charset="0"/>
+              </a:rPr>
+              <a:t> , R</a:t>
+            </a:r>
+            <a:r>
+              <a:rPr lang="en-GB" sz="1800" b="1" baseline="-25000" dirty="0">
+                <a:latin typeface="Rockwell" panose="02060603020205020403" pitchFamily="18" charset="0"/>
+              </a:rPr>
+              <a:t>C </a:t>
+            </a:r>
+            <a:r>
+              <a:rPr lang="en-GB" sz="1800" dirty="0"/>
+              <a:t>= 10</a:t>
+            </a:r>
+            <a:r>
+              <a:rPr lang="en-GB" sz="1800" baseline="30000" dirty="0"/>
+              <a:t>4</a:t>
+            </a:r>
+          </a:p>
+          <a:p>
+            <a:pPr marL="0" indent="0">
+              <a:buNone/>
+            </a:pPr>
+            <a:r>
+              <a:rPr lang="en-GB" sz="1800" b="1" dirty="0">
+                <a:latin typeface="Rockwell" panose="02060603020205020403" pitchFamily="18" charset="0"/>
+              </a:rPr>
+              <a:t>R</a:t>
+            </a:r>
+            <a:r>
+              <a:rPr lang="en-GB" sz="1800" b="1" baseline="-25000" dirty="0">
+                <a:latin typeface="Rockwell" panose="02060603020205020403" pitchFamily="18" charset="0"/>
+              </a:rPr>
+              <a:t>D</a:t>
+            </a:r>
+            <a:r>
+              <a:rPr lang="en-GB" sz="1800" dirty="0"/>
+              <a:t> = 24.48 10</a:t>
+            </a:r>
+            <a:r>
+              <a:rPr lang="en-GB" sz="1800" baseline="30000" dirty="0"/>
+              <a:t>3</a:t>
+            </a:r>
+          </a:p>
+        </p:txBody>
+      </p:sp>
+      <p:pic>
+        <p:nvPicPr>
+          <p:cNvPr id="19" name="Picture 18">
+            <a:extLst>
+              <a:ext uri="{FF2B5EF4-FFF2-40B4-BE49-F238E27FC236}">
+                <a16:creationId xmlns:a16="http://schemas.microsoft.com/office/drawing/2014/main" id="{83E604E5-456D-289E-6628-08907A110A13}"/>
+              </a:ext>
+            </a:extLst>
+          </p:cNvPr>
+          <p:cNvPicPr>
+            <a:picLocks noChangeAspect="1"/>
+          </p:cNvPicPr>
+          <p:nvPr/>
+        </p:nvPicPr>
+        <p:blipFill>
+          <a:blip r:embed="rId3"/>
+          <a:stretch>
+            <a:fillRect/>
+          </a:stretch>
+        </p:blipFill>
+        <p:spPr>
+          <a:xfrm>
+            <a:off x="2902219" y="4261481"/>
+            <a:ext cx="1618981" cy="469756"/>
+          </a:xfrm>
+          <a:prstGeom prst="rect">
+            <a:avLst/>
+          </a:prstGeom>
+        </p:spPr>
+      </p:pic>
+    </p:spTree>
+    <p:extLst>
+      <p:ext uri="{BB962C8B-B14F-4D97-AF65-F5344CB8AC3E}">
+        <p14:creationId xmlns:p14="http://schemas.microsoft.com/office/powerpoint/2010/main" val="2855501801"/>
+      </p:ext>
+    </p:extLst>
+  </p:cSld>
+  <p:clrMapOvr>
+    <a:masterClrMapping/>
+  </p:clrMapOvr>
+</p:sld>
+</file>
+
+<file path=ppt/slides/slide14.xml><?xml version="1.0" encoding="utf-8"?>
+<p:sld xmlns:a="http://schemas.openxmlformats.org/drawingml/2006/main" xmlns:r="http://schemas.openxmlformats.org/officeDocument/2006/relationships" xmlns:p="http://schemas.openxmlformats.org/presentationml/2006/main">
+  <p:cSld>
+    <p:spTree>
+      <p:nvGrpSpPr>
+        <p:cNvPr id="1" name="">
+          <a:extLst>
+            <a:ext uri="{FF2B5EF4-FFF2-40B4-BE49-F238E27FC236}">
               <a16:creationId xmlns:a16="http://schemas.microsoft.com/office/drawing/2014/main" id="{BD16E7A7-9C54-8D18-26BB-11ADC07B28EC}"/>
             </a:ext>
           </a:extLst>
@@ -14412,13 +15884,13 @@
         </p:nvSpPr>
         <p:spPr>
           <a:xfrm>
-            <a:off x="1141413" y="618518"/>
+            <a:off x="1217613" y="464539"/>
             <a:ext cx="9905998" cy="790404"/>
           </a:xfrm>
         </p:spPr>
         <p:txBody>
           <a:bodyPr rtlCol="0">
-            <a:normAutofit fontScale="90000"/>
+            <a:normAutofit/>
           </a:bodyPr>
           <a:lstStyle/>
           <a:p>
@@ -14427,29 +15899,8 @@
               <a:rPr lang="it-IT" sz="4400" dirty="0">
                 <a:latin typeface="Rockwell" panose="02060603020205020403" pitchFamily="18" charset="0"/>
               </a:rPr>
-              <a:t>second mode </a:t>
-            </a:r>
-            <a:r>
-              <a:rPr lang="it-IT" sz="4400" dirty="0" err="1">
-                <a:latin typeface="Rockwell" panose="02060603020205020403" pitchFamily="18" charset="0"/>
-              </a:rPr>
-              <a:t>attenuation</a:t>
-            </a:r>
-            <a:r>
-              <a:rPr lang="it-IT" sz="4400" dirty="0">
-                <a:latin typeface="Rockwell" panose="02060603020205020403" pitchFamily="18" charset="0"/>
-              </a:rPr>
-              <a:t> </a:t>
-            </a:r>
-            <a:r>
-              <a:rPr lang="it-IT" sz="4400" dirty="0" err="1">
-                <a:latin typeface="Rockwell" panose="02060603020205020403" pitchFamily="18" charset="0"/>
-              </a:rPr>
-              <a:t>result</a:t>
-            </a:r>
-            <a:endParaRPr lang="it-IT" sz="4400" dirty="0">
-              <a:latin typeface="Rockwell" panose="02060603020205020403" pitchFamily="18" charset="0"/>
-            </a:endParaRPr>
+              <a:t>SECOND MODE RESONANT SHAUNT</a:t>
+            </a:r>
           </a:p>
         </p:txBody>
       </p:sp>
@@ -14478,7 +15929,7 @@
         </p:spPr>
         <p:txBody>
           <a:bodyPr vert="horz" lIns="91440" tIns="45720" rIns="91440" bIns="45720" rtlCol="0" anchor="ctr">
-            <a:normAutofit fontScale="70000" lnSpcReduction="20000"/>
+            <a:normAutofit/>
           </a:bodyPr>
           <a:lstStyle>
             <a:lvl1pPr algn="l" defTabSz="914400" rtl="0" eaLnBrk="1" latinLnBrk="0" hangingPunct="1">
@@ -14501,16 +15952,116 @@
           </a:lstStyle>
           <a:p>
             <a:r>
-              <a:rPr lang="it-IT" sz="2800" dirty="0">
+              <a:rPr lang="it-IT" sz="2000" dirty="0">
                 <a:latin typeface="Rockwell" panose="02060603020205020403" pitchFamily="18" charset="0"/>
               </a:rPr>
-              <a:t>Resistive</a:t>
-            </a:r>
-            <a:r>
-              <a:rPr lang="it-IT" sz="4400" dirty="0">
+              <a:t>RESULT</a:t>
+            </a:r>
+          </a:p>
+        </p:txBody>
+      </p:sp>
+      <p:pic>
+        <p:nvPicPr>
+          <p:cNvPr id="12" name="Picture 11" descr="A graph with a line">
+            <a:extLst>
+              <a:ext uri="{FF2B5EF4-FFF2-40B4-BE49-F238E27FC236}">
+                <a16:creationId xmlns:a16="http://schemas.microsoft.com/office/drawing/2014/main" id="{55854D04-258A-0E67-3778-0989FAF19087}"/>
+              </a:ext>
+            </a:extLst>
+          </p:cNvPr>
+          <p:cNvPicPr>
+            <a:picLocks noChangeAspect="1"/>
+          </p:cNvPicPr>
+          <p:nvPr/>
+        </p:nvPicPr>
+        <p:blipFill>
+          <a:blip r:embed="rId3"/>
+          <a:srcRect l="8433" t="1160" r="5639" b="3807"/>
+          <a:stretch/>
+        </p:blipFill>
+        <p:spPr>
+          <a:xfrm>
+            <a:off x="6261025" y="1932553"/>
+            <a:ext cx="4983235" cy="2992894"/>
+          </a:xfrm>
+          <a:prstGeom prst="rect">
+            <a:avLst/>
+          </a:prstGeom>
+        </p:spPr>
+      </p:pic>
+      <p:sp>
+        <p:nvSpPr>
+          <p:cNvPr id="16" name="TextBox 15">
+            <a:extLst>
+              <a:ext uri="{FF2B5EF4-FFF2-40B4-BE49-F238E27FC236}">
+                <a16:creationId xmlns:a16="http://schemas.microsoft.com/office/drawing/2014/main" id="{282ADA16-5A4F-3A11-7AC6-3DDFAB96E02D}"/>
+              </a:ext>
+            </a:extLst>
+          </p:cNvPr>
+          <p:cNvSpPr txBox="1"/>
+          <p:nvPr/>
+        </p:nvSpPr>
+        <p:spPr>
+          <a:xfrm>
+            <a:off x="1217613" y="2216150"/>
+            <a:ext cx="4814887" cy="923330"/>
+          </a:xfrm>
+          <a:prstGeom prst="rect">
+            <a:avLst/>
+          </a:prstGeom>
+          <a:noFill/>
+        </p:spPr>
+        <p:txBody>
+          <a:bodyPr wrap="square" rtlCol="0">
+            <a:spAutoFit/>
+          </a:bodyPr>
+          <a:lstStyle/>
+          <a:p>
+            <a:r>
+              <a:rPr lang="en-GB" dirty="0"/>
+              <a:t>Blue</a:t>
+            </a:r>
+            <a:r>
+              <a:rPr lang="en-GB" b="1" dirty="0">
                 <a:latin typeface="Rockwell" panose="02060603020205020403" pitchFamily="18" charset="0"/>
               </a:rPr>
-              <a:t> </a:t>
+              <a:t>: FRF </a:t>
+            </a:r>
+            <a:r>
+              <a:rPr lang="en-GB" b="1" dirty="0" err="1">
+                <a:latin typeface="Rockwell" panose="02060603020205020403" pitchFamily="18" charset="0"/>
+              </a:rPr>
+              <a:t>sc-sc</a:t>
+            </a:r>
+            <a:endParaRPr lang="en-GB" b="1" dirty="0">
+              <a:latin typeface="Rockwell" panose="02060603020205020403" pitchFamily="18" charset="0"/>
+            </a:endParaRPr>
+          </a:p>
+          <a:p>
+            <a:r>
+              <a:rPr lang="en-GB" dirty="0"/>
+              <a:t>Red: </a:t>
+            </a:r>
+            <a:r>
+              <a:rPr lang="en-GB" b="1" dirty="0">
+                <a:latin typeface="Rockwell" panose="02060603020205020403" pitchFamily="18" charset="0"/>
+              </a:rPr>
+              <a:t>FRF RL-</a:t>
+            </a:r>
+            <a:r>
+              <a:rPr lang="en-GB" b="1" dirty="0" err="1">
+                <a:latin typeface="Rockwell" panose="02060603020205020403" pitchFamily="18" charset="0"/>
+              </a:rPr>
+              <a:t>sc</a:t>
+            </a:r>
+            <a:endParaRPr lang="en-GB" b="1" dirty="0">
+              <a:latin typeface="Rockwell" panose="02060603020205020403" pitchFamily="18" charset="0"/>
+            </a:endParaRPr>
+          </a:p>
+          <a:p>
+            <a:r>
+              <a:rPr lang="en-GB" dirty="0"/>
+              <a:t>As we can see the attenuation on second </a:t>
             </a:r>
           </a:p>
         </p:txBody>
@@ -14528,7 +16079,7 @@
 </p:sld>
 </file>
 
-<file path=ppt/slides/slide11.xml><?xml version="1.0" encoding="utf-8"?>
+<file path=ppt/slides/slide15.xml><?xml version="1.0" encoding="utf-8"?>
 <p:sld xmlns:a="http://schemas.openxmlformats.org/drawingml/2006/main" xmlns:r="http://schemas.openxmlformats.org/officeDocument/2006/relationships" xmlns:p="http://schemas.openxmlformats.org/presentationml/2006/main">
   <p:cSld>
     <p:spTree>
@@ -14685,7 +16236,7 @@
 </p:sld>
 </file>
 
-<file path=ppt/slides/slide12.xml><?xml version="1.0" encoding="utf-8"?>
+<file path=ppt/slides/slide16.xml><?xml version="1.0" encoding="utf-8"?>
 <p:sld xmlns:a="http://schemas.openxmlformats.org/drawingml/2006/main" xmlns:r="http://schemas.openxmlformats.org/officeDocument/2006/relationships" xmlns:p="http://schemas.openxmlformats.org/presentationml/2006/main">
   <p:cSld>
     <p:spTree>
@@ -16822,7 +18373,7 @@
             </a:pPr>
             <a:r>
               <a:rPr lang="it-IT" sz="2000" dirty="0"/>
-              <a:t>Find the correct values of L and R and connect these circuit to both piezo patch attached to metallic bar for snnoze the vubration associated to first and second natual frequences of the system</a:t>
+              <a:t>Find the correct values of L1, R1, L2, R2 and connect these circuit to both piezo patch attached to metallic bar for snnoze the vubration associated to first and second natual frequences of the system</a:t>
             </a:r>
             <a:endParaRPr lang="en-GB" sz="2000" dirty="0"/>
           </a:p>
@@ -16917,7 +18468,7 @@
         <p:spPr>
           <a:xfrm>
             <a:off x="1589314" y="1953986"/>
-            <a:ext cx="9105900" cy="4339650"/>
+            <a:ext cx="9105900" cy="4678204"/>
           </a:xfrm>
           <a:prstGeom prst="rect">
             <a:avLst/>
@@ -16945,7 +18496,7 @@
             </a:pPr>
             <a:r>
               <a:rPr lang="it-IT" sz="2000" dirty="0"/>
-              <a:t>Preoare and check all the laboratory equipement  </a:t>
+              <a:t>Prepare and check all the laboratory equipement  </a:t>
             </a:r>
           </a:p>
           <a:p>
@@ -16955,7 +18506,7 @@
             </a:pPr>
             <a:r>
               <a:rPr lang="it-IT" sz="2000" dirty="0"/>
-              <a:t>Set all the Dewesoft parameters for acquiring correct data ( sampling freq, and natural freequences of our interest)</a:t>
+              <a:t>Set all the Dewesoft parameters for excite and acquiring correctly data ( sampling freq, and natural freequences of our interest)</a:t>
             </a:r>
           </a:p>
           <a:p>
@@ -16965,23 +18516,27 @@
             </a:pPr>
             <a:r>
               <a:rPr lang="it-IT" sz="2000" dirty="0"/>
-              <a:t>Excite the bar with </a:t>
-            </a:r>
-            <a:r>
-              <a:rPr lang="it-IT" sz="2000" b="1" dirty="0"/>
-              <a:t>WHITE NOISE signal</a:t>
+              <a:t>Catch all the bar variable we need (equivalent capacity </a:t>
+            </a:r>
+            <a:r>
+              <a:rPr lang="it-IT" sz="2000" b="1" dirty="0">
+                <a:latin typeface="Rockwell" panose="02060603020205020403" pitchFamily="18" charset="0"/>
+              </a:rPr>
+              <a:t>Cpi</a:t>
             </a:r>
             <a:r>
               <a:rPr lang="it-IT" sz="2000" dirty="0"/>
-              <a:t>, elaborate a little bit the </a:t>
-            </a:r>
-            <a:r>
-              <a:rPr lang="it-IT" sz="2000" b="1" dirty="0"/>
-              <a:t>WN</a:t>
+              <a:t>, </a:t>
+            </a:r>
+            <a:r>
+              <a:rPr lang="it-IT" sz="2000" b="1" dirty="0">
+                <a:latin typeface="Rockwell" panose="02060603020205020403" pitchFamily="18" charset="0"/>
+              </a:rPr>
+              <a:t>ki </a:t>
             </a:r>
             <a:r>
               <a:rPr lang="it-IT" sz="2000" dirty="0"/>
-              <a:t> signal for better analysis (use of hanning window) </a:t>
+              <a:t>parameters)</a:t>
             </a:r>
           </a:p>
           <a:p>
@@ -16991,6 +18546,34 @@
             </a:pPr>
             <a:r>
               <a:rPr lang="it-IT" sz="2000" dirty="0"/>
+              <a:t>Excite the bar with </a:t>
+            </a:r>
+            <a:r>
+              <a:rPr lang="it-IT" sz="2000" b="1" dirty="0">
+                <a:latin typeface="Rockwell" panose="02060603020205020403" pitchFamily="18" charset="0"/>
+              </a:rPr>
+              <a:t>WHITE NOISE </a:t>
+            </a:r>
+            <a:r>
+              <a:rPr lang="it-IT" sz="2000" dirty="0"/>
+              <a:t>signal, elaborate a little bit the </a:t>
+            </a:r>
+            <a:r>
+              <a:rPr lang="it-IT" sz="2000" b="1" dirty="0"/>
+              <a:t>WN</a:t>
+            </a:r>
+            <a:r>
+              <a:rPr lang="it-IT" sz="2000" dirty="0"/>
+              <a:t> signal for better analysis (use of hanning window) </a:t>
+            </a:r>
+          </a:p>
+          <a:p>
+            <a:pPr marL="285750" indent="-285750">
+              <a:buFontTx/>
+              <a:buChar char="-"/>
+            </a:pPr>
+            <a:r>
+              <a:rPr lang="it-IT" sz="2000" dirty="0"/>
               <a:t>Find the </a:t>
             </a:r>
             <a:r>
@@ -17008,7 +18591,9 @@
               <a:buChar char="-"/>
             </a:pPr>
             <a:r>
-              <a:rPr lang="it-IT" sz="2000" b="1" dirty="0"/>
+              <a:rPr lang="it-IT" sz="2000" b="1" dirty="0">
+                <a:latin typeface="Rockwell" panose="02060603020205020403" pitchFamily="18" charset="0"/>
+              </a:rPr>
               <a:t>FRF_sc_sc</a:t>
             </a:r>
             <a:r>
@@ -17022,7 +18607,9 @@
               <a:buChar char="-"/>
             </a:pPr>
             <a:r>
-              <a:rPr lang="it-IT" sz="2000" b="1" dirty="0"/>
+              <a:rPr lang="it-IT" sz="2000" b="1" dirty="0">
+                <a:latin typeface="Rockwell" panose="02060603020205020403" pitchFamily="18" charset="0"/>
+              </a:rPr>
               <a:t>FRF_oc_sc</a:t>
             </a:r>
             <a:r>
@@ -17036,7 +18623,9 @@
               <a:buChar char="-"/>
             </a:pPr>
             <a:r>
-              <a:rPr lang="it-IT" sz="2000" b="1" dirty="0"/>
+              <a:rPr lang="it-IT" sz="2000" b="1" dirty="0">
+                <a:latin typeface="Rockwell" panose="02060603020205020403" pitchFamily="18" charset="0"/>
+              </a:rPr>
               <a:t>FRF_sc_oc</a:t>
             </a:r>
             <a:r>
@@ -17063,6 +18652,194 @@
 </file>
 
 <file path=ppt/slides/slide6.xml><?xml version="1.0" encoding="utf-8"?>
+<p:sld xmlns:a="http://schemas.openxmlformats.org/drawingml/2006/main" xmlns:r="http://schemas.openxmlformats.org/officeDocument/2006/relationships" xmlns:p="http://schemas.openxmlformats.org/presentationml/2006/main">
+  <p:cSld>
+    <p:spTree>
+      <p:nvGrpSpPr>
+        <p:cNvPr id="1" name=""/>
+        <p:cNvGrpSpPr/>
+        <p:nvPr/>
+      </p:nvGrpSpPr>
+      <p:grpSpPr>
+        <a:xfrm>
+          <a:off x="0" y="0"/>
+          <a:ext cx="0" cy="0"/>
+          <a:chOff x="0" y="0"/>
+          <a:chExt cx="0" cy="0"/>
+        </a:xfrm>
+      </p:grpSpPr>
+      <p:sp>
+        <p:nvSpPr>
+          <p:cNvPr id="2" name="Title 1">
+            <a:extLst>
+              <a:ext uri="{FF2B5EF4-FFF2-40B4-BE49-F238E27FC236}">
+                <a16:creationId xmlns:a16="http://schemas.microsoft.com/office/drawing/2014/main" id="{15AA858A-F5FD-642E-C5E7-D3FB73D74FB3}"/>
+              </a:ext>
+            </a:extLst>
+          </p:cNvPr>
+          <p:cNvSpPr>
+            <a:spLocks noGrp="1"/>
+          </p:cNvSpPr>
+          <p:nvPr>
+            <p:ph type="title"/>
+          </p:nvPr>
+        </p:nvSpPr>
+        <p:spPr/>
+        <p:txBody>
+          <a:bodyPr/>
+          <a:lstStyle/>
+          <a:p>
+            <a:r>
+              <a:rPr lang="it-IT" dirty="0"/>
+              <a:t>Dewesoft parameters</a:t>
+            </a:r>
+            <a:endParaRPr lang="en-GB" dirty="0"/>
+          </a:p>
+        </p:txBody>
+      </p:sp>
+      <p:sp>
+        <p:nvSpPr>
+          <p:cNvPr id="3" name="Content Placeholder 2">
+            <a:extLst>
+              <a:ext uri="{FF2B5EF4-FFF2-40B4-BE49-F238E27FC236}">
+                <a16:creationId xmlns:a16="http://schemas.microsoft.com/office/drawing/2014/main" id="{86E779F0-A98D-2953-87EC-43E52D40D01C}"/>
+              </a:ext>
+            </a:extLst>
+          </p:cNvPr>
+          <p:cNvSpPr>
+            <a:spLocks noGrp="1"/>
+          </p:cNvSpPr>
+          <p:nvPr>
+            <p:ph idx="1"/>
+          </p:nvPr>
+        </p:nvSpPr>
+        <p:spPr/>
+        <p:txBody>
+          <a:bodyPr/>
+          <a:lstStyle/>
+          <a:p>
+            <a:endParaRPr lang="en-GB"/>
+          </a:p>
+        </p:txBody>
+      </p:sp>
+    </p:spTree>
+    <p:extLst>
+      <p:ext uri="{BB962C8B-B14F-4D97-AF65-F5344CB8AC3E}">
+        <p14:creationId xmlns:p14="http://schemas.microsoft.com/office/powerpoint/2010/main" val="1399663812"/>
+      </p:ext>
+    </p:extLst>
+  </p:cSld>
+  <p:clrMapOvr>
+    <a:masterClrMapping/>
+  </p:clrMapOvr>
+</p:sld>
+</file>
+
+<file path=ppt/slides/slide7.xml><?xml version="1.0" encoding="utf-8"?>
+<p:sld xmlns:a="http://schemas.openxmlformats.org/drawingml/2006/main" xmlns:r="http://schemas.openxmlformats.org/officeDocument/2006/relationships" xmlns:p="http://schemas.openxmlformats.org/presentationml/2006/main">
+  <p:cSld>
+    <p:spTree>
+      <p:nvGrpSpPr>
+        <p:cNvPr id="1" name=""/>
+        <p:cNvGrpSpPr/>
+        <p:nvPr/>
+      </p:nvGrpSpPr>
+      <p:grpSpPr>
+        <a:xfrm>
+          <a:off x="0" y="0"/>
+          <a:ext cx="0" cy="0"/>
+          <a:chOff x="0" y="0"/>
+          <a:chExt cx="0" cy="0"/>
+        </a:xfrm>
+      </p:grpSpPr>
+      <p:sp>
+        <p:nvSpPr>
+          <p:cNvPr id="2" name="Title 1">
+            <a:extLst>
+              <a:ext uri="{FF2B5EF4-FFF2-40B4-BE49-F238E27FC236}">
+                <a16:creationId xmlns:a16="http://schemas.microsoft.com/office/drawing/2014/main" id="{FDE67787-9129-31EE-1EF7-16EC53419AFA}"/>
+              </a:ext>
+            </a:extLst>
+          </p:cNvPr>
+          <p:cNvSpPr>
+            <a:spLocks noGrp="1"/>
+          </p:cNvSpPr>
+          <p:nvPr>
+            <p:ph type="title"/>
+          </p:nvPr>
+        </p:nvSpPr>
+        <p:spPr>
+          <a:xfrm>
+            <a:off x="1141412" y="237518"/>
+            <a:ext cx="9905998" cy="1153132"/>
+          </a:xfrm>
+        </p:spPr>
+        <p:txBody>
+          <a:bodyPr/>
+          <a:lstStyle/>
+          <a:p>
+            <a:r>
+              <a:rPr lang="it-IT" dirty="0">
+                <a:latin typeface="Rockwell" panose="02060603020205020403" pitchFamily="18" charset="0"/>
+              </a:rPr>
+              <a:t>Equivalent capacity </a:t>
+            </a:r>
+            <a:r>
+              <a:rPr lang="it-IT" b="1" dirty="0">
+                <a:latin typeface="Rockwell" panose="02060603020205020403" pitchFamily="18" charset="0"/>
+              </a:rPr>
+              <a:t>cpi</a:t>
+            </a:r>
+            <a:endParaRPr lang="en-GB" b="1" dirty="0">
+              <a:latin typeface="Rockwell" panose="02060603020205020403" pitchFamily="18" charset="0"/>
+            </a:endParaRPr>
+          </a:p>
+        </p:txBody>
+      </p:sp>
+      <p:sp>
+        <p:nvSpPr>
+          <p:cNvPr id="3" name="Content Placeholder 2">
+            <a:extLst>
+              <a:ext uri="{FF2B5EF4-FFF2-40B4-BE49-F238E27FC236}">
+                <a16:creationId xmlns:a16="http://schemas.microsoft.com/office/drawing/2014/main" id="{CF6684F3-499C-EC02-5FC3-B0E6A9F9E6BC}"/>
+              </a:ext>
+            </a:extLst>
+          </p:cNvPr>
+          <p:cNvSpPr>
+            <a:spLocks noGrp="1"/>
+          </p:cNvSpPr>
+          <p:nvPr>
+            <p:ph idx="1"/>
+          </p:nvPr>
+        </p:nvSpPr>
+        <p:spPr>
+          <a:xfrm>
+            <a:off x="1022350" y="1517650"/>
+            <a:ext cx="10025061" cy="4273551"/>
+          </a:xfrm>
+        </p:spPr>
+        <p:txBody>
+          <a:bodyPr/>
+          <a:lstStyle/>
+          <a:p>
+            <a:endParaRPr lang="en-GB" dirty="0"/>
+          </a:p>
+        </p:txBody>
+      </p:sp>
+    </p:spTree>
+    <p:extLst>
+      <p:ext uri="{BB962C8B-B14F-4D97-AF65-F5344CB8AC3E}">
+        <p14:creationId xmlns:p14="http://schemas.microsoft.com/office/powerpoint/2010/main" val="1284591073"/>
+      </p:ext>
+    </p:extLst>
+  </p:cSld>
+  <p:clrMapOvr>
+    <a:masterClrMapping/>
+  </p:clrMapOvr>
+</p:sld>
+</file>
+
+<file path=ppt/slides/slide8.xml><?xml version="1.0" encoding="utf-8"?>
 <p:sld xmlns:a="http://schemas.openxmlformats.org/drawingml/2006/main" xmlns:r="http://schemas.openxmlformats.org/officeDocument/2006/relationships" xmlns:p="http://schemas.openxmlformats.org/presentationml/2006/main">
   <p:cSld>
     <p:spTree>
@@ -17101,14 +18878,13 @@
         </p:nvPicPr>
         <p:blipFill>
           <a:blip r:embed="rId3"/>
-          <a:stretch>
-            <a:fillRect/>
-          </a:stretch>
+          <a:srcRect l="8452" t="3327" r="6483" b="4092"/>
+          <a:stretch/>
         </p:blipFill>
         <p:spPr>
           <a:xfrm>
-            <a:off x="4303711" y="1825587"/>
-            <a:ext cx="6921500" cy="3758759"/>
+            <a:off x="912688" y="1740793"/>
+            <a:ext cx="5100185" cy="3335046"/>
           </a:xfrm>
           <a:prstGeom prst="rect">
             <a:avLst/>
@@ -17178,42 +18954,12 @@
           </a:p>
         </p:txBody>
       </p:sp>
-      <p:pic>
-        <p:nvPicPr>
-          <p:cNvPr id="10" name="Picture 9" descr="A graph with red and blue lines&#10;&#10;AI-generated content may be incorrect.">
+      <p:sp>
+        <p:nvSpPr>
+          <p:cNvPr id="21" name="Oval 20">
             <a:extLst>
               <a:ext uri="{FF2B5EF4-FFF2-40B4-BE49-F238E27FC236}">
-                <a16:creationId xmlns:a16="http://schemas.microsoft.com/office/drawing/2014/main" id="{0DFDF52E-7852-94FE-0C23-F02491BE2358}"/>
-              </a:ext>
-            </a:extLst>
-          </p:cNvPr>
-          <p:cNvPicPr>
-            <a:picLocks noChangeAspect="1"/>
-          </p:cNvPicPr>
-          <p:nvPr/>
-        </p:nvPicPr>
-        <p:blipFill>
-          <a:blip r:embed="rId4"/>
-          <a:stretch>
-            <a:fillRect/>
-          </a:stretch>
-        </p:blipFill>
-        <p:spPr>
-          <a:xfrm>
-            <a:off x="1415956" y="1242841"/>
-            <a:ext cx="2747001" cy="4924252"/>
-          </a:xfrm>
-          <a:prstGeom prst="rect">
-            <a:avLst/>
-          </a:prstGeom>
-        </p:spPr>
-      </p:pic>
-      <p:sp>
-        <p:nvSpPr>
-          <p:cNvPr id="11" name="Oval 10">
-            <a:extLst>
-              <a:ext uri="{FF2B5EF4-FFF2-40B4-BE49-F238E27FC236}">
-                <a16:creationId xmlns:a16="http://schemas.microsoft.com/office/drawing/2014/main" id="{6D07532F-CD2C-8666-C77D-EAE8DA57FF92}"/>
+                <a16:creationId xmlns:a16="http://schemas.microsoft.com/office/drawing/2014/main" id="{952AD78C-282C-C652-A8C1-268BA0FF8F9A}"/>
               </a:ext>
             </a:extLst>
           </p:cNvPr>
@@ -17222,7 +18968,7 @@
         </p:nvSpPr>
         <p:spPr>
           <a:xfrm>
-            <a:off x="5224641" y="1954530"/>
+            <a:off x="1160972" y="1740793"/>
             <a:ext cx="438151" cy="715010"/>
           </a:xfrm>
           <a:prstGeom prst="ellipse">
@@ -17260,12 +19006,591 @@
           </a:p>
         </p:txBody>
       </p:sp>
+      <p:pic>
+        <p:nvPicPr>
+          <p:cNvPr id="33" name="Picture 32" descr="A graph with red and blue lines&#10;&#10;AI-generated content may be incorrect.">
+            <a:extLst>
+              <a:ext uri="{FF2B5EF4-FFF2-40B4-BE49-F238E27FC236}">
+                <a16:creationId xmlns:a16="http://schemas.microsoft.com/office/drawing/2014/main" id="{12DC1C80-B280-4DDA-69F7-E2A7A9EDAAF5}"/>
+              </a:ext>
+            </a:extLst>
+          </p:cNvPr>
+          <p:cNvPicPr>
+            <a:picLocks noChangeAspect="1"/>
+          </p:cNvPicPr>
+          <p:nvPr/>
+        </p:nvPicPr>
+        <p:blipFill>
+          <a:blip r:embed="rId4"/>
+          <a:stretch>
+            <a:fillRect/>
+          </a:stretch>
+        </p:blipFill>
+        <p:spPr>
+          <a:xfrm>
+            <a:off x="-3665146" y="1060346"/>
+            <a:ext cx="3240810" cy="4871310"/>
+          </a:xfrm>
+          <a:prstGeom prst="rect">
+            <a:avLst/>
+          </a:prstGeom>
+        </p:spPr>
+      </p:pic>
       <p:sp>
         <p:nvSpPr>
-          <p:cNvPr id="13" name="Arrow: Right 12">
+          <p:cNvPr id="34" name="TextBox 33">
             <a:extLst>
               <a:ext uri="{FF2B5EF4-FFF2-40B4-BE49-F238E27FC236}">
-                <a16:creationId xmlns:a16="http://schemas.microsoft.com/office/drawing/2014/main" id="{28007CEA-2BC1-4369-218B-59C42C1306CC}"/>
+                <a16:creationId xmlns:a16="http://schemas.microsoft.com/office/drawing/2014/main" id="{D7E79F79-8076-1D08-DC87-1CED85BB0831}"/>
+              </a:ext>
+            </a:extLst>
+          </p:cNvPr>
+          <p:cNvSpPr txBox="1"/>
+          <p:nvPr/>
+        </p:nvSpPr>
+        <p:spPr>
+          <a:xfrm>
+            <a:off x="-9442543" y="1060346"/>
+            <a:ext cx="5283357" cy="4524315"/>
+          </a:xfrm>
+          <a:prstGeom prst="rect">
+            <a:avLst/>
+          </a:prstGeom>
+          <a:noFill/>
+        </p:spPr>
+        <p:txBody>
+          <a:bodyPr wrap="square" rtlCol="0">
+            <a:spAutoFit/>
+          </a:bodyPr>
+          <a:lstStyle/>
+          <a:p>
+            <a:r>
+              <a:rPr lang="it-IT" sz="1800" dirty="0"/>
+              <a:t>The </a:t>
+            </a:r>
+            <a:r>
+              <a:rPr lang="it-IT" sz="1800" b="1" dirty="0"/>
+              <a:t>GOAL</a:t>
+            </a:r>
+            <a:r>
+              <a:rPr lang="it-IT" sz="1800" dirty="0"/>
+              <a:t> of the resistence optimization for first mode:</a:t>
+            </a:r>
+          </a:p>
+          <a:p>
+            <a:pPr marL="285750" indent="-285750">
+              <a:buFontTx/>
+              <a:buChar char="-"/>
+            </a:pPr>
+            <a:r>
+              <a:rPr lang="it-IT" dirty="0"/>
+              <a:t>F</a:t>
+            </a:r>
+            <a:r>
+              <a:rPr lang="it-IT" sz="1800" dirty="0"/>
+              <a:t>ind the value of </a:t>
+            </a:r>
+            <a:r>
+              <a:rPr lang="it-IT" sz="1800" b="1" dirty="0"/>
+              <a:t>R</a:t>
+            </a:r>
+            <a:r>
+              <a:rPr lang="it-IT" sz="1800" dirty="0"/>
+              <a:t> for wich the new FRF curv has his </a:t>
+            </a:r>
+            <a:r>
+              <a:rPr lang="it-IT" sz="1800" b="1" dirty="0">
+                <a:latin typeface="Rockwell" panose="02060603020205020403" pitchFamily="18" charset="0"/>
+              </a:rPr>
+              <a:t>maximum</a:t>
+            </a:r>
+            <a:r>
+              <a:rPr lang="it-IT" sz="1800" dirty="0"/>
+              <a:t> point in the </a:t>
+            </a:r>
+            <a:r>
+              <a:rPr lang="it-IT" sz="1800" b="1" dirty="0">
+                <a:latin typeface="Rockwell" panose="02060603020205020403" pitchFamily="18" charset="0"/>
+              </a:rPr>
+              <a:t>crossing point</a:t>
+            </a:r>
+            <a:r>
+              <a:rPr lang="it-IT" sz="1800" dirty="0">
+                <a:latin typeface="Rockwell" panose="02060603020205020403" pitchFamily="18" charset="0"/>
+              </a:rPr>
+              <a:t> </a:t>
+            </a:r>
+            <a:r>
+              <a:rPr lang="it-IT" sz="1800" dirty="0"/>
+              <a:t>between the FRF sc-sc and FRF oc_sc.</a:t>
+            </a:r>
+          </a:p>
+          <a:p>
+            <a:r>
+              <a:rPr lang="it-IT" dirty="0"/>
+              <a:t>The optimization process consist to find:</a:t>
+            </a:r>
+          </a:p>
+          <a:p>
+            <a:endParaRPr lang="it-IT" sz="1800" dirty="0"/>
+          </a:p>
+          <a:p>
+            <a:endParaRPr lang="it-IT" dirty="0"/>
+          </a:p>
+          <a:p>
+            <a:endParaRPr lang="it-IT" sz="1800" dirty="0"/>
+          </a:p>
+          <a:p>
+            <a:endParaRPr lang="it-IT" sz="1800" dirty="0"/>
+          </a:p>
+          <a:p>
+            <a:r>
+              <a:rPr lang="it-IT" sz="1800" dirty="0"/>
+              <a:t>Knowing also that </a:t>
+            </a:r>
+          </a:p>
+          <a:p>
+            <a:endParaRPr lang="it-IT" sz="1800" dirty="0"/>
+          </a:p>
+          <a:p>
+            <a:endParaRPr lang="en-GB" dirty="0"/>
+          </a:p>
+          <a:p>
+            <a:r>
+              <a:rPr lang="en-GB" dirty="0"/>
+              <a:t>We are able now to find the optimal R associated to the first mode:</a:t>
+            </a:r>
+          </a:p>
+          <a:p>
+            <a:endParaRPr lang="en-GB" dirty="0"/>
+          </a:p>
+          <a:p>
+            <a:endParaRPr lang="en-GB" dirty="0"/>
+          </a:p>
+        </p:txBody>
+      </p:sp>
+      <p:pic>
+        <p:nvPicPr>
+          <p:cNvPr id="35" name="Picture 34" descr="A mathematical equation with black letters&#10;&#10;AI-generated content may be incorrect.">
+            <a:extLst>
+              <a:ext uri="{FF2B5EF4-FFF2-40B4-BE49-F238E27FC236}">
+                <a16:creationId xmlns:a16="http://schemas.microsoft.com/office/drawing/2014/main" id="{BACD0FB9-329E-5900-964D-F4920429CC6D}"/>
+              </a:ext>
+            </a:extLst>
+          </p:cNvPr>
+          <p:cNvPicPr>
+            <a:picLocks noChangeAspect="1"/>
+          </p:cNvPicPr>
+          <p:nvPr/>
+        </p:nvPicPr>
+        <p:blipFill>
+          <a:blip r:embed="rId5"/>
+          <a:stretch>
+            <a:fillRect/>
+          </a:stretch>
+        </p:blipFill>
+        <p:spPr>
+          <a:xfrm>
+            <a:off x="-8403184" y="2649446"/>
+            <a:ext cx="2205489" cy="779554"/>
+          </a:xfrm>
+          <a:prstGeom prst="rect">
+            <a:avLst/>
+          </a:prstGeom>
+        </p:spPr>
+      </p:pic>
+      <p:pic>
+        <p:nvPicPr>
+          <p:cNvPr id="36" name="Picture 35" descr="A black and white symbol&#10;&#10;AI-generated content may be incorrect.">
+            <a:extLst>
+              <a:ext uri="{FF2B5EF4-FFF2-40B4-BE49-F238E27FC236}">
+                <a16:creationId xmlns:a16="http://schemas.microsoft.com/office/drawing/2014/main" id="{E86F2B66-0947-A69B-4CBA-A0A2BF4D6F88}"/>
+              </a:ext>
+            </a:extLst>
+          </p:cNvPr>
+          <p:cNvPicPr>
+            <a:picLocks noChangeAspect="1"/>
+          </p:cNvPicPr>
+          <p:nvPr/>
+        </p:nvPicPr>
+        <p:blipFill>
+          <a:blip r:embed="rId6"/>
+          <a:stretch>
+            <a:fillRect/>
+          </a:stretch>
+        </p:blipFill>
+        <p:spPr>
+          <a:xfrm>
+            <a:off x="-8231011" y="3955255"/>
+            <a:ext cx="1854518" cy="332649"/>
+          </a:xfrm>
+          <a:prstGeom prst="rect">
+            <a:avLst/>
+          </a:prstGeom>
+        </p:spPr>
+      </p:pic>
+      <p:pic>
+        <p:nvPicPr>
+          <p:cNvPr id="37" name="Picture 36" descr="A number with a number on it&#10;&#10;AI-generated content may be incorrect.">
+            <a:extLst>
+              <a:ext uri="{FF2B5EF4-FFF2-40B4-BE49-F238E27FC236}">
+                <a16:creationId xmlns:a16="http://schemas.microsoft.com/office/drawing/2014/main" id="{C68D6BE9-A054-D002-810E-C74384B267E5}"/>
+              </a:ext>
+            </a:extLst>
+          </p:cNvPr>
+          <p:cNvPicPr>
+            <a:picLocks noChangeAspect="1"/>
+          </p:cNvPicPr>
+          <p:nvPr/>
+        </p:nvPicPr>
+        <p:blipFill>
+          <a:blip r:embed="rId7"/>
+          <a:stretch>
+            <a:fillRect/>
+          </a:stretch>
+        </p:blipFill>
+        <p:spPr>
+          <a:xfrm>
+            <a:off x="-8231011" y="5075839"/>
+            <a:ext cx="1854518" cy="424916"/>
+          </a:xfrm>
+          <a:prstGeom prst="rect">
+            <a:avLst/>
+          </a:prstGeom>
+        </p:spPr>
+      </p:pic>
+      <p:sp>
+        <p:nvSpPr>
+          <p:cNvPr id="38" name="Content Placeholder 2">
+            <a:extLst>
+              <a:ext uri="{FF2B5EF4-FFF2-40B4-BE49-F238E27FC236}">
+                <a16:creationId xmlns:a16="http://schemas.microsoft.com/office/drawing/2014/main" id="{1F72DD8B-B373-D0DE-4A85-9F7715CBF6C2}"/>
+              </a:ext>
+            </a:extLst>
+          </p:cNvPr>
+          <p:cNvSpPr>
+            <a:spLocks noGrp="1"/>
+          </p:cNvSpPr>
+          <p:nvPr>
+            <p:ph idx="1"/>
+          </p:nvPr>
+        </p:nvSpPr>
+        <p:spPr>
+          <a:xfrm>
+            <a:off x="6235700" y="1384300"/>
+            <a:ext cx="4908551" cy="5068944"/>
+          </a:xfrm>
+        </p:spPr>
+        <p:txBody>
+          <a:bodyPr>
+            <a:normAutofit/>
+          </a:bodyPr>
+          <a:lstStyle/>
+          <a:p>
+            <a:pPr>
+              <a:buFontTx/>
+              <a:buChar char="-"/>
+            </a:pPr>
+            <a:r>
+              <a:rPr lang="it-IT" sz="1900" b="1" dirty="0">
+                <a:latin typeface="Rockwell" panose="02060603020205020403" pitchFamily="18" charset="0"/>
+              </a:rPr>
+              <a:t>FRF sc-sc </a:t>
+            </a:r>
+            <a:r>
+              <a:rPr lang="it-IT" sz="1900" dirty="0"/>
+              <a:t>allow us to find:</a:t>
+            </a:r>
+          </a:p>
+          <a:p>
+            <a:pPr lvl="1">
+              <a:buFontTx/>
+              <a:buChar char="-"/>
+            </a:pPr>
+            <a:r>
+              <a:rPr lang="it-IT" sz="1500" dirty="0"/>
+              <a:t>Natual frequences of the mecchanical system </a:t>
+            </a:r>
+            <a:r>
+              <a:rPr lang="it-IT" sz="1500" b="1" dirty="0">
+                <a:latin typeface="Rockwell" panose="02060603020205020403" pitchFamily="18" charset="0"/>
+              </a:rPr>
+              <a:t>without the influence </a:t>
+            </a:r>
+            <a:r>
+              <a:rPr lang="it-IT" sz="1500" dirty="0"/>
+              <a:t>of the two piezo’s voltage</a:t>
+            </a:r>
+          </a:p>
+          <a:p>
+            <a:pPr lvl="1">
+              <a:buFontTx/>
+              <a:buChar char="-"/>
+            </a:pPr>
+            <a:r>
+              <a:rPr lang="it-IT" sz="1500" dirty="0"/>
+              <a:t>Mechanical damping of the system associated to different mode shape csi</a:t>
+            </a:r>
+          </a:p>
+          <a:p>
+            <a:pPr lvl="1">
+              <a:buFontTx/>
+              <a:buChar char="-"/>
+            </a:pPr>
+            <a:endParaRPr lang="it-IT" sz="1500" dirty="0"/>
+          </a:p>
+          <a:p>
+            <a:pPr>
+              <a:buFontTx/>
+              <a:buChar char="-"/>
+            </a:pPr>
+            <a:r>
+              <a:rPr lang="it-IT" sz="1900" b="1" dirty="0">
+                <a:latin typeface="Rockwell" panose="02060603020205020403" pitchFamily="18" charset="0"/>
+              </a:rPr>
+              <a:t>FRF oc-sc </a:t>
+            </a:r>
+            <a:r>
+              <a:rPr lang="it-IT" sz="1900" dirty="0"/>
+              <a:t>allow us to find:</a:t>
+            </a:r>
+          </a:p>
+          <a:p>
+            <a:pPr lvl="1">
+              <a:buFontTx/>
+              <a:buChar char="-"/>
+            </a:pPr>
+            <a:r>
+              <a:rPr lang="it-IT" sz="1500" dirty="0"/>
+              <a:t>Natual frequences of the mecchanical system </a:t>
+            </a:r>
+            <a:r>
+              <a:rPr lang="it-IT" sz="1500" b="1" dirty="0">
+                <a:latin typeface="Rockwell" panose="02060603020205020403" pitchFamily="18" charset="0"/>
+              </a:rPr>
+              <a:t>with the influence </a:t>
+            </a:r>
+            <a:r>
+              <a:rPr lang="it-IT" sz="1500" dirty="0"/>
+              <a:t>of the first piezo’s voltage. This cause an increase of stifness of the system, so the natural freq. are little bit high</a:t>
+            </a:r>
+          </a:p>
+          <a:p>
+            <a:pPr lvl="1">
+              <a:buFontTx/>
+              <a:buChar char="-"/>
+            </a:pPr>
+            <a:r>
+              <a:rPr lang="it-IT" sz="1500" dirty="0"/>
+              <a:t>Mechanical damping of the system associated to different mode shape csi, also the damping is little bit high	</a:t>
+            </a:r>
+          </a:p>
+          <a:p>
+            <a:pPr>
+              <a:buFontTx/>
+              <a:buChar char="-"/>
+            </a:pPr>
+            <a:endParaRPr lang="it-IT" sz="1900" dirty="0"/>
+          </a:p>
+          <a:p>
+            <a:pPr>
+              <a:buFontTx/>
+              <a:buChar char="-"/>
+            </a:pPr>
+            <a:endParaRPr lang="en-GB" dirty="0"/>
+          </a:p>
+        </p:txBody>
+      </p:sp>
+    </p:spTree>
+    <p:extLst>
+      <p:ext uri="{BB962C8B-B14F-4D97-AF65-F5344CB8AC3E}">
+        <p14:creationId xmlns:p14="http://schemas.microsoft.com/office/powerpoint/2010/main" val="659833100"/>
+      </p:ext>
+    </p:extLst>
+  </p:cSld>
+  <p:clrMapOvr>
+    <a:masterClrMapping/>
+  </p:clrMapOvr>
+</p:sld>
+</file>
+
+<file path=ppt/slides/slide9.xml><?xml version="1.0" encoding="utf-8"?>
+<p:sld xmlns:a="http://schemas.openxmlformats.org/drawingml/2006/main" xmlns:r="http://schemas.openxmlformats.org/officeDocument/2006/relationships" xmlns:p="http://schemas.openxmlformats.org/presentationml/2006/main">
+  <p:cSld>
+    <p:spTree>
+      <p:nvGrpSpPr>
+        <p:cNvPr id="1" name="">
+          <a:extLst>
+            <a:ext uri="{FF2B5EF4-FFF2-40B4-BE49-F238E27FC236}">
+              <a16:creationId xmlns:a16="http://schemas.microsoft.com/office/drawing/2014/main" id="{2173BF87-94D7-31E7-7C8B-4ABEF7049D94}"/>
+            </a:ext>
+          </a:extLst>
+        </p:cNvPr>
+        <p:cNvGrpSpPr/>
+        <p:nvPr/>
+      </p:nvGrpSpPr>
+      <p:grpSpPr>
+        <a:xfrm>
+          <a:off x="0" y="0"/>
+          <a:ext cx="0" cy="0"/>
+          <a:chOff x="0" y="0"/>
+          <a:chExt cx="0" cy="0"/>
+        </a:xfrm>
+      </p:grpSpPr>
+      <p:pic>
+        <p:nvPicPr>
+          <p:cNvPr id="26" name="Picture 25" descr="A graph of a graph&#10;&#10;AI-generated content may be incorrect.">
+            <a:extLst>
+              <a:ext uri="{FF2B5EF4-FFF2-40B4-BE49-F238E27FC236}">
+                <a16:creationId xmlns:a16="http://schemas.microsoft.com/office/drawing/2014/main" id="{907855FA-7030-5BCA-73BD-064C7B7DF011}"/>
+              </a:ext>
+            </a:extLst>
+          </p:cNvPr>
+          <p:cNvPicPr>
+            <a:picLocks noChangeAspect="1"/>
+          </p:cNvPicPr>
+          <p:nvPr/>
+        </p:nvPicPr>
+        <p:blipFill>
+          <a:blip r:embed="rId3">
+            <a:alphaModFix amt="5000"/>
+          </a:blip>
+          <a:srcRect l="8452" t="3327" r="6483" b="4092"/>
+          <a:stretch/>
+        </p:blipFill>
+        <p:spPr>
+          <a:xfrm>
+            <a:off x="7188892" y="1324032"/>
+            <a:ext cx="13602025" cy="8356149"/>
+          </a:xfrm>
+          <a:prstGeom prst="rect">
+            <a:avLst/>
+          </a:prstGeom>
+          <a:noFill/>
+        </p:spPr>
+      </p:pic>
+      <p:sp>
+        <p:nvSpPr>
+          <p:cNvPr id="2" name="Titolo 1">
+            <a:extLst>
+              <a:ext uri="{FF2B5EF4-FFF2-40B4-BE49-F238E27FC236}">
+                <a16:creationId xmlns:a16="http://schemas.microsoft.com/office/drawing/2014/main" id="{2A984F99-A7EC-19B0-4334-39091164F0A7}"/>
+              </a:ext>
+            </a:extLst>
+          </p:cNvPr>
+          <p:cNvSpPr>
+            <a:spLocks noGrp="1"/>
+          </p:cNvSpPr>
+          <p:nvPr>
+            <p:ph type="title"/>
+          </p:nvPr>
+        </p:nvSpPr>
+        <p:spPr>
+          <a:xfrm>
+            <a:off x="1415957" y="404756"/>
+            <a:ext cx="9905998" cy="790404"/>
+          </a:xfrm>
+        </p:spPr>
+        <p:txBody>
+          <a:bodyPr rtlCol="0">
+            <a:normAutofit/>
+          </a:bodyPr>
+          <a:lstStyle/>
+          <a:p>
+            <a:pPr rtl="0"/>
+            <a:r>
+              <a:rPr lang="it-IT" sz="4400" dirty="0">
+                <a:latin typeface="Rockwell" panose="02060603020205020403" pitchFamily="18" charset="0"/>
+              </a:rPr>
+              <a:t>First mode, </a:t>
+            </a:r>
+            <a:r>
+              <a:rPr lang="it-IT" sz="4400" b="1" dirty="0">
+                <a:latin typeface="Rockwell" panose="02060603020205020403" pitchFamily="18" charset="0"/>
+              </a:rPr>
+              <a:t>R</a:t>
+            </a:r>
+            <a:r>
+              <a:rPr lang="it-IT" sz="4400" dirty="0">
+                <a:latin typeface="Rockwell" panose="02060603020205020403" pitchFamily="18" charset="0"/>
+              </a:rPr>
+              <a:t> OPTIMIZATION</a:t>
+            </a:r>
+            <a:endParaRPr lang="it-IT" sz="4400" dirty="0">
+              <a:solidFill>
+                <a:srgbClr val="C00000"/>
+              </a:solidFill>
+              <a:latin typeface="Rockwell" panose="02060603020205020403" pitchFamily="18" charset="0"/>
+            </a:endParaRPr>
+          </a:p>
+        </p:txBody>
+      </p:sp>
+      <p:pic>
+        <p:nvPicPr>
+          <p:cNvPr id="16" name="Picture 15" descr="A graph with a line graph&#10;&#10;AI-generated content may be incorrect.">
+            <a:extLst>
+              <a:ext uri="{FF2B5EF4-FFF2-40B4-BE49-F238E27FC236}">
+                <a16:creationId xmlns:a16="http://schemas.microsoft.com/office/drawing/2014/main" id="{C4B9E9BF-2578-3976-4DA8-E15ED0972CF3}"/>
+              </a:ext>
+            </a:extLst>
+          </p:cNvPr>
+          <p:cNvPicPr>
+            <a:picLocks noChangeAspect="1"/>
+          </p:cNvPicPr>
+          <p:nvPr/>
+        </p:nvPicPr>
+        <p:blipFill>
+          <a:blip r:embed="rId4"/>
+          <a:stretch>
+            <a:fillRect/>
+          </a:stretch>
+        </p:blipFill>
+        <p:spPr>
+          <a:xfrm>
+            <a:off x="-9949311" y="1024144"/>
+            <a:ext cx="2717467" cy="4809712"/>
+          </a:xfrm>
+          <a:prstGeom prst="rect">
+            <a:avLst/>
+          </a:prstGeom>
+        </p:spPr>
+      </p:pic>
+      <p:pic>
+        <p:nvPicPr>
+          <p:cNvPr id="17" name="Picture 16" descr="A graph with green lines&#10;&#10;AI-generated content may be incorrect.">
+            <a:extLst>
+              <a:ext uri="{FF2B5EF4-FFF2-40B4-BE49-F238E27FC236}">
+                <a16:creationId xmlns:a16="http://schemas.microsoft.com/office/drawing/2014/main" id="{072B6129-DAB2-0EF1-D57A-1AC2D257FA7C}"/>
+              </a:ext>
+            </a:extLst>
+          </p:cNvPr>
+          <p:cNvPicPr>
+            <a:picLocks noChangeAspect="1"/>
+          </p:cNvPicPr>
+          <p:nvPr/>
+        </p:nvPicPr>
+        <p:blipFill>
+          <a:blip r:embed="rId5"/>
+          <a:stretch>
+            <a:fillRect/>
+          </a:stretch>
+        </p:blipFill>
+        <p:spPr>
+          <a:xfrm>
+            <a:off x="-7015659" y="1541063"/>
+            <a:ext cx="6953017" cy="3775874"/>
+          </a:xfrm>
+          <a:prstGeom prst="rect">
+            <a:avLst/>
+          </a:prstGeom>
+        </p:spPr>
+      </p:pic>
+      <p:sp>
+        <p:nvSpPr>
+          <p:cNvPr id="18" name="Arrow: Right 17">
+            <a:extLst>
+              <a:ext uri="{FF2B5EF4-FFF2-40B4-BE49-F238E27FC236}">
+                <a16:creationId xmlns:a16="http://schemas.microsoft.com/office/drawing/2014/main" id="{5064731E-BB1B-FFAB-AC71-98A6287489BF}"/>
               </a:ext>
             </a:extLst>
           </p:cNvPr>
@@ -17274,7 +19599,7 @@
         </p:nvSpPr>
         <p:spPr>
           <a:xfrm rot="10430790">
-            <a:off x="3587036" y="2063582"/>
+            <a:off x="-7997272" y="1959066"/>
             <a:ext cx="1433352" cy="715010"/>
           </a:xfrm>
           <a:prstGeom prst="rightArrow">
@@ -17316,672 +19641,12 @@
           </a:p>
         </p:txBody>
       </p:sp>
-    </p:spTree>
-    <p:extLst>
-      <p:ext uri="{BB962C8B-B14F-4D97-AF65-F5344CB8AC3E}">
-        <p14:creationId xmlns:p14="http://schemas.microsoft.com/office/powerpoint/2010/main" val="659833100"/>
-      </p:ext>
-    </p:extLst>
-  </p:cSld>
-  <p:clrMapOvr>
-    <a:masterClrMapping/>
-  </p:clrMapOvr>
-</p:sld>
-</file>
-
-<file path=ppt/slides/slide7.xml><?xml version="1.0" encoding="utf-8"?>
-<p:sld xmlns:a="http://schemas.openxmlformats.org/drawingml/2006/main" xmlns:r="http://schemas.openxmlformats.org/officeDocument/2006/relationships" xmlns:p="http://schemas.openxmlformats.org/presentationml/2006/main">
-  <p:cSld>
-    <p:spTree>
-      <p:nvGrpSpPr>
-        <p:cNvPr id="1" name=""/>
-        <p:cNvGrpSpPr/>
-        <p:nvPr/>
-      </p:nvGrpSpPr>
-      <p:grpSpPr>
-        <a:xfrm>
-          <a:off x="0" y="0"/>
-          <a:ext cx="0" cy="0"/>
-          <a:chOff x="0" y="0"/>
-          <a:chExt cx="0" cy="0"/>
-        </a:xfrm>
-      </p:grpSpPr>
       <p:sp>
         <p:nvSpPr>
-          <p:cNvPr id="2" name="Title 1">
+          <p:cNvPr id="21" name="TextBox 20">
             <a:extLst>
               <a:ext uri="{FF2B5EF4-FFF2-40B4-BE49-F238E27FC236}">
-                <a16:creationId xmlns:a16="http://schemas.microsoft.com/office/drawing/2014/main" id="{90078109-AACC-256F-4B3D-4E054D73DEF2}"/>
-              </a:ext>
-            </a:extLst>
-          </p:cNvPr>
-          <p:cNvSpPr>
-            <a:spLocks noGrp="1"/>
-          </p:cNvSpPr>
-          <p:nvPr>
-            <p:ph type="title"/>
-          </p:nvPr>
-        </p:nvSpPr>
-        <p:spPr>
-          <a:xfrm>
-            <a:off x="1312863" y="205768"/>
-            <a:ext cx="9905998" cy="867382"/>
-          </a:xfrm>
-        </p:spPr>
-        <p:txBody>
-          <a:bodyPr/>
-          <a:lstStyle/>
-          <a:p>
-            <a:endParaRPr lang="en-GB" dirty="0"/>
-          </a:p>
-        </p:txBody>
-      </p:sp>
-      <p:sp>
-        <p:nvSpPr>
-          <p:cNvPr id="3" name="Content Placeholder 2">
-            <a:extLst>
-              <a:ext uri="{FF2B5EF4-FFF2-40B4-BE49-F238E27FC236}">
-                <a16:creationId xmlns:a16="http://schemas.microsoft.com/office/drawing/2014/main" id="{1F72DD8B-B373-D0DE-4A85-9F7715CBF6C2}"/>
-              </a:ext>
-            </a:extLst>
-          </p:cNvPr>
-          <p:cNvSpPr>
-            <a:spLocks noGrp="1"/>
-          </p:cNvSpPr>
-          <p:nvPr>
-            <p:ph idx="1"/>
-          </p:nvPr>
-        </p:nvSpPr>
-        <p:spPr>
-          <a:xfrm>
-            <a:off x="1047751" y="1301750"/>
-            <a:ext cx="4483099" cy="4984750"/>
-          </a:xfrm>
-        </p:spPr>
-        <p:txBody>
-          <a:bodyPr>
-            <a:normAutofit/>
-          </a:bodyPr>
-          <a:lstStyle/>
-          <a:p>
-            <a:pPr>
-              <a:buFontTx/>
-              <a:buChar char="-"/>
-            </a:pPr>
-            <a:r>
-              <a:rPr lang="it-IT" sz="1900" dirty="0"/>
-              <a:t>FRF sc-sc allow us to find:</a:t>
-            </a:r>
-          </a:p>
-          <a:p>
-            <a:pPr>
-              <a:buFontTx/>
-              <a:buChar char="-"/>
-            </a:pPr>
-            <a:r>
-              <a:rPr lang="it-IT" sz="1900" dirty="0"/>
-              <a:t>Natual frequences of the mecchanical system without the influence of the two piezo’s voltage</a:t>
-            </a:r>
-          </a:p>
-          <a:p>
-            <a:pPr lvl="1">
-              <a:buFontTx/>
-              <a:buChar char="-"/>
-            </a:pPr>
-            <a:r>
-              <a:rPr lang="it-IT" sz="1900" dirty="0"/>
-              <a:t>w_1 = 20.122 [Hz]</a:t>
-            </a:r>
-          </a:p>
-          <a:p>
-            <a:pPr lvl="1">
-              <a:buFontTx/>
-              <a:buChar char="-"/>
-            </a:pPr>
-            <a:r>
-              <a:rPr lang="it-IT" sz="1900" dirty="0"/>
-              <a:t>w_2 = 115.74 [Hz]</a:t>
-            </a:r>
-          </a:p>
-          <a:p>
-            <a:pPr lvl="1">
-              <a:buFontTx/>
-              <a:buChar char="-"/>
-            </a:pPr>
-            <a:r>
-              <a:rPr lang="it-IT" sz="1900" dirty="0"/>
-              <a:t>w_2 = 314.24 [Hz]</a:t>
-            </a:r>
-          </a:p>
-          <a:p>
-            <a:pPr>
-              <a:buFontTx/>
-              <a:buChar char="-"/>
-            </a:pPr>
-            <a:r>
-              <a:rPr lang="it-IT" sz="1900" dirty="0"/>
-              <a:t>Mechanical damping of the system associated to different mode shape csi</a:t>
-            </a:r>
-          </a:p>
-          <a:p>
-            <a:pPr lvl="1">
-              <a:buFontTx/>
-              <a:buChar char="-"/>
-            </a:pPr>
-            <a:r>
-              <a:rPr lang="en-GB" sz="1900" dirty="0">
-                <a:latin typeface="Tw Cen MT (Body)"/>
-              </a:rPr>
-              <a:t>csi_1</a:t>
-            </a:r>
-            <a:r>
-              <a:rPr lang="en-GB" sz="1900" b="0" i="0" dirty="0">
-                <a:effectLst/>
-                <a:latin typeface="Tw Cen MT (Body)"/>
-              </a:rPr>
-              <a:t> = 0.0010033</a:t>
-            </a:r>
-          </a:p>
-          <a:p>
-            <a:pPr lvl="1">
-              <a:buFontTx/>
-              <a:buChar char="-"/>
-            </a:pPr>
-            <a:r>
-              <a:rPr lang="en-GB" sz="1900" dirty="0">
-                <a:latin typeface="Tw Cen MT (Body)"/>
-              </a:rPr>
-              <a:t>c</a:t>
-            </a:r>
-            <a:r>
-              <a:rPr lang="en-GB" sz="1900" b="0" i="0" dirty="0">
-                <a:effectLst/>
-                <a:latin typeface="Tw Cen MT (Body)"/>
-              </a:rPr>
-              <a:t>si_2= 0.0047168</a:t>
-            </a:r>
-          </a:p>
-          <a:p>
-            <a:pPr marL="457200" lvl="1" indent="0">
-              <a:buNone/>
-            </a:pPr>
-            <a:r>
-              <a:rPr lang="en-GB" sz="1900" dirty="0">
-                <a:latin typeface="Tw Cen MT (Body)"/>
-              </a:rPr>
-              <a:t>-  csi_3</a:t>
-            </a:r>
-            <a:r>
-              <a:rPr lang="en-GB" sz="1900" b="0" i="0" dirty="0">
-                <a:effectLst/>
-                <a:latin typeface="Tw Cen MT (Body)"/>
-              </a:rPr>
-              <a:t> = 0.0028293</a:t>
-            </a:r>
-          </a:p>
-          <a:p>
-            <a:pPr>
-              <a:buFontTx/>
-              <a:buChar char="-"/>
-            </a:pPr>
-            <a:endParaRPr lang="it-IT" dirty="0"/>
-          </a:p>
-          <a:p>
-            <a:pPr>
-              <a:buFontTx/>
-              <a:buChar char="-"/>
-            </a:pPr>
-            <a:endParaRPr lang="en-GB" dirty="0"/>
-          </a:p>
-        </p:txBody>
-      </p:sp>
-      <p:sp>
-        <p:nvSpPr>
-          <p:cNvPr id="4" name="Content Placeholder 2">
-            <a:extLst>
-              <a:ext uri="{FF2B5EF4-FFF2-40B4-BE49-F238E27FC236}">
-                <a16:creationId xmlns:a16="http://schemas.microsoft.com/office/drawing/2014/main" id="{C89CF9D6-894F-6DAB-E0E5-027FFD2B92BE}"/>
-              </a:ext>
-            </a:extLst>
-          </p:cNvPr>
-          <p:cNvSpPr txBox="1">
-            <a:spLocks/>
-          </p:cNvSpPr>
-          <p:nvPr/>
-        </p:nvSpPr>
-        <p:spPr>
-          <a:xfrm>
-            <a:off x="6242049" y="1289050"/>
-            <a:ext cx="4902200" cy="4984750"/>
-          </a:xfrm>
-          <a:prstGeom prst="rect">
-            <a:avLst/>
-          </a:prstGeom>
-        </p:spPr>
-        <p:txBody>
-          <a:bodyPr vert="horz" lIns="91440" tIns="45720" rIns="91440" bIns="45720" rtlCol="0">
-            <a:normAutofit fontScale="92500" lnSpcReduction="10000"/>
-          </a:bodyPr>
-          <a:lstStyle>
-            <a:lvl1pPr marL="228600" indent="-228600" algn="l" defTabSz="914400" rtl="0" eaLnBrk="1" latinLnBrk="0" hangingPunct="1">
-              <a:lnSpc>
-                <a:spcPct val="120000"/>
-              </a:lnSpc>
-              <a:spcBef>
-                <a:spcPts val="1000"/>
-              </a:spcBef>
-              <a:buSzPct val="125000"/>
-              <a:buFont typeface="Arial" panose="020B0604020202020204" pitchFamily="34" charset="0"/>
-              <a:buChar char="•"/>
-              <a:defRPr sz="2400" kern="1200">
-                <a:solidFill>
-                  <a:schemeClr val="tx1"/>
-                </a:solidFill>
-                <a:latin typeface="+mn-lt"/>
-                <a:ea typeface="+mn-ea"/>
-                <a:cs typeface="+mn-cs"/>
-              </a:defRPr>
-            </a:lvl1pPr>
-            <a:lvl2pPr marL="685800" indent="-228600" algn="l" defTabSz="914400" rtl="0" eaLnBrk="1" latinLnBrk="0" hangingPunct="1">
-              <a:lnSpc>
-                <a:spcPct val="120000"/>
-              </a:lnSpc>
-              <a:spcBef>
-                <a:spcPts val="500"/>
-              </a:spcBef>
-              <a:buSzPct val="125000"/>
-              <a:buFont typeface="Arial" panose="020B0604020202020204" pitchFamily="34" charset="0"/>
-              <a:buChar char="•"/>
-              <a:defRPr sz="2000" kern="1200">
-                <a:solidFill>
-                  <a:schemeClr val="tx1"/>
-                </a:solidFill>
-                <a:latin typeface="+mn-lt"/>
-                <a:ea typeface="+mn-ea"/>
-                <a:cs typeface="+mn-cs"/>
-              </a:defRPr>
-            </a:lvl2pPr>
-            <a:lvl3pPr marL="1143000" indent="-228600" algn="l" defTabSz="914400" rtl="0" eaLnBrk="1" latinLnBrk="0" hangingPunct="1">
-              <a:lnSpc>
-                <a:spcPct val="120000"/>
-              </a:lnSpc>
-              <a:spcBef>
-                <a:spcPts val="500"/>
-              </a:spcBef>
-              <a:buSzPct val="125000"/>
-              <a:buFont typeface="Arial" panose="020B0604020202020204" pitchFamily="34" charset="0"/>
-              <a:buChar char="•"/>
-              <a:defRPr sz="1800" kern="1200">
-                <a:solidFill>
-                  <a:schemeClr val="tx1"/>
-                </a:solidFill>
-                <a:latin typeface="+mn-lt"/>
-                <a:ea typeface="+mn-ea"/>
-                <a:cs typeface="+mn-cs"/>
-              </a:defRPr>
-            </a:lvl3pPr>
-            <a:lvl4pPr marL="1600200" indent="-228600" algn="l" defTabSz="914400" rtl="0" eaLnBrk="1" latinLnBrk="0" hangingPunct="1">
-              <a:lnSpc>
-                <a:spcPct val="120000"/>
-              </a:lnSpc>
-              <a:spcBef>
-                <a:spcPts val="500"/>
-              </a:spcBef>
-              <a:buSzPct val="125000"/>
-              <a:buFont typeface="Arial" panose="020B0604020202020204" pitchFamily="34" charset="0"/>
-              <a:buChar char="•"/>
-              <a:defRPr sz="1600" kern="1200">
-                <a:solidFill>
-                  <a:schemeClr val="tx1"/>
-                </a:solidFill>
-                <a:latin typeface="+mn-lt"/>
-                <a:ea typeface="+mn-ea"/>
-                <a:cs typeface="+mn-cs"/>
-              </a:defRPr>
-            </a:lvl4pPr>
-            <a:lvl5pPr marL="2057400" indent="-228600" algn="l" defTabSz="914400" rtl="0" eaLnBrk="1" latinLnBrk="0" hangingPunct="1">
-              <a:lnSpc>
-                <a:spcPct val="120000"/>
-              </a:lnSpc>
-              <a:spcBef>
-                <a:spcPts val="500"/>
-              </a:spcBef>
-              <a:buSzPct val="125000"/>
-              <a:buFont typeface="Arial" panose="020B0604020202020204" pitchFamily="34" charset="0"/>
-              <a:buChar char="•"/>
-              <a:defRPr sz="1600" kern="1200">
-                <a:solidFill>
-                  <a:schemeClr val="tx1"/>
-                </a:solidFill>
-                <a:latin typeface="+mn-lt"/>
-                <a:ea typeface="+mn-ea"/>
-                <a:cs typeface="+mn-cs"/>
-              </a:defRPr>
-            </a:lvl5pPr>
-            <a:lvl6pPr marL="2514600" indent="-228600" algn="l" defTabSz="914400" rtl="0" eaLnBrk="1" latinLnBrk="0" hangingPunct="1">
-              <a:lnSpc>
-                <a:spcPct val="120000"/>
-              </a:lnSpc>
-              <a:spcBef>
-                <a:spcPts val="500"/>
-              </a:spcBef>
-              <a:buSzPct val="125000"/>
-              <a:buFont typeface="Arial" panose="020B0604020202020204" pitchFamily="34" charset="0"/>
-              <a:buChar char="•"/>
-              <a:defRPr sz="1400" kern="1200">
-                <a:solidFill>
-                  <a:schemeClr val="tx1"/>
-                </a:solidFill>
-                <a:latin typeface="+mn-lt"/>
-                <a:ea typeface="+mn-ea"/>
-                <a:cs typeface="+mn-cs"/>
-              </a:defRPr>
-            </a:lvl6pPr>
-            <a:lvl7pPr marL="2971800" indent="-228600" algn="l" defTabSz="914400" rtl="0" eaLnBrk="1" latinLnBrk="0" hangingPunct="1">
-              <a:lnSpc>
-                <a:spcPct val="120000"/>
-              </a:lnSpc>
-              <a:spcBef>
-                <a:spcPts val="500"/>
-              </a:spcBef>
-              <a:buSzPct val="125000"/>
-              <a:buFont typeface="Arial" panose="020B0604020202020204" pitchFamily="34" charset="0"/>
-              <a:buChar char="•"/>
-              <a:defRPr sz="1400" kern="1200">
-                <a:solidFill>
-                  <a:schemeClr val="tx1"/>
-                </a:solidFill>
-                <a:latin typeface="+mn-lt"/>
-                <a:ea typeface="+mn-ea"/>
-                <a:cs typeface="+mn-cs"/>
-              </a:defRPr>
-            </a:lvl7pPr>
-            <a:lvl8pPr marL="3429000" indent="-228600" algn="l" defTabSz="914400" rtl="0" eaLnBrk="1" latinLnBrk="0" hangingPunct="1">
-              <a:lnSpc>
-                <a:spcPct val="120000"/>
-              </a:lnSpc>
-              <a:spcBef>
-                <a:spcPts val="500"/>
-              </a:spcBef>
-              <a:buSzPct val="125000"/>
-              <a:buFont typeface="Arial" panose="020B0604020202020204" pitchFamily="34" charset="0"/>
-              <a:buChar char="•"/>
-              <a:defRPr sz="1400" kern="1200">
-                <a:solidFill>
-                  <a:schemeClr val="tx1"/>
-                </a:solidFill>
-                <a:latin typeface="+mn-lt"/>
-                <a:ea typeface="+mn-ea"/>
-                <a:cs typeface="+mn-cs"/>
-              </a:defRPr>
-            </a:lvl8pPr>
-            <a:lvl9pPr marL="3886200" indent="-228600" algn="l" defTabSz="914400" rtl="0" eaLnBrk="1" latinLnBrk="0" hangingPunct="1">
-              <a:lnSpc>
-                <a:spcPct val="120000"/>
-              </a:lnSpc>
-              <a:spcBef>
-                <a:spcPts val="500"/>
-              </a:spcBef>
-              <a:buSzPct val="125000"/>
-              <a:buFont typeface="Arial" panose="020B0604020202020204" pitchFamily="34" charset="0"/>
-              <a:buChar char="•"/>
-              <a:defRPr sz="1400" kern="1200">
-                <a:solidFill>
-                  <a:schemeClr val="tx1"/>
-                </a:solidFill>
-                <a:latin typeface="+mn-lt"/>
-                <a:ea typeface="+mn-ea"/>
-                <a:cs typeface="+mn-cs"/>
-              </a:defRPr>
-            </a:lvl9pPr>
-          </a:lstStyle>
-          <a:p>
-            <a:pPr>
-              <a:buFontTx/>
-              <a:buChar char="-"/>
-            </a:pPr>
-            <a:r>
-              <a:rPr lang="it-IT" sz="1900" dirty="0"/>
-              <a:t>FRF oc-sc allow us to find:</a:t>
-            </a:r>
-          </a:p>
-          <a:p>
-            <a:pPr>
-              <a:buFontTx/>
-              <a:buChar char="-"/>
-            </a:pPr>
-            <a:r>
-              <a:rPr lang="it-IT" sz="1900" dirty="0"/>
-              <a:t>Natual frequences of the mecchanical system with the influence of the first piezo’s voltage. This cause an increase of stifness of the system, so the natural freq. are little bit high</a:t>
-            </a:r>
-          </a:p>
-          <a:p>
-            <a:pPr lvl="1">
-              <a:buFontTx/>
-              <a:buChar char="-"/>
-            </a:pPr>
-            <a:r>
-              <a:rPr lang="it-IT" sz="1900" dirty="0"/>
-              <a:t>w_1 = 20.723 [Hz]</a:t>
-            </a:r>
-          </a:p>
-          <a:p>
-            <a:pPr lvl="1">
-              <a:buFontTx/>
-              <a:buChar char="-"/>
-            </a:pPr>
-            <a:r>
-              <a:rPr lang="it-IT" sz="1900" dirty="0"/>
-              <a:t>w_2 = 115.94 [Hz]</a:t>
-            </a:r>
-          </a:p>
-          <a:p>
-            <a:pPr lvl="1">
-              <a:buFontTx/>
-              <a:buChar char="-"/>
-            </a:pPr>
-            <a:r>
-              <a:rPr lang="it-IT" sz="1900" dirty="0"/>
-              <a:t>w_2 = 314.81 [Hz]</a:t>
-            </a:r>
-          </a:p>
-          <a:p>
-            <a:pPr>
-              <a:buFontTx/>
-              <a:buChar char="-"/>
-            </a:pPr>
-            <a:r>
-              <a:rPr lang="it-IT" sz="1900" dirty="0"/>
-              <a:t>Mechanical damping of the system associated to different mode shape csi, also the damping is little bit high	</a:t>
-            </a:r>
-          </a:p>
-          <a:p>
-            <a:pPr lvl="1">
-              <a:buFontTx/>
-              <a:buChar char="-"/>
-            </a:pPr>
-            <a:r>
-              <a:rPr lang="en-GB" sz="1900" dirty="0">
-                <a:latin typeface="Tw Cen MT (Body)"/>
-              </a:rPr>
-              <a:t>csi_1 = 0.0086232</a:t>
-            </a:r>
-          </a:p>
-          <a:p>
-            <a:pPr lvl="1">
-              <a:buFontTx/>
-              <a:buChar char="-"/>
-            </a:pPr>
-            <a:r>
-              <a:rPr lang="en-GB" sz="1900" dirty="0">
-                <a:latin typeface="Tw Cen MT (Body)"/>
-              </a:rPr>
-              <a:t>csi_2= 0.0053901</a:t>
-            </a:r>
-          </a:p>
-          <a:p>
-            <a:pPr marL="457200" lvl="1" indent="0">
-              <a:buFont typeface="Arial" panose="020B0604020202020204" pitchFamily="34" charset="0"/>
-              <a:buNone/>
-            </a:pPr>
-            <a:r>
-              <a:rPr lang="en-GB" sz="1900" dirty="0">
-                <a:latin typeface="Tw Cen MT (Body)"/>
-              </a:rPr>
-              <a:t>-  csi_3 = 0.0040261</a:t>
-            </a:r>
-          </a:p>
-          <a:p>
-            <a:pPr marL="0" indent="0">
-              <a:buNone/>
-            </a:pPr>
-            <a:endParaRPr lang="it-IT" dirty="0"/>
-          </a:p>
-          <a:p>
-            <a:pPr>
-              <a:buFontTx/>
-              <a:buChar char="-"/>
-            </a:pPr>
-            <a:endParaRPr lang="en-GB" dirty="0"/>
-          </a:p>
-        </p:txBody>
-      </p:sp>
-    </p:spTree>
-    <p:extLst>
-      <p:ext uri="{BB962C8B-B14F-4D97-AF65-F5344CB8AC3E}">
-        <p14:creationId xmlns:p14="http://schemas.microsoft.com/office/powerpoint/2010/main" val="1194759343"/>
-      </p:ext>
-    </p:extLst>
-  </p:cSld>
-  <p:clrMapOvr>
-    <a:masterClrMapping/>
-  </p:clrMapOvr>
-</p:sld>
-</file>
-
-<file path=ppt/slides/slide8.xml><?xml version="1.0" encoding="utf-8"?>
-<p:sld xmlns:a="http://schemas.openxmlformats.org/drawingml/2006/main" xmlns:r="http://schemas.openxmlformats.org/officeDocument/2006/relationships" xmlns:p="http://schemas.openxmlformats.org/presentationml/2006/main">
-  <p:cSld>
-    <p:spTree>
-      <p:nvGrpSpPr>
-        <p:cNvPr id="1" name="">
-          <a:extLst>
-            <a:ext uri="{FF2B5EF4-FFF2-40B4-BE49-F238E27FC236}">
-              <a16:creationId xmlns:a16="http://schemas.microsoft.com/office/drawing/2014/main" id="{44362E05-62B1-593C-55E2-0801D5B5AF70}"/>
-            </a:ext>
-          </a:extLst>
-        </p:cNvPr>
-        <p:cNvGrpSpPr/>
-        <p:nvPr/>
-      </p:nvGrpSpPr>
-      <p:grpSpPr>
-        <a:xfrm>
-          <a:off x="0" y="0"/>
-          <a:ext cx="0" cy="0"/>
-          <a:chOff x="0" y="0"/>
-          <a:chExt cx="0" cy="0"/>
-        </a:xfrm>
-      </p:grpSpPr>
-      <p:sp>
-        <p:nvSpPr>
-          <p:cNvPr id="2" name="Titolo 1">
-            <a:extLst>
-              <a:ext uri="{FF2B5EF4-FFF2-40B4-BE49-F238E27FC236}">
-                <a16:creationId xmlns:a16="http://schemas.microsoft.com/office/drawing/2014/main" id="{2111BCF4-A220-03EC-E085-F2C53F62FD4F}"/>
-              </a:ext>
-            </a:extLst>
-          </p:cNvPr>
-          <p:cNvSpPr>
-            <a:spLocks noGrp="1"/>
-          </p:cNvSpPr>
-          <p:nvPr>
-            <p:ph type="title"/>
-          </p:nvPr>
-        </p:nvSpPr>
-        <p:spPr>
-          <a:xfrm>
-            <a:off x="1141413" y="510568"/>
-            <a:ext cx="9905998" cy="790404"/>
-          </a:xfrm>
-        </p:spPr>
-        <p:txBody>
-          <a:bodyPr rtlCol="0">
-            <a:normAutofit/>
-          </a:bodyPr>
-          <a:lstStyle/>
-          <a:p>
-            <a:pPr rtl="0"/>
-            <a:r>
-              <a:rPr lang="it-IT" sz="4400" dirty="0">
-                <a:latin typeface="Rockwell" panose="02060603020205020403" pitchFamily="18" charset="0"/>
-              </a:rPr>
-              <a:t>First mode RESISTIVE SHAUNT </a:t>
-            </a:r>
-          </a:p>
-        </p:txBody>
-      </p:sp>
-      <p:sp>
-        <p:nvSpPr>
-          <p:cNvPr id="5" name="Titolo 1">
-            <a:extLst>
-              <a:ext uri="{FF2B5EF4-FFF2-40B4-BE49-F238E27FC236}">
-                <a16:creationId xmlns:a16="http://schemas.microsoft.com/office/drawing/2014/main" id="{43F9C462-64D5-6081-CBDD-F63144756E4C}"/>
-              </a:ext>
-            </a:extLst>
-          </p:cNvPr>
-          <p:cNvSpPr txBox="1">
-            <a:spLocks/>
-          </p:cNvSpPr>
-          <p:nvPr/>
-        </p:nvSpPr>
-        <p:spPr>
-          <a:xfrm>
-            <a:off x="1141413" y="1408922"/>
-            <a:ext cx="9905998" cy="438539"/>
-          </a:xfrm>
-          <a:prstGeom prst="rect">
-            <a:avLst/>
-          </a:prstGeom>
-        </p:spPr>
-        <p:txBody>
-          <a:bodyPr vert="horz" lIns="91440" tIns="45720" rIns="91440" bIns="45720" rtlCol="0" anchor="ctr">
-            <a:normAutofit fontScale="70000" lnSpcReduction="20000"/>
-          </a:bodyPr>
-          <a:lstStyle>
-            <a:lvl1pPr algn="l" defTabSz="914400" rtl="0" eaLnBrk="1" latinLnBrk="0" hangingPunct="1">
-              <a:lnSpc>
-                <a:spcPct val="90000"/>
-              </a:lnSpc>
-              <a:spcBef>
-                <a:spcPct val="0"/>
-              </a:spcBef>
-              <a:buNone/>
-              <a:defRPr sz="3600" kern="1200" cap="all" baseline="0">
-                <a:solidFill>
-                  <a:schemeClr val="tx1"/>
-                </a:solidFill>
-                <a:latin typeface="+mj-lt"/>
-                <a:ea typeface="+mj-ea"/>
-                <a:cs typeface="+mj-cs"/>
-              </a:defRPr>
-            </a:lvl1pPr>
-          </a:lstStyle>
-          <a:p>
-            <a:r>
-              <a:rPr lang="it-IT" sz="4400" dirty="0">
-                <a:latin typeface="Rockwell" panose="02060603020205020403" pitchFamily="18" charset="0"/>
-              </a:rPr>
-              <a:t> </a:t>
-            </a:r>
-          </a:p>
-        </p:txBody>
-      </p:sp>
-      <p:sp>
-        <p:nvSpPr>
-          <p:cNvPr id="6" name="TextBox 5">
-            <a:extLst>
-              <a:ext uri="{FF2B5EF4-FFF2-40B4-BE49-F238E27FC236}">
-                <a16:creationId xmlns:a16="http://schemas.microsoft.com/office/drawing/2014/main" id="{B55ADFDB-8B55-ACEE-DEBD-F158CCDDA013}"/>
+                <a16:creationId xmlns:a16="http://schemas.microsoft.com/office/drawing/2014/main" id="{201D1EF8-BD5B-01EB-4FBE-B46B18B471E7}"/>
               </a:ext>
             </a:extLst>
           </p:cNvPr>
@@ -17990,8 +19655,8 @@
         </p:nvSpPr>
         <p:spPr>
           <a:xfrm>
-            <a:off x="1141413" y="2082800"/>
-            <a:ext cx="9342437" cy="1015663"/>
+            <a:off x="1415957" y="1391033"/>
+            <a:ext cx="5283357" cy="4524315"/>
           </a:xfrm>
           <a:prstGeom prst="rect">
             <a:avLst/>
@@ -18005,153 +19670,116 @@
           <a:lstStyle/>
           <a:p>
             <a:r>
-              <a:rPr lang="it-IT" sz="2000" dirty="0"/>
-              <a:t>The goal of the resistence optimization is to find the value of R for wich the new FRF curv has his maximum </a:t>
-            </a:r>
-            <a:r>
-              <a:rPr lang="it-IT" sz="2000"/>
-              <a:t>point in the crossing poinnt between the FRF sc-sc and FRF oc_sc.</a:t>
-            </a:r>
-          </a:p>
-          <a:p>
-            <a:endParaRPr lang="en-GB" sz="2000" dirty="0"/>
-          </a:p>
-        </p:txBody>
-      </p:sp>
-    </p:spTree>
-    <p:extLst>
-      <p:ext uri="{BB962C8B-B14F-4D97-AF65-F5344CB8AC3E}">
-        <p14:creationId xmlns:p14="http://schemas.microsoft.com/office/powerpoint/2010/main" val="2538641720"/>
-      </p:ext>
-    </p:extLst>
-  </p:cSld>
-  <p:clrMapOvr>
-    <a:masterClrMapping/>
-  </p:clrMapOvr>
-</p:sld>
-</file>
-
-<file path=ppt/slides/slide9.xml><?xml version="1.0" encoding="utf-8"?>
-<p:sld xmlns:a="http://schemas.openxmlformats.org/drawingml/2006/main" xmlns:r="http://schemas.openxmlformats.org/officeDocument/2006/relationships" xmlns:p="http://schemas.openxmlformats.org/presentationml/2006/main">
-  <p:cSld>
-    <p:spTree>
-      <p:nvGrpSpPr>
-        <p:cNvPr id="1" name="">
-          <a:extLst>
-            <a:ext uri="{FF2B5EF4-FFF2-40B4-BE49-F238E27FC236}">
-              <a16:creationId xmlns:a16="http://schemas.microsoft.com/office/drawing/2014/main" id="{B3867006-BAAE-5423-1DC7-30FB740ABF8E}"/>
-            </a:ext>
-          </a:extLst>
-        </p:cNvPr>
-        <p:cNvGrpSpPr/>
-        <p:nvPr/>
-      </p:nvGrpSpPr>
-      <p:grpSpPr>
-        <a:xfrm>
-          <a:off x="0" y="0"/>
-          <a:ext cx="0" cy="0"/>
-          <a:chOff x="0" y="0"/>
-          <a:chExt cx="0" cy="0"/>
-        </a:xfrm>
-      </p:grpSpPr>
-      <p:sp>
-        <p:nvSpPr>
-          <p:cNvPr id="2" name="Titolo 1">
-            <a:extLst>
-              <a:ext uri="{FF2B5EF4-FFF2-40B4-BE49-F238E27FC236}">
-                <a16:creationId xmlns:a16="http://schemas.microsoft.com/office/drawing/2014/main" id="{748B82EE-CE29-2F6B-92AB-44CDA4EF65D3}"/>
-              </a:ext>
-            </a:extLst>
-          </p:cNvPr>
-          <p:cNvSpPr>
-            <a:spLocks noGrp="1"/>
-          </p:cNvSpPr>
-          <p:nvPr>
-            <p:ph type="title"/>
-          </p:nvPr>
-        </p:nvSpPr>
-        <p:spPr>
-          <a:xfrm>
-            <a:off x="1415957" y="404756"/>
-            <a:ext cx="9905998" cy="790404"/>
-          </a:xfrm>
-        </p:spPr>
-        <p:txBody>
-          <a:bodyPr rtlCol="0">
-            <a:normAutofit/>
-          </a:bodyPr>
-          <a:lstStyle/>
-          <a:p>
-            <a:pPr rtl="0"/>
-            <a:r>
-              <a:rPr lang="it-IT" sz="4400" dirty="0">
+              <a:rPr lang="it-IT" sz="1800" dirty="0"/>
+              <a:t>The </a:t>
+            </a:r>
+            <a:r>
+              <a:rPr lang="it-IT" sz="1800" b="1" dirty="0"/>
+              <a:t>GOAL</a:t>
+            </a:r>
+            <a:r>
+              <a:rPr lang="it-IT" sz="1800" dirty="0"/>
+              <a:t> of the resistence optimization for first mode:</a:t>
+            </a:r>
+          </a:p>
+          <a:p>
+            <a:pPr marL="285750" indent="-285750">
+              <a:buFontTx/>
+              <a:buChar char="-"/>
+            </a:pPr>
+            <a:r>
+              <a:rPr lang="it-IT" dirty="0"/>
+              <a:t>F</a:t>
+            </a:r>
+            <a:r>
+              <a:rPr lang="it-IT" sz="1800" dirty="0"/>
+              <a:t>ind the value of </a:t>
+            </a:r>
+            <a:r>
+              <a:rPr lang="it-IT" sz="1800" b="1" dirty="0"/>
+              <a:t>R</a:t>
+            </a:r>
+            <a:r>
+              <a:rPr lang="it-IT" sz="1800" dirty="0"/>
+              <a:t> for wich the new FRF curv has his </a:t>
+            </a:r>
+            <a:r>
+              <a:rPr lang="it-IT" sz="1800" b="1" dirty="0">
                 <a:latin typeface="Rockwell" panose="02060603020205020403" pitchFamily="18" charset="0"/>
               </a:rPr>
-              <a:t>FRF </a:t>
-            </a:r>
-            <a:r>
-              <a:rPr lang="it-IT" sz="4400" dirty="0">
-                <a:solidFill>
-                  <a:srgbClr val="002060"/>
-                </a:solidFill>
+              <a:t>maximum</a:t>
+            </a:r>
+            <a:r>
+              <a:rPr lang="it-IT" sz="1800" dirty="0"/>
+              <a:t> point in the </a:t>
+            </a:r>
+            <a:r>
+              <a:rPr lang="it-IT" sz="1800" b="1" dirty="0">
                 <a:latin typeface="Rockwell" panose="02060603020205020403" pitchFamily="18" charset="0"/>
               </a:rPr>
-              <a:t>SC-SC</a:t>
-            </a:r>
-            <a:r>
-              <a:rPr lang="it-IT" sz="4400" dirty="0">
-                <a:latin typeface="Rockwell" panose="02060603020205020403" pitchFamily="18" charset="0"/>
-              </a:rPr>
-              <a:t> / </a:t>
-            </a:r>
-            <a:r>
-              <a:rPr lang="it-IT" sz="4400" dirty="0">
-                <a:solidFill>
-                  <a:srgbClr val="C00000"/>
-                </a:solidFill>
-                <a:latin typeface="Rockwell" panose="02060603020205020403" pitchFamily="18" charset="0"/>
-              </a:rPr>
-              <a:t>OC-OC </a:t>
-            </a:r>
-            <a:r>
-              <a:rPr lang="it-IT" sz="4400" dirty="0">
-                <a:latin typeface="Rockwell" panose="02060603020205020403" pitchFamily="18" charset="0"/>
-              </a:rPr>
-              <a:t>/</a:t>
-            </a:r>
-            <a:r>
-              <a:rPr lang="it-IT" sz="4400" dirty="0">
-                <a:solidFill>
-                  <a:srgbClr val="C00000"/>
-                </a:solidFill>
+              <a:t>crossing point</a:t>
+            </a:r>
+            <a:r>
+              <a:rPr lang="it-IT" sz="1800" dirty="0">
                 <a:latin typeface="Rockwell" panose="02060603020205020403" pitchFamily="18" charset="0"/>
               </a:rPr>
               <a:t> </a:t>
             </a:r>
             <a:r>
-              <a:rPr lang="it-IT" sz="4400" dirty="0">
-                <a:solidFill>
-                  <a:srgbClr val="00B050"/>
-                </a:solidFill>
-                <a:latin typeface="Rockwell" panose="02060603020205020403" pitchFamily="18" charset="0"/>
-              </a:rPr>
-              <a:t>R-sc</a:t>
-            </a:r>
-            <a:endParaRPr lang="it-IT" sz="4400" dirty="0">
-              <a:solidFill>
-                <a:srgbClr val="C00000"/>
-              </a:solidFill>
-              <a:latin typeface="Rockwell" panose="02060603020205020403" pitchFamily="18" charset="0"/>
-            </a:endParaRPr>
+              <a:rPr lang="it-IT" sz="1800" dirty="0"/>
+              <a:t>between the FRF sc-sc and FRF oc_sc.</a:t>
+            </a:r>
+          </a:p>
+          <a:p>
+            <a:r>
+              <a:rPr lang="it-IT" dirty="0"/>
+              <a:t>The optimization process consist to find:</a:t>
+            </a:r>
+          </a:p>
+          <a:p>
+            <a:endParaRPr lang="it-IT" sz="1800" dirty="0"/>
+          </a:p>
+          <a:p>
+            <a:endParaRPr lang="it-IT" dirty="0"/>
+          </a:p>
+          <a:p>
+            <a:endParaRPr lang="it-IT" sz="1800" dirty="0"/>
+          </a:p>
+          <a:p>
+            <a:endParaRPr lang="it-IT" sz="1800" dirty="0"/>
+          </a:p>
+          <a:p>
+            <a:r>
+              <a:rPr lang="it-IT" sz="1800" dirty="0"/>
+              <a:t>Knowing also that </a:t>
+            </a:r>
+          </a:p>
+          <a:p>
+            <a:endParaRPr lang="it-IT" sz="1800" dirty="0"/>
+          </a:p>
+          <a:p>
+            <a:endParaRPr lang="en-GB" dirty="0"/>
+          </a:p>
+          <a:p>
+            <a:r>
+              <a:rPr lang="en-GB" dirty="0"/>
+              <a:t>We are able now to find the optimal R associated to the first mode:</a:t>
+            </a:r>
+          </a:p>
+          <a:p>
+            <a:endParaRPr lang="en-GB" dirty="0"/>
+          </a:p>
+          <a:p>
+            <a:endParaRPr lang="en-GB" dirty="0"/>
           </a:p>
         </p:txBody>
       </p:sp>
       <p:pic>
         <p:nvPicPr>
-          <p:cNvPr id="3" name="Picture 2" descr="A graph with a line graph&#10;&#10;AI-generated content may be incorrect.">
+          <p:cNvPr id="22" name="Picture 21" descr="A mathematical equation with black letters&#10;&#10;AI-generated content may be incorrect.">
             <a:extLst>
               <a:ext uri="{FF2B5EF4-FFF2-40B4-BE49-F238E27FC236}">
-                <a16:creationId xmlns:a16="http://schemas.microsoft.com/office/drawing/2014/main" id="{2899CCB8-37ED-4756-9C74-3B2C9491F248}"/>
+                <a16:creationId xmlns:a16="http://schemas.microsoft.com/office/drawing/2014/main" id="{F4803614-4D58-D17B-572E-24204BBBA530}"/>
               </a:ext>
             </a:extLst>
           </p:cNvPr>
@@ -18161,15 +19789,15 @@
           <p:nvPr/>
         </p:nvPicPr>
         <p:blipFill>
-          <a:blip r:embed="rId3"/>
+          <a:blip r:embed="rId6"/>
           <a:stretch>
             <a:fillRect/>
           </a:stretch>
         </p:blipFill>
         <p:spPr>
           <a:xfrm>
-            <a:off x="1270000" y="1300110"/>
-            <a:ext cx="2717467" cy="4809712"/>
+            <a:off x="2455316" y="2980133"/>
+            <a:ext cx="2205489" cy="779554"/>
           </a:xfrm>
           <a:prstGeom prst="rect">
             <a:avLst/>
@@ -18178,10 +19806,10 @@
       </p:pic>
       <p:pic>
         <p:nvPicPr>
-          <p:cNvPr id="6" name="Picture 5" descr="A graph with green lines&#10;&#10;AI-generated content may be incorrect.">
+          <p:cNvPr id="23" name="Picture 22" descr="A black and white symbol&#10;&#10;AI-generated content may be incorrect.">
             <a:extLst>
               <a:ext uri="{FF2B5EF4-FFF2-40B4-BE49-F238E27FC236}">
-                <a16:creationId xmlns:a16="http://schemas.microsoft.com/office/drawing/2014/main" id="{C710CF2F-5928-3580-B511-6CD548ED385B}"/>
+                <a16:creationId xmlns:a16="http://schemas.microsoft.com/office/drawing/2014/main" id="{5CF9ED9C-59A4-B8EE-66C3-47464A3CE2EF}"/>
               </a:ext>
             </a:extLst>
           </p:cNvPr>
@@ -18191,15 +19819,45 @@
           <p:nvPr/>
         </p:nvPicPr>
         <p:blipFill>
-          <a:blip r:embed="rId4"/>
+          <a:blip r:embed="rId7"/>
           <a:stretch>
             <a:fillRect/>
           </a:stretch>
         </p:blipFill>
         <p:spPr>
           <a:xfrm>
-            <a:off x="4203652" y="1817029"/>
-            <a:ext cx="6953017" cy="3775874"/>
+            <a:off x="2627489" y="4285942"/>
+            <a:ext cx="1854518" cy="332649"/>
+          </a:xfrm>
+          <a:prstGeom prst="rect">
+            <a:avLst/>
+          </a:prstGeom>
+        </p:spPr>
+      </p:pic>
+      <p:pic>
+        <p:nvPicPr>
+          <p:cNvPr id="24" name="Picture 23" descr="A number with a number on it&#10;&#10;AI-generated content may be incorrect.">
+            <a:extLst>
+              <a:ext uri="{FF2B5EF4-FFF2-40B4-BE49-F238E27FC236}">
+                <a16:creationId xmlns:a16="http://schemas.microsoft.com/office/drawing/2014/main" id="{E196EF63-ACCD-D2BF-0F31-23741DD95D62}"/>
+              </a:ext>
+            </a:extLst>
+          </p:cNvPr>
+          <p:cNvPicPr>
+            <a:picLocks noChangeAspect="1"/>
+          </p:cNvPicPr>
+          <p:nvPr/>
+        </p:nvPicPr>
+        <p:blipFill>
+          <a:blip r:embed="rId8"/>
+          <a:stretch>
+            <a:fillRect/>
+          </a:stretch>
+        </p:blipFill>
+        <p:spPr>
+          <a:xfrm>
+            <a:off x="2627489" y="5408940"/>
+            <a:ext cx="1854518" cy="424916"/>
           </a:xfrm>
           <a:prstGeom prst="rect">
             <a:avLst/>
@@ -18208,66 +19866,10 @@
       </p:pic>
       <p:sp>
         <p:nvSpPr>
-          <p:cNvPr id="13" name="Arrow: Right 12">
+          <p:cNvPr id="27" name="Oval 26">
             <a:extLst>
               <a:ext uri="{FF2B5EF4-FFF2-40B4-BE49-F238E27FC236}">
-                <a16:creationId xmlns:a16="http://schemas.microsoft.com/office/drawing/2014/main" id="{A54B5E1C-4D0C-84F7-8C40-E29940808123}"/>
-              </a:ext>
-            </a:extLst>
-          </p:cNvPr>
-          <p:cNvSpPr/>
-          <p:nvPr/>
-        </p:nvSpPr>
-        <p:spPr>
-          <a:xfrm rot="10430790">
-            <a:off x="3222039" y="2235032"/>
-            <a:ext cx="1433352" cy="715010"/>
-          </a:xfrm>
-          <a:prstGeom prst="rightArrow">
-            <a:avLst/>
-          </a:prstGeom>
-          <a:noFill/>
-          <a:ln w="38100">
-            <a:solidFill>
-              <a:srgbClr val="FF0000"/>
-            </a:solidFill>
-          </a:ln>
-        </p:spPr>
-        <p:style>
-          <a:lnRef idx="2">
-            <a:schemeClr val="accent1">
-              <a:shade val="15000"/>
-            </a:schemeClr>
-          </a:lnRef>
-          <a:fillRef idx="1">
-            <a:schemeClr val="accent1"/>
-          </a:fillRef>
-          <a:effectRef idx="0">
-            <a:schemeClr val="accent1"/>
-          </a:effectRef>
-          <a:fontRef idx="minor">
-            <a:schemeClr val="lt1"/>
-          </a:fontRef>
-        </p:style>
-        <p:txBody>
-          <a:bodyPr rtlCol="0" anchor="ctr"/>
-          <a:lstStyle/>
-          <a:p>
-            <a:pPr algn="r"/>
-            <a:endParaRPr lang="en-GB" dirty="0">
-              <a:solidFill>
-                <a:srgbClr val="00B050"/>
-              </a:solidFill>
-            </a:endParaRPr>
-          </a:p>
-        </p:txBody>
-      </p:sp>
-      <p:sp>
-        <p:nvSpPr>
-          <p:cNvPr id="11" name="Oval 10">
-            <a:extLst>
-              <a:ext uri="{FF2B5EF4-FFF2-40B4-BE49-F238E27FC236}">
-                <a16:creationId xmlns:a16="http://schemas.microsoft.com/office/drawing/2014/main" id="{2926C81C-4E10-26BE-0446-F4BE378DA2B1}"/>
+                <a16:creationId xmlns:a16="http://schemas.microsoft.com/office/drawing/2014/main" id="{67B848D5-CBD2-BB2C-053A-4997DAF27230}"/>
               </a:ext>
             </a:extLst>
           </p:cNvPr>
@@ -18276,8 +19878,8 @@
         </p:nvSpPr>
         <p:spPr>
           <a:xfrm>
-            <a:off x="5105666" y="1877527"/>
-            <a:ext cx="438151" cy="715010"/>
+            <a:off x="7738673" y="1497530"/>
+            <a:ext cx="2531426" cy="4524314"/>
           </a:xfrm>
           <a:prstGeom prst="ellipse">
             <a:avLst/>
@@ -18314,16 +19916,58 @@
           </a:p>
         </p:txBody>
       </p:sp>
+      <p:pic>
+        <p:nvPicPr>
+          <p:cNvPr id="10" name="Picture 9" descr="A graph with red and blue lines&#10;&#10;AI-generated content may be incorrect.">
+            <a:extLst>
+              <a:ext uri="{FF2B5EF4-FFF2-40B4-BE49-F238E27FC236}">
+                <a16:creationId xmlns:a16="http://schemas.microsoft.com/office/drawing/2014/main" id="{DD829DE9-960F-FA1B-5FD7-D138554B17CC}"/>
+              </a:ext>
+            </a:extLst>
+          </p:cNvPr>
+          <p:cNvPicPr>
+            <a:picLocks noChangeAspect="1"/>
+          </p:cNvPicPr>
+          <p:nvPr/>
+        </p:nvPicPr>
+        <p:blipFill>
+          <a:blip r:embed="rId9"/>
+          <a:stretch>
+            <a:fillRect/>
+          </a:stretch>
+        </p:blipFill>
+        <p:spPr>
+          <a:xfrm>
+            <a:off x="7188892" y="1324032"/>
+            <a:ext cx="3240810" cy="4871310"/>
+          </a:xfrm>
+          <a:prstGeom prst="rect">
+            <a:avLst/>
+          </a:prstGeom>
+        </p:spPr>
+      </p:pic>
     </p:spTree>
     <p:extLst>
       <p:ext uri="{BB962C8B-B14F-4D97-AF65-F5344CB8AC3E}">
-        <p14:creationId xmlns:p14="http://schemas.microsoft.com/office/powerpoint/2010/main" val="4250341818"/>
+        <p14:creationId xmlns:p14="http://schemas.microsoft.com/office/powerpoint/2010/main" val="3159229546"/>
       </p:ext>
     </p:extLst>
   </p:cSld>
   <p:clrMapOvr>
     <a:masterClrMapping/>
   </p:clrMapOvr>
+  <mc:AlternateContent xmlns:mc="http://schemas.openxmlformats.org/markup-compatibility/2006">
+    <mc:Choice xmlns:p159="http://schemas.microsoft.com/office/powerpoint/2015/09/main" Requires="p159">
+      <p:transition xmlns:p14="http://schemas.microsoft.com/office/powerpoint/2010/main" spd="slow" p14:dur="2000">
+        <p159:morph option="byObject"/>
+      </p:transition>
+    </mc:Choice>
+    <mc:Fallback>
+      <p:transition spd="slow">
+        <p:fade/>
+      </p:transition>
+    </mc:Fallback>
+  </mc:AlternateContent>
 </p:sld>
 </file>
 

--- a/presentazione_progetto.pptx
+++ b/presentazione_progetto.pptx
@@ -230,7 +230,7 @@
           <a:p>
             <a:fld id="{F9F05DC1-1DA0-4802-8BFC-5A51951A2E1E}" type="datetimeFigureOut">
               <a:rPr lang="it-IT" smtClean="0"/>
-              <a:t>14/02/2025</a:t>
+              <a:t>15/02/2025</a:t>
             </a:fld>
             <a:endParaRPr lang="it-IT"/>
           </a:p>
@@ -408,7 +408,7 @@
           <a:p>
             <a:fld id="{772828B9-BC13-4054-B42C-8C22A5482F6C}" type="datetimeFigureOut">
               <a:rPr lang="it-IT" noProof="0" smtClean="0"/>
-              <a:t>14/02/2025</a:t>
+              <a:t>15/02/2025</a:t>
             </a:fld>
             <a:endParaRPr lang="it-IT" noProof="0"/>
           </a:p>
@@ -1873,7 +1873,7 @@
           <a:noFill/>
           <a:extLst>
             <a:ext uri="{909E8E84-426E-40dd-AFC4-6F175D3DCCD1}">
-              <a14:hiddenFill xmlns="" xmlns:a14="http://schemas.microsoft.com/office/drawing/2010/main">
+              <a14:hiddenFill xmlns:a14="http://schemas.microsoft.com/office/drawing/2010/main" xmlns="">
                 <a:solidFill>
                   <a:srgbClr val="FFFFFF"/>
                 </a:solidFill>
@@ -1932,7 +1932,7 @@
             </a:ln>
             <a:extLst>
               <a:ext uri="{91240B29-F687-4f45-9708-019B960494DF}">
-                <a14:hiddenLine xmlns="" xmlns:a14="http://schemas.microsoft.com/office/drawing/2010/main" w="9525">
+                <a14:hiddenLine xmlns:a14="http://schemas.microsoft.com/office/drawing/2010/main" xmlns="" w="9525">
                   <a:solidFill>
                     <a:srgbClr val="000000"/>
                   </a:solidFill>
@@ -2022,7 +2022,7 @@
             </a:ln>
             <a:extLst>
               <a:ext uri="{91240B29-F687-4f45-9708-019B960494DF}">
-                <a14:hiddenLine xmlns="" xmlns:a14="http://schemas.microsoft.com/office/drawing/2010/main" w="9525">
+                <a14:hiddenLine xmlns:a14="http://schemas.microsoft.com/office/drawing/2010/main" xmlns="" w="9525">
                   <a:solidFill>
                     <a:srgbClr val="000000"/>
                   </a:solidFill>
@@ -2112,7 +2112,7 @@
             </a:ln>
             <a:extLst>
               <a:ext uri="{91240B29-F687-4f45-9708-019B960494DF}">
-                <a14:hiddenLine xmlns="" xmlns:a14="http://schemas.microsoft.com/office/drawing/2010/main" w="9525">
+                <a14:hiddenLine xmlns:a14="http://schemas.microsoft.com/office/drawing/2010/main" xmlns="" w="9525">
                   <a:solidFill>
                     <a:srgbClr val="000000"/>
                   </a:solidFill>
@@ -2146,7 +2146,7 @@
             </a:ln>
             <a:extLst>
               <a:ext uri="{91240B29-F687-4f45-9708-019B960494DF}">
-                <a14:hiddenLine xmlns="" xmlns:a14="http://schemas.microsoft.com/office/drawing/2010/main" w="9525">
+                <a14:hiddenLine xmlns:a14="http://schemas.microsoft.com/office/drawing/2010/main" xmlns="" w="9525">
                   <a:solidFill>
                     <a:srgbClr val="000000"/>
                   </a:solidFill>
@@ -2236,7 +2236,7 @@
             </a:ln>
             <a:extLst>
               <a:ext uri="{91240B29-F687-4f45-9708-019B960494DF}">
-                <a14:hiddenLine xmlns="" xmlns:a14="http://schemas.microsoft.com/office/drawing/2010/main" w="9525">
+                <a14:hiddenLine xmlns:a14="http://schemas.microsoft.com/office/drawing/2010/main" xmlns="" w="9525">
                   <a:solidFill>
                     <a:srgbClr val="000000"/>
                   </a:solidFill>
@@ -2298,7 +2298,7 @@
             </a:ln>
             <a:extLst>
               <a:ext uri="{91240B29-F687-4f45-9708-019B960494DF}">
-                <a14:hiddenLine xmlns="" xmlns:a14="http://schemas.microsoft.com/office/drawing/2010/main" w="9525">
+                <a14:hiddenLine xmlns:a14="http://schemas.microsoft.com/office/drawing/2010/main" xmlns="" w="9525">
                   <a:solidFill>
                     <a:srgbClr val="000000"/>
                   </a:solidFill>
@@ -2360,7 +2360,7 @@
             </a:ln>
             <a:extLst>
               <a:ext uri="{91240B29-F687-4f45-9708-019B960494DF}">
-                <a14:hiddenLine xmlns="" xmlns:a14="http://schemas.microsoft.com/office/drawing/2010/main" w="9525">
+                <a14:hiddenLine xmlns:a14="http://schemas.microsoft.com/office/drawing/2010/main" xmlns="" w="9525">
                   <a:solidFill>
                     <a:srgbClr val="000000"/>
                   </a:solidFill>
@@ -2450,7 +2450,7 @@
             </a:ln>
             <a:extLst>
               <a:ext uri="{91240B29-F687-4f45-9708-019B960494DF}">
-                <a14:hiddenLine xmlns="" xmlns:a14="http://schemas.microsoft.com/office/drawing/2010/main" w="9525">
+                <a14:hiddenLine xmlns:a14="http://schemas.microsoft.com/office/drawing/2010/main" xmlns="" w="9525">
                   <a:solidFill>
                     <a:srgbClr val="000000"/>
                   </a:solidFill>
@@ -2512,7 +2512,7 @@
             </a:ln>
             <a:extLst>
               <a:ext uri="{91240B29-F687-4f45-9708-019B960494DF}">
-                <a14:hiddenLine xmlns="" xmlns:a14="http://schemas.microsoft.com/office/drawing/2010/main" w="9525">
+                <a14:hiddenLine xmlns:a14="http://schemas.microsoft.com/office/drawing/2010/main" xmlns="" w="9525">
                   <a:solidFill>
                     <a:srgbClr val="000000"/>
                   </a:solidFill>
@@ -2574,7 +2574,7 @@
             </a:ln>
             <a:extLst>
               <a:ext uri="{91240B29-F687-4f45-9708-019B960494DF}">
-                <a14:hiddenLine xmlns="" xmlns:a14="http://schemas.microsoft.com/office/drawing/2010/main" w="9525">
+                <a14:hiddenLine xmlns:a14="http://schemas.microsoft.com/office/drawing/2010/main" xmlns="" w="9525">
                   <a:solidFill>
                     <a:srgbClr val="000000"/>
                   </a:solidFill>
@@ -2664,7 +2664,7 @@
             </a:ln>
             <a:extLst>
               <a:ext uri="{91240B29-F687-4f45-9708-019B960494DF}">
-                <a14:hiddenLine xmlns="" xmlns:a14="http://schemas.microsoft.com/office/drawing/2010/main" w="9525">
+                <a14:hiddenLine xmlns:a14="http://schemas.microsoft.com/office/drawing/2010/main" xmlns="" w="9525">
                   <a:solidFill>
                     <a:srgbClr val="000000"/>
                   </a:solidFill>
@@ -2754,7 +2754,7 @@
             </a:ln>
             <a:extLst>
               <a:ext uri="{91240B29-F687-4f45-9708-019B960494DF}">
-                <a14:hiddenLine xmlns="" xmlns:a14="http://schemas.microsoft.com/office/drawing/2010/main" w="9525">
+                <a14:hiddenLine xmlns:a14="http://schemas.microsoft.com/office/drawing/2010/main" xmlns="" w="9525">
                   <a:solidFill>
                     <a:srgbClr val="000000"/>
                   </a:solidFill>
@@ -2816,7 +2816,7 @@
             </a:ln>
             <a:extLst>
               <a:ext uri="{91240B29-F687-4f45-9708-019B960494DF}">
-                <a14:hiddenLine xmlns="" xmlns:a14="http://schemas.microsoft.com/office/drawing/2010/main" w="9525">
+                <a14:hiddenLine xmlns:a14="http://schemas.microsoft.com/office/drawing/2010/main" xmlns="" w="9525">
                   <a:solidFill>
                     <a:srgbClr val="000000"/>
                   </a:solidFill>
@@ -2926,7 +2926,7 @@
             </a:ln>
             <a:extLst>
               <a:ext uri="{91240B29-F687-4f45-9708-019B960494DF}">
-                <a14:hiddenLine xmlns="" xmlns:a14="http://schemas.microsoft.com/office/drawing/2010/main" w="9525">
+                <a14:hiddenLine xmlns:a14="http://schemas.microsoft.com/office/drawing/2010/main" xmlns="" w="9525">
                   <a:solidFill>
                     <a:srgbClr val="000000"/>
                   </a:solidFill>
@@ -2988,7 +2988,7 @@
             </a:ln>
             <a:extLst>
               <a:ext uri="{91240B29-F687-4f45-9708-019B960494DF}">
-                <a14:hiddenLine xmlns="" xmlns:a14="http://schemas.microsoft.com/office/drawing/2010/main" w="9525">
+                <a14:hiddenLine xmlns:a14="http://schemas.microsoft.com/office/drawing/2010/main" xmlns="" w="9525">
                   <a:solidFill>
                     <a:srgbClr val="000000"/>
                   </a:solidFill>
@@ -3078,7 +3078,7 @@
             </a:ln>
             <a:extLst>
               <a:ext uri="{91240B29-F687-4f45-9708-019B960494DF}">
-                <a14:hiddenLine xmlns="" xmlns:a14="http://schemas.microsoft.com/office/drawing/2010/main" w="9525">
+                <a14:hiddenLine xmlns:a14="http://schemas.microsoft.com/office/drawing/2010/main" xmlns="" w="9525">
                   <a:solidFill>
                     <a:srgbClr val="000000"/>
                   </a:solidFill>
@@ -3168,7 +3168,7 @@
             </a:ln>
             <a:extLst>
               <a:ext uri="{91240B29-F687-4f45-9708-019B960494DF}">
-                <a14:hiddenLine xmlns="" xmlns:a14="http://schemas.microsoft.com/office/drawing/2010/main" w="9525">
+                <a14:hiddenLine xmlns:a14="http://schemas.microsoft.com/office/drawing/2010/main" xmlns="" w="9525">
                   <a:solidFill>
                     <a:srgbClr val="000000"/>
                   </a:solidFill>
@@ -3230,7 +3230,7 @@
             </a:ln>
             <a:extLst>
               <a:ext uri="{91240B29-F687-4f45-9708-019B960494DF}">
-                <a14:hiddenLine xmlns="" xmlns:a14="http://schemas.microsoft.com/office/drawing/2010/main" w="9525">
+                <a14:hiddenLine xmlns:a14="http://schemas.microsoft.com/office/drawing/2010/main" xmlns="" w="9525">
                   <a:solidFill>
                     <a:srgbClr val="000000"/>
                   </a:solidFill>
@@ -3320,7 +3320,7 @@
             </a:ln>
             <a:extLst>
               <a:ext uri="{91240B29-F687-4f45-9708-019B960494DF}">
-                <a14:hiddenLine xmlns="" xmlns:a14="http://schemas.microsoft.com/office/drawing/2010/main" w="9525">
+                <a14:hiddenLine xmlns:a14="http://schemas.microsoft.com/office/drawing/2010/main" xmlns="" w="9525">
                   <a:solidFill>
                     <a:srgbClr val="000000"/>
                   </a:solidFill>
@@ -3410,7 +3410,7 @@
             </a:ln>
             <a:extLst>
               <a:ext uri="{91240B29-F687-4f45-9708-019B960494DF}">
-                <a14:hiddenLine xmlns="" xmlns:a14="http://schemas.microsoft.com/office/drawing/2010/main" w="9525">
+                <a14:hiddenLine xmlns:a14="http://schemas.microsoft.com/office/drawing/2010/main" xmlns="" w="9525">
                   <a:solidFill>
                     <a:srgbClr val="000000"/>
                   </a:solidFill>
@@ -3466,7 +3466,7 @@
             </a:ln>
             <a:extLst>
               <a:ext uri="{91240B29-F687-4f45-9708-019B960494DF}">
-                <a14:hiddenLine xmlns="" xmlns:a14="http://schemas.microsoft.com/office/drawing/2010/main" w="9525">
+                <a14:hiddenLine xmlns:a14="http://schemas.microsoft.com/office/drawing/2010/main" xmlns="" w="9525">
                   <a:solidFill>
                     <a:srgbClr val="000000"/>
                   </a:solidFill>
@@ -3556,7 +3556,7 @@
             </a:ln>
             <a:extLst>
               <a:ext uri="{91240B29-F687-4f45-9708-019B960494DF}">
-                <a14:hiddenLine xmlns="" xmlns:a14="http://schemas.microsoft.com/office/drawing/2010/main" w="9525">
+                <a14:hiddenLine xmlns:a14="http://schemas.microsoft.com/office/drawing/2010/main" xmlns="" w="9525">
                   <a:solidFill>
                     <a:srgbClr val="000000"/>
                   </a:solidFill>
@@ -3612,7 +3612,7 @@
             </a:ln>
             <a:extLst>
               <a:ext uri="{91240B29-F687-4f45-9708-019B960494DF}">
-                <a14:hiddenLine xmlns="" xmlns:a14="http://schemas.microsoft.com/office/drawing/2010/main" w="9525">
+                <a14:hiddenLine xmlns:a14="http://schemas.microsoft.com/office/drawing/2010/main" xmlns="" w="9525">
                   <a:solidFill>
                     <a:srgbClr val="000000"/>
                   </a:solidFill>
@@ -3702,7 +3702,7 @@
             </a:ln>
             <a:extLst>
               <a:ext uri="{91240B29-F687-4f45-9708-019B960494DF}">
-                <a14:hiddenLine xmlns="" xmlns:a14="http://schemas.microsoft.com/office/drawing/2010/main" w="9525">
+                <a14:hiddenLine xmlns:a14="http://schemas.microsoft.com/office/drawing/2010/main" xmlns="" w="9525">
                   <a:solidFill>
                     <a:srgbClr val="000000"/>
                   </a:solidFill>
@@ -3770,7 +3770,7 @@
             </a:ln>
             <a:extLst>
               <a:ext uri="{91240B29-F687-4f45-9708-019B960494DF}">
-                <a14:hiddenLine xmlns="" xmlns:a14="http://schemas.microsoft.com/office/drawing/2010/main" w="9525">
+                <a14:hiddenLine xmlns:a14="http://schemas.microsoft.com/office/drawing/2010/main" xmlns="" w="9525">
                   <a:solidFill>
                     <a:srgbClr val="000000"/>
                   </a:solidFill>
@@ -3860,7 +3860,7 @@
             </a:ln>
             <a:extLst>
               <a:ext uri="{91240B29-F687-4f45-9708-019B960494DF}">
-                <a14:hiddenLine xmlns="" xmlns:a14="http://schemas.microsoft.com/office/drawing/2010/main" w="9525">
+                <a14:hiddenLine xmlns:a14="http://schemas.microsoft.com/office/drawing/2010/main" xmlns="" w="9525">
                   <a:solidFill>
                     <a:srgbClr val="000000"/>
                   </a:solidFill>
@@ -3928,7 +3928,7 @@
             </a:ln>
             <a:extLst>
               <a:ext uri="{91240B29-F687-4f45-9708-019B960494DF}">
-                <a14:hiddenLine xmlns="" xmlns:a14="http://schemas.microsoft.com/office/drawing/2010/main" w="9525">
+                <a14:hiddenLine xmlns:a14="http://schemas.microsoft.com/office/drawing/2010/main" xmlns="" w="9525">
                   <a:solidFill>
                     <a:srgbClr val="000000"/>
                   </a:solidFill>
@@ -4018,7 +4018,7 @@
             </a:ln>
             <a:extLst>
               <a:ext uri="{91240B29-F687-4f45-9708-019B960494DF}">
-                <a14:hiddenLine xmlns="" xmlns:a14="http://schemas.microsoft.com/office/drawing/2010/main" w="9525">
+                <a14:hiddenLine xmlns:a14="http://schemas.microsoft.com/office/drawing/2010/main" xmlns="" w="9525">
                   <a:solidFill>
                     <a:srgbClr val="000000"/>
                   </a:solidFill>
@@ -4052,7 +4052,7 @@
             </a:ln>
             <a:extLst>
               <a:ext uri="{91240B29-F687-4f45-9708-019B960494DF}">
-                <a14:hiddenLine xmlns="" xmlns:a14="http://schemas.microsoft.com/office/drawing/2010/main" w="9525">
+                <a14:hiddenLine xmlns:a14="http://schemas.microsoft.com/office/drawing/2010/main" xmlns="" w="9525">
                   <a:solidFill>
                     <a:srgbClr val="000000"/>
                   </a:solidFill>
@@ -4142,7 +4142,7 @@
             </a:ln>
             <a:extLst>
               <a:ext uri="{91240B29-F687-4f45-9708-019B960494DF}">
-                <a14:hiddenLine xmlns="" xmlns:a14="http://schemas.microsoft.com/office/drawing/2010/main" w="9525">
+                <a14:hiddenLine xmlns:a14="http://schemas.microsoft.com/office/drawing/2010/main" xmlns="" w="9525">
                   <a:solidFill>
                     <a:srgbClr val="000000"/>
                   </a:solidFill>
@@ -4204,7 +4204,7 @@
             </a:ln>
             <a:extLst>
               <a:ext uri="{91240B29-F687-4f45-9708-019B960494DF}">
-                <a14:hiddenLine xmlns="" xmlns:a14="http://schemas.microsoft.com/office/drawing/2010/main" w="9525">
+                <a14:hiddenLine xmlns:a14="http://schemas.microsoft.com/office/drawing/2010/main" xmlns="" w="9525">
                   <a:solidFill>
                     <a:srgbClr val="000000"/>
                   </a:solidFill>
@@ -4266,7 +4266,7 @@
             </a:ln>
             <a:extLst>
               <a:ext uri="{91240B29-F687-4f45-9708-019B960494DF}">
-                <a14:hiddenLine xmlns="" xmlns:a14="http://schemas.microsoft.com/office/drawing/2010/main" w="9525">
+                <a14:hiddenLine xmlns:a14="http://schemas.microsoft.com/office/drawing/2010/main" xmlns="" w="9525">
                   <a:solidFill>
                     <a:srgbClr val="000000"/>
                   </a:solidFill>
@@ -4356,7 +4356,7 @@
             </a:ln>
             <a:extLst>
               <a:ext uri="{91240B29-F687-4f45-9708-019B960494DF}">
-                <a14:hiddenLine xmlns="" xmlns:a14="http://schemas.microsoft.com/office/drawing/2010/main" w="9525">
+                <a14:hiddenLine xmlns:a14="http://schemas.microsoft.com/office/drawing/2010/main" xmlns="" w="9525">
                   <a:solidFill>
                     <a:srgbClr val="000000"/>
                   </a:solidFill>
@@ -4424,7 +4424,7 @@
             </a:ln>
             <a:extLst>
               <a:ext uri="{91240B29-F687-4f45-9708-019B960494DF}">
-                <a14:hiddenLine xmlns="" xmlns:a14="http://schemas.microsoft.com/office/drawing/2010/main" w="9525">
+                <a14:hiddenLine xmlns:a14="http://schemas.microsoft.com/office/drawing/2010/main" xmlns="" w="9525">
                   <a:solidFill>
                     <a:srgbClr val="000000"/>
                   </a:solidFill>
@@ -4486,7 +4486,7 @@
             </a:ln>
             <a:extLst>
               <a:ext uri="{91240B29-F687-4f45-9708-019B960494DF}">
-                <a14:hiddenLine xmlns="" xmlns:a14="http://schemas.microsoft.com/office/drawing/2010/main" w="9525">
+                <a14:hiddenLine xmlns:a14="http://schemas.microsoft.com/office/drawing/2010/main" xmlns="" w="9525">
                   <a:solidFill>
                     <a:srgbClr val="000000"/>
                   </a:solidFill>
@@ -4576,7 +4576,7 @@
             </a:ln>
             <a:extLst>
               <a:ext uri="{91240B29-F687-4f45-9708-019B960494DF}">
-                <a14:hiddenLine xmlns="" xmlns:a14="http://schemas.microsoft.com/office/drawing/2010/main" w="9525">
+                <a14:hiddenLine xmlns:a14="http://schemas.microsoft.com/office/drawing/2010/main" xmlns="" w="9525">
                   <a:solidFill>
                     <a:srgbClr val="000000"/>
                   </a:solidFill>
@@ -4638,7 +4638,7 @@
             </a:ln>
             <a:extLst>
               <a:ext uri="{91240B29-F687-4f45-9708-019B960494DF}">
-                <a14:hiddenLine xmlns="" xmlns:a14="http://schemas.microsoft.com/office/drawing/2010/main" w="9525">
+                <a14:hiddenLine xmlns:a14="http://schemas.microsoft.com/office/drawing/2010/main" xmlns="" w="9525">
                   <a:solidFill>
                     <a:srgbClr val="000000"/>
                   </a:solidFill>
@@ -4728,7 +4728,7 @@
             </a:ln>
             <a:extLst>
               <a:ext uri="{91240B29-F687-4f45-9708-019B960494DF}">
-                <a14:hiddenLine xmlns="" xmlns:a14="http://schemas.microsoft.com/office/drawing/2010/main" w="9525">
+                <a14:hiddenLine xmlns:a14="http://schemas.microsoft.com/office/drawing/2010/main" xmlns="" w="9525">
                   <a:solidFill>
                     <a:srgbClr val="000000"/>
                   </a:solidFill>
@@ -4790,7 +4790,7 @@
             </a:ln>
             <a:extLst>
               <a:ext uri="{91240B29-F687-4f45-9708-019B960494DF}">
-                <a14:hiddenLine xmlns="" xmlns:a14="http://schemas.microsoft.com/office/drawing/2010/main" w="9525">
+                <a14:hiddenLine xmlns:a14="http://schemas.microsoft.com/office/drawing/2010/main" xmlns="" w="9525">
                   <a:solidFill>
                     <a:srgbClr val="000000"/>
                   </a:solidFill>
@@ -4880,7 +4880,7 @@
             </a:ln>
             <a:extLst>
               <a:ext uri="{91240B29-F687-4f45-9708-019B960494DF}">
-                <a14:hiddenLine xmlns="" xmlns:a14="http://schemas.microsoft.com/office/drawing/2010/main" w="9525">
+                <a14:hiddenLine xmlns:a14="http://schemas.microsoft.com/office/drawing/2010/main" xmlns="" w="9525">
                   <a:solidFill>
                     <a:srgbClr val="000000"/>
                   </a:solidFill>
@@ -4914,7 +4914,7 @@
             </a:ln>
             <a:extLst>
               <a:ext uri="{91240B29-F687-4f45-9708-019B960494DF}">
-                <a14:hiddenLine xmlns="" xmlns:a14="http://schemas.microsoft.com/office/drawing/2010/main" w="9525">
+                <a14:hiddenLine xmlns:a14="http://schemas.microsoft.com/office/drawing/2010/main" xmlns="" w="9525">
                   <a:solidFill>
                     <a:srgbClr val="000000"/>
                   </a:solidFill>
@@ -4979,7 +4979,7 @@
             </a:ln>
             <a:extLst>
               <a:ext uri="{91240B29-F687-4f45-9708-019B960494DF}">
-                <a14:hiddenLine xmlns="" xmlns:a14="http://schemas.microsoft.com/office/drawing/2010/main" w="9525">
+                <a14:hiddenLine xmlns:a14="http://schemas.microsoft.com/office/drawing/2010/main" xmlns="" w="9525">
                   <a:solidFill>
                     <a:srgbClr val="000000"/>
                   </a:solidFill>
@@ -5069,7 +5069,7 @@
             </a:ln>
             <a:extLst>
               <a:ext uri="{91240B29-F687-4f45-9708-019B960494DF}">
-                <a14:hiddenLine xmlns="" xmlns:a14="http://schemas.microsoft.com/office/drawing/2010/main" w="9525">
+                <a14:hiddenLine xmlns:a14="http://schemas.microsoft.com/office/drawing/2010/main" xmlns="" w="9525">
                   <a:solidFill>
                     <a:srgbClr val="000000"/>
                   </a:solidFill>
@@ -5131,7 +5131,7 @@
             </a:ln>
             <a:extLst>
               <a:ext uri="{91240B29-F687-4f45-9708-019B960494DF}">
-                <a14:hiddenLine xmlns="" xmlns:a14="http://schemas.microsoft.com/office/drawing/2010/main" w="9525">
+                <a14:hiddenLine xmlns:a14="http://schemas.microsoft.com/office/drawing/2010/main" xmlns="" w="9525">
                   <a:solidFill>
                     <a:srgbClr val="000000"/>
                   </a:solidFill>
@@ -5221,7 +5221,7 @@
             </a:ln>
             <a:extLst>
               <a:ext uri="{91240B29-F687-4f45-9708-019B960494DF}">
-                <a14:hiddenLine xmlns="" xmlns:a14="http://schemas.microsoft.com/office/drawing/2010/main" w="9525">
+                <a14:hiddenLine xmlns:a14="http://schemas.microsoft.com/office/drawing/2010/main" xmlns="" w="9525">
                   <a:solidFill>
                     <a:srgbClr val="000000"/>
                   </a:solidFill>
@@ -5311,7 +5311,7 @@
             </a:ln>
             <a:extLst>
               <a:ext uri="{91240B29-F687-4f45-9708-019B960494DF}">
-                <a14:hiddenLine xmlns="" xmlns:a14="http://schemas.microsoft.com/office/drawing/2010/main" w="9525">
+                <a14:hiddenLine xmlns:a14="http://schemas.microsoft.com/office/drawing/2010/main" xmlns="" w="9525">
                   <a:solidFill>
                     <a:srgbClr val="000000"/>
                   </a:solidFill>
@@ -5376,7 +5376,7 @@
             </a:ln>
             <a:extLst>
               <a:ext uri="{91240B29-F687-4f45-9708-019B960494DF}">
-                <a14:hiddenLine xmlns="" xmlns:a14="http://schemas.microsoft.com/office/drawing/2010/main" w="9525">
+                <a14:hiddenLine xmlns:a14="http://schemas.microsoft.com/office/drawing/2010/main" xmlns="" w="9525">
                   <a:solidFill>
                     <a:srgbClr val="000000"/>
                   </a:solidFill>
@@ -5438,7 +5438,7 @@
             </a:ln>
             <a:extLst>
               <a:ext uri="{91240B29-F687-4f45-9708-019B960494DF}">
-                <a14:hiddenLine xmlns="" xmlns:a14="http://schemas.microsoft.com/office/drawing/2010/main" w="9525">
+                <a14:hiddenLine xmlns:a14="http://schemas.microsoft.com/office/drawing/2010/main" xmlns="" w="9525">
                   <a:solidFill>
                     <a:srgbClr val="000000"/>
                   </a:solidFill>
@@ -5528,7 +5528,7 @@
             </a:ln>
             <a:extLst>
               <a:ext uri="{91240B29-F687-4f45-9708-019B960494DF}">
-                <a14:hiddenLine xmlns="" xmlns:a14="http://schemas.microsoft.com/office/drawing/2010/main" w="9525">
+                <a14:hiddenLine xmlns:a14="http://schemas.microsoft.com/office/drawing/2010/main" xmlns="" w="9525">
                   <a:solidFill>
                     <a:srgbClr val="000000"/>
                   </a:solidFill>
@@ -5618,7 +5618,7 @@
             </a:ln>
             <a:extLst>
               <a:ext uri="{91240B29-F687-4f45-9708-019B960494DF}">
-                <a14:hiddenLine xmlns="" xmlns:a14="http://schemas.microsoft.com/office/drawing/2010/main" w="9525">
+                <a14:hiddenLine xmlns:a14="http://schemas.microsoft.com/office/drawing/2010/main" xmlns="" w="9525">
                   <a:solidFill>
                     <a:srgbClr val="000000"/>
                   </a:solidFill>
@@ -5680,7 +5680,7 @@
             </a:ln>
             <a:extLst>
               <a:ext uri="{91240B29-F687-4f45-9708-019B960494DF}">
-                <a14:hiddenLine xmlns="" xmlns:a14="http://schemas.microsoft.com/office/drawing/2010/main" w="9525">
+                <a14:hiddenLine xmlns:a14="http://schemas.microsoft.com/office/drawing/2010/main" xmlns="" w="9525">
                   <a:solidFill>
                     <a:srgbClr val="000000"/>
                   </a:solidFill>
@@ -5800,7 +5800,7 @@
             </a:ln>
             <a:extLst>
               <a:ext uri="{91240B29-F687-4f45-9708-019B960494DF}">
-                <a14:hiddenLine xmlns="" xmlns:a14="http://schemas.microsoft.com/office/drawing/2010/main" w="9525">
+                <a14:hiddenLine xmlns:a14="http://schemas.microsoft.com/office/drawing/2010/main" xmlns="" w="9525">
                   <a:solidFill>
                     <a:srgbClr val="000000"/>
                   </a:solidFill>
@@ -5868,7 +5868,7 @@
             </a:ln>
             <a:extLst>
               <a:ext uri="{91240B29-F687-4f45-9708-019B960494DF}">
-                <a14:hiddenLine xmlns="" xmlns:a14="http://schemas.microsoft.com/office/drawing/2010/main" w="9525">
+                <a14:hiddenLine xmlns:a14="http://schemas.microsoft.com/office/drawing/2010/main" xmlns="" w="9525">
                   <a:solidFill>
                     <a:srgbClr val="000000"/>
                   </a:solidFill>
@@ -5958,7 +5958,7 @@
             </a:ln>
             <a:extLst>
               <a:ext uri="{91240B29-F687-4f45-9708-019B960494DF}">
-                <a14:hiddenLine xmlns="" xmlns:a14="http://schemas.microsoft.com/office/drawing/2010/main" w="9525">
+                <a14:hiddenLine xmlns:a14="http://schemas.microsoft.com/office/drawing/2010/main" xmlns="" w="9525">
                   <a:solidFill>
                     <a:srgbClr val="000000"/>
                   </a:solidFill>
@@ -6099,7 +6099,7 @@
             <a:pPr rtl="0"/>
             <a:fld id="{9F07C412-3A91-42D6-9B61-4FCDC427A2DF}" type="datetime1">
               <a:rPr lang="it-IT" noProof="0" smtClean="0"/>
-              <a:t>14/02/2025</a:t>
+              <a:t>15/02/2025</a:t>
             </a:fld>
             <a:endParaRPr lang="it-IT" noProof="0"/>
           </a:p>
@@ -6368,7 +6368,7 @@
             <a:pPr rtl="0"/>
             <a:fld id="{0E5F0924-62E5-463C-8BF5-2B1C587AAB62}" type="datetime1">
               <a:rPr lang="it-IT" noProof="0" smtClean="0"/>
-              <a:t>14/02/2025</a:t>
+              <a:t>15/02/2025</a:t>
             </a:fld>
             <a:endParaRPr lang="it-IT" noProof="0"/>
           </a:p>
@@ -6567,7 +6567,7 @@
             <a:pPr rtl="0"/>
             <a:fld id="{2418E10D-0776-44D6-963B-DC0E8263B4A3}" type="datetime1">
               <a:rPr lang="it-IT" noProof="0" smtClean="0"/>
-              <a:t>14/02/2025</a:t>
+              <a:t>15/02/2025</a:t>
             </a:fld>
             <a:endParaRPr lang="it-IT" noProof="0"/>
           </a:p>
@@ -6833,7 +6833,7 @@
             <a:pPr rtl="0"/>
             <a:fld id="{A4B6D974-EE66-4A1B-A230-B07D9415C521}" type="datetime1">
               <a:rPr lang="it-IT" noProof="0" smtClean="0"/>
-              <a:t>14/02/2025</a:t>
+              <a:t>15/02/2025</a:t>
             </a:fld>
             <a:endParaRPr lang="it-IT" noProof="0"/>
           </a:p>
@@ -7270,7 +7270,7 @@
             <a:pPr rtl="0"/>
             <a:fld id="{B8CBCA41-3B27-42BB-A896-14406F9B4BB2}" type="datetime1">
               <a:rPr lang="it-IT" noProof="0" smtClean="0"/>
-              <a:t>14/02/2025</a:t>
+              <a:t>15/02/2025</a:t>
             </a:fld>
             <a:endParaRPr lang="it-IT" noProof="0"/>
           </a:p>
@@ -7819,7 +7819,7 @@
             <a:pPr rtl="0"/>
             <a:fld id="{0DDBE533-468B-4DF8-989E-AE4D84890758}" type="datetime1">
               <a:rPr lang="it-IT" noProof="0" smtClean="0"/>
-              <a:t>14/02/2025</a:t>
+              <a:t>15/02/2025</a:t>
             </a:fld>
             <a:endParaRPr lang="it-IT" noProof="0"/>
           </a:p>
@@ -8543,7 +8543,7 @@
             <a:pPr rtl="0"/>
             <a:fld id="{CF450CD3-1E9A-42ED-B6B3-2B7762497156}" type="datetime1">
               <a:rPr lang="it-IT" noProof="0" smtClean="0"/>
-              <a:t>14/02/2025</a:t>
+              <a:t>15/02/2025</a:t>
             </a:fld>
             <a:endParaRPr lang="it-IT" noProof="0"/>
           </a:p>
@@ -8719,7 +8719,7 @@
             <a:pPr rtl="0"/>
             <a:fld id="{2FA54109-2DBF-44E4-B491-5C8B534E9B1F}" type="datetime1">
               <a:rPr lang="it-IT" noProof="0" smtClean="0"/>
-              <a:t>14/02/2025</a:t>
+              <a:t>15/02/2025</a:t>
             </a:fld>
             <a:endParaRPr lang="it-IT" noProof="0"/>
           </a:p>
@@ -8905,7 +8905,7 @@
             <a:pPr rtl="0"/>
             <a:fld id="{D3CC41FE-9AED-44D9-BC63-8BB1EF16618B}" type="datetime1">
               <a:rPr lang="it-IT" noProof="0" smtClean="0"/>
-              <a:t>14/02/2025</a:t>
+              <a:t>15/02/2025</a:t>
             </a:fld>
             <a:endParaRPr lang="it-IT" noProof="0"/>
           </a:p>
@@ -9081,7 +9081,7 @@
             <a:pPr rtl="0"/>
             <a:fld id="{F93AB055-364E-487C-A7AC-4F0B10DC386A}" type="datetime1">
               <a:rPr lang="it-IT" noProof="0" smtClean="0"/>
-              <a:t>14/02/2025</a:t>
+              <a:t>15/02/2025</a:t>
             </a:fld>
             <a:endParaRPr lang="it-IT" noProof="0"/>
           </a:p>
@@ -9334,7 +9334,7 @@
             <a:pPr rtl="0"/>
             <a:fld id="{AFBFA9F5-A62B-4527-A612-E4EF95C576C6}" type="datetime1">
               <a:rPr lang="it-IT" noProof="0" smtClean="0"/>
-              <a:t>14/02/2025</a:t>
+              <a:t>15/02/2025</a:t>
             </a:fld>
             <a:endParaRPr lang="it-IT" noProof="0"/>
           </a:p>
@@ -9575,7 +9575,7 @@
             <a:pPr rtl="0"/>
             <a:fld id="{65A3CC1B-4CC0-43F6-B4FE-A108262B34F1}" type="datetime1">
               <a:rPr lang="it-IT" noProof="0" smtClean="0"/>
-              <a:t>14/02/2025</a:t>
+              <a:t>15/02/2025</a:t>
             </a:fld>
             <a:endParaRPr lang="it-IT" noProof="0"/>
           </a:p>
@@ -9965,7 +9965,7 @@
             <a:pPr rtl="0"/>
             <a:fld id="{6F7EC582-D1B1-4956-8471-5858519B7C3E}" type="datetime1">
               <a:rPr lang="it-IT" noProof="0" smtClean="0"/>
-              <a:t>14/02/2025</a:t>
+              <a:t>15/02/2025</a:t>
             </a:fld>
             <a:endParaRPr lang="it-IT" noProof="0"/>
           </a:p>
@@ -10086,7 +10086,7 @@
             <a:pPr rtl="0"/>
             <a:fld id="{7F2E543F-C901-4A41-AEA4-880C40EA1C68}" type="datetime1">
               <a:rPr lang="it-IT" noProof="0" smtClean="0"/>
-              <a:t>14/02/2025</a:t>
+              <a:t>15/02/2025</a:t>
             </a:fld>
             <a:endParaRPr lang="it-IT" noProof="0"/>
           </a:p>
@@ -10184,7 +10184,7 @@
             <a:pPr rtl="0"/>
             <a:fld id="{43628562-FD3D-4B47-BC1E-58BECF47F1DB}" type="datetime1">
               <a:rPr lang="it-IT" noProof="0" smtClean="0"/>
-              <a:t>14/02/2025</a:t>
+              <a:t>15/02/2025</a:t>
             </a:fld>
             <a:endParaRPr lang="it-IT" noProof="0"/>
           </a:p>
@@ -10439,7 +10439,7 @@
             <a:pPr rtl="0"/>
             <a:fld id="{83D084F5-34B4-46AE-8DB4-08A7B0B97DD5}" type="datetime1">
               <a:rPr lang="it-IT" noProof="0" smtClean="0"/>
-              <a:t>14/02/2025</a:t>
+              <a:t>15/02/2025</a:t>
             </a:fld>
             <a:endParaRPr lang="it-IT" noProof="0"/>
           </a:p>
@@ -10722,7 +10722,7 @@
             <a:pPr rtl="0"/>
             <a:fld id="{5C4E6ABF-EADB-4B87-94E5-A6252FA0837A}" type="datetime1">
               <a:rPr lang="it-IT" noProof="0" smtClean="0"/>
-              <a:t>14/02/2025</a:t>
+              <a:t>15/02/2025</a:t>
             </a:fld>
             <a:endParaRPr lang="it-IT" noProof="0"/>
           </a:p>
@@ -10847,7 +10847,7 @@
           <a:noFill/>
           <a:extLst>
             <a:ext uri="{909E8E84-426E-40dd-AFC4-6F175D3DCCD1}">
-              <a14:hiddenFill xmlns="" xmlns:a14="http://schemas.microsoft.com/office/drawing/2010/main">
+              <a14:hiddenFill xmlns:a14="http://schemas.microsoft.com/office/drawing/2010/main" xmlns="">
                 <a:solidFill>
                   <a:srgbClr val="FFFFFF"/>
                 </a:solidFill>
@@ -10921,7 +10921,7 @@
               </a:ln>
               <a:extLst>
                 <a:ext uri="{91240B29-F687-4f45-9708-019B960494DF}">
-                  <a14:hiddenLine xmlns="" xmlns:a14="http://schemas.microsoft.com/office/drawing/2010/main" w="9525">
+                  <a14:hiddenLine xmlns:a14="http://schemas.microsoft.com/office/drawing/2010/main" xmlns="" w="9525">
                     <a:solidFill>
                       <a:srgbClr val="000000"/>
                     </a:solidFill>
@@ -11011,7 +11011,7 @@
               </a:ln>
               <a:extLst>
                 <a:ext uri="{91240B29-F687-4f45-9708-019B960494DF}">
-                  <a14:hiddenLine xmlns="" xmlns:a14="http://schemas.microsoft.com/office/drawing/2010/main" w="9525">
+                  <a14:hiddenLine xmlns:a14="http://schemas.microsoft.com/office/drawing/2010/main" xmlns="" w="9525">
                     <a:solidFill>
                       <a:srgbClr val="000000"/>
                     </a:solidFill>
@@ -11101,7 +11101,7 @@
               </a:ln>
               <a:extLst>
                 <a:ext uri="{91240B29-F687-4f45-9708-019B960494DF}">
-                  <a14:hiddenLine xmlns="" xmlns:a14="http://schemas.microsoft.com/office/drawing/2010/main" w="9525">
+                  <a14:hiddenLine xmlns:a14="http://schemas.microsoft.com/office/drawing/2010/main" xmlns="" w="9525">
                     <a:solidFill>
                       <a:srgbClr val="000000"/>
                     </a:solidFill>
@@ -11163,7 +11163,7 @@
               </a:ln>
               <a:extLst>
                 <a:ext uri="{91240B29-F687-4f45-9708-019B960494DF}">
-                  <a14:hiddenLine xmlns="" xmlns:a14="http://schemas.microsoft.com/office/drawing/2010/main" w="9525">
+                  <a14:hiddenLine xmlns:a14="http://schemas.microsoft.com/office/drawing/2010/main" xmlns="" w="9525">
                     <a:solidFill>
                       <a:srgbClr val="000000"/>
                     </a:solidFill>
@@ -11253,7 +11253,7 @@
               </a:ln>
               <a:extLst>
                 <a:ext uri="{91240B29-F687-4f45-9708-019B960494DF}">
-                  <a14:hiddenLine xmlns="" xmlns:a14="http://schemas.microsoft.com/office/drawing/2010/main" w="9525">
+                  <a14:hiddenLine xmlns:a14="http://schemas.microsoft.com/office/drawing/2010/main" xmlns="" w="9525">
                     <a:solidFill>
                       <a:srgbClr val="000000"/>
                     </a:solidFill>
@@ -11315,7 +11315,7 @@
               </a:ln>
               <a:extLst>
                 <a:ext uri="{91240B29-F687-4f45-9708-019B960494DF}">
-                  <a14:hiddenLine xmlns="" xmlns:a14="http://schemas.microsoft.com/office/drawing/2010/main" w="9525">
+                  <a14:hiddenLine xmlns:a14="http://schemas.microsoft.com/office/drawing/2010/main" xmlns="" w="9525">
                     <a:solidFill>
                       <a:srgbClr val="000000"/>
                     </a:solidFill>
@@ -11377,7 +11377,7 @@
               </a:ln>
               <a:extLst>
                 <a:ext uri="{91240B29-F687-4f45-9708-019B960494DF}">
-                  <a14:hiddenLine xmlns="" xmlns:a14="http://schemas.microsoft.com/office/drawing/2010/main" w="9525">
+                  <a14:hiddenLine xmlns:a14="http://schemas.microsoft.com/office/drawing/2010/main" xmlns="" w="9525">
                     <a:solidFill>
                       <a:srgbClr val="000000"/>
                     </a:solidFill>
@@ -11467,7 +11467,7 @@
               </a:ln>
               <a:extLst>
                 <a:ext uri="{91240B29-F687-4f45-9708-019B960494DF}">
-                  <a14:hiddenLine xmlns="" xmlns:a14="http://schemas.microsoft.com/office/drawing/2010/main" w="9525">
+                  <a14:hiddenLine xmlns:a14="http://schemas.microsoft.com/office/drawing/2010/main" xmlns="" w="9525">
                     <a:solidFill>
                       <a:srgbClr val="000000"/>
                     </a:solidFill>
@@ -11557,7 +11557,7 @@
               </a:ln>
               <a:extLst>
                 <a:ext uri="{91240B29-F687-4f45-9708-019B960494DF}">
-                  <a14:hiddenLine xmlns="" xmlns:a14="http://schemas.microsoft.com/office/drawing/2010/main" w="9525">
+                  <a14:hiddenLine xmlns:a14="http://schemas.microsoft.com/office/drawing/2010/main" xmlns="" w="9525">
                     <a:solidFill>
                       <a:srgbClr val="000000"/>
                     </a:solidFill>
@@ -11619,7 +11619,7 @@
               </a:ln>
               <a:extLst>
                 <a:ext uri="{91240B29-F687-4f45-9708-019B960494DF}">
-                  <a14:hiddenLine xmlns="" xmlns:a14="http://schemas.microsoft.com/office/drawing/2010/main" w="9525">
+                  <a14:hiddenLine xmlns:a14="http://schemas.microsoft.com/office/drawing/2010/main" xmlns="" w="9525">
                     <a:solidFill>
                       <a:srgbClr val="000000"/>
                     </a:solidFill>
@@ -11729,7 +11729,7 @@
               </a:ln>
               <a:extLst>
                 <a:ext uri="{91240B29-F687-4f45-9708-019B960494DF}">
-                  <a14:hiddenLine xmlns="" xmlns:a14="http://schemas.microsoft.com/office/drawing/2010/main" w="9525">
+                  <a14:hiddenLine xmlns:a14="http://schemas.microsoft.com/office/drawing/2010/main" xmlns="" w="9525">
                     <a:solidFill>
                       <a:srgbClr val="000000"/>
                     </a:solidFill>
@@ -11813,7 +11813,7 @@
               </a:ln>
               <a:extLst>
                 <a:ext uri="{91240B29-F687-4f45-9708-019B960494DF}">
-                  <a14:hiddenLine xmlns="" xmlns:a14="http://schemas.microsoft.com/office/drawing/2010/main" w="9525">
+                  <a14:hiddenLine xmlns:a14="http://schemas.microsoft.com/office/drawing/2010/main" xmlns="" w="9525">
                     <a:solidFill>
                       <a:srgbClr val="000000"/>
                     </a:solidFill>
@@ -11875,7 +11875,7 @@
               </a:ln>
               <a:extLst>
                 <a:ext uri="{91240B29-F687-4f45-9708-019B960494DF}">
-                  <a14:hiddenLine xmlns="" xmlns:a14="http://schemas.microsoft.com/office/drawing/2010/main" w="9525">
+                  <a14:hiddenLine xmlns:a14="http://schemas.microsoft.com/office/drawing/2010/main" xmlns="" w="9525">
                     <a:solidFill>
                       <a:srgbClr val="000000"/>
                     </a:solidFill>
@@ -11937,7 +11937,7 @@
               </a:ln>
               <a:extLst>
                 <a:ext uri="{91240B29-F687-4f45-9708-019B960494DF}">
-                  <a14:hiddenLine xmlns="" xmlns:a14="http://schemas.microsoft.com/office/drawing/2010/main" w="9525">
+                  <a14:hiddenLine xmlns:a14="http://schemas.microsoft.com/office/drawing/2010/main" xmlns="" w="9525">
                     <a:solidFill>
                       <a:srgbClr val="000000"/>
                     </a:solidFill>
@@ -12027,7 +12027,7 @@
               </a:ln>
               <a:extLst>
                 <a:ext uri="{91240B29-F687-4f45-9708-019B960494DF}">
-                  <a14:hiddenLine xmlns="" xmlns:a14="http://schemas.microsoft.com/office/drawing/2010/main" w="9525">
+                  <a14:hiddenLine xmlns:a14="http://schemas.microsoft.com/office/drawing/2010/main" xmlns="" w="9525">
                     <a:solidFill>
                       <a:srgbClr val="000000"/>
                     </a:solidFill>
@@ -12061,7 +12061,7 @@
               </a:ln>
               <a:extLst>
                 <a:ext uri="{91240B29-F687-4f45-9708-019B960494DF}">
-                  <a14:hiddenLine xmlns="" xmlns:a14="http://schemas.microsoft.com/office/drawing/2010/main" w="9525">
+                  <a14:hiddenLine xmlns:a14="http://schemas.microsoft.com/office/drawing/2010/main" xmlns="" w="9525">
                     <a:solidFill>
                       <a:srgbClr val="000000"/>
                     </a:solidFill>
@@ -12126,7 +12126,7 @@
               </a:ln>
               <a:extLst>
                 <a:ext uri="{91240B29-F687-4f45-9708-019B960494DF}">
-                  <a14:hiddenLine xmlns="" xmlns:a14="http://schemas.microsoft.com/office/drawing/2010/main" w="9525">
+                  <a14:hiddenLine xmlns:a14="http://schemas.microsoft.com/office/drawing/2010/main" xmlns="" w="9525">
                     <a:solidFill>
                       <a:srgbClr val="000000"/>
                     </a:solidFill>
@@ -12216,7 +12216,7 @@
               </a:ln>
               <a:extLst>
                 <a:ext uri="{91240B29-F687-4f45-9708-019B960494DF}">
-                  <a14:hiddenLine xmlns="" xmlns:a14="http://schemas.microsoft.com/office/drawing/2010/main" w="9525">
+                  <a14:hiddenLine xmlns:a14="http://schemas.microsoft.com/office/drawing/2010/main" xmlns="" w="9525">
                     <a:solidFill>
                       <a:srgbClr val="000000"/>
                     </a:solidFill>
@@ -12278,7 +12278,7 @@
               </a:ln>
               <a:extLst>
                 <a:ext uri="{91240B29-F687-4f45-9708-019B960494DF}">
-                  <a14:hiddenLine xmlns="" xmlns:a14="http://schemas.microsoft.com/office/drawing/2010/main" w="9525">
+                  <a14:hiddenLine xmlns:a14="http://schemas.microsoft.com/office/drawing/2010/main" xmlns="" w="9525">
                     <a:solidFill>
                       <a:srgbClr val="000000"/>
                     </a:solidFill>
@@ -12368,7 +12368,7 @@
               </a:ln>
               <a:extLst>
                 <a:ext uri="{91240B29-F687-4f45-9708-019B960494DF}">
-                  <a14:hiddenLine xmlns="" xmlns:a14="http://schemas.microsoft.com/office/drawing/2010/main" w="9525">
+                  <a14:hiddenLine xmlns:a14="http://schemas.microsoft.com/office/drawing/2010/main" xmlns="" w="9525">
                     <a:solidFill>
                       <a:srgbClr val="000000"/>
                     </a:solidFill>
@@ -12433,7 +12433,7 @@
               </a:ln>
               <a:extLst>
                 <a:ext uri="{91240B29-F687-4f45-9708-019B960494DF}">
-                  <a14:hiddenLine xmlns="" xmlns:a14="http://schemas.microsoft.com/office/drawing/2010/main" w="9525">
+                  <a14:hiddenLine xmlns:a14="http://schemas.microsoft.com/office/drawing/2010/main" xmlns="" w="9525">
                     <a:solidFill>
                       <a:srgbClr val="000000"/>
                     </a:solidFill>
@@ -12495,7 +12495,7 @@
               </a:ln>
               <a:extLst>
                 <a:ext uri="{91240B29-F687-4f45-9708-019B960494DF}">
-                  <a14:hiddenLine xmlns="" xmlns:a14="http://schemas.microsoft.com/office/drawing/2010/main" w="9525">
+                  <a14:hiddenLine xmlns:a14="http://schemas.microsoft.com/office/drawing/2010/main" xmlns="" w="9525">
                     <a:solidFill>
                       <a:srgbClr val="000000"/>
                     </a:solidFill>
@@ -12585,7 +12585,7 @@
               </a:ln>
               <a:extLst>
                 <a:ext uri="{91240B29-F687-4f45-9708-019B960494DF}">
-                  <a14:hiddenLine xmlns="" xmlns:a14="http://schemas.microsoft.com/office/drawing/2010/main" w="9525">
+                  <a14:hiddenLine xmlns:a14="http://schemas.microsoft.com/office/drawing/2010/main" xmlns="" w="9525">
                     <a:solidFill>
                       <a:srgbClr val="000000"/>
                     </a:solidFill>
@@ -12675,7 +12675,7 @@
               </a:ln>
               <a:extLst>
                 <a:ext uri="{91240B29-F687-4f45-9708-019B960494DF}">
-                  <a14:hiddenLine xmlns="" xmlns:a14="http://schemas.microsoft.com/office/drawing/2010/main" w="9525">
+                  <a14:hiddenLine xmlns:a14="http://schemas.microsoft.com/office/drawing/2010/main" xmlns="" w="9525">
                     <a:solidFill>
                       <a:srgbClr val="000000"/>
                     </a:solidFill>
@@ -12740,7 +12740,7 @@
               </a:ln>
               <a:extLst>
                 <a:ext uri="{91240B29-F687-4f45-9708-019B960494DF}">
-                  <a14:hiddenLine xmlns="" xmlns:a14="http://schemas.microsoft.com/office/drawing/2010/main" w="9525">
+                  <a14:hiddenLine xmlns:a14="http://schemas.microsoft.com/office/drawing/2010/main" xmlns="" w="9525">
                     <a:solidFill>
                       <a:srgbClr val="000000"/>
                     </a:solidFill>
@@ -12860,7 +12860,7 @@
               </a:ln>
               <a:extLst>
                 <a:ext uri="{91240B29-F687-4f45-9708-019B960494DF}">
-                  <a14:hiddenLine xmlns="" xmlns:a14="http://schemas.microsoft.com/office/drawing/2010/main" w="9525">
+                  <a14:hiddenLine xmlns:a14="http://schemas.microsoft.com/office/drawing/2010/main" xmlns="" w="9525">
                     <a:solidFill>
                       <a:srgbClr val="000000"/>
                     </a:solidFill>
@@ -12941,7 +12941,7 @@
               </a:ln>
               <a:extLst>
                 <a:ext uri="{91240B29-F687-4f45-9708-019B960494DF}">
-                  <a14:hiddenLine xmlns="" xmlns:a14="http://schemas.microsoft.com/office/drawing/2010/main" w="9525">
+                  <a14:hiddenLine xmlns:a14="http://schemas.microsoft.com/office/drawing/2010/main" xmlns="" w="9525">
                     <a:solidFill>
                       <a:srgbClr val="000000"/>
                     </a:solidFill>
@@ -13056,7 +13056,7 @@
               </a:ln>
               <a:extLst>
                 <a:ext uri="{91240B29-F687-4f45-9708-019B960494DF}">
-                  <a14:hiddenLine xmlns="" xmlns:a14="http://schemas.microsoft.com/office/drawing/2010/main" w="9525">
+                  <a14:hiddenLine xmlns:a14="http://schemas.microsoft.com/office/drawing/2010/main" xmlns="" w="9525">
                     <a:solidFill>
                       <a:srgbClr val="000000"/>
                     </a:solidFill>
@@ -13146,7 +13146,7 @@
               </a:ln>
               <a:extLst>
                 <a:ext uri="{91240B29-F687-4f45-9708-019B960494DF}">
-                  <a14:hiddenLine xmlns="" xmlns:a14="http://schemas.microsoft.com/office/drawing/2010/main" w="9525">
+                  <a14:hiddenLine xmlns:a14="http://schemas.microsoft.com/office/drawing/2010/main" xmlns="" w="9525">
                     <a:solidFill>
                       <a:srgbClr val="000000"/>
                     </a:solidFill>
@@ -13211,7 +13211,7 @@
               </a:ln>
               <a:extLst>
                 <a:ext uri="{91240B29-F687-4f45-9708-019B960494DF}">
-                  <a14:hiddenLine xmlns="" xmlns:a14="http://schemas.microsoft.com/office/drawing/2010/main" w="9525">
+                  <a14:hiddenLine xmlns:a14="http://schemas.microsoft.com/office/drawing/2010/main" xmlns="" w="9525">
                     <a:solidFill>
                       <a:srgbClr val="000000"/>
                     </a:solidFill>
@@ -13301,7 +13301,7 @@
               </a:ln>
               <a:extLst>
                 <a:ext uri="{91240B29-F687-4f45-9708-019B960494DF}">
-                  <a14:hiddenLine xmlns="" xmlns:a14="http://schemas.microsoft.com/office/drawing/2010/main" w="9525">
+                  <a14:hiddenLine xmlns:a14="http://schemas.microsoft.com/office/drawing/2010/main" xmlns="" w="9525">
                     <a:solidFill>
                       <a:srgbClr val="000000"/>
                     </a:solidFill>
@@ -13369,7 +13369,7 @@
               </a:ln>
               <a:extLst>
                 <a:ext uri="{91240B29-F687-4f45-9708-019B960494DF}">
-                  <a14:hiddenLine xmlns="" xmlns:a14="http://schemas.microsoft.com/office/drawing/2010/main" w="9525">
+                  <a14:hiddenLine xmlns:a14="http://schemas.microsoft.com/office/drawing/2010/main" xmlns="" w="9525">
                     <a:solidFill>
                       <a:srgbClr val="000000"/>
                     </a:solidFill>
@@ -13459,7 +13459,7 @@
               </a:ln>
               <a:extLst>
                 <a:ext uri="{91240B29-F687-4f45-9708-019B960494DF}">
-                  <a14:hiddenLine xmlns="" xmlns:a14="http://schemas.microsoft.com/office/drawing/2010/main" w="9525">
+                  <a14:hiddenLine xmlns:a14="http://schemas.microsoft.com/office/drawing/2010/main" xmlns="" w="9525">
                     <a:solidFill>
                       <a:srgbClr val="000000"/>
                     </a:solidFill>
@@ -13527,7 +13527,7 @@
               </a:ln>
               <a:extLst>
                 <a:ext uri="{91240B29-F687-4f45-9708-019B960494DF}">
-                  <a14:hiddenLine xmlns="" xmlns:a14="http://schemas.microsoft.com/office/drawing/2010/main" w="9525">
+                  <a14:hiddenLine xmlns:a14="http://schemas.microsoft.com/office/drawing/2010/main" xmlns="" w="9525">
                     <a:solidFill>
                       <a:srgbClr val="000000"/>
                     </a:solidFill>
@@ -13617,7 +13617,7 @@
               </a:ln>
               <a:extLst>
                 <a:ext uri="{91240B29-F687-4f45-9708-019B960494DF}">
-                  <a14:hiddenLine xmlns="" xmlns:a14="http://schemas.microsoft.com/office/drawing/2010/main" w="9525">
+                  <a14:hiddenLine xmlns:a14="http://schemas.microsoft.com/office/drawing/2010/main" xmlns="" w="9525">
                     <a:solidFill>
                       <a:srgbClr val="000000"/>
                     </a:solidFill>
@@ -13651,7 +13651,7 @@
               </a:ln>
               <a:extLst>
                 <a:ext uri="{91240B29-F687-4f45-9708-019B960494DF}">
-                  <a14:hiddenLine xmlns="" xmlns:a14="http://schemas.microsoft.com/office/drawing/2010/main" w="9525">
+                  <a14:hiddenLine xmlns:a14="http://schemas.microsoft.com/office/drawing/2010/main" xmlns="" w="9525">
                     <a:solidFill>
                       <a:srgbClr val="000000"/>
                     </a:solidFill>
@@ -13792,7 +13792,7 @@
             <a:pPr rtl="0"/>
             <a:fld id="{C9D3B909-5AB1-46A3-A753-94B6F9B0BED5}" type="datetime1">
               <a:rPr lang="it-IT" noProof="0" smtClean="0"/>
-              <a:t>14/02/2025</a:t>
+              <a:t>15/02/2025</a:t>
             </a:fld>
             <a:endParaRPr lang="it-IT" noProof="0"/>
           </a:p>
@@ -14653,13 +14653,13 @@
   <p:clrMapOvr>
     <a:masterClrMapping/>
   </p:clrMapOvr>
-  <mc:AlternateContent xmlns:mc="http://schemas.openxmlformats.org/markup-compatibility/2006">
-    <mc:Choice xmlns:p159="http://schemas.microsoft.com/office/powerpoint/2015/09/main" Requires="p159">
+  <mc:AlternateContent xmlns:mc="http://schemas.openxmlformats.org/markup-compatibility/2006" xmlns:p159="http://schemas.microsoft.com/office/powerpoint/2015/09/main">
+    <mc:Choice Requires="p159">
       <p:transition xmlns:p14="http://schemas.microsoft.com/office/powerpoint/2010/main" spd="slow" p14:dur="2000">
         <p159:morph option="byObject"/>
       </p:transition>
     </mc:Choice>
-    <mc:Fallback>
+    <mc:Fallback xmlns="">
       <p:transition spd="slow">
         <p:fade/>
       </p:transition>
@@ -15981,7 +15981,7 @@
         </p:blipFill>
         <p:spPr>
           <a:xfrm>
-            <a:off x="6261025" y="1932553"/>
+            <a:off x="6140376" y="1932553"/>
             <a:ext cx="4983235" cy="2992894"/>
           </a:xfrm>
           <a:prstGeom prst="rect">
@@ -18949,7 +18949,7 @@
                 </a:solidFill>
                 <a:latin typeface="Rockwell" panose="02060603020205020403" pitchFamily="18" charset="0"/>
               </a:rPr>
-              <a:t>OC-OC</a:t>
+              <a:t>OC-sc</a:t>
             </a:r>
           </a:p>
         </p:txBody>
@@ -19956,13 +19956,13 @@
   <p:clrMapOvr>
     <a:masterClrMapping/>
   </p:clrMapOvr>
-  <mc:AlternateContent xmlns:mc="http://schemas.openxmlformats.org/markup-compatibility/2006">
-    <mc:Choice xmlns:p159="http://schemas.microsoft.com/office/powerpoint/2015/09/main" Requires="p159">
+  <mc:AlternateContent xmlns:mc="http://schemas.openxmlformats.org/markup-compatibility/2006" xmlns:p159="http://schemas.microsoft.com/office/powerpoint/2015/09/main">
+    <mc:Choice Requires="p159">
       <p:transition xmlns:p14="http://schemas.microsoft.com/office/powerpoint/2010/main" spd="slow" p14:dur="2000">
         <p159:morph option="byObject"/>
       </p:transition>
     </mc:Choice>
-    <mc:Fallback>
+    <mc:Fallback xmlns="">
       <p:transition spd="slow">
         <p:fade/>
       </p:transition>

--- a/presentazione_progetto.pptx
+++ b/presentazione_progetto.pptx
@@ -5,10 +5,10 @@
     <p:sldMasterId id="2147483669" r:id="rId1"/>
   </p:sldMasterIdLst>
   <p:notesMasterIdLst>
-    <p:notesMasterId r:id="rId18"/>
+    <p:notesMasterId r:id="rId19"/>
   </p:notesMasterIdLst>
   <p:handoutMasterIdLst>
-    <p:handoutMasterId r:id="rId19"/>
+    <p:handoutMasterId r:id="rId20"/>
   </p:handoutMasterIdLst>
   <p:sldIdLst>
     <p:sldId id="256" r:id="rId2"/>
@@ -27,6 +27,7 @@
     <p:sldId id="268" r:id="rId15"/>
     <p:sldId id="269" r:id="rId16"/>
     <p:sldId id="270" r:id="rId17"/>
+    <p:sldId id="281" r:id="rId18"/>
   </p:sldIdLst>
   <p:sldSz cx="12192000" cy="6858000"/>
   <p:notesSz cx="6858000" cy="9144000"/>
@@ -230,7 +231,7 @@
           <a:p>
             <a:fld id="{F9F05DC1-1DA0-4802-8BFC-5A51951A2E1E}" type="datetimeFigureOut">
               <a:rPr lang="it-IT" smtClean="0"/>
-              <a:t>15/02/2025</a:t>
+              <a:t>21/02/2025</a:t>
             </a:fld>
             <a:endParaRPr lang="it-IT"/>
           </a:p>
@@ -408,7 +409,7 @@
           <a:p>
             <a:fld id="{772828B9-BC13-4054-B42C-8C22A5482F6C}" type="datetimeFigureOut">
               <a:rPr lang="it-IT" noProof="0" smtClean="0"/>
-              <a:t>15/02/2025</a:t>
+              <a:t>21/02/2025</a:t>
             </a:fld>
             <a:endParaRPr lang="it-IT" noProof="0"/>
           </a:p>
@@ -1873,7 +1874,7 @@
           <a:noFill/>
           <a:extLst>
             <a:ext uri="{909E8E84-426E-40dd-AFC4-6F175D3DCCD1}">
-              <a14:hiddenFill xmlns:a14="http://schemas.microsoft.com/office/drawing/2010/main" xmlns="">
+              <a14:hiddenFill xmlns="" xmlns:a14="http://schemas.microsoft.com/office/drawing/2010/main">
                 <a:solidFill>
                   <a:srgbClr val="FFFFFF"/>
                 </a:solidFill>
@@ -1932,7 +1933,7 @@
             </a:ln>
             <a:extLst>
               <a:ext uri="{91240B29-F687-4f45-9708-019B960494DF}">
-                <a14:hiddenLine xmlns:a14="http://schemas.microsoft.com/office/drawing/2010/main" xmlns="" w="9525">
+                <a14:hiddenLine xmlns="" xmlns:a14="http://schemas.microsoft.com/office/drawing/2010/main" w="9525">
                   <a:solidFill>
                     <a:srgbClr val="000000"/>
                   </a:solidFill>
@@ -2022,7 +2023,7 @@
             </a:ln>
             <a:extLst>
               <a:ext uri="{91240B29-F687-4f45-9708-019B960494DF}">
-                <a14:hiddenLine xmlns:a14="http://schemas.microsoft.com/office/drawing/2010/main" xmlns="" w="9525">
+                <a14:hiddenLine xmlns="" xmlns:a14="http://schemas.microsoft.com/office/drawing/2010/main" w="9525">
                   <a:solidFill>
                     <a:srgbClr val="000000"/>
                   </a:solidFill>
@@ -2112,7 +2113,7 @@
             </a:ln>
             <a:extLst>
               <a:ext uri="{91240B29-F687-4f45-9708-019B960494DF}">
-                <a14:hiddenLine xmlns:a14="http://schemas.microsoft.com/office/drawing/2010/main" xmlns="" w="9525">
+                <a14:hiddenLine xmlns="" xmlns:a14="http://schemas.microsoft.com/office/drawing/2010/main" w="9525">
                   <a:solidFill>
                     <a:srgbClr val="000000"/>
                   </a:solidFill>
@@ -2146,7 +2147,7 @@
             </a:ln>
             <a:extLst>
               <a:ext uri="{91240B29-F687-4f45-9708-019B960494DF}">
-                <a14:hiddenLine xmlns:a14="http://schemas.microsoft.com/office/drawing/2010/main" xmlns="" w="9525">
+                <a14:hiddenLine xmlns="" xmlns:a14="http://schemas.microsoft.com/office/drawing/2010/main" w="9525">
                   <a:solidFill>
                     <a:srgbClr val="000000"/>
                   </a:solidFill>
@@ -2236,7 +2237,7 @@
             </a:ln>
             <a:extLst>
               <a:ext uri="{91240B29-F687-4f45-9708-019B960494DF}">
-                <a14:hiddenLine xmlns:a14="http://schemas.microsoft.com/office/drawing/2010/main" xmlns="" w="9525">
+                <a14:hiddenLine xmlns="" xmlns:a14="http://schemas.microsoft.com/office/drawing/2010/main" w="9525">
                   <a:solidFill>
                     <a:srgbClr val="000000"/>
                   </a:solidFill>
@@ -2298,7 +2299,7 @@
             </a:ln>
             <a:extLst>
               <a:ext uri="{91240B29-F687-4f45-9708-019B960494DF}">
-                <a14:hiddenLine xmlns:a14="http://schemas.microsoft.com/office/drawing/2010/main" xmlns="" w="9525">
+                <a14:hiddenLine xmlns="" xmlns:a14="http://schemas.microsoft.com/office/drawing/2010/main" w="9525">
                   <a:solidFill>
                     <a:srgbClr val="000000"/>
                   </a:solidFill>
@@ -2360,7 +2361,7 @@
             </a:ln>
             <a:extLst>
               <a:ext uri="{91240B29-F687-4f45-9708-019B960494DF}">
-                <a14:hiddenLine xmlns:a14="http://schemas.microsoft.com/office/drawing/2010/main" xmlns="" w="9525">
+                <a14:hiddenLine xmlns="" xmlns:a14="http://schemas.microsoft.com/office/drawing/2010/main" w="9525">
                   <a:solidFill>
                     <a:srgbClr val="000000"/>
                   </a:solidFill>
@@ -2450,7 +2451,7 @@
             </a:ln>
             <a:extLst>
               <a:ext uri="{91240B29-F687-4f45-9708-019B960494DF}">
-                <a14:hiddenLine xmlns:a14="http://schemas.microsoft.com/office/drawing/2010/main" xmlns="" w="9525">
+                <a14:hiddenLine xmlns="" xmlns:a14="http://schemas.microsoft.com/office/drawing/2010/main" w="9525">
                   <a:solidFill>
                     <a:srgbClr val="000000"/>
                   </a:solidFill>
@@ -2512,7 +2513,7 @@
             </a:ln>
             <a:extLst>
               <a:ext uri="{91240B29-F687-4f45-9708-019B960494DF}">
-                <a14:hiddenLine xmlns:a14="http://schemas.microsoft.com/office/drawing/2010/main" xmlns="" w="9525">
+                <a14:hiddenLine xmlns="" xmlns:a14="http://schemas.microsoft.com/office/drawing/2010/main" w="9525">
                   <a:solidFill>
                     <a:srgbClr val="000000"/>
                   </a:solidFill>
@@ -2574,7 +2575,7 @@
             </a:ln>
             <a:extLst>
               <a:ext uri="{91240B29-F687-4f45-9708-019B960494DF}">
-                <a14:hiddenLine xmlns:a14="http://schemas.microsoft.com/office/drawing/2010/main" xmlns="" w="9525">
+                <a14:hiddenLine xmlns="" xmlns:a14="http://schemas.microsoft.com/office/drawing/2010/main" w="9525">
                   <a:solidFill>
                     <a:srgbClr val="000000"/>
                   </a:solidFill>
@@ -2664,7 +2665,7 @@
             </a:ln>
             <a:extLst>
               <a:ext uri="{91240B29-F687-4f45-9708-019B960494DF}">
-                <a14:hiddenLine xmlns:a14="http://schemas.microsoft.com/office/drawing/2010/main" xmlns="" w="9525">
+                <a14:hiddenLine xmlns="" xmlns:a14="http://schemas.microsoft.com/office/drawing/2010/main" w="9525">
                   <a:solidFill>
                     <a:srgbClr val="000000"/>
                   </a:solidFill>
@@ -2754,7 +2755,7 @@
             </a:ln>
             <a:extLst>
               <a:ext uri="{91240B29-F687-4f45-9708-019B960494DF}">
-                <a14:hiddenLine xmlns:a14="http://schemas.microsoft.com/office/drawing/2010/main" xmlns="" w="9525">
+                <a14:hiddenLine xmlns="" xmlns:a14="http://schemas.microsoft.com/office/drawing/2010/main" w="9525">
                   <a:solidFill>
                     <a:srgbClr val="000000"/>
                   </a:solidFill>
@@ -2816,7 +2817,7 @@
             </a:ln>
             <a:extLst>
               <a:ext uri="{91240B29-F687-4f45-9708-019B960494DF}">
-                <a14:hiddenLine xmlns:a14="http://schemas.microsoft.com/office/drawing/2010/main" xmlns="" w="9525">
+                <a14:hiddenLine xmlns="" xmlns:a14="http://schemas.microsoft.com/office/drawing/2010/main" w="9525">
                   <a:solidFill>
                     <a:srgbClr val="000000"/>
                   </a:solidFill>
@@ -2926,7 +2927,7 @@
             </a:ln>
             <a:extLst>
               <a:ext uri="{91240B29-F687-4f45-9708-019B960494DF}">
-                <a14:hiddenLine xmlns:a14="http://schemas.microsoft.com/office/drawing/2010/main" xmlns="" w="9525">
+                <a14:hiddenLine xmlns="" xmlns:a14="http://schemas.microsoft.com/office/drawing/2010/main" w="9525">
                   <a:solidFill>
                     <a:srgbClr val="000000"/>
                   </a:solidFill>
@@ -2988,7 +2989,7 @@
             </a:ln>
             <a:extLst>
               <a:ext uri="{91240B29-F687-4f45-9708-019B960494DF}">
-                <a14:hiddenLine xmlns:a14="http://schemas.microsoft.com/office/drawing/2010/main" xmlns="" w="9525">
+                <a14:hiddenLine xmlns="" xmlns:a14="http://schemas.microsoft.com/office/drawing/2010/main" w="9525">
                   <a:solidFill>
                     <a:srgbClr val="000000"/>
                   </a:solidFill>
@@ -3078,7 +3079,7 @@
             </a:ln>
             <a:extLst>
               <a:ext uri="{91240B29-F687-4f45-9708-019B960494DF}">
-                <a14:hiddenLine xmlns:a14="http://schemas.microsoft.com/office/drawing/2010/main" xmlns="" w="9525">
+                <a14:hiddenLine xmlns="" xmlns:a14="http://schemas.microsoft.com/office/drawing/2010/main" w="9525">
                   <a:solidFill>
                     <a:srgbClr val="000000"/>
                   </a:solidFill>
@@ -3168,7 +3169,7 @@
             </a:ln>
             <a:extLst>
               <a:ext uri="{91240B29-F687-4f45-9708-019B960494DF}">
-                <a14:hiddenLine xmlns:a14="http://schemas.microsoft.com/office/drawing/2010/main" xmlns="" w="9525">
+                <a14:hiddenLine xmlns="" xmlns:a14="http://schemas.microsoft.com/office/drawing/2010/main" w="9525">
                   <a:solidFill>
                     <a:srgbClr val="000000"/>
                   </a:solidFill>
@@ -3230,7 +3231,7 @@
             </a:ln>
             <a:extLst>
               <a:ext uri="{91240B29-F687-4f45-9708-019B960494DF}">
-                <a14:hiddenLine xmlns:a14="http://schemas.microsoft.com/office/drawing/2010/main" xmlns="" w="9525">
+                <a14:hiddenLine xmlns="" xmlns:a14="http://schemas.microsoft.com/office/drawing/2010/main" w="9525">
                   <a:solidFill>
                     <a:srgbClr val="000000"/>
                   </a:solidFill>
@@ -3320,7 +3321,7 @@
             </a:ln>
             <a:extLst>
               <a:ext uri="{91240B29-F687-4f45-9708-019B960494DF}">
-                <a14:hiddenLine xmlns:a14="http://schemas.microsoft.com/office/drawing/2010/main" xmlns="" w="9525">
+                <a14:hiddenLine xmlns="" xmlns:a14="http://schemas.microsoft.com/office/drawing/2010/main" w="9525">
                   <a:solidFill>
                     <a:srgbClr val="000000"/>
                   </a:solidFill>
@@ -3410,7 +3411,7 @@
             </a:ln>
             <a:extLst>
               <a:ext uri="{91240B29-F687-4f45-9708-019B960494DF}">
-                <a14:hiddenLine xmlns:a14="http://schemas.microsoft.com/office/drawing/2010/main" xmlns="" w="9525">
+                <a14:hiddenLine xmlns="" xmlns:a14="http://schemas.microsoft.com/office/drawing/2010/main" w="9525">
                   <a:solidFill>
                     <a:srgbClr val="000000"/>
                   </a:solidFill>
@@ -3466,7 +3467,7 @@
             </a:ln>
             <a:extLst>
               <a:ext uri="{91240B29-F687-4f45-9708-019B960494DF}">
-                <a14:hiddenLine xmlns:a14="http://schemas.microsoft.com/office/drawing/2010/main" xmlns="" w="9525">
+                <a14:hiddenLine xmlns="" xmlns:a14="http://schemas.microsoft.com/office/drawing/2010/main" w="9525">
                   <a:solidFill>
                     <a:srgbClr val="000000"/>
                   </a:solidFill>
@@ -3556,7 +3557,7 @@
             </a:ln>
             <a:extLst>
               <a:ext uri="{91240B29-F687-4f45-9708-019B960494DF}">
-                <a14:hiddenLine xmlns:a14="http://schemas.microsoft.com/office/drawing/2010/main" xmlns="" w="9525">
+                <a14:hiddenLine xmlns="" xmlns:a14="http://schemas.microsoft.com/office/drawing/2010/main" w="9525">
                   <a:solidFill>
                     <a:srgbClr val="000000"/>
                   </a:solidFill>
@@ -3612,7 +3613,7 @@
             </a:ln>
             <a:extLst>
               <a:ext uri="{91240B29-F687-4f45-9708-019B960494DF}">
-                <a14:hiddenLine xmlns:a14="http://schemas.microsoft.com/office/drawing/2010/main" xmlns="" w="9525">
+                <a14:hiddenLine xmlns="" xmlns:a14="http://schemas.microsoft.com/office/drawing/2010/main" w="9525">
                   <a:solidFill>
                     <a:srgbClr val="000000"/>
                   </a:solidFill>
@@ -3702,7 +3703,7 @@
             </a:ln>
             <a:extLst>
               <a:ext uri="{91240B29-F687-4f45-9708-019B960494DF}">
-                <a14:hiddenLine xmlns:a14="http://schemas.microsoft.com/office/drawing/2010/main" xmlns="" w="9525">
+                <a14:hiddenLine xmlns="" xmlns:a14="http://schemas.microsoft.com/office/drawing/2010/main" w="9525">
                   <a:solidFill>
                     <a:srgbClr val="000000"/>
                   </a:solidFill>
@@ -3770,7 +3771,7 @@
             </a:ln>
             <a:extLst>
               <a:ext uri="{91240B29-F687-4f45-9708-019B960494DF}">
-                <a14:hiddenLine xmlns:a14="http://schemas.microsoft.com/office/drawing/2010/main" xmlns="" w="9525">
+                <a14:hiddenLine xmlns="" xmlns:a14="http://schemas.microsoft.com/office/drawing/2010/main" w="9525">
                   <a:solidFill>
                     <a:srgbClr val="000000"/>
                   </a:solidFill>
@@ -3860,7 +3861,7 @@
             </a:ln>
             <a:extLst>
               <a:ext uri="{91240B29-F687-4f45-9708-019B960494DF}">
-                <a14:hiddenLine xmlns:a14="http://schemas.microsoft.com/office/drawing/2010/main" xmlns="" w="9525">
+                <a14:hiddenLine xmlns="" xmlns:a14="http://schemas.microsoft.com/office/drawing/2010/main" w="9525">
                   <a:solidFill>
                     <a:srgbClr val="000000"/>
                   </a:solidFill>
@@ -3928,7 +3929,7 @@
             </a:ln>
             <a:extLst>
               <a:ext uri="{91240B29-F687-4f45-9708-019B960494DF}">
-                <a14:hiddenLine xmlns:a14="http://schemas.microsoft.com/office/drawing/2010/main" xmlns="" w="9525">
+                <a14:hiddenLine xmlns="" xmlns:a14="http://schemas.microsoft.com/office/drawing/2010/main" w="9525">
                   <a:solidFill>
                     <a:srgbClr val="000000"/>
                   </a:solidFill>
@@ -4018,7 +4019,7 @@
             </a:ln>
             <a:extLst>
               <a:ext uri="{91240B29-F687-4f45-9708-019B960494DF}">
-                <a14:hiddenLine xmlns:a14="http://schemas.microsoft.com/office/drawing/2010/main" xmlns="" w="9525">
+                <a14:hiddenLine xmlns="" xmlns:a14="http://schemas.microsoft.com/office/drawing/2010/main" w="9525">
                   <a:solidFill>
                     <a:srgbClr val="000000"/>
                   </a:solidFill>
@@ -4052,7 +4053,7 @@
             </a:ln>
             <a:extLst>
               <a:ext uri="{91240B29-F687-4f45-9708-019B960494DF}">
-                <a14:hiddenLine xmlns:a14="http://schemas.microsoft.com/office/drawing/2010/main" xmlns="" w="9525">
+                <a14:hiddenLine xmlns="" xmlns:a14="http://schemas.microsoft.com/office/drawing/2010/main" w="9525">
                   <a:solidFill>
                     <a:srgbClr val="000000"/>
                   </a:solidFill>
@@ -4142,7 +4143,7 @@
             </a:ln>
             <a:extLst>
               <a:ext uri="{91240B29-F687-4f45-9708-019B960494DF}">
-                <a14:hiddenLine xmlns:a14="http://schemas.microsoft.com/office/drawing/2010/main" xmlns="" w="9525">
+                <a14:hiddenLine xmlns="" xmlns:a14="http://schemas.microsoft.com/office/drawing/2010/main" w="9525">
                   <a:solidFill>
                     <a:srgbClr val="000000"/>
                   </a:solidFill>
@@ -4204,7 +4205,7 @@
             </a:ln>
             <a:extLst>
               <a:ext uri="{91240B29-F687-4f45-9708-019B960494DF}">
-                <a14:hiddenLine xmlns:a14="http://schemas.microsoft.com/office/drawing/2010/main" xmlns="" w="9525">
+                <a14:hiddenLine xmlns="" xmlns:a14="http://schemas.microsoft.com/office/drawing/2010/main" w="9525">
                   <a:solidFill>
                     <a:srgbClr val="000000"/>
                   </a:solidFill>
@@ -4266,7 +4267,7 @@
             </a:ln>
             <a:extLst>
               <a:ext uri="{91240B29-F687-4f45-9708-019B960494DF}">
-                <a14:hiddenLine xmlns:a14="http://schemas.microsoft.com/office/drawing/2010/main" xmlns="" w="9525">
+                <a14:hiddenLine xmlns="" xmlns:a14="http://schemas.microsoft.com/office/drawing/2010/main" w="9525">
                   <a:solidFill>
                     <a:srgbClr val="000000"/>
                   </a:solidFill>
@@ -4356,7 +4357,7 @@
             </a:ln>
             <a:extLst>
               <a:ext uri="{91240B29-F687-4f45-9708-019B960494DF}">
-                <a14:hiddenLine xmlns:a14="http://schemas.microsoft.com/office/drawing/2010/main" xmlns="" w="9525">
+                <a14:hiddenLine xmlns="" xmlns:a14="http://schemas.microsoft.com/office/drawing/2010/main" w="9525">
                   <a:solidFill>
                     <a:srgbClr val="000000"/>
                   </a:solidFill>
@@ -4424,7 +4425,7 @@
             </a:ln>
             <a:extLst>
               <a:ext uri="{91240B29-F687-4f45-9708-019B960494DF}">
-                <a14:hiddenLine xmlns:a14="http://schemas.microsoft.com/office/drawing/2010/main" xmlns="" w="9525">
+                <a14:hiddenLine xmlns="" xmlns:a14="http://schemas.microsoft.com/office/drawing/2010/main" w="9525">
                   <a:solidFill>
                     <a:srgbClr val="000000"/>
                   </a:solidFill>
@@ -4486,7 +4487,7 @@
             </a:ln>
             <a:extLst>
               <a:ext uri="{91240B29-F687-4f45-9708-019B960494DF}">
-                <a14:hiddenLine xmlns:a14="http://schemas.microsoft.com/office/drawing/2010/main" xmlns="" w="9525">
+                <a14:hiddenLine xmlns="" xmlns:a14="http://schemas.microsoft.com/office/drawing/2010/main" w="9525">
                   <a:solidFill>
                     <a:srgbClr val="000000"/>
                   </a:solidFill>
@@ -4576,7 +4577,7 @@
             </a:ln>
             <a:extLst>
               <a:ext uri="{91240B29-F687-4f45-9708-019B960494DF}">
-                <a14:hiddenLine xmlns:a14="http://schemas.microsoft.com/office/drawing/2010/main" xmlns="" w="9525">
+                <a14:hiddenLine xmlns="" xmlns:a14="http://schemas.microsoft.com/office/drawing/2010/main" w="9525">
                   <a:solidFill>
                     <a:srgbClr val="000000"/>
                   </a:solidFill>
@@ -4638,7 +4639,7 @@
             </a:ln>
             <a:extLst>
               <a:ext uri="{91240B29-F687-4f45-9708-019B960494DF}">
-                <a14:hiddenLine xmlns:a14="http://schemas.microsoft.com/office/drawing/2010/main" xmlns="" w="9525">
+                <a14:hiddenLine xmlns="" xmlns:a14="http://schemas.microsoft.com/office/drawing/2010/main" w="9525">
                   <a:solidFill>
                     <a:srgbClr val="000000"/>
                   </a:solidFill>
@@ -4728,7 +4729,7 @@
             </a:ln>
             <a:extLst>
               <a:ext uri="{91240B29-F687-4f45-9708-019B960494DF}">
-                <a14:hiddenLine xmlns:a14="http://schemas.microsoft.com/office/drawing/2010/main" xmlns="" w="9525">
+                <a14:hiddenLine xmlns="" xmlns:a14="http://schemas.microsoft.com/office/drawing/2010/main" w="9525">
                   <a:solidFill>
                     <a:srgbClr val="000000"/>
                   </a:solidFill>
@@ -4790,7 +4791,7 @@
             </a:ln>
             <a:extLst>
               <a:ext uri="{91240B29-F687-4f45-9708-019B960494DF}">
-                <a14:hiddenLine xmlns:a14="http://schemas.microsoft.com/office/drawing/2010/main" xmlns="" w="9525">
+                <a14:hiddenLine xmlns="" xmlns:a14="http://schemas.microsoft.com/office/drawing/2010/main" w="9525">
                   <a:solidFill>
                     <a:srgbClr val="000000"/>
                   </a:solidFill>
@@ -4880,7 +4881,7 @@
             </a:ln>
             <a:extLst>
               <a:ext uri="{91240B29-F687-4f45-9708-019B960494DF}">
-                <a14:hiddenLine xmlns:a14="http://schemas.microsoft.com/office/drawing/2010/main" xmlns="" w="9525">
+                <a14:hiddenLine xmlns="" xmlns:a14="http://schemas.microsoft.com/office/drawing/2010/main" w="9525">
                   <a:solidFill>
                     <a:srgbClr val="000000"/>
                   </a:solidFill>
@@ -4914,7 +4915,7 @@
             </a:ln>
             <a:extLst>
               <a:ext uri="{91240B29-F687-4f45-9708-019B960494DF}">
-                <a14:hiddenLine xmlns:a14="http://schemas.microsoft.com/office/drawing/2010/main" xmlns="" w="9525">
+                <a14:hiddenLine xmlns="" xmlns:a14="http://schemas.microsoft.com/office/drawing/2010/main" w="9525">
                   <a:solidFill>
                     <a:srgbClr val="000000"/>
                   </a:solidFill>
@@ -4979,7 +4980,7 @@
             </a:ln>
             <a:extLst>
               <a:ext uri="{91240B29-F687-4f45-9708-019B960494DF}">
-                <a14:hiddenLine xmlns:a14="http://schemas.microsoft.com/office/drawing/2010/main" xmlns="" w="9525">
+                <a14:hiddenLine xmlns="" xmlns:a14="http://schemas.microsoft.com/office/drawing/2010/main" w="9525">
                   <a:solidFill>
                     <a:srgbClr val="000000"/>
                   </a:solidFill>
@@ -5069,7 +5070,7 @@
             </a:ln>
             <a:extLst>
               <a:ext uri="{91240B29-F687-4f45-9708-019B960494DF}">
-                <a14:hiddenLine xmlns:a14="http://schemas.microsoft.com/office/drawing/2010/main" xmlns="" w="9525">
+                <a14:hiddenLine xmlns="" xmlns:a14="http://schemas.microsoft.com/office/drawing/2010/main" w="9525">
                   <a:solidFill>
                     <a:srgbClr val="000000"/>
                   </a:solidFill>
@@ -5131,7 +5132,7 @@
             </a:ln>
             <a:extLst>
               <a:ext uri="{91240B29-F687-4f45-9708-019B960494DF}">
-                <a14:hiddenLine xmlns:a14="http://schemas.microsoft.com/office/drawing/2010/main" xmlns="" w="9525">
+                <a14:hiddenLine xmlns="" xmlns:a14="http://schemas.microsoft.com/office/drawing/2010/main" w="9525">
                   <a:solidFill>
                     <a:srgbClr val="000000"/>
                   </a:solidFill>
@@ -5221,7 +5222,7 @@
             </a:ln>
             <a:extLst>
               <a:ext uri="{91240B29-F687-4f45-9708-019B960494DF}">
-                <a14:hiddenLine xmlns:a14="http://schemas.microsoft.com/office/drawing/2010/main" xmlns="" w="9525">
+                <a14:hiddenLine xmlns="" xmlns:a14="http://schemas.microsoft.com/office/drawing/2010/main" w="9525">
                   <a:solidFill>
                     <a:srgbClr val="000000"/>
                   </a:solidFill>
@@ -5311,7 +5312,7 @@
             </a:ln>
             <a:extLst>
               <a:ext uri="{91240B29-F687-4f45-9708-019B960494DF}">
-                <a14:hiddenLine xmlns:a14="http://schemas.microsoft.com/office/drawing/2010/main" xmlns="" w="9525">
+                <a14:hiddenLine xmlns="" xmlns:a14="http://schemas.microsoft.com/office/drawing/2010/main" w="9525">
                   <a:solidFill>
                     <a:srgbClr val="000000"/>
                   </a:solidFill>
@@ -5376,7 +5377,7 @@
             </a:ln>
             <a:extLst>
               <a:ext uri="{91240B29-F687-4f45-9708-019B960494DF}">
-                <a14:hiddenLine xmlns:a14="http://schemas.microsoft.com/office/drawing/2010/main" xmlns="" w="9525">
+                <a14:hiddenLine xmlns="" xmlns:a14="http://schemas.microsoft.com/office/drawing/2010/main" w="9525">
                   <a:solidFill>
                     <a:srgbClr val="000000"/>
                   </a:solidFill>
@@ -5438,7 +5439,7 @@
             </a:ln>
             <a:extLst>
               <a:ext uri="{91240B29-F687-4f45-9708-019B960494DF}">
-                <a14:hiddenLine xmlns:a14="http://schemas.microsoft.com/office/drawing/2010/main" xmlns="" w="9525">
+                <a14:hiddenLine xmlns="" xmlns:a14="http://schemas.microsoft.com/office/drawing/2010/main" w="9525">
                   <a:solidFill>
                     <a:srgbClr val="000000"/>
                   </a:solidFill>
@@ -5528,7 +5529,7 @@
             </a:ln>
             <a:extLst>
               <a:ext uri="{91240B29-F687-4f45-9708-019B960494DF}">
-                <a14:hiddenLine xmlns:a14="http://schemas.microsoft.com/office/drawing/2010/main" xmlns="" w="9525">
+                <a14:hiddenLine xmlns="" xmlns:a14="http://schemas.microsoft.com/office/drawing/2010/main" w="9525">
                   <a:solidFill>
                     <a:srgbClr val="000000"/>
                   </a:solidFill>
@@ -5618,7 +5619,7 @@
             </a:ln>
             <a:extLst>
               <a:ext uri="{91240B29-F687-4f45-9708-019B960494DF}">
-                <a14:hiddenLine xmlns:a14="http://schemas.microsoft.com/office/drawing/2010/main" xmlns="" w="9525">
+                <a14:hiddenLine xmlns="" xmlns:a14="http://schemas.microsoft.com/office/drawing/2010/main" w="9525">
                   <a:solidFill>
                     <a:srgbClr val="000000"/>
                   </a:solidFill>
@@ -5680,7 +5681,7 @@
             </a:ln>
             <a:extLst>
               <a:ext uri="{91240B29-F687-4f45-9708-019B960494DF}">
-                <a14:hiddenLine xmlns:a14="http://schemas.microsoft.com/office/drawing/2010/main" xmlns="" w="9525">
+                <a14:hiddenLine xmlns="" xmlns:a14="http://schemas.microsoft.com/office/drawing/2010/main" w="9525">
                   <a:solidFill>
                     <a:srgbClr val="000000"/>
                   </a:solidFill>
@@ -5800,7 +5801,7 @@
             </a:ln>
             <a:extLst>
               <a:ext uri="{91240B29-F687-4f45-9708-019B960494DF}">
-                <a14:hiddenLine xmlns:a14="http://schemas.microsoft.com/office/drawing/2010/main" xmlns="" w="9525">
+                <a14:hiddenLine xmlns="" xmlns:a14="http://schemas.microsoft.com/office/drawing/2010/main" w="9525">
                   <a:solidFill>
                     <a:srgbClr val="000000"/>
                   </a:solidFill>
@@ -5868,7 +5869,7 @@
             </a:ln>
             <a:extLst>
               <a:ext uri="{91240B29-F687-4f45-9708-019B960494DF}">
-                <a14:hiddenLine xmlns:a14="http://schemas.microsoft.com/office/drawing/2010/main" xmlns="" w="9525">
+                <a14:hiddenLine xmlns="" xmlns:a14="http://schemas.microsoft.com/office/drawing/2010/main" w="9525">
                   <a:solidFill>
                     <a:srgbClr val="000000"/>
                   </a:solidFill>
@@ -5958,7 +5959,7 @@
             </a:ln>
             <a:extLst>
               <a:ext uri="{91240B29-F687-4f45-9708-019B960494DF}">
-                <a14:hiddenLine xmlns:a14="http://schemas.microsoft.com/office/drawing/2010/main" xmlns="" w="9525">
+                <a14:hiddenLine xmlns="" xmlns:a14="http://schemas.microsoft.com/office/drawing/2010/main" w="9525">
                   <a:solidFill>
                     <a:srgbClr val="000000"/>
                   </a:solidFill>
@@ -6099,7 +6100,7 @@
             <a:pPr rtl="0"/>
             <a:fld id="{9F07C412-3A91-42D6-9B61-4FCDC427A2DF}" type="datetime1">
               <a:rPr lang="it-IT" noProof="0" smtClean="0"/>
-              <a:t>15/02/2025</a:t>
+              <a:t>21/02/2025</a:t>
             </a:fld>
             <a:endParaRPr lang="it-IT" noProof="0"/>
           </a:p>
@@ -6368,7 +6369,7 @@
             <a:pPr rtl="0"/>
             <a:fld id="{0E5F0924-62E5-463C-8BF5-2B1C587AAB62}" type="datetime1">
               <a:rPr lang="it-IT" noProof="0" smtClean="0"/>
-              <a:t>15/02/2025</a:t>
+              <a:t>21/02/2025</a:t>
             </a:fld>
             <a:endParaRPr lang="it-IT" noProof="0"/>
           </a:p>
@@ -6567,7 +6568,7 @@
             <a:pPr rtl="0"/>
             <a:fld id="{2418E10D-0776-44D6-963B-DC0E8263B4A3}" type="datetime1">
               <a:rPr lang="it-IT" noProof="0" smtClean="0"/>
-              <a:t>15/02/2025</a:t>
+              <a:t>21/02/2025</a:t>
             </a:fld>
             <a:endParaRPr lang="it-IT" noProof="0"/>
           </a:p>
@@ -6833,7 +6834,7 @@
             <a:pPr rtl="0"/>
             <a:fld id="{A4B6D974-EE66-4A1B-A230-B07D9415C521}" type="datetime1">
               <a:rPr lang="it-IT" noProof="0" smtClean="0"/>
-              <a:t>15/02/2025</a:t>
+              <a:t>21/02/2025</a:t>
             </a:fld>
             <a:endParaRPr lang="it-IT" noProof="0"/>
           </a:p>
@@ -7270,7 +7271,7 @@
             <a:pPr rtl="0"/>
             <a:fld id="{B8CBCA41-3B27-42BB-A896-14406F9B4BB2}" type="datetime1">
               <a:rPr lang="it-IT" noProof="0" smtClean="0"/>
-              <a:t>15/02/2025</a:t>
+              <a:t>21/02/2025</a:t>
             </a:fld>
             <a:endParaRPr lang="it-IT" noProof="0"/>
           </a:p>
@@ -7819,7 +7820,7 @@
             <a:pPr rtl="0"/>
             <a:fld id="{0DDBE533-468B-4DF8-989E-AE4D84890758}" type="datetime1">
               <a:rPr lang="it-IT" noProof="0" smtClean="0"/>
-              <a:t>15/02/2025</a:t>
+              <a:t>21/02/2025</a:t>
             </a:fld>
             <a:endParaRPr lang="it-IT" noProof="0"/>
           </a:p>
@@ -8543,7 +8544,7 @@
             <a:pPr rtl="0"/>
             <a:fld id="{CF450CD3-1E9A-42ED-B6B3-2B7762497156}" type="datetime1">
               <a:rPr lang="it-IT" noProof="0" smtClean="0"/>
-              <a:t>15/02/2025</a:t>
+              <a:t>21/02/2025</a:t>
             </a:fld>
             <a:endParaRPr lang="it-IT" noProof="0"/>
           </a:p>
@@ -8719,7 +8720,7 @@
             <a:pPr rtl="0"/>
             <a:fld id="{2FA54109-2DBF-44E4-B491-5C8B534E9B1F}" type="datetime1">
               <a:rPr lang="it-IT" noProof="0" smtClean="0"/>
-              <a:t>15/02/2025</a:t>
+              <a:t>21/02/2025</a:t>
             </a:fld>
             <a:endParaRPr lang="it-IT" noProof="0"/>
           </a:p>
@@ -8905,7 +8906,7 @@
             <a:pPr rtl="0"/>
             <a:fld id="{D3CC41FE-9AED-44D9-BC63-8BB1EF16618B}" type="datetime1">
               <a:rPr lang="it-IT" noProof="0" smtClean="0"/>
-              <a:t>15/02/2025</a:t>
+              <a:t>21/02/2025</a:t>
             </a:fld>
             <a:endParaRPr lang="it-IT" noProof="0"/>
           </a:p>
@@ -9081,7 +9082,7 @@
             <a:pPr rtl="0"/>
             <a:fld id="{F93AB055-364E-487C-A7AC-4F0B10DC386A}" type="datetime1">
               <a:rPr lang="it-IT" noProof="0" smtClean="0"/>
-              <a:t>15/02/2025</a:t>
+              <a:t>21/02/2025</a:t>
             </a:fld>
             <a:endParaRPr lang="it-IT" noProof="0"/>
           </a:p>
@@ -9334,7 +9335,7 @@
             <a:pPr rtl="0"/>
             <a:fld id="{AFBFA9F5-A62B-4527-A612-E4EF95C576C6}" type="datetime1">
               <a:rPr lang="it-IT" noProof="0" smtClean="0"/>
-              <a:t>15/02/2025</a:t>
+              <a:t>21/02/2025</a:t>
             </a:fld>
             <a:endParaRPr lang="it-IT" noProof="0"/>
           </a:p>
@@ -9575,7 +9576,7 @@
             <a:pPr rtl="0"/>
             <a:fld id="{65A3CC1B-4CC0-43F6-B4FE-A108262B34F1}" type="datetime1">
               <a:rPr lang="it-IT" noProof="0" smtClean="0"/>
-              <a:t>15/02/2025</a:t>
+              <a:t>21/02/2025</a:t>
             </a:fld>
             <a:endParaRPr lang="it-IT" noProof="0"/>
           </a:p>
@@ -9965,7 +9966,7 @@
             <a:pPr rtl="0"/>
             <a:fld id="{6F7EC582-D1B1-4956-8471-5858519B7C3E}" type="datetime1">
               <a:rPr lang="it-IT" noProof="0" smtClean="0"/>
-              <a:t>15/02/2025</a:t>
+              <a:t>21/02/2025</a:t>
             </a:fld>
             <a:endParaRPr lang="it-IT" noProof="0"/>
           </a:p>
@@ -10086,7 +10087,7 @@
             <a:pPr rtl="0"/>
             <a:fld id="{7F2E543F-C901-4A41-AEA4-880C40EA1C68}" type="datetime1">
               <a:rPr lang="it-IT" noProof="0" smtClean="0"/>
-              <a:t>15/02/2025</a:t>
+              <a:t>21/02/2025</a:t>
             </a:fld>
             <a:endParaRPr lang="it-IT" noProof="0"/>
           </a:p>
@@ -10184,7 +10185,7 @@
             <a:pPr rtl="0"/>
             <a:fld id="{43628562-FD3D-4B47-BC1E-58BECF47F1DB}" type="datetime1">
               <a:rPr lang="it-IT" noProof="0" smtClean="0"/>
-              <a:t>15/02/2025</a:t>
+              <a:t>21/02/2025</a:t>
             </a:fld>
             <a:endParaRPr lang="it-IT" noProof="0"/>
           </a:p>
@@ -10439,7 +10440,7 @@
             <a:pPr rtl="0"/>
             <a:fld id="{83D084F5-34B4-46AE-8DB4-08A7B0B97DD5}" type="datetime1">
               <a:rPr lang="it-IT" noProof="0" smtClean="0"/>
-              <a:t>15/02/2025</a:t>
+              <a:t>21/02/2025</a:t>
             </a:fld>
             <a:endParaRPr lang="it-IT" noProof="0"/>
           </a:p>
@@ -10722,7 +10723,7 @@
             <a:pPr rtl="0"/>
             <a:fld id="{5C4E6ABF-EADB-4B87-94E5-A6252FA0837A}" type="datetime1">
               <a:rPr lang="it-IT" noProof="0" smtClean="0"/>
-              <a:t>15/02/2025</a:t>
+              <a:t>21/02/2025</a:t>
             </a:fld>
             <a:endParaRPr lang="it-IT" noProof="0"/>
           </a:p>
@@ -10847,7 +10848,7 @@
           <a:noFill/>
           <a:extLst>
             <a:ext uri="{909E8E84-426E-40dd-AFC4-6F175D3DCCD1}">
-              <a14:hiddenFill xmlns:a14="http://schemas.microsoft.com/office/drawing/2010/main" xmlns="">
+              <a14:hiddenFill xmlns="" xmlns:a14="http://schemas.microsoft.com/office/drawing/2010/main">
                 <a:solidFill>
                   <a:srgbClr val="FFFFFF"/>
                 </a:solidFill>
@@ -10921,7 +10922,7 @@
               </a:ln>
               <a:extLst>
                 <a:ext uri="{91240B29-F687-4f45-9708-019B960494DF}">
-                  <a14:hiddenLine xmlns:a14="http://schemas.microsoft.com/office/drawing/2010/main" xmlns="" w="9525">
+                  <a14:hiddenLine xmlns="" xmlns:a14="http://schemas.microsoft.com/office/drawing/2010/main" w="9525">
                     <a:solidFill>
                       <a:srgbClr val="000000"/>
                     </a:solidFill>
@@ -11011,7 +11012,7 @@
               </a:ln>
               <a:extLst>
                 <a:ext uri="{91240B29-F687-4f45-9708-019B960494DF}">
-                  <a14:hiddenLine xmlns:a14="http://schemas.microsoft.com/office/drawing/2010/main" xmlns="" w="9525">
+                  <a14:hiddenLine xmlns="" xmlns:a14="http://schemas.microsoft.com/office/drawing/2010/main" w="9525">
                     <a:solidFill>
                       <a:srgbClr val="000000"/>
                     </a:solidFill>
@@ -11101,7 +11102,7 @@
               </a:ln>
               <a:extLst>
                 <a:ext uri="{91240B29-F687-4f45-9708-019B960494DF}">
-                  <a14:hiddenLine xmlns:a14="http://schemas.microsoft.com/office/drawing/2010/main" xmlns="" w="9525">
+                  <a14:hiddenLine xmlns="" xmlns:a14="http://schemas.microsoft.com/office/drawing/2010/main" w="9525">
                     <a:solidFill>
                       <a:srgbClr val="000000"/>
                     </a:solidFill>
@@ -11163,7 +11164,7 @@
               </a:ln>
               <a:extLst>
                 <a:ext uri="{91240B29-F687-4f45-9708-019B960494DF}">
-                  <a14:hiddenLine xmlns:a14="http://schemas.microsoft.com/office/drawing/2010/main" xmlns="" w="9525">
+                  <a14:hiddenLine xmlns="" xmlns:a14="http://schemas.microsoft.com/office/drawing/2010/main" w="9525">
                     <a:solidFill>
                       <a:srgbClr val="000000"/>
                     </a:solidFill>
@@ -11253,7 +11254,7 @@
               </a:ln>
               <a:extLst>
                 <a:ext uri="{91240B29-F687-4f45-9708-019B960494DF}">
-                  <a14:hiddenLine xmlns:a14="http://schemas.microsoft.com/office/drawing/2010/main" xmlns="" w="9525">
+                  <a14:hiddenLine xmlns="" xmlns:a14="http://schemas.microsoft.com/office/drawing/2010/main" w="9525">
                     <a:solidFill>
                       <a:srgbClr val="000000"/>
                     </a:solidFill>
@@ -11315,7 +11316,7 @@
               </a:ln>
               <a:extLst>
                 <a:ext uri="{91240B29-F687-4f45-9708-019B960494DF}">
-                  <a14:hiddenLine xmlns:a14="http://schemas.microsoft.com/office/drawing/2010/main" xmlns="" w="9525">
+                  <a14:hiddenLine xmlns="" xmlns:a14="http://schemas.microsoft.com/office/drawing/2010/main" w="9525">
                     <a:solidFill>
                       <a:srgbClr val="000000"/>
                     </a:solidFill>
@@ -11377,7 +11378,7 @@
               </a:ln>
               <a:extLst>
                 <a:ext uri="{91240B29-F687-4f45-9708-019B960494DF}">
-                  <a14:hiddenLine xmlns:a14="http://schemas.microsoft.com/office/drawing/2010/main" xmlns="" w="9525">
+                  <a14:hiddenLine xmlns="" xmlns:a14="http://schemas.microsoft.com/office/drawing/2010/main" w="9525">
                     <a:solidFill>
                       <a:srgbClr val="000000"/>
                     </a:solidFill>
@@ -11467,7 +11468,7 @@
               </a:ln>
               <a:extLst>
                 <a:ext uri="{91240B29-F687-4f45-9708-019B960494DF}">
-                  <a14:hiddenLine xmlns:a14="http://schemas.microsoft.com/office/drawing/2010/main" xmlns="" w="9525">
+                  <a14:hiddenLine xmlns="" xmlns:a14="http://schemas.microsoft.com/office/drawing/2010/main" w="9525">
                     <a:solidFill>
                       <a:srgbClr val="000000"/>
                     </a:solidFill>
@@ -11557,7 +11558,7 @@
               </a:ln>
               <a:extLst>
                 <a:ext uri="{91240B29-F687-4f45-9708-019B960494DF}">
-                  <a14:hiddenLine xmlns:a14="http://schemas.microsoft.com/office/drawing/2010/main" xmlns="" w="9525">
+                  <a14:hiddenLine xmlns="" xmlns:a14="http://schemas.microsoft.com/office/drawing/2010/main" w="9525">
                     <a:solidFill>
                       <a:srgbClr val="000000"/>
                     </a:solidFill>
@@ -11619,7 +11620,7 @@
               </a:ln>
               <a:extLst>
                 <a:ext uri="{91240B29-F687-4f45-9708-019B960494DF}">
-                  <a14:hiddenLine xmlns:a14="http://schemas.microsoft.com/office/drawing/2010/main" xmlns="" w="9525">
+                  <a14:hiddenLine xmlns="" xmlns:a14="http://schemas.microsoft.com/office/drawing/2010/main" w="9525">
                     <a:solidFill>
                       <a:srgbClr val="000000"/>
                     </a:solidFill>
@@ -11729,7 +11730,7 @@
               </a:ln>
               <a:extLst>
                 <a:ext uri="{91240B29-F687-4f45-9708-019B960494DF}">
-                  <a14:hiddenLine xmlns:a14="http://schemas.microsoft.com/office/drawing/2010/main" xmlns="" w="9525">
+                  <a14:hiddenLine xmlns="" xmlns:a14="http://schemas.microsoft.com/office/drawing/2010/main" w="9525">
                     <a:solidFill>
                       <a:srgbClr val="000000"/>
                     </a:solidFill>
@@ -11813,7 +11814,7 @@
               </a:ln>
               <a:extLst>
                 <a:ext uri="{91240B29-F687-4f45-9708-019B960494DF}">
-                  <a14:hiddenLine xmlns:a14="http://schemas.microsoft.com/office/drawing/2010/main" xmlns="" w="9525">
+                  <a14:hiddenLine xmlns="" xmlns:a14="http://schemas.microsoft.com/office/drawing/2010/main" w="9525">
                     <a:solidFill>
                       <a:srgbClr val="000000"/>
                     </a:solidFill>
@@ -11875,7 +11876,7 @@
               </a:ln>
               <a:extLst>
                 <a:ext uri="{91240B29-F687-4f45-9708-019B960494DF}">
-                  <a14:hiddenLine xmlns:a14="http://schemas.microsoft.com/office/drawing/2010/main" xmlns="" w="9525">
+                  <a14:hiddenLine xmlns="" xmlns:a14="http://schemas.microsoft.com/office/drawing/2010/main" w="9525">
                     <a:solidFill>
                       <a:srgbClr val="000000"/>
                     </a:solidFill>
@@ -11937,7 +11938,7 @@
               </a:ln>
               <a:extLst>
                 <a:ext uri="{91240B29-F687-4f45-9708-019B960494DF}">
-                  <a14:hiddenLine xmlns:a14="http://schemas.microsoft.com/office/drawing/2010/main" xmlns="" w="9525">
+                  <a14:hiddenLine xmlns="" xmlns:a14="http://schemas.microsoft.com/office/drawing/2010/main" w="9525">
                     <a:solidFill>
                       <a:srgbClr val="000000"/>
                     </a:solidFill>
@@ -12027,7 +12028,7 @@
               </a:ln>
               <a:extLst>
                 <a:ext uri="{91240B29-F687-4f45-9708-019B960494DF}">
-                  <a14:hiddenLine xmlns:a14="http://schemas.microsoft.com/office/drawing/2010/main" xmlns="" w="9525">
+                  <a14:hiddenLine xmlns="" xmlns:a14="http://schemas.microsoft.com/office/drawing/2010/main" w="9525">
                     <a:solidFill>
                       <a:srgbClr val="000000"/>
                     </a:solidFill>
@@ -12061,7 +12062,7 @@
               </a:ln>
               <a:extLst>
                 <a:ext uri="{91240B29-F687-4f45-9708-019B960494DF}">
-                  <a14:hiddenLine xmlns:a14="http://schemas.microsoft.com/office/drawing/2010/main" xmlns="" w="9525">
+                  <a14:hiddenLine xmlns="" xmlns:a14="http://schemas.microsoft.com/office/drawing/2010/main" w="9525">
                     <a:solidFill>
                       <a:srgbClr val="000000"/>
                     </a:solidFill>
@@ -12126,7 +12127,7 @@
               </a:ln>
               <a:extLst>
                 <a:ext uri="{91240B29-F687-4f45-9708-019B960494DF}">
-                  <a14:hiddenLine xmlns:a14="http://schemas.microsoft.com/office/drawing/2010/main" xmlns="" w="9525">
+                  <a14:hiddenLine xmlns="" xmlns:a14="http://schemas.microsoft.com/office/drawing/2010/main" w="9525">
                     <a:solidFill>
                       <a:srgbClr val="000000"/>
                     </a:solidFill>
@@ -12216,7 +12217,7 @@
               </a:ln>
               <a:extLst>
                 <a:ext uri="{91240B29-F687-4f45-9708-019B960494DF}">
-                  <a14:hiddenLine xmlns:a14="http://schemas.microsoft.com/office/drawing/2010/main" xmlns="" w="9525">
+                  <a14:hiddenLine xmlns="" xmlns:a14="http://schemas.microsoft.com/office/drawing/2010/main" w="9525">
                     <a:solidFill>
                       <a:srgbClr val="000000"/>
                     </a:solidFill>
@@ -12278,7 +12279,7 @@
               </a:ln>
               <a:extLst>
                 <a:ext uri="{91240B29-F687-4f45-9708-019B960494DF}">
-                  <a14:hiddenLine xmlns:a14="http://schemas.microsoft.com/office/drawing/2010/main" xmlns="" w="9525">
+                  <a14:hiddenLine xmlns="" xmlns:a14="http://schemas.microsoft.com/office/drawing/2010/main" w="9525">
                     <a:solidFill>
                       <a:srgbClr val="000000"/>
                     </a:solidFill>
@@ -12368,7 +12369,7 @@
               </a:ln>
               <a:extLst>
                 <a:ext uri="{91240B29-F687-4f45-9708-019B960494DF}">
-                  <a14:hiddenLine xmlns:a14="http://schemas.microsoft.com/office/drawing/2010/main" xmlns="" w="9525">
+                  <a14:hiddenLine xmlns="" xmlns:a14="http://schemas.microsoft.com/office/drawing/2010/main" w="9525">
                     <a:solidFill>
                       <a:srgbClr val="000000"/>
                     </a:solidFill>
@@ -12433,7 +12434,7 @@
               </a:ln>
               <a:extLst>
                 <a:ext uri="{91240B29-F687-4f45-9708-019B960494DF}">
-                  <a14:hiddenLine xmlns:a14="http://schemas.microsoft.com/office/drawing/2010/main" xmlns="" w="9525">
+                  <a14:hiddenLine xmlns="" xmlns:a14="http://schemas.microsoft.com/office/drawing/2010/main" w="9525">
                     <a:solidFill>
                       <a:srgbClr val="000000"/>
                     </a:solidFill>
@@ -12495,7 +12496,7 @@
               </a:ln>
               <a:extLst>
                 <a:ext uri="{91240B29-F687-4f45-9708-019B960494DF}">
-                  <a14:hiddenLine xmlns:a14="http://schemas.microsoft.com/office/drawing/2010/main" xmlns="" w="9525">
+                  <a14:hiddenLine xmlns="" xmlns:a14="http://schemas.microsoft.com/office/drawing/2010/main" w="9525">
                     <a:solidFill>
                       <a:srgbClr val="000000"/>
                     </a:solidFill>
@@ -12585,7 +12586,7 @@
               </a:ln>
               <a:extLst>
                 <a:ext uri="{91240B29-F687-4f45-9708-019B960494DF}">
-                  <a14:hiddenLine xmlns:a14="http://schemas.microsoft.com/office/drawing/2010/main" xmlns="" w="9525">
+                  <a14:hiddenLine xmlns="" xmlns:a14="http://schemas.microsoft.com/office/drawing/2010/main" w="9525">
                     <a:solidFill>
                       <a:srgbClr val="000000"/>
                     </a:solidFill>
@@ -12675,7 +12676,7 @@
               </a:ln>
               <a:extLst>
                 <a:ext uri="{91240B29-F687-4f45-9708-019B960494DF}">
-                  <a14:hiddenLine xmlns:a14="http://schemas.microsoft.com/office/drawing/2010/main" xmlns="" w="9525">
+                  <a14:hiddenLine xmlns="" xmlns:a14="http://schemas.microsoft.com/office/drawing/2010/main" w="9525">
                     <a:solidFill>
                       <a:srgbClr val="000000"/>
                     </a:solidFill>
@@ -12740,7 +12741,7 @@
               </a:ln>
               <a:extLst>
                 <a:ext uri="{91240B29-F687-4f45-9708-019B960494DF}">
-                  <a14:hiddenLine xmlns:a14="http://schemas.microsoft.com/office/drawing/2010/main" xmlns="" w="9525">
+                  <a14:hiddenLine xmlns="" xmlns:a14="http://schemas.microsoft.com/office/drawing/2010/main" w="9525">
                     <a:solidFill>
                       <a:srgbClr val="000000"/>
                     </a:solidFill>
@@ -12860,7 +12861,7 @@
               </a:ln>
               <a:extLst>
                 <a:ext uri="{91240B29-F687-4f45-9708-019B960494DF}">
-                  <a14:hiddenLine xmlns:a14="http://schemas.microsoft.com/office/drawing/2010/main" xmlns="" w="9525">
+                  <a14:hiddenLine xmlns="" xmlns:a14="http://schemas.microsoft.com/office/drawing/2010/main" w="9525">
                     <a:solidFill>
                       <a:srgbClr val="000000"/>
                     </a:solidFill>
@@ -12941,7 +12942,7 @@
               </a:ln>
               <a:extLst>
                 <a:ext uri="{91240B29-F687-4f45-9708-019B960494DF}">
-                  <a14:hiddenLine xmlns:a14="http://schemas.microsoft.com/office/drawing/2010/main" xmlns="" w="9525">
+                  <a14:hiddenLine xmlns="" xmlns:a14="http://schemas.microsoft.com/office/drawing/2010/main" w="9525">
                     <a:solidFill>
                       <a:srgbClr val="000000"/>
                     </a:solidFill>
@@ -13056,7 +13057,7 @@
               </a:ln>
               <a:extLst>
                 <a:ext uri="{91240B29-F687-4f45-9708-019B960494DF}">
-                  <a14:hiddenLine xmlns:a14="http://schemas.microsoft.com/office/drawing/2010/main" xmlns="" w="9525">
+                  <a14:hiddenLine xmlns="" xmlns:a14="http://schemas.microsoft.com/office/drawing/2010/main" w="9525">
                     <a:solidFill>
                       <a:srgbClr val="000000"/>
                     </a:solidFill>
@@ -13146,7 +13147,7 @@
               </a:ln>
               <a:extLst>
                 <a:ext uri="{91240B29-F687-4f45-9708-019B960494DF}">
-                  <a14:hiddenLine xmlns:a14="http://schemas.microsoft.com/office/drawing/2010/main" xmlns="" w="9525">
+                  <a14:hiddenLine xmlns="" xmlns:a14="http://schemas.microsoft.com/office/drawing/2010/main" w="9525">
                     <a:solidFill>
                       <a:srgbClr val="000000"/>
                     </a:solidFill>
@@ -13211,7 +13212,7 @@
               </a:ln>
               <a:extLst>
                 <a:ext uri="{91240B29-F687-4f45-9708-019B960494DF}">
-                  <a14:hiddenLine xmlns:a14="http://schemas.microsoft.com/office/drawing/2010/main" xmlns="" w="9525">
+                  <a14:hiddenLine xmlns="" xmlns:a14="http://schemas.microsoft.com/office/drawing/2010/main" w="9525">
                     <a:solidFill>
                       <a:srgbClr val="000000"/>
                     </a:solidFill>
@@ -13301,7 +13302,7 @@
               </a:ln>
               <a:extLst>
                 <a:ext uri="{91240B29-F687-4f45-9708-019B960494DF}">
-                  <a14:hiddenLine xmlns:a14="http://schemas.microsoft.com/office/drawing/2010/main" xmlns="" w="9525">
+                  <a14:hiddenLine xmlns="" xmlns:a14="http://schemas.microsoft.com/office/drawing/2010/main" w="9525">
                     <a:solidFill>
                       <a:srgbClr val="000000"/>
                     </a:solidFill>
@@ -13369,7 +13370,7 @@
               </a:ln>
               <a:extLst>
                 <a:ext uri="{91240B29-F687-4f45-9708-019B960494DF}">
-                  <a14:hiddenLine xmlns:a14="http://schemas.microsoft.com/office/drawing/2010/main" xmlns="" w="9525">
+                  <a14:hiddenLine xmlns="" xmlns:a14="http://schemas.microsoft.com/office/drawing/2010/main" w="9525">
                     <a:solidFill>
                       <a:srgbClr val="000000"/>
                     </a:solidFill>
@@ -13459,7 +13460,7 @@
               </a:ln>
               <a:extLst>
                 <a:ext uri="{91240B29-F687-4f45-9708-019B960494DF}">
-                  <a14:hiddenLine xmlns:a14="http://schemas.microsoft.com/office/drawing/2010/main" xmlns="" w="9525">
+                  <a14:hiddenLine xmlns="" xmlns:a14="http://schemas.microsoft.com/office/drawing/2010/main" w="9525">
                     <a:solidFill>
                       <a:srgbClr val="000000"/>
                     </a:solidFill>
@@ -13527,7 +13528,7 @@
               </a:ln>
               <a:extLst>
                 <a:ext uri="{91240B29-F687-4f45-9708-019B960494DF}">
-                  <a14:hiddenLine xmlns:a14="http://schemas.microsoft.com/office/drawing/2010/main" xmlns="" w="9525">
+                  <a14:hiddenLine xmlns="" xmlns:a14="http://schemas.microsoft.com/office/drawing/2010/main" w="9525">
                     <a:solidFill>
                       <a:srgbClr val="000000"/>
                     </a:solidFill>
@@ -13617,7 +13618,7 @@
               </a:ln>
               <a:extLst>
                 <a:ext uri="{91240B29-F687-4f45-9708-019B960494DF}">
-                  <a14:hiddenLine xmlns:a14="http://schemas.microsoft.com/office/drawing/2010/main" xmlns="" w="9525">
+                  <a14:hiddenLine xmlns="" xmlns:a14="http://schemas.microsoft.com/office/drawing/2010/main" w="9525">
                     <a:solidFill>
                       <a:srgbClr val="000000"/>
                     </a:solidFill>
@@ -13651,7 +13652,7 @@
               </a:ln>
               <a:extLst>
                 <a:ext uri="{91240B29-F687-4f45-9708-019B960494DF}">
-                  <a14:hiddenLine xmlns:a14="http://schemas.microsoft.com/office/drawing/2010/main" xmlns="" w="9525">
+                  <a14:hiddenLine xmlns="" xmlns:a14="http://schemas.microsoft.com/office/drawing/2010/main" w="9525">
                     <a:solidFill>
                       <a:srgbClr val="000000"/>
                     </a:solidFill>
@@ -13792,7 +13793,7 @@
             <a:pPr rtl="0"/>
             <a:fld id="{C9D3B909-5AB1-46A3-A753-94B6F9B0BED5}" type="datetime1">
               <a:rPr lang="it-IT" noProof="0" smtClean="0"/>
-              <a:t>15/02/2025</a:t>
+              <a:t>21/02/2025</a:t>
             </a:fld>
             <a:endParaRPr lang="it-IT" noProof="0"/>
           </a:p>
@@ -14534,10 +14535,10 @@
       </p:sp>
       <p:pic>
         <p:nvPicPr>
-          <p:cNvPr id="3" name="Picture 2" descr="A graph with a line graph&#10;&#10;AI-generated content may be incorrect.">
+          <p:cNvPr id="11" name="Picture 10" descr="A black text with black text&#10;&#10;AI-generated content may be incorrect.">
             <a:extLst>
               <a:ext uri="{FF2B5EF4-FFF2-40B4-BE49-F238E27FC236}">
-                <a16:creationId xmlns:a16="http://schemas.microsoft.com/office/drawing/2014/main" id="{D81C0A34-E23D-2099-7982-F7FA168CB635}"/>
+                <a16:creationId xmlns:a16="http://schemas.microsoft.com/office/drawing/2014/main" id="{C12117CC-BA5D-FD91-E4DE-545E207D7B1F}"/>
               </a:ext>
             </a:extLst>
           </p:cNvPr>
@@ -14548,14 +14549,43 @@
         </p:nvPicPr>
         <p:blipFill>
           <a:blip r:embed="rId3"/>
+          <a:srcRect b="20232"/>
+          <a:stretch/>
+        </p:blipFill>
+        <p:spPr>
+          <a:xfrm>
+            <a:off x="2270066" y="3732494"/>
+            <a:ext cx="3575138" cy="571717"/>
+          </a:xfrm>
+          <a:prstGeom prst="rect">
+            <a:avLst/>
+          </a:prstGeom>
+        </p:spPr>
+      </p:pic>
+      <p:pic>
+        <p:nvPicPr>
+          <p:cNvPr id="8" name="Picture 7" descr="A graph with a line graph&#10;&#10;AI-generated content may be incorrect.">
+            <a:extLst>
+              <a:ext uri="{FF2B5EF4-FFF2-40B4-BE49-F238E27FC236}">
+                <a16:creationId xmlns:a16="http://schemas.microsoft.com/office/drawing/2014/main" id="{00ECF49A-4DA2-B18A-D60D-CA6C4B28F0E4}"/>
+              </a:ext>
+            </a:extLst>
+          </p:cNvPr>
+          <p:cNvPicPr>
+            <a:picLocks noChangeAspect="1"/>
+          </p:cNvPicPr>
+          <p:nvPr/>
+        </p:nvPicPr>
+        <p:blipFill>
+          <a:blip r:embed="rId4"/>
           <a:stretch>
             <a:fillRect/>
           </a:stretch>
         </p:blipFill>
         <p:spPr>
           <a:xfrm>
-            <a:off x="7214891" y="1391033"/>
-            <a:ext cx="3472252" cy="5062212"/>
+            <a:off x="7535232" y="1581934"/>
+            <a:ext cx="3240811" cy="4871310"/>
           </a:xfrm>
           <a:prstGeom prst="rect">
             <a:avLst/>
@@ -14564,10 +14594,10 @@
       </p:pic>
       <p:sp>
         <p:nvSpPr>
-          <p:cNvPr id="4" name="Oval 3">
+          <p:cNvPr id="7" name="Oval 6">
             <a:extLst>
               <a:ext uri="{FF2B5EF4-FFF2-40B4-BE49-F238E27FC236}">
-                <a16:creationId xmlns:a16="http://schemas.microsoft.com/office/drawing/2014/main" id="{1A913392-DE3B-7434-1EA5-762B23CF0992}"/>
+                <a16:creationId xmlns:a16="http://schemas.microsoft.com/office/drawing/2014/main" id="{8F68F11E-9C29-CDC2-5B26-27670983902C}"/>
               </a:ext>
             </a:extLst>
           </p:cNvPr>
@@ -14576,14 +14606,14 @@
         </p:nvSpPr>
         <p:spPr>
           <a:xfrm>
-            <a:off x="8631338" y="3224778"/>
-            <a:ext cx="55651" cy="45719"/>
+            <a:off x="8726289" y="3025908"/>
+            <a:ext cx="326271" cy="504692"/>
           </a:xfrm>
           <a:prstGeom prst="ellipse">
             <a:avLst/>
           </a:prstGeom>
           <a:noFill/>
-          <a:ln>
+          <a:ln w="38100">
             <a:solidFill>
               <a:srgbClr val="FF0000"/>
             </a:solidFill>
@@ -14610,39 +14640,10 @@
           <a:lstStyle/>
           <a:p>
             <a:pPr algn="ctr"/>
-            <a:endParaRPr lang="en-GB"/>
+            <a:endParaRPr lang="en-GB" dirty="0"/>
           </a:p>
         </p:txBody>
       </p:sp>
-      <p:pic>
-        <p:nvPicPr>
-          <p:cNvPr id="11" name="Picture 10" descr="A black text with black text&#10;&#10;AI-generated content may be incorrect.">
-            <a:extLst>
-              <a:ext uri="{FF2B5EF4-FFF2-40B4-BE49-F238E27FC236}">
-                <a16:creationId xmlns:a16="http://schemas.microsoft.com/office/drawing/2014/main" id="{C12117CC-BA5D-FD91-E4DE-545E207D7B1F}"/>
-              </a:ext>
-            </a:extLst>
-          </p:cNvPr>
-          <p:cNvPicPr>
-            <a:picLocks noChangeAspect="1"/>
-          </p:cNvPicPr>
-          <p:nvPr/>
-        </p:nvPicPr>
-        <p:blipFill>
-          <a:blip r:embed="rId4"/>
-          <a:srcRect b="20232"/>
-          <a:stretch/>
-        </p:blipFill>
-        <p:spPr>
-          <a:xfrm>
-            <a:off x="2270066" y="3732494"/>
-            <a:ext cx="3575138" cy="571717"/>
-          </a:xfrm>
-          <a:prstGeom prst="rect">
-            <a:avLst/>
-          </a:prstGeom>
-        </p:spPr>
-      </p:pic>
     </p:spTree>
     <p:extLst>
       <p:ext uri="{BB962C8B-B14F-4D97-AF65-F5344CB8AC3E}">
@@ -14971,7 +14972,7 @@
         <p:spPr>
           <a:xfrm>
             <a:off x="6527735" y="1357492"/>
-            <a:ext cx="4368865" cy="3970318"/>
+            <a:ext cx="4368865" cy="4247317"/>
           </a:xfrm>
           <a:prstGeom prst="rect">
             <a:avLst/>
@@ -15008,6 +15009,13 @@
               <a:rPr lang="it-IT" dirty="0"/>
               <a:t> electical natural frequencies</a:t>
             </a:r>
+          </a:p>
+          <a:p>
+            <a:pPr marL="285750" indent="-285750">
+              <a:buFontTx/>
+              <a:buChar char="-"/>
+            </a:pPr>
+            <a:endParaRPr lang="it-IT" dirty="0"/>
           </a:p>
           <a:p>
             <a:pPr marL="285750" indent="-285750">
@@ -15192,7 +15200,7 @@
         </p:blipFill>
         <p:spPr>
           <a:xfrm>
-            <a:off x="7236875" y="3028437"/>
+            <a:off x="7314690" y="3299645"/>
             <a:ext cx="2490087" cy="628428"/>
           </a:xfrm>
           <a:prstGeom prst="rect">
@@ -16357,7 +16365,7 @@
               <a:rPr lang="it-IT" sz="2800" dirty="0">
                 <a:latin typeface="Rockwell" panose="02060603020205020403" pitchFamily="18" charset="0"/>
               </a:rPr>
-              <a:t>Resistive</a:t>
+              <a:t>Double resonant shaunt</a:t>
             </a:r>
             <a:r>
               <a:rPr lang="it-IT" sz="4400" dirty="0">
@@ -16365,6 +16373,234 @@
               </a:rPr>
               <a:t> </a:t>
             </a:r>
+          </a:p>
+        </p:txBody>
+      </p:sp>
+      <p:sp>
+        <p:nvSpPr>
+          <p:cNvPr id="4" name="TextBox 3">
+            <a:extLst>
+              <a:ext uri="{FF2B5EF4-FFF2-40B4-BE49-F238E27FC236}">
+                <a16:creationId xmlns:a16="http://schemas.microsoft.com/office/drawing/2014/main" id="{F11A7F36-6F80-042B-643A-E4F1F94B0638}"/>
+              </a:ext>
+            </a:extLst>
+          </p:cNvPr>
+          <p:cNvSpPr txBox="1"/>
+          <p:nvPr/>
+        </p:nvSpPr>
+        <p:spPr>
+          <a:xfrm>
+            <a:off x="1074057" y="2090057"/>
+            <a:ext cx="9768115" cy="5170646"/>
+          </a:xfrm>
+          <a:prstGeom prst="rect">
+            <a:avLst/>
+          </a:prstGeom>
+          <a:noFill/>
+        </p:spPr>
+        <p:txBody>
+          <a:bodyPr wrap="square" rtlCol="0">
+            <a:spAutoFit/>
+          </a:bodyPr>
+          <a:lstStyle/>
+          <a:p>
+            <a:r>
+              <a:rPr lang="it-IT" sz="2000" dirty="0"/>
+              <a:t>For optimization of double piezo we will use two Resonant shaunt.</a:t>
+            </a:r>
+          </a:p>
+          <a:p>
+            <a:r>
+              <a:rPr lang="it-IT" sz="2000" dirty="0"/>
+              <a:t>So the opimization consist into finding the optimization of these parameters: </a:t>
+            </a:r>
+          </a:p>
+          <a:p>
+            <a:pPr marL="285750" indent="-285750">
+              <a:buFontTx/>
+              <a:buChar char="-"/>
+            </a:pPr>
+            <a:r>
+              <a:rPr lang="it-IT" sz="2000" b="1" dirty="0">
+                <a:latin typeface="Rockwell" panose="02060603020205020403" pitchFamily="18" charset="0"/>
+              </a:rPr>
+              <a:t>L1, R1 </a:t>
+            </a:r>
+            <a:r>
+              <a:rPr lang="it-IT" sz="2000" dirty="0"/>
+              <a:t>for the first piezoeletric bar</a:t>
+            </a:r>
+          </a:p>
+          <a:p>
+            <a:pPr marL="285750" indent="-285750">
+              <a:buFontTx/>
+              <a:buChar char="-"/>
+            </a:pPr>
+            <a:r>
+              <a:rPr lang="it-IT" sz="2000" b="1" dirty="0">
+                <a:latin typeface="Rockwell" panose="02060603020205020403" pitchFamily="18" charset="0"/>
+              </a:rPr>
+              <a:t>L2, R2 </a:t>
+            </a:r>
+            <a:r>
+              <a:rPr lang="it-IT" sz="2000" dirty="0"/>
+              <a:t>for the second piezoeletric bar </a:t>
+            </a:r>
+          </a:p>
+          <a:p>
+            <a:r>
+              <a:rPr lang="it-IT" sz="2000" dirty="0"/>
+              <a:t>The passage we followed for find this optimal values are:</a:t>
+            </a:r>
+          </a:p>
+          <a:p>
+            <a:r>
+              <a:rPr lang="it-IT" sz="2000" dirty="0"/>
+              <a:t>-   Try to use the optimal values for single piezo optimization (NOT GOOD)</a:t>
+            </a:r>
+          </a:p>
+          <a:p>
+            <a:pPr marL="285750" indent="-285750">
+              <a:buFontTx/>
+              <a:buChar char="-"/>
+            </a:pPr>
+            <a:r>
+              <a:rPr lang="it-IT" sz="2000" dirty="0"/>
+              <a:t>Find (</a:t>
+            </a:r>
+            <a:r>
+              <a:rPr lang="it-IT" sz="2000" b="1" dirty="0">
+                <a:latin typeface="Rockwell" panose="02060603020205020403" pitchFamily="18" charset="0"/>
+              </a:rPr>
+              <a:t>PHI</a:t>
+            </a:r>
+            <a:r>
+              <a:rPr lang="it-IT" sz="2000" dirty="0"/>
+              <a:t>) the mode shape of the bar (bacause there are bit difference between the analitic and measured peaks):</a:t>
+            </a:r>
+          </a:p>
+          <a:p>
+            <a:pPr marL="742950" lvl="1" indent="-285750">
+              <a:buFontTx/>
+              <a:buChar char="-"/>
+            </a:pPr>
+            <a:r>
+              <a:rPr lang="it-IT" sz="2000" dirty="0"/>
+              <a:t>Deduct the PHI values from the experimental FRF and use it for fit the analitic function</a:t>
+            </a:r>
+          </a:p>
+          <a:p>
+            <a:pPr marL="742950" lvl="1" indent="-285750">
+              <a:buFontTx/>
+              <a:buChar char="-"/>
+            </a:pPr>
+            <a:r>
+              <a:rPr lang="it-IT" sz="2000" dirty="0"/>
+              <a:t>Use the values of </a:t>
+            </a:r>
+            <a:r>
+              <a:rPr lang="it-IT" sz="2000" dirty="0">
+                <a:latin typeface="Rockwell" panose="02060603020205020403" pitchFamily="18" charset="0"/>
+              </a:rPr>
+              <a:t>PHI</a:t>
+            </a:r>
+            <a:r>
+              <a:rPr lang="it-IT" sz="2000" dirty="0"/>
+              <a:t> to </a:t>
+            </a:r>
+            <a:r>
+              <a:rPr lang="it-IT" sz="2000" b="1" dirty="0">
+                <a:latin typeface="Rockwell" panose="02060603020205020403" pitchFamily="18" charset="0"/>
+              </a:rPr>
+              <a:t>weigh</a:t>
+            </a:r>
+            <a:r>
+              <a:rPr lang="it-IT" sz="2000" dirty="0"/>
+              <a:t> also the values of analitic </a:t>
+            </a:r>
+            <a:r>
+              <a:rPr lang="it-IT" sz="2000" b="1" dirty="0">
+                <a:latin typeface="Rockwell" panose="02060603020205020403" pitchFamily="18" charset="0"/>
+              </a:rPr>
+              <a:t>H_rl_rl</a:t>
+            </a:r>
+          </a:p>
+          <a:p>
+            <a:pPr marL="742950" lvl="1" indent="-285750">
+              <a:buFontTx/>
+              <a:buChar char="-"/>
+            </a:pPr>
+            <a:r>
+              <a:rPr lang="it-IT" sz="2000" b="1" dirty="0">
+                <a:latin typeface="Rockwell" panose="02060603020205020403" pitchFamily="18" charset="0"/>
+              </a:rPr>
+              <a:t>Optimize</a:t>
+            </a:r>
+            <a:r>
+              <a:rPr lang="it-IT" sz="2000" dirty="0"/>
+              <a:t> </a:t>
+            </a:r>
+            <a:r>
+              <a:rPr lang="it-IT" sz="2000" b="1" dirty="0">
+                <a:latin typeface="Rockwell" panose="02060603020205020403" pitchFamily="18" charset="0"/>
+              </a:rPr>
+              <a:t>L</a:t>
+            </a:r>
+            <a:r>
+              <a:rPr lang="it-IT" sz="2000" dirty="0"/>
+              <a:t> into the H_rl_rl fitted</a:t>
+            </a:r>
+          </a:p>
+          <a:p>
+            <a:pPr marL="742950" lvl="1" indent="-285750">
+              <a:buFontTx/>
+              <a:buChar char="-"/>
+            </a:pPr>
+            <a:r>
+              <a:rPr lang="it-IT" sz="2000" b="1" dirty="0">
+                <a:latin typeface="Rockwell" panose="02060603020205020403" pitchFamily="18" charset="0"/>
+              </a:rPr>
+              <a:t>Optimize R</a:t>
+            </a:r>
+            <a:r>
+              <a:rPr lang="it-IT" sz="2000" dirty="0"/>
+              <a:t> into the H_rl_rl fitted</a:t>
+            </a:r>
+          </a:p>
+          <a:p>
+            <a:pPr marL="742950" lvl="1" indent="-285750">
+              <a:buFontTx/>
+              <a:buChar char="-"/>
+            </a:pPr>
+            <a:endParaRPr lang="en-GB" dirty="0"/>
+          </a:p>
+          <a:p>
+            <a:pPr marL="285750" indent="-285750">
+              <a:buFontTx/>
+              <a:buChar char="-"/>
+            </a:pPr>
+            <a:endParaRPr lang="en-GB" dirty="0"/>
+          </a:p>
+          <a:p>
+            <a:pPr marL="742950" lvl="1" indent="-285750">
+              <a:buFontTx/>
+              <a:buChar char="-"/>
+            </a:pPr>
+            <a:endParaRPr lang="en-GB" dirty="0"/>
+          </a:p>
+          <a:p>
+            <a:pPr marL="742950" lvl="1" indent="-285750">
+              <a:buFontTx/>
+              <a:buChar char="-"/>
+            </a:pPr>
+            <a:endParaRPr lang="en-GB" dirty="0"/>
+          </a:p>
+          <a:p>
+            <a:pPr marL="742950" lvl="1" indent="-285750">
+              <a:buFontTx/>
+              <a:buChar char="-"/>
+            </a:pPr>
+            <a:endParaRPr lang="it-IT" dirty="0"/>
           </a:p>
         </p:txBody>
       </p:sp>
@@ -16372,6 +16608,86 @@
     <p:extLst>
       <p:ext uri="{BB962C8B-B14F-4D97-AF65-F5344CB8AC3E}">
         <p14:creationId xmlns:p14="http://schemas.microsoft.com/office/powerpoint/2010/main" val="2140790997"/>
+      </p:ext>
+    </p:extLst>
+  </p:cSld>
+  <p:clrMapOvr>
+    <a:masterClrMapping/>
+  </p:clrMapOvr>
+</p:sld>
+</file>
+
+<file path=ppt/slides/slide17.xml><?xml version="1.0" encoding="utf-8"?>
+<p:sld xmlns:a="http://schemas.openxmlformats.org/drawingml/2006/main" xmlns:r="http://schemas.openxmlformats.org/officeDocument/2006/relationships" xmlns:p="http://schemas.openxmlformats.org/presentationml/2006/main">
+  <p:cSld>
+    <p:spTree>
+      <p:nvGrpSpPr>
+        <p:cNvPr id="1" name=""/>
+        <p:cNvGrpSpPr/>
+        <p:nvPr/>
+      </p:nvGrpSpPr>
+      <p:grpSpPr>
+        <a:xfrm>
+          <a:off x="0" y="0"/>
+          <a:ext cx="0" cy="0"/>
+          <a:chOff x="0" y="0"/>
+          <a:chExt cx="0" cy="0"/>
+        </a:xfrm>
+      </p:grpSpPr>
+      <p:sp>
+        <p:nvSpPr>
+          <p:cNvPr id="2" name="Title 1">
+            <a:extLst>
+              <a:ext uri="{FF2B5EF4-FFF2-40B4-BE49-F238E27FC236}">
+                <a16:creationId xmlns:a16="http://schemas.microsoft.com/office/drawing/2014/main" id="{5F825AB1-8A20-31F8-8F89-B3083CD9C2BC}"/>
+              </a:ext>
+            </a:extLst>
+          </p:cNvPr>
+          <p:cNvSpPr>
+            <a:spLocks noGrp="1"/>
+          </p:cNvSpPr>
+          <p:nvPr>
+            <p:ph type="title"/>
+          </p:nvPr>
+        </p:nvSpPr>
+        <p:spPr/>
+        <p:txBody>
+          <a:bodyPr/>
+          <a:lstStyle/>
+          <a:p>
+            <a:endParaRPr lang="en-GB" dirty="0"/>
+          </a:p>
+        </p:txBody>
+      </p:sp>
+      <p:sp>
+        <p:nvSpPr>
+          <p:cNvPr id="3" name="Content Placeholder 2">
+            <a:extLst>
+              <a:ext uri="{FF2B5EF4-FFF2-40B4-BE49-F238E27FC236}">
+                <a16:creationId xmlns:a16="http://schemas.microsoft.com/office/drawing/2014/main" id="{40C09269-7EB6-7113-6413-21BADC0A08CE}"/>
+              </a:ext>
+            </a:extLst>
+          </p:cNvPr>
+          <p:cNvSpPr>
+            <a:spLocks noGrp="1"/>
+          </p:cNvSpPr>
+          <p:nvPr>
+            <p:ph idx="1"/>
+          </p:nvPr>
+        </p:nvSpPr>
+        <p:spPr/>
+        <p:txBody>
+          <a:bodyPr/>
+          <a:lstStyle/>
+          <a:p>
+            <a:endParaRPr lang="en-GB"/>
+          </a:p>
+        </p:txBody>
+      </p:sp>
+    </p:spTree>
+    <p:extLst>
+      <p:ext uri="{BB962C8B-B14F-4D97-AF65-F5344CB8AC3E}">
+        <p14:creationId xmlns:p14="http://schemas.microsoft.com/office/powerpoint/2010/main" val="273854561"/>
       </p:ext>
     </p:extLst>
   </p:cSld>
@@ -19460,7 +19776,7 @@
         </p:blipFill>
         <p:spPr>
           <a:xfrm>
-            <a:off x="7188892" y="1324032"/>
+            <a:off x="7838425" y="1655781"/>
             <a:ext cx="13602025" cy="8356149"/>
           </a:xfrm>
           <a:prstGeom prst="rect">
@@ -19864,12 +20180,42 @@
           </a:prstGeom>
         </p:spPr>
       </p:pic>
+      <p:pic>
+        <p:nvPicPr>
+          <p:cNvPr id="10" name="Picture 9" descr="A graph with red and blue lines&#10;&#10;AI-generated content may be incorrect.">
+            <a:extLst>
+              <a:ext uri="{FF2B5EF4-FFF2-40B4-BE49-F238E27FC236}">
+                <a16:creationId xmlns:a16="http://schemas.microsoft.com/office/drawing/2014/main" id="{DD829DE9-960F-FA1B-5FD7-D138554B17CC}"/>
+              </a:ext>
+            </a:extLst>
+          </p:cNvPr>
+          <p:cNvPicPr>
+            <a:picLocks noChangeAspect="1"/>
+          </p:cNvPicPr>
+          <p:nvPr/>
+        </p:nvPicPr>
+        <p:blipFill>
+          <a:blip r:embed="rId9"/>
+          <a:stretch>
+            <a:fillRect/>
+          </a:stretch>
+        </p:blipFill>
+        <p:spPr>
+          <a:xfrm>
+            <a:off x="7535233" y="1581934"/>
+            <a:ext cx="3240810" cy="4871310"/>
+          </a:xfrm>
+          <a:prstGeom prst="rect">
+            <a:avLst/>
+          </a:prstGeom>
+        </p:spPr>
+      </p:pic>
       <p:sp>
         <p:nvSpPr>
-          <p:cNvPr id="27" name="Oval 26">
+          <p:cNvPr id="4" name="Oval 3">
             <a:extLst>
               <a:ext uri="{FF2B5EF4-FFF2-40B4-BE49-F238E27FC236}">
-                <a16:creationId xmlns:a16="http://schemas.microsoft.com/office/drawing/2014/main" id="{67B848D5-CBD2-BB2C-053A-4997DAF27230}"/>
+                <a16:creationId xmlns:a16="http://schemas.microsoft.com/office/drawing/2014/main" id="{B0088F27-D5FD-3FA9-24AE-38F543A31600}"/>
               </a:ext>
             </a:extLst>
           </p:cNvPr>
@@ -19878,8 +20224,8 @@
         </p:nvSpPr>
         <p:spPr>
           <a:xfrm>
-            <a:off x="7738673" y="1497530"/>
-            <a:ext cx="2531426" cy="4524314"/>
+            <a:off x="7838425" y="1655780"/>
+            <a:ext cx="2387400" cy="4468124"/>
           </a:xfrm>
           <a:prstGeom prst="ellipse">
             <a:avLst/>
@@ -19916,36 +20262,6 @@
           </a:p>
         </p:txBody>
       </p:sp>
-      <p:pic>
-        <p:nvPicPr>
-          <p:cNvPr id="10" name="Picture 9" descr="A graph with red and blue lines&#10;&#10;AI-generated content may be incorrect.">
-            <a:extLst>
-              <a:ext uri="{FF2B5EF4-FFF2-40B4-BE49-F238E27FC236}">
-                <a16:creationId xmlns:a16="http://schemas.microsoft.com/office/drawing/2014/main" id="{DD829DE9-960F-FA1B-5FD7-D138554B17CC}"/>
-              </a:ext>
-            </a:extLst>
-          </p:cNvPr>
-          <p:cNvPicPr>
-            <a:picLocks noChangeAspect="1"/>
-          </p:cNvPicPr>
-          <p:nvPr/>
-        </p:nvPicPr>
-        <p:blipFill>
-          <a:blip r:embed="rId9"/>
-          <a:stretch>
-            <a:fillRect/>
-          </a:stretch>
-        </p:blipFill>
-        <p:spPr>
-          <a:xfrm>
-            <a:off x="7188892" y="1324032"/>
-            <a:ext cx="3240810" cy="4871310"/>
-          </a:xfrm>
-          <a:prstGeom prst="rect">
-            <a:avLst/>
-          </a:prstGeom>
-        </p:spPr>
-      </p:pic>
     </p:spTree>
     <p:extLst>
       <p:ext uri="{BB962C8B-B14F-4D97-AF65-F5344CB8AC3E}">

--- a/presentazione_progetto.pptx
+++ b/presentazione_progetto.pptx
@@ -249,7 +249,7 @@
           <a:p>
             <a:fld id="{F9F05DC1-1DA0-4802-8BFC-5A51951A2E1E}" type="datetimeFigureOut">
               <a:rPr lang="it-IT" smtClean="0"/>
-              <a:t>24/02/2025</a:t>
+              <a:t>25/02/2025</a:t>
             </a:fld>
             <a:endParaRPr lang="it-IT"/>
           </a:p>
@@ -427,7 +427,7 @@
           <a:p>
             <a:fld id="{772828B9-BC13-4054-B42C-8C22A5482F6C}" type="datetimeFigureOut">
               <a:rPr lang="it-IT" noProof="0" smtClean="0"/>
-              <a:t>24/02/2025</a:t>
+              <a:t>25/02/2025</a:t>
             </a:fld>
             <a:endParaRPr lang="it-IT" noProof="0"/>
           </a:p>
@@ -6010,7 +6010,7 @@
             <a:pPr rtl="0"/>
             <a:fld id="{9F07C412-3A91-42D6-9B61-4FCDC427A2DF}" type="datetime1">
               <a:rPr lang="it-IT" noProof="0" smtClean="0"/>
-              <a:t>24/02/2025</a:t>
+              <a:t>25/02/2025</a:t>
             </a:fld>
             <a:endParaRPr lang="it-IT" noProof="0"/>
           </a:p>
@@ -6279,7 +6279,7 @@
             <a:pPr rtl="0"/>
             <a:fld id="{0E5F0924-62E5-463C-8BF5-2B1C587AAB62}" type="datetime1">
               <a:rPr lang="it-IT" noProof="0" smtClean="0"/>
-              <a:t>24/02/2025</a:t>
+              <a:t>25/02/2025</a:t>
             </a:fld>
             <a:endParaRPr lang="it-IT" noProof="0"/>
           </a:p>
@@ -6478,7 +6478,7 @@
             <a:pPr rtl="0"/>
             <a:fld id="{2418E10D-0776-44D6-963B-DC0E8263B4A3}" type="datetime1">
               <a:rPr lang="it-IT" noProof="0" smtClean="0"/>
-              <a:t>24/02/2025</a:t>
+              <a:t>25/02/2025</a:t>
             </a:fld>
             <a:endParaRPr lang="it-IT" noProof="0"/>
           </a:p>
@@ -6744,7 +6744,7 @@
             <a:pPr rtl="0"/>
             <a:fld id="{A4B6D974-EE66-4A1B-A230-B07D9415C521}" type="datetime1">
               <a:rPr lang="it-IT" noProof="0" smtClean="0"/>
-              <a:t>24/02/2025</a:t>
+              <a:t>25/02/2025</a:t>
             </a:fld>
             <a:endParaRPr lang="it-IT" noProof="0"/>
           </a:p>
@@ -7181,7 +7181,7 @@
             <a:pPr rtl="0"/>
             <a:fld id="{B8CBCA41-3B27-42BB-A896-14406F9B4BB2}" type="datetime1">
               <a:rPr lang="it-IT" noProof="0" smtClean="0"/>
-              <a:t>24/02/2025</a:t>
+              <a:t>25/02/2025</a:t>
             </a:fld>
             <a:endParaRPr lang="it-IT" noProof="0"/>
           </a:p>
@@ -7730,7 +7730,7 @@
             <a:pPr rtl="0"/>
             <a:fld id="{0DDBE533-468B-4DF8-989E-AE4D84890758}" type="datetime1">
               <a:rPr lang="it-IT" noProof="0" smtClean="0"/>
-              <a:t>24/02/2025</a:t>
+              <a:t>25/02/2025</a:t>
             </a:fld>
             <a:endParaRPr lang="it-IT" noProof="0"/>
           </a:p>
@@ -8454,7 +8454,7 @@
             <a:pPr rtl="0"/>
             <a:fld id="{CF450CD3-1E9A-42ED-B6B3-2B7762497156}" type="datetime1">
               <a:rPr lang="it-IT" noProof="0" smtClean="0"/>
-              <a:t>24/02/2025</a:t>
+              <a:t>25/02/2025</a:t>
             </a:fld>
             <a:endParaRPr lang="it-IT" noProof="0"/>
           </a:p>
@@ -8630,7 +8630,7 @@
             <a:pPr rtl="0"/>
             <a:fld id="{2FA54109-2DBF-44E4-B491-5C8B534E9B1F}" type="datetime1">
               <a:rPr lang="it-IT" noProof="0" smtClean="0"/>
-              <a:t>24/02/2025</a:t>
+              <a:t>25/02/2025</a:t>
             </a:fld>
             <a:endParaRPr lang="it-IT" noProof="0"/>
           </a:p>
@@ -8816,7 +8816,7 @@
             <a:pPr rtl="0"/>
             <a:fld id="{D3CC41FE-9AED-44D9-BC63-8BB1EF16618B}" type="datetime1">
               <a:rPr lang="it-IT" noProof="0" smtClean="0"/>
-              <a:t>24/02/2025</a:t>
+              <a:t>25/02/2025</a:t>
             </a:fld>
             <a:endParaRPr lang="it-IT" noProof="0"/>
           </a:p>
@@ -8992,7 +8992,7 @@
             <a:pPr rtl="0"/>
             <a:fld id="{F93AB055-364E-487C-A7AC-4F0B10DC386A}" type="datetime1">
               <a:rPr lang="it-IT" noProof="0" smtClean="0"/>
-              <a:t>24/02/2025</a:t>
+              <a:t>25/02/2025</a:t>
             </a:fld>
             <a:endParaRPr lang="it-IT" noProof="0"/>
           </a:p>
@@ -9245,7 +9245,7 @@
             <a:pPr rtl="0"/>
             <a:fld id="{AFBFA9F5-A62B-4527-A612-E4EF95C576C6}" type="datetime1">
               <a:rPr lang="it-IT" noProof="0" smtClean="0"/>
-              <a:t>24/02/2025</a:t>
+              <a:t>25/02/2025</a:t>
             </a:fld>
             <a:endParaRPr lang="it-IT" noProof="0"/>
           </a:p>
@@ -9486,7 +9486,7 @@
             <a:pPr rtl="0"/>
             <a:fld id="{65A3CC1B-4CC0-43F6-B4FE-A108262B34F1}" type="datetime1">
               <a:rPr lang="it-IT" noProof="0" smtClean="0"/>
-              <a:t>24/02/2025</a:t>
+              <a:t>25/02/2025</a:t>
             </a:fld>
             <a:endParaRPr lang="it-IT" noProof="0"/>
           </a:p>
@@ -9876,7 +9876,7 @@
             <a:pPr rtl="0"/>
             <a:fld id="{6F7EC582-D1B1-4956-8471-5858519B7C3E}" type="datetime1">
               <a:rPr lang="it-IT" noProof="0" smtClean="0"/>
-              <a:t>24/02/2025</a:t>
+              <a:t>25/02/2025</a:t>
             </a:fld>
             <a:endParaRPr lang="it-IT" noProof="0"/>
           </a:p>
@@ -9997,7 +9997,7 @@
             <a:pPr rtl="0"/>
             <a:fld id="{7F2E543F-C901-4A41-AEA4-880C40EA1C68}" type="datetime1">
               <a:rPr lang="it-IT" noProof="0" smtClean="0"/>
-              <a:t>24/02/2025</a:t>
+              <a:t>25/02/2025</a:t>
             </a:fld>
             <a:endParaRPr lang="it-IT" noProof="0"/>
           </a:p>
@@ -10095,7 +10095,7 @@
             <a:pPr rtl="0"/>
             <a:fld id="{43628562-FD3D-4B47-BC1E-58BECF47F1DB}" type="datetime1">
               <a:rPr lang="it-IT" noProof="0" smtClean="0"/>
-              <a:t>24/02/2025</a:t>
+              <a:t>25/02/2025</a:t>
             </a:fld>
             <a:endParaRPr lang="it-IT" noProof="0"/>
           </a:p>
@@ -10350,7 +10350,7 @@
             <a:pPr rtl="0"/>
             <a:fld id="{83D084F5-34B4-46AE-8DB4-08A7B0B97DD5}" type="datetime1">
               <a:rPr lang="it-IT" noProof="0" smtClean="0"/>
-              <a:t>24/02/2025</a:t>
+              <a:t>25/02/2025</a:t>
             </a:fld>
             <a:endParaRPr lang="it-IT" noProof="0"/>
           </a:p>
@@ -10633,7 +10633,7 @@
             <a:pPr rtl="0"/>
             <a:fld id="{5C4E6ABF-EADB-4B87-94E5-A6252FA0837A}" type="datetime1">
               <a:rPr lang="it-IT" noProof="0" smtClean="0"/>
-              <a:t>24/02/2025</a:t>
+              <a:t>25/02/2025</a:t>
             </a:fld>
             <a:endParaRPr lang="it-IT" noProof="0"/>
           </a:p>
@@ -13703,7 +13703,7 @@
             <a:pPr rtl="0"/>
             <a:fld id="{C9D3B909-5AB1-46A3-A753-94B6F9B0BED5}" type="datetime1">
               <a:rPr lang="it-IT" noProof="0" smtClean="0"/>
-              <a:t>24/02/2025</a:t>
+              <a:t>25/02/2025</a:t>
             </a:fld>
             <a:endParaRPr lang="it-IT" noProof="0"/>
           </a:p>
@@ -14342,7 +14342,7 @@
               <a:rPr lang="it-IT" sz="4400" dirty="0">
                 <a:latin typeface="Rockwell" panose="02060603020205020403" pitchFamily="18" charset="0"/>
               </a:rPr>
-              <a:t>First mode, RESISTIVE SHAUNT </a:t>
+              <a:t>First mode, RESISTIVE SHUNT </a:t>
             </a:r>
             <a:endParaRPr lang="it-IT" sz="4400" dirty="0">
               <a:solidFill>
@@ -14353,8 +14353,8 @@
           </a:p>
         </p:txBody>
       </p:sp>
-      <mc:AlternateContent xmlns:mc="http://schemas.openxmlformats.org/markup-compatibility/2006" xmlns:a14="http://schemas.microsoft.com/office/drawing/2010/main">
-        <mc:Choice Requires="a14">
+      <mc:AlternateContent xmlns:mc="http://schemas.openxmlformats.org/markup-compatibility/2006">
+        <mc:Choice xmlns:a14="http://schemas.microsoft.com/office/drawing/2010/main" Requires="a14">
           <p:sp>
             <p:nvSpPr>
               <p:cNvPr id="21" name="TextBox 20">
@@ -14369,8 +14369,8 @@
             </p:nvSpPr>
             <p:spPr>
               <a:xfrm>
-                <a:off x="1415957" y="1391033"/>
-                <a:ext cx="5283357" cy="5094536"/>
+                <a:off x="1103313" y="1738605"/>
+                <a:ext cx="5988730" cy="4544834"/>
               </a:xfrm>
               <a:prstGeom prst="rect">
                 <a:avLst/>
@@ -14417,6 +14417,9 @@
                 </a:r>
               </a:p>
               <a:p>
+                <a:endParaRPr lang="en-GB" dirty="0"/>
+              </a:p>
+              <a:p>
                 <a:pPr/>
                 <a14:m>
                   <m:oMathPara xmlns:m="http://schemas.openxmlformats.org/officeDocument/2006/math">
@@ -14427,7 +14430,7 @@
                       <m:f>
                         <m:fPr>
                           <m:ctrlPr>
-                            <a:rPr lang="en-GB" sz="1800" b="1" i="1" kern="100" smtClean="0">
+                            <a:rPr lang="en-GB" b="1" i="1" kern="100" smtClean="0">
                               <a:effectLst/>
                               <a:latin typeface="Cambria Math" panose="02040503050406030204" pitchFamily="18" charset="0"/>
                               <a:ea typeface="Times New Roman" panose="02020603050405020304" pitchFamily="18" charset="0"/>
@@ -14437,7 +14440,7 @@
                         </m:fPr>
                         <m:num>
                           <m:r>
-                            <a:rPr lang="en-GB" sz="1800" b="1" i="1" kern="100">
+                            <a:rPr lang="en-GB" b="1" i="1" kern="100">
                               <a:effectLst/>
                               <a:latin typeface="Cambria Math" panose="02040503050406030204" pitchFamily="18" charset="0"/>
                               <a:ea typeface="Times New Roman" panose="02020603050405020304" pitchFamily="18" charset="0"/>
@@ -14448,7 +14451,7 @@
                           <m:sSub>
                             <m:sSubPr>
                               <m:ctrlPr>
-                                <a:rPr lang="en-GB" sz="1800" b="1" i="1" kern="100">
+                                <a:rPr lang="en-GB" b="1" i="1" kern="100">
                                   <a:effectLst/>
                                   <a:latin typeface="Cambria Math" panose="02040503050406030204" pitchFamily="18" charset="0"/>
                                   <a:ea typeface="Times New Roman" panose="02020603050405020304" pitchFamily="18" charset="0"/>
@@ -14458,7 +14461,7 @@
                             </m:sSubPr>
                             <m:e>
                               <m:r>
-                                <a:rPr lang="en-GB" sz="1800" b="1" i="1" kern="100">
+                                <a:rPr lang="en-GB" b="1" i="1" kern="100">
                                   <a:effectLst/>
                                   <a:latin typeface="Cambria Math" panose="02040503050406030204" pitchFamily="18" charset="0"/>
                                   <a:ea typeface="Times New Roman" panose="02020603050405020304" pitchFamily="18" charset="0"/>
@@ -14472,7 +14475,7 @@
                                 <m:rPr>
                                   <m:nor/>
                                 </m:rPr>
-                                <a:rPr lang="en-GB" sz="1800" b="1" kern="100">
+                                <a:rPr lang="en-GB" b="1" kern="100">
                                   <a:effectLst/>
                                   <a:latin typeface="Cambria Math" panose="02040503050406030204" pitchFamily="18" charset="0"/>
                                   <a:ea typeface="Times New Roman" panose="02020603050405020304" pitchFamily="18" charset="0"/>
@@ -14485,7 +14488,7 @@
                                   <m:lit/>
                                   <m:nor/>
                                 </m:rPr>
-                                <a:rPr lang="en-GB" sz="1800" b="1" kern="100">
+                                <a:rPr lang="en-GB" b="1" kern="100">
                                   <a:effectLst/>
                                   <a:latin typeface="Cambria Math" panose="02040503050406030204" pitchFamily="18" charset="0"/>
                                   <a:ea typeface="Times New Roman" panose="02020603050405020304" pitchFamily="18" charset="0"/>
@@ -14497,7 +14500,7 @@
                                 <m:rPr>
                                   <m:nor/>
                                 </m:rPr>
-                                <a:rPr lang="en-GB" sz="1800" b="1" kern="100">
+                                <a:rPr lang="en-GB" b="1" kern="100">
                                   <a:effectLst/>
                                   <a:latin typeface="Cambria Math" panose="02040503050406030204" pitchFamily="18" charset="0"/>
                                   <a:ea typeface="Times New Roman" panose="02020603050405020304" pitchFamily="18" charset="0"/>
@@ -14508,7 +14511,7 @@
                             </m:sub>
                           </m:sSub>
                           <m:r>
-                            <a:rPr lang="en-GB" sz="1800" b="1" i="1" kern="100">
+                            <a:rPr lang="en-GB" b="1" i="1" kern="100">
                               <a:effectLst/>
                               <a:latin typeface="Cambria Math" panose="02040503050406030204" pitchFamily="18" charset="0"/>
                               <a:ea typeface="Times New Roman" panose="02020603050405020304" pitchFamily="18" charset="0"/>
@@ -14517,7 +14520,7 @@
                             <m:t>−</m:t>
                           </m:r>
                           <m:r>
-                            <a:rPr lang="en-GB" sz="1800" b="1" i="1" kern="100">
+                            <a:rPr lang="en-GB" b="1" i="1" kern="100">
                               <a:effectLst/>
                               <a:latin typeface="Cambria Math" panose="02040503050406030204" pitchFamily="18" charset="0"/>
                               <a:ea typeface="Times New Roman" panose="02020603050405020304" pitchFamily="18" charset="0"/>
@@ -14528,7 +14531,7 @@
                           <m:sSub>
                             <m:sSubPr>
                               <m:ctrlPr>
-                                <a:rPr lang="en-GB" sz="1800" b="1" i="1" kern="100">
+                                <a:rPr lang="en-GB" b="1" i="1" kern="100">
                                   <a:effectLst/>
                                   <a:latin typeface="Cambria Math" panose="02040503050406030204" pitchFamily="18" charset="0"/>
                                   <a:ea typeface="Times New Roman" panose="02020603050405020304" pitchFamily="18" charset="0"/>
@@ -14538,7 +14541,7 @@
                             </m:sSubPr>
                             <m:e>
                               <m:r>
-                                <a:rPr lang="en-GB" sz="1800" b="1" i="1" kern="100">
+                                <a:rPr lang="en-GB" b="1" i="1" kern="100">
                                   <a:effectLst/>
                                   <a:latin typeface="Cambria Math" panose="02040503050406030204" pitchFamily="18" charset="0"/>
                                   <a:ea typeface="Times New Roman" panose="02020603050405020304" pitchFamily="18" charset="0"/>
@@ -14552,7 +14555,7 @@
                                 <m:rPr>
                                   <m:nor/>
                                 </m:rPr>
-                                <a:rPr lang="en-GB" sz="1800" b="1" kern="100">
+                                <a:rPr lang="en-GB" b="1" kern="100">
                                   <a:effectLst/>
                                   <a:latin typeface="Cambria Math" panose="02040503050406030204" pitchFamily="18" charset="0"/>
                                   <a:ea typeface="Times New Roman" panose="02020603050405020304" pitchFamily="18" charset="0"/>
@@ -14565,7 +14568,7 @@
                                   <m:lit/>
                                   <m:nor/>
                                 </m:rPr>
-                                <a:rPr lang="en-GB" sz="1800" b="1" kern="100">
+                                <a:rPr lang="en-GB" b="1" kern="100">
                                   <a:effectLst/>
                                   <a:latin typeface="Cambria Math" panose="02040503050406030204" pitchFamily="18" charset="0"/>
                                   <a:ea typeface="Times New Roman" panose="02020603050405020304" pitchFamily="18" charset="0"/>
@@ -14577,7 +14580,7 @@
                                 <m:rPr>
                                   <m:nor/>
                                 </m:rPr>
-                                <a:rPr lang="en-GB" sz="1800" b="1" kern="100">
+                                <a:rPr lang="en-GB" b="1" kern="100">
                                   <a:effectLst/>
                                   <a:latin typeface="Cambria Math" panose="02040503050406030204" pitchFamily="18" charset="0"/>
                                   <a:ea typeface="Times New Roman" panose="02020603050405020304" pitchFamily="18" charset="0"/>
@@ -14590,7 +14593,7 @@
                         </m:num>
                         <m:den>
                           <m:r>
-                            <a:rPr lang="en-GB" sz="1800" b="1" i="1" kern="100">
+                            <a:rPr lang="en-GB" b="1" i="1" kern="100">
                               <a:effectLst/>
                               <a:latin typeface="Cambria Math" panose="02040503050406030204" pitchFamily="18" charset="0"/>
                               <a:ea typeface="Times New Roman" panose="02020603050405020304" pitchFamily="18" charset="0"/>
@@ -14601,7 +14604,7 @@
                           <m:sSub>
                             <m:sSubPr>
                               <m:ctrlPr>
-                                <a:rPr lang="en-GB" sz="1800" b="1" i="1" kern="100">
+                                <a:rPr lang="en-GB" b="1" i="1" kern="100">
                                   <a:effectLst/>
                                   <a:latin typeface="Cambria Math" panose="02040503050406030204" pitchFamily="18" charset="0"/>
                                   <a:ea typeface="Times New Roman" panose="02020603050405020304" pitchFamily="18" charset="0"/>
@@ -14611,7 +14614,7 @@
                             </m:sSubPr>
                             <m:e>
                               <m:r>
-                                <a:rPr lang="en-GB" sz="1800" b="1" i="1" kern="100">
+                                <a:rPr lang="en-GB" b="1" i="1" kern="100">
                                   <a:effectLst/>
                                   <a:latin typeface="Cambria Math" panose="02040503050406030204" pitchFamily="18" charset="0"/>
                                   <a:ea typeface="Times New Roman" panose="02020603050405020304" pitchFamily="18" charset="0"/>
@@ -14625,7 +14628,7 @@
                                 <m:rPr>
                                   <m:nor/>
                                 </m:rPr>
-                                <a:rPr lang="en-GB" sz="1800" b="1" kern="100">
+                                <a:rPr lang="en-GB" b="1" kern="100">
                                   <a:effectLst/>
                                   <a:latin typeface="Cambria Math" panose="02040503050406030204" pitchFamily="18" charset="0"/>
                                   <a:ea typeface="Times New Roman" panose="02020603050405020304" pitchFamily="18" charset="0"/>
@@ -14638,7 +14641,7 @@
                                   <m:lit/>
                                   <m:nor/>
                                 </m:rPr>
-                                <a:rPr lang="en-GB" sz="1800" b="1" kern="100">
+                                <a:rPr lang="en-GB" b="1" kern="100">
                                   <a:effectLst/>
                                   <a:latin typeface="Cambria Math" panose="02040503050406030204" pitchFamily="18" charset="0"/>
                                   <a:ea typeface="Times New Roman" panose="02020603050405020304" pitchFamily="18" charset="0"/>
@@ -14650,7 +14653,7 @@
                                 <m:rPr>
                                   <m:nor/>
                                 </m:rPr>
-                                <a:rPr lang="en-GB" sz="1800" b="1" kern="100">
+                                <a:rPr lang="en-GB" b="1" kern="100">
                                   <a:effectLst/>
                                   <a:latin typeface="Cambria Math" panose="02040503050406030204" pitchFamily="18" charset="0"/>
                                   <a:ea typeface="Times New Roman" panose="02020603050405020304" pitchFamily="18" charset="0"/>
@@ -14663,7 +14666,7 @@
                         </m:den>
                       </m:f>
                       <m:r>
-                        <a:rPr lang="en-GB" sz="1800" b="1" i="1" kern="100">
+                        <a:rPr lang="en-GB" b="1" i="1" kern="100">
                           <a:effectLst/>
                           <a:latin typeface="Cambria Math" panose="02040503050406030204" pitchFamily="18" charset="0"/>
                           <a:ea typeface="Times New Roman" panose="02020603050405020304" pitchFamily="18" charset="0"/>
@@ -14672,7 +14675,7 @@
                         <m:t>𝟏𝟎𝟎</m:t>
                       </m:r>
                       <m:r>
-                        <a:rPr lang="en-GB" sz="1800" b="1" i="1" kern="100">
+                        <a:rPr lang="en-GB" b="1" i="1" kern="100">
                           <a:effectLst/>
                           <a:latin typeface="Cambria Math" panose="02040503050406030204" pitchFamily="18" charset="0"/>
                           <a:ea typeface="Times New Roman" panose="02020603050405020304" pitchFamily="18" charset="0"/>
@@ -14681,7 +14684,7 @@
                         <m:t>=</m:t>
                       </m:r>
                       <m:r>
-                        <a:rPr lang="en-GB" sz="1800" b="1" i="1" kern="100">
+                        <a:rPr lang="en-GB" b="1" i="1" kern="100">
                           <a:effectLst/>
                           <a:latin typeface="Cambria Math" panose="02040503050406030204" pitchFamily="18" charset="0"/>
                           <a:ea typeface="Times New Roman" panose="02020603050405020304" pitchFamily="18" charset="0"/>
@@ -14690,7 +14693,7 @@
                         <m:t>𝟒𝟖</m:t>
                       </m:r>
                       <m:r>
-                        <a:rPr lang="en-GB" sz="1800" b="1" i="1" kern="100">
+                        <a:rPr lang="en-GB" b="1" i="1" kern="100">
                           <a:effectLst/>
                           <a:latin typeface="Cambria Math" panose="02040503050406030204" pitchFamily="18" charset="0"/>
                           <a:ea typeface="Times New Roman" panose="02020603050405020304" pitchFamily="18" charset="0"/>
@@ -14699,7 +14702,7 @@
                         <m:t>.</m:t>
                       </m:r>
                       <m:r>
-                        <a:rPr lang="en-GB" sz="1800" b="1" i="1" kern="100">
+                        <a:rPr lang="en-GB" b="1" i="1" kern="100">
                           <a:effectLst/>
                           <a:latin typeface="Cambria Math" panose="02040503050406030204" pitchFamily="18" charset="0"/>
                           <a:ea typeface="Times New Roman" panose="02020603050405020304" pitchFamily="18" charset="0"/>
@@ -14708,7 +14711,7 @@
                         <m:t>𝟔𝟒</m:t>
                       </m:r>
                       <m:r>
-                        <a:rPr lang="en-GB" sz="1800" b="1" i="1" kern="100">
+                        <a:rPr lang="en-GB" b="1" i="1" kern="100">
                           <a:effectLst/>
                           <a:latin typeface="Cambria Math" panose="02040503050406030204" pitchFamily="18" charset="0"/>
                           <a:ea typeface="Times New Roman" panose="02020603050405020304" pitchFamily="18" charset="0"/>
@@ -14719,7 +14722,7 @@
                     </m:oMath>
                   </m:oMathPara>
                 </a14:m>
-                <a:endParaRPr lang="en-GB" sz="1800" b="1" kern="100" dirty="0">
+                <a:endParaRPr lang="en-GB" b="1" kern="100" dirty="0">
                   <a:effectLst/>
                   <a:latin typeface="Aptos" panose="020B0004020202020204" pitchFamily="34" charset="0"/>
                   <a:ea typeface="Aptos" panose="020B0004020202020204" pitchFamily="34" charset="0"/>
@@ -14747,7 +14750,7 @@
             </p:txBody>
           </p:sp>
         </mc:Choice>
-        <mc:Fallback xmlns="">
+        <mc:Fallback>
           <p:sp>
             <p:nvSpPr>
               <p:cNvPr id="21" name="TextBox 20">
@@ -14764,8 +14767,8 @@
             </p:nvSpPr>
             <p:spPr>
               <a:xfrm>
-                <a:off x="1415957" y="1391033"/>
-                <a:ext cx="5283357" cy="5094536"/>
+                <a:off x="1103313" y="1738605"/>
+                <a:ext cx="5988730" cy="4544834"/>
               </a:xfrm>
               <a:prstGeom prst="rect">
                 <a:avLst/>
@@ -14773,7 +14776,7 @@
               <a:blipFill>
                 <a:blip r:embed="rId3"/>
                 <a:stretch>
-                  <a:fillRect l="-923" t="-598" r="-1961"/>
+                  <a:fillRect l="-916" t="-670" r="-1527"/>
                 </a:stretch>
               </a:blipFill>
             </p:spPr>
@@ -14814,8 +14817,8 @@
         </p:blipFill>
         <p:spPr>
           <a:xfrm>
-            <a:off x="7535232" y="1581934"/>
-            <a:ext cx="3240811" cy="4871310"/>
+            <a:off x="7092044" y="1581934"/>
+            <a:ext cx="3684000" cy="4544834"/>
           </a:xfrm>
           <a:prstGeom prst="rect">
             <a:avLst/>
@@ -14836,7 +14839,7 @@
         </p:nvSpPr>
         <p:spPr>
           <a:xfrm>
-            <a:off x="8726289" y="3025908"/>
+            <a:off x="8470475" y="3009579"/>
             <a:ext cx="326271" cy="504692"/>
           </a:xfrm>
           <a:prstGeom prst="ellipse">
@@ -14871,6 +14874,62 @@
           <a:p>
             <a:pPr algn="ctr"/>
             <a:endParaRPr lang="en-GB" dirty="0"/>
+          </a:p>
+        </p:txBody>
+      </p:sp>
+      <p:sp>
+        <p:nvSpPr>
+          <p:cNvPr id="3" name="Titolo 1">
+            <a:extLst>
+              <a:ext uri="{FF2B5EF4-FFF2-40B4-BE49-F238E27FC236}">
+                <a16:creationId xmlns:a16="http://schemas.microsoft.com/office/drawing/2014/main" id="{DBBFDD4E-A61F-BFBF-8A36-4D8EA356B57B}"/>
+              </a:ext>
+            </a:extLst>
+          </p:cNvPr>
+          <p:cNvSpPr txBox="1">
+            <a:spLocks/>
+          </p:cNvSpPr>
+          <p:nvPr/>
+        </p:nvSpPr>
+        <p:spPr>
+          <a:xfrm>
+            <a:off x="1103313" y="1300065"/>
+            <a:ext cx="9905998" cy="438539"/>
+          </a:xfrm>
+          <a:prstGeom prst="rect">
+            <a:avLst/>
+          </a:prstGeom>
+        </p:spPr>
+        <p:txBody>
+          <a:bodyPr vert="horz" lIns="91440" tIns="45720" rIns="91440" bIns="45720" rtlCol="0" anchor="ctr">
+            <a:normAutofit/>
+          </a:bodyPr>
+          <a:lstStyle>
+            <a:lvl1pPr algn="l" defTabSz="914400" rtl="0" eaLnBrk="1" latinLnBrk="0" hangingPunct="1">
+              <a:lnSpc>
+                <a:spcPct val="90000"/>
+              </a:lnSpc>
+              <a:spcBef>
+                <a:spcPct val="0"/>
+              </a:spcBef>
+              <a:buNone/>
+              <a:defRPr sz="3600" kern="1200" cap="all" baseline="0">
+                <a:solidFill>
+                  <a:schemeClr val="tx1"/>
+                </a:solidFill>
+                <a:latin typeface="+mj-lt"/>
+                <a:ea typeface="+mj-ea"/>
+                <a:cs typeface="+mj-cs"/>
+              </a:defRPr>
+            </a:lvl1pPr>
+          </a:lstStyle>
+          <a:p>
+            <a:r>
+              <a:rPr lang="it-IT" sz="2000" dirty="0">
+                <a:latin typeface="Rockwell" panose="02060603020205020403" pitchFamily="18" charset="0"/>
+              </a:rPr>
+              <a:t>RESULT</a:t>
+            </a:r>
           </a:p>
         </p:txBody>
       </p:sp>
@@ -16602,11 +16661,14 @@
                 <a:effectLst/>
                 <a:latin typeface="Rockwell" panose="02060603020205020403" pitchFamily="18" charset="0"/>
               </a:rPr>
-              <a:t>Circuit sizing</a:t>
-            </a:r>
-            <a:endParaRPr lang="en-GB" dirty="0">
-              <a:latin typeface="Rockwell" panose="02060603020205020403" pitchFamily="18" charset="0"/>
-            </a:endParaRPr>
+              <a:t>Circuit </a:t>
+            </a:r>
+            <a:r>
+              <a:rPr lang="en-GB" dirty="0">
+                <a:latin typeface="Rockwell" panose="02060603020205020403" pitchFamily="18" charset="0"/>
+              </a:rPr>
+              <a:t>parametrization</a:t>
+            </a:r>
           </a:p>
         </p:txBody>
       </p:sp>
@@ -17198,7 +17260,7 @@
         </p:nvSpPr>
         <p:spPr>
           <a:xfrm>
-            <a:off x="1217613" y="464539"/>
+            <a:off x="1217613" y="284924"/>
             <a:ext cx="9905998" cy="790404"/>
           </a:xfrm>
         </p:spPr>
@@ -17213,7 +17275,7 @@
               <a:rPr lang="it-IT" sz="4400" dirty="0">
                 <a:latin typeface="Rockwell" panose="02060603020205020403" pitchFamily="18" charset="0"/>
               </a:rPr>
-              <a:t>SECOND MODE RESONANT SHAUNT</a:t>
+              <a:t>SECOND MODE, RESONANT SHAUNT</a:t>
             </a:r>
           </a:p>
         </p:txBody>
@@ -17234,7 +17296,7 @@
         </p:nvSpPr>
         <p:spPr>
           <a:xfrm>
-            <a:off x="1141413" y="1408922"/>
+            <a:off x="1141413" y="1288749"/>
             <a:ext cx="9905998" cy="438539"/>
           </a:xfrm>
           <a:prstGeom prst="rect">
@@ -17290,13 +17352,824 @@
         </p:nvPicPr>
         <p:blipFill>
           <a:blip r:embed="rId3"/>
-          <a:srcRect l="8433" t="1160" r="5639" b="3807"/>
+          <a:srcRect l="8433" t="1160" r="28200" b="3807"/>
           <a:stretch/>
         </p:blipFill>
         <p:spPr>
           <a:xfrm>
-            <a:off x="6140376" y="1932553"/>
-            <a:ext cx="4983235" cy="2992894"/>
+            <a:off x="5835536" y="1623631"/>
+            <a:ext cx="5518484" cy="4769830"/>
+          </a:xfrm>
+          <a:prstGeom prst="rect">
+            <a:avLst/>
+          </a:prstGeom>
+        </p:spPr>
+      </p:pic>
+      <mc:AlternateContent xmlns:mc="http://schemas.openxmlformats.org/markup-compatibility/2006">
+        <mc:Choice xmlns:a14="http://schemas.microsoft.com/office/drawing/2010/main" Requires="a14">
+          <p:sp>
+            <p:nvSpPr>
+              <p:cNvPr id="16" name="TextBox 15">
+                <a:extLst>
+                  <a:ext uri="{FF2B5EF4-FFF2-40B4-BE49-F238E27FC236}">
+                    <a16:creationId xmlns:a16="http://schemas.microsoft.com/office/drawing/2014/main" id="{282ADA16-5A4F-3A11-7AC6-3DDFAB96E02D}"/>
+                  </a:ext>
+                </a:extLst>
+              </p:cNvPr>
+              <p:cNvSpPr txBox="1"/>
+              <p:nvPr/>
+            </p:nvSpPr>
+            <p:spPr>
+              <a:xfrm>
+                <a:off x="1141413" y="1847461"/>
+                <a:ext cx="4617922" cy="5117106"/>
+              </a:xfrm>
+              <a:prstGeom prst="rect">
+                <a:avLst/>
+              </a:prstGeom>
+              <a:noFill/>
+            </p:spPr>
+            <p:txBody>
+              <a:bodyPr wrap="square" rtlCol="0">
+                <a:spAutoFit/>
+              </a:bodyPr>
+              <a:lstStyle/>
+              <a:p>
+                <a:r>
+                  <a:rPr lang="en-GB" dirty="0"/>
+                  <a:t>Blue</a:t>
+                </a:r>
+                <a:r>
+                  <a:rPr lang="en-GB" b="1" dirty="0">
+                    <a:latin typeface="Rockwell" panose="02060603020205020403" pitchFamily="18" charset="0"/>
+                  </a:rPr>
+                  <a:t>: FRF </a:t>
+                </a:r>
+                <a:r>
+                  <a:rPr lang="en-GB" b="1" dirty="0" err="1">
+                    <a:latin typeface="Rockwell" panose="02060603020205020403" pitchFamily="18" charset="0"/>
+                  </a:rPr>
+                  <a:t>sc-sc</a:t>
+                </a:r>
+                <a:endParaRPr lang="en-GB" b="1" dirty="0">
+                  <a:latin typeface="Rockwell" panose="02060603020205020403" pitchFamily="18" charset="0"/>
+                </a:endParaRPr>
+              </a:p>
+              <a:p>
+                <a:r>
+                  <a:rPr lang="en-GB" dirty="0"/>
+                  <a:t>Red: </a:t>
+                </a:r>
+                <a:r>
+                  <a:rPr lang="en-GB" b="1" dirty="0">
+                    <a:latin typeface="Rockwell" panose="02060603020205020403" pitchFamily="18" charset="0"/>
+                  </a:rPr>
+                  <a:t>FRF RL-</a:t>
+                </a:r>
+                <a:r>
+                  <a:rPr lang="en-GB" b="1" dirty="0" err="1">
+                    <a:latin typeface="Rockwell" panose="02060603020205020403" pitchFamily="18" charset="0"/>
+                  </a:rPr>
+                  <a:t>sc</a:t>
+                </a:r>
+                <a:endParaRPr lang="en-GB" b="1" dirty="0">
+                  <a:latin typeface="Rockwell" panose="02060603020205020403" pitchFamily="18" charset="0"/>
+                </a:endParaRPr>
+              </a:p>
+              <a:p>
+                <a:r>
+                  <a:rPr lang="en-GB" dirty="0"/>
+                  <a:t>As we can see the attenuation on second is much more with respect with only the resistive method.</a:t>
+                </a:r>
+              </a:p>
+              <a:p>
+                <a:endParaRPr lang="en-GB" dirty="0"/>
+              </a:p>
+              <a:p>
+                <a:pPr algn="ctr"/>
+                <a:r>
+                  <a:rPr lang="en-GB" b="1" i="1" dirty="0"/>
+                  <a:t> </a:t>
+                </a:r>
+                <a14:m>
+                  <m:oMath xmlns:m="http://schemas.openxmlformats.org/officeDocument/2006/math">
+                    <m:f>
+                      <m:fPr>
+                        <m:ctrlPr>
+                          <a:rPr lang="en-GB" sz="1800" b="1" i="1" kern="100" smtClean="0">
+                            <a:effectLst/>
+                            <a:latin typeface="Cambria Math" panose="02040503050406030204" pitchFamily="18" charset="0"/>
+                            <a:ea typeface="Times New Roman" panose="02020603050405020304" pitchFamily="18" charset="0"/>
+                            <a:cs typeface="Times New Roman" panose="02020603050405020304" pitchFamily="18" charset="0"/>
+                          </a:rPr>
+                        </m:ctrlPr>
+                      </m:fPr>
+                      <m:num>
+                        <m:r>
+                          <a:rPr lang="en-GB" sz="1800" b="1" i="1" kern="100">
+                            <a:effectLst/>
+                            <a:latin typeface="Cambria Math" panose="02040503050406030204" pitchFamily="18" charset="0"/>
+                            <a:ea typeface="Times New Roman" panose="02020603050405020304" pitchFamily="18" charset="0"/>
+                            <a:cs typeface="Times New Roman" panose="02020603050405020304" pitchFamily="18" charset="0"/>
+                          </a:rPr>
+                          <m:t>𝒎𝒂</m:t>
+                        </m:r>
+                        <m:sSub>
+                          <m:sSubPr>
+                            <m:ctrlPr>
+                              <a:rPr lang="en-GB" sz="1800" b="1" i="1" kern="100">
+                                <a:effectLst/>
+                                <a:latin typeface="Cambria Math" panose="02040503050406030204" pitchFamily="18" charset="0"/>
+                                <a:ea typeface="Times New Roman" panose="02020603050405020304" pitchFamily="18" charset="0"/>
+                                <a:cs typeface="Times New Roman" panose="02020603050405020304" pitchFamily="18" charset="0"/>
+                              </a:rPr>
+                            </m:ctrlPr>
+                          </m:sSubPr>
+                          <m:e>
+                            <m:r>
+                              <a:rPr lang="en-GB" sz="1800" b="1" i="1" kern="100">
+                                <a:effectLst/>
+                                <a:latin typeface="Cambria Math" panose="02040503050406030204" pitchFamily="18" charset="0"/>
+                                <a:ea typeface="Times New Roman" panose="02020603050405020304" pitchFamily="18" charset="0"/>
+                                <a:cs typeface="Times New Roman" panose="02020603050405020304" pitchFamily="18" charset="0"/>
+                              </a:rPr>
+                              <m:t>𝒙</m:t>
+                            </m:r>
+                          </m:e>
+                          <m:sub>
+                            <m:r>
+                              <m:rPr>
+                                <m:nor/>
+                              </m:rPr>
+                              <a:rPr lang="en-GB" sz="1800" b="1" i="1" kern="100">
+                                <a:effectLst/>
+                                <a:latin typeface="Cambria Math" panose="02040503050406030204" pitchFamily="18" charset="0"/>
+                                <a:ea typeface="Times New Roman" panose="02020603050405020304" pitchFamily="18" charset="0"/>
+                                <a:cs typeface="Times New Roman" panose="02020603050405020304" pitchFamily="18" charset="0"/>
+                              </a:rPr>
+                              <m:t>sc</m:t>
+                            </m:r>
+                            <m:r>
+                              <m:rPr>
+                                <m:lit/>
+                                <m:nor/>
+                              </m:rPr>
+                              <a:rPr lang="en-GB" sz="1800" b="1" i="1" kern="100">
+                                <a:effectLst/>
+                                <a:latin typeface="Cambria Math" panose="02040503050406030204" pitchFamily="18" charset="0"/>
+                                <a:ea typeface="Times New Roman" panose="02020603050405020304" pitchFamily="18" charset="0"/>
+                                <a:cs typeface="Times New Roman" panose="02020603050405020304" pitchFamily="18" charset="0"/>
+                              </a:rPr>
+                              <m:t>_</m:t>
+                            </m:r>
+                            <m:r>
+                              <m:rPr>
+                                <m:nor/>
+                              </m:rPr>
+                              <a:rPr lang="en-GB" sz="1800" b="1" i="1" kern="100">
+                                <a:effectLst/>
+                                <a:latin typeface="Cambria Math" panose="02040503050406030204" pitchFamily="18" charset="0"/>
+                                <a:ea typeface="Times New Roman" panose="02020603050405020304" pitchFamily="18" charset="0"/>
+                                <a:cs typeface="Times New Roman" panose="02020603050405020304" pitchFamily="18" charset="0"/>
+                              </a:rPr>
+                              <m:t>sc</m:t>
+                            </m:r>
+                          </m:sub>
+                        </m:sSub>
+                        <m:r>
+                          <a:rPr lang="en-GB" sz="1800" b="1" i="1" kern="100">
+                            <a:effectLst/>
+                            <a:latin typeface="Cambria Math" panose="02040503050406030204" pitchFamily="18" charset="0"/>
+                            <a:ea typeface="Times New Roman" panose="02020603050405020304" pitchFamily="18" charset="0"/>
+                            <a:cs typeface="Times New Roman" panose="02020603050405020304" pitchFamily="18" charset="0"/>
+                          </a:rPr>
+                          <m:t>−</m:t>
+                        </m:r>
+                        <m:r>
+                          <a:rPr lang="en-GB" sz="1800" b="1" i="1" kern="100">
+                            <a:effectLst/>
+                            <a:latin typeface="Cambria Math" panose="02040503050406030204" pitchFamily="18" charset="0"/>
+                            <a:ea typeface="Times New Roman" panose="02020603050405020304" pitchFamily="18" charset="0"/>
+                            <a:cs typeface="Times New Roman" panose="02020603050405020304" pitchFamily="18" charset="0"/>
+                          </a:rPr>
+                          <m:t>𝒎𝒂</m:t>
+                        </m:r>
+                        <m:sSub>
+                          <m:sSubPr>
+                            <m:ctrlPr>
+                              <a:rPr lang="en-GB" sz="1800" b="1" i="1" kern="100" smtClean="0">
+                                <a:effectLst/>
+                                <a:latin typeface="Cambria Math" panose="02040503050406030204" pitchFamily="18" charset="0"/>
+                                <a:ea typeface="Times New Roman" panose="02020603050405020304" pitchFamily="18" charset="0"/>
+                                <a:cs typeface="Times New Roman" panose="02020603050405020304" pitchFamily="18" charset="0"/>
+                              </a:rPr>
+                            </m:ctrlPr>
+                          </m:sSubPr>
+                          <m:e>
+                            <m:r>
+                              <a:rPr lang="en-GB" sz="1800" b="1" i="1" kern="100">
+                                <a:effectLst/>
+                                <a:latin typeface="Cambria Math" panose="02040503050406030204" pitchFamily="18" charset="0"/>
+                                <a:ea typeface="Times New Roman" panose="02020603050405020304" pitchFamily="18" charset="0"/>
+                                <a:cs typeface="Times New Roman" panose="02020603050405020304" pitchFamily="18" charset="0"/>
+                              </a:rPr>
+                              <m:t>𝒙</m:t>
+                            </m:r>
+                          </m:e>
+                          <m:sub>
+                            <m:r>
+                              <m:rPr>
+                                <m:nor/>
+                              </m:rPr>
+                              <a:rPr lang="it-IT" sz="1800" b="1" i="1" kern="100" smtClean="0">
+                                <a:effectLst/>
+                                <a:latin typeface="Cambria Math" panose="02040503050406030204" pitchFamily="18" charset="0"/>
+                                <a:ea typeface="Times New Roman" panose="02020603050405020304" pitchFamily="18" charset="0"/>
+                                <a:cs typeface="Times New Roman" panose="02020603050405020304" pitchFamily="18" charset="0"/>
+                              </a:rPr>
+                              <m:t>sc</m:t>
+                            </m:r>
+                            <m:r>
+                              <m:rPr>
+                                <m:lit/>
+                                <m:nor/>
+                              </m:rPr>
+                              <a:rPr lang="it-IT" sz="1800" b="1" i="1" kern="100" smtClean="0">
+                                <a:effectLst/>
+                                <a:latin typeface="Cambria Math" panose="02040503050406030204" pitchFamily="18" charset="0"/>
+                                <a:ea typeface="Times New Roman" panose="02020603050405020304" pitchFamily="18" charset="0"/>
+                                <a:cs typeface="Times New Roman" panose="02020603050405020304" pitchFamily="18" charset="0"/>
+                              </a:rPr>
+                              <m:t>_</m:t>
+                            </m:r>
+                            <m:r>
+                              <a:rPr lang="it-IT" sz="1800" b="1" i="1" kern="100" smtClean="0">
+                                <a:effectLst/>
+                                <a:latin typeface="Cambria Math" panose="02040503050406030204" pitchFamily="18" charset="0"/>
+                                <a:ea typeface="Times New Roman" panose="02020603050405020304" pitchFamily="18" charset="0"/>
+                                <a:cs typeface="Times New Roman" panose="02020603050405020304" pitchFamily="18" charset="0"/>
+                              </a:rPr>
+                              <m:t>𝒓𝒍</m:t>
+                            </m:r>
+                          </m:sub>
+                        </m:sSub>
+                      </m:num>
+                      <m:den>
+                        <m:r>
+                          <a:rPr lang="en-GB" sz="1800" b="1" i="1" kern="100">
+                            <a:effectLst/>
+                            <a:latin typeface="Cambria Math" panose="02040503050406030204" pitchFamily="18" charset="0"/>
+                            <a:ea typeface="Times New Roman" panose="02020603050405020304" pitchFamily="18" charset="0"/>
+                            <a:cs typeface="Times New Roman" panose="02020603050405020304" pitchFamily="18" charset="0"/>
+                          </a:rPr>
+                          <m:t>𝒎𝒂</m:t>
+                        </m:r>
+                        <m:sSub>
+                          <m:sSubPr>
+                            <m:ctrlPr>
+                              <a:rPr lang="en-GB" sz="1800" b="1" i="1" kern="100">
+                                <a:effectLst/>
+                                <a:latin typeface="Cambria Math" panose="02040503050406030204" pitchFamily="18" charset="0"/>
+                                <a:ea typeface="Times New Roman" panose="02020603050405020304" pitchFamily="18" charset="0"/>
+                                <a:cs typeface="Times New Roman" panose="02020603050405020304" pitchFamily="18" charset="0"/>
+                              </a:rPr>
+                            </m:ctrlPr>
+                          </m:sSubPr>
+                          <m:e>
+                            <m:r>
+                              <a:rPr lang="en-GB" sz="1800" b="1" i="1" kern="100">
+                                <a:effectLst/>
+                                <a:latin typeface="Cambria Math" panose="02040503050406030204" pitchFamily="18" charset="0"/>
+                                <a:ea typeface="Times New Roman" panose="02020603050405020304" pitchFamily="18" charset="0"/>
+                                <a:cs typeface="Times New Roman" panose="02020603050405020304" pitchFamily="18" charset="0"/>
+                              </a:rPr>
+                              <m:t>𝒙</m:t>
+                            </m:r>
+                          </m:e>
+                          <m:sub>
+                            <m:r>
+                              <m:rPr>
+                                <m:nor/>
+                              </m:rPr>
+                              <a:rPr lang="en-GB" sz="1800" b="1" i="1" kern="100">
+                                <a:effectLst/>
+                                <a:latin typeface="Cambria Math" panose="02040503050406030204" pitchFamily="18" charset="0"/>
+                                <a:ea typeface="Times New Roman" panose="02020603050405020304" pitchFamily="18" charset="0"/>
+                                <a:cs typeface="Times New Roman" panose="02020603050405020304" pitchFamily="18" charset="0"/>
+                              </a:rPr>
+                              <m:t>sc</m:t>
+                            </m:r>
+                            <m:r>
+                              <m:rPr>
+                                <m:lit/>
+                                <m:nor/>
+                              </m:rPr>
+                              <a:rPr lang="en-GB" sz="1800" b="1" i="1" kern="100">
+                                <a:effectLst/>
+                                <a:latin typeface="Cambria Math" panose="02040503050406030204" pitchFamily="18" charset="0"/>
+                                <a:ea typeface="Times New Roman" panose="02020603050405020304" pitchFamily="18" charset="0"/>
+                                <a:cs typeface="Times New Roman" panose="02020603050405020304" pitchFamily="18" charset="0"/>
+                              </a:rPr>
+                              <m:t>_</m:t>
+                            </m:r>
+                            <m:r>
+                              <m:rPr>
+                                <m:nor/>
+                              </m:rPr>
+                              <a:rPr lang="en-GB" sz="1800" b="1" i="1" kern="100">
+                                <a:effectLst/>
+                                <a:latin typeface="Cambria Math" panose="02040503050406030204" pitchFamily="18" charset="0"/>
+                                <a:ea typeface="Times New Roman" panose="02020603050405020304" pitchFamily="18" charset="0"/>
+                                <a:cs typeface="Times New Roman" panose="02020603050405020304" pitchFamily="18" charset="0"/>
+                              </a:rPr>
+                              <m:t>sc</m:t>
+                            </m:r>
+                          </m:sub>
+                        </m:sSub>
+                      </m:den>
+                    </m:f>
+                    <m:r>
+                      <a:rPr lang="en-GB" sz="1800" b="1" i="1" kern="100">
+                        <a:effectLst/>
+                        <a:latin typeface="Cambria Math" panose="02040503050406030204" pitchFamily="18" charset="0"/>
+                        <a:ea typeface="Times New Roman" panose="02020603050405020304" pitchFamily="18" charset="0"/>
+                        <a:cs typeface="Times New Roman" panose="02020603050405020304" pitchFamily="18" charset="0"/>
+                      </a:rPr>
+                      <m:t>𝟏𝟎𝟎</m:t>
+                    </m:r>
+                    <m:r>
+                      <a:rPr lang="en-GB" sz="1800" b="1" i="1" kern="100">
+                        <a:effectLst/>
+                        <a:latin typeface="Cambria Math" panose="02040503050406030204" pitchFamily="18" charset="0"/>
+                        <a:ea typeface="Times New Roman" panose="02020603050405020304" pitchFamily="18" charset="0"/>
+                        <a:cs typeface="Times New Roman" panose="02020603050405020304" pitchFamily="18" charset="0"/>
+                      </a:rPr>
+                      <m:t>=</m:t>
+                    </m:r>
+                    <m:r>
+                      <a:rPr lang="it-IT" sz="1800" b="1" i="1" kern="100" smtClean="0">
+                        <a:effectLst/>
+                        <a:latin typeface="Cambria Math" panose="02040503050406030204" pitchFamily="18" charset="0"/>
+                        <a:ea typeface="Times New Roman" panose="02020603050405020304" pitchFamily="18" charset="0"/>
+                        <a:cs typeface="Times New Roman" panose="02020603050405020304" pitchFamily="18" charset="0"/>
+                      </a:rPr>
+                      <m:t>𝟗𝟏</m:t>
+                    </m:r>
+                    <m:r>
+                      <a:rPr lang="it-IT" sz="1800" b="1" i="1" kern="100" smtClean="0">
+                        <a:effectLst/>
+                        <a:latin typeface="Cambria Math" panose="02040503050406030204" pitchFamily="18" charset="0"/>
+                        <a:ea typeface="Times New Roman" panose="02020603050405020304" pitchFamily="18" charset="0"/>
+                        <a:cs typeface="Times New Roman" panose="02020603050405020304" pitchFamily="18" charset="0"/>
+                      </a:rPr>
+                      <m:t>.</m:t>
+                    </m:r>
+                    <m:r>
+                      <a:rPr lang="it-IT" sz="1800" b="1" i="1" kern="100" smtClean="0">
+                        <a:effectLst/>
+                        <a:latin typeface="Cambria Math" panose="02040503050406030204" pitchFamily="18" charset="0"/>
+                        <a:ea typeface="Times New Roman" panose="02020603050405020304" pitchFamily="18" charset="0"/>
+                        <a:cs typeface="Times New Roman" panose="02020603050405020304" pitchFamily="18" charset="0"/>
+                      </a:rPr>
+                      <m:t>𝟓𝟑</m:t>
+                    </m:r>
+                    <m:r>
+                      <a:rPr lang="en-GB" sz="1800" b="1" i="1" kern="100">
+                        <a:effectLst/>
+                        <a:latin typeface="Cambria Math" panose="02040503050406030204" pitchFamily="18" charset="0"/>
+                        <a:ea typeface="Times New Roman" panose="02020603050405020304" pitchFamily="18" charset="0"/>
+                        <a:cs typeface="Times New Roman" panose="02020603050405020304" pitchFamily="18" charset="0"/>
+                      </a:rPr>
+                      <m:t>%</m:t>
+                    </m:r>
+                  </m:oMath>
+                </a14:m>
+                <a:endParaRPr lang="en-GB" b="1" i="1" kern="100" dirty="0">
+                  <a:latin typeface="Aptos" panose="020B0004020202020204" pitchFamily="34" charset="0"/>
+                  <a:ea typeface="Aptos" panose="020B0004020202020204" pitchFamily="34" charset="0"/>
+                  <a:cs typeface="Times New Roman" panose="02020603050405020304" pitchFamily="18" charset="0"/>
+                </a:endParaRPr>
+              </a:p>
+              <a:p>
+                <a:endParaRPr lang="en-GB" kern="100" dirty="0">
+                  <a:ea typeface="Aptos" panose="020B0004020202020204" pitchFamily="34" charset="0"/>
+                  <a:cs typeface="Times New Roman" panose="02020603050405020304" pitchFamily="18" charset="0"/>
+                </a:endParaRPr>
+              </a:p>
+              <a:p>
+                <a:r>
+                  <a:rPr lang="en-GB" kern="100" dirty="0">
+                    <a:ea typeface="Aptos" panose="020B0004020202020204" pitchFamily="34" charset="0"/>
+                    <a:cs typeface="Times New Roman" panose="02020603050405020304" pitchFamily="18" charset="0"/>
+                  </a:rPr>
+                  <a:t>And in decibel the attenuation is:</a:t>
+                </a:r>
+              </a:p>
+              <a:p>
+                <a:endParaRPr lang="en-GB" kern="100" dirty="0">
+                  <a:ea typeface="Aptos" panose="020B0004020202020204" pitchFamily="34" charset="0"/>
+                  <a:cs typeface="Times New Roman" panose="02020603050405020304" pitchFamily="18" charset="0"/>
+                </a:endParaRPr>
+              </a:p>
+              <a:p>
+                <a14:m>
+                  <m:oMath xmlns:m="http://schemas.openxmlformats.org/officeDocument/2006/math">
+                    <m:sSub>
+                      <m:sSubPr>
+                        <m:ctrlPr>
+                          <a:rPr lang="en-GB" sz="1800" b="1" i="1" kern="100" smtClean="0">
+                            <a:effectLst/>
+                            <a:latin typeface="Cambria Math" panose="02040503050406030204" pitchFamily="18" charset="0"/>
+                            <a:ea typeface="Aptos" panose="020B0004020202020204" pitchFamily="34" charset="0"/>
+                            <a:cs typeface="Times New Roman" panose="02020603050405020304" pitchFamily="18" charset="0"/>
+                          </a:rPr>
+                        </m:ctrlPr>
+                      </m:sSubPr>
+                      <m:e>
+                        <m:r>
+                          <a:rPr lang="en-GB" sz="1800" b="1" i="0" kern="100">
+                            <a:effectLst/>
+                            <a:latin typeface="Cambria Math" panose="02040503050406030204" pitchFamily="18" charset="0"/>
+                            <a:ea typeface="Aptos" panose="020B0004020202020204" pitchFamily="34" charset="0"/>
+                            <a:cs typeface="Times New Roman" panose="02020603050405020304" pitchFamily="18" charset="0"/>
+                          </a:rPr>
+                          <m:t>𝐀</m:t>
+                        </m:r>
+                      </m:e>
+                      <m:sub>
+                        <m:r>
+                          <m:rPr>
+                            <m:nor/>
+                          </m:rPr>
+                          <a:rPr lang="en-GB" sz="1800" b="1" kern="100">
+                            <a:effectLst/>
+                            <a:latin typeface="Cambria Math" panose="02040503050406030204" pitchFamily="18" charset="0"/>
+                            <a:ea typeface="Aptos" panose="020B0004020202020204" pitchFamily="34" charset="0"/>
+                            <a:cs typeface="Times New Roman" panose="02020603050405020304" pitchFamily="18" charset="0"/>
+                          </a:rPr>
+                          <m:t>dB</m:t>
+                        </m:r>
+                      </m:sub>
+                    </m:sSub>
+                    <m:r>
+                      <a:rPr lang="en-GB" sz="1800" b="1" i="0" kern="100">
+                        <a:effectLst/>
+                        <a:latin typeface="Cambria Math" panose="02040503050406030204" pitchFamily="18" charset="0"/>
+                        <a:ea typeface="Aptos" panose="020B0004020202020204" pitchFamily="34" charset="0"/>
+                        <a:cs typeface="Times New Roman" panose="02020603050405020304" pitchFamily="18" charset="0"/>
+                      </a:rPr>
+                      <m:t>=</m:t>
+                    </m:r>
+                    <m:r>
+                      <a:rPr lang="en-GB" sz="1800" b="1" i="0" kern="100">
+                        <a:effectLst/>
+                        <a:latin typeface="Cambria Math" panose="02040503050406030204" pitchFamily="18" charset="0"/>
+                        <a:ea typeface="Aptos" panose="020B0004020202020204" pitchFamily="34" charset="0"/>
+                        <a:cs typeface="Times New Roman" panose="02020603050405020304" pitchFamily="18" charset="0"/>
+                      </a:rPr>
+                      <m:t>𝟐𝟎</m:t>
+                    </m:r>
+                    <m:func>
+                      <m:funcPr>
+                        <m:ctrlPr>
+                          <a:rPr lang="en-GB" sz="1800" b="1" i="1" kern="100">
+                            <a:effectLst/>
+                            <a:latin typeface="Cambria Math" panose="02040503050406030204" pitchFamily="18" charset="0"/>
+                            <a:ea typeface="Aptos" panose="020B0004020202020204" pitchFamily="34" charset="0"/>
+                            <a:cs typeface="Times New Roman" panose="02020603050405020304" pitchFamily="18" charset="0"/>
+                          </a:rPr>
+                        </m:ctrlPr>
+                      </m:funcPr>
+                      <m:fName>
+                        <m:sSub>
+                          <m:sSubPr>
+                            <m:ctrlPr>
+                              <a:rPr lang="en-GB" sz="1800" b="1" i="1" kern="100">
+                                <a:effectLst/>
+                                <a:latin typeface="Cambria Math" panose="02040503050406030204" pitchFamily="18" charset="0"/>
+                                <a:ea typeface="Aptos" panose="020B0004020202020204" pitchFamily="34" charset="0"/>
+                                <a:cs typeface="Times New Roman" panose="02020603050405020304" pitchFamily="18" charset="0"/>
+                              </a:rPr>
+                            </m:ctrlPr>
+                          </m:sSubPr>
+                          <m:e>
+                            <m:r>
+                              <a:rPr lang="en-GB" sz="1800" b="1" i="0" kern="100">
+                                <a:effectLst/>
+                                <a:latin typeface="Cambria Math" panose="02040503050406030204" pitchFamily="18" charset="0"/>
+                                <a:ea typeface="Aptos" panose="020B0004020202020204" pitchFamily="34" charset="0"/>
+                                <a:cs typeface="Times New Roman" panose="02020603050405020304" pitchFamily="18" charset="0"/>
+                              </a:rPr>
+                              <m:t>𝐥𝐨𝐠</m:t>
+                            </m:r>
+                          </m:e>
+                          <m:sub>
+                            <m:r>
+                              <a:rPr lang="en-GB" sz="1800" b="1" i="0" kern="100">
+                                <a:effectLst/>
+                                <a:latin typeface="Cambria Math" panose="02040503050406030204" pitchFamily="18" charset="0"/>
+                                <a:ea typeface="Aptos" panose="020B0004020202020204" pitchFamily="34" charset="0"/>
+                                <a:cs typeface="Times New Roman" panose="02020603050405020304" pitchFamily="18" charset="0"/>
+                              </a:rPr>
+                              <m:t>𝟏𝟎</m:t>
+                            </m:r>
+                          </m:sub>
+                        </m:sSub>
+                      </m:fName>
+                      <m:e>
+                        <m:d>
+                          <m:dPr>
+                            <m:ctrlPr>
+                              <a:rPr lang="en-GB" sz="1800" b="1" i="1" kern="100">
+                                <a:effectLst/>
+                                <a:latin typeface="Cambria Math" panose="02040503050406030204" pitchFamily="18" charset="0"/>
+                                <a:ea typeface="Aptos" panose="020B0004020202020204" pitchFamily="34" charset="0"/>
+                                <a:cs typeface="Times New Roman" panose="02020603050405020304" pitchFamily="18" charset="0"/>
+                              </a:rPr>
+                            </m:ctrlPr>
+                          </m:dPr>
+                          <m:e>
+                            <m:f>
+                              <m:fPr>
+                                <m:ctrlPr>
+                                  <a:rPr lang="en-GB" sz="1800" b="1" i="1" kern="100">
+                                    <a:effectLst/>
+                                    <a:latin typeface="Cambria Math" panose="02040503050406030204" pitchFamily="18" charset="0"/>
+                                    <a:ea typeface="Aptos" panose="020B0004020202020204" pitchFamily="34" charset="0"/>
+                                    <a:cs typeface="Times New Roman" panose="02020603050405020304" pitchFamily="18" charset="0"/>
+                                  </a:rPr>
+                                </m:ctrlPr>
+                              </m:fPr>
+                              <m:num>
+                                <m:sSub>
+                                  <m:sSubPr>
+                                    <m:ctrlPr>
+                                      <a:rPr lang="en-GB" sz="1800" b="1" i="1" kern="100">
+                                        <a:effectLst/>
+                                        <a:latin typeface="Cambria Math" panose="02040503050406030204" pitchFamily="18" charset="0"/>
+                                        <a:ea typeface="Aptos" panose="020B0004020202020204" pitchFamily="34" charset="0"/>
+                                        <a:cs typeface="Times New Roman" panose="02020603050405020304" pitchFamily="18" charset="0"/>
+                                      </a:rPr>
+                                    </m:ctrlPr>
+                                  </m:sSubPr>
+                                  <m:e>
+                                    <m:r>
+                                      <m:rPr>
+                                        <m:nor/>
+                                      </m:rPr>
+                                      <a:rPr lang="en-GB" sz="1800" b="1" kern="100">
+                                        <a:effectLst/>
+                                        <a:latin typeface="Cambria Math" panose="02040503050406030204" pitchFamily="18" charset="0"/>
+                                        <a:ea typeface="Aptos" panose="020B0004020202020204" pitchFamily="34" charset="0"/>
+                                        <a:cs typeface="Times New Roman" panose="02020603050405020304" pitchFamily="18" charset="0"/>
+                                      </a:rPr>
+                                      <m:t>FRF</m:t>
+                                    </m:r>
+                                  </m:e>
+                                  <m:sub>
+                                    <m:r>
+                                      <m:rPr>
+                                        <m:nor/>
+                                      </m:rPr>
+                                      <a:rPr lang="en-GB" sz="1800" b="1" kern="100">
+                                        <a:effectLst/>
+                                        <a:latin typeface="Cambria Math" panose="02040503050406030204" pitchFamily="18" charset="0"/>
+                                        <a:ea typeface="Aptos" panose="020B0004020202020204" pitchFamily="34" charset="0"/>
+                                        <a:cs typeface="Times New Roman" panose="02020603050405020304" pitchFamily="18" charset="0"/>
+                                      </a:rPr>
+                                      <m:t>sc</m:t>
+                                    </m:r>
+                                    <m:r>
+                                      <m:rPr>
+                                        <m:lit/>
+                                        <m:nor/>
+                                      </m:rPr>
+                                      <a:rPr lang="en-GB" sz="1800" b="1" kern="100">
+                                        <a:effectLst/>
+                                        <a:latin typeface="Cambria Math" panose="02040503050406030204" pitchFamily="18" charset="0"/>
+                                        <a:ea typeface="Aptos" panose="020B0004020202020204" pitchFamily="34" charset="0"/>
+                                        <a:cs typeface="Times New Roman" panose="02020603050405020304" pitchFamily="18" charset="0"/>
+                                      </a:rPr>
+                                      <m:t>_</m:t>
+                                    </m:r>
+                                    <m:r>
+                                      <m:rPr>
+                                        <m:nor/>
+                                      </m:rPr>
+                                      <a:rPr lang="en-GB" sz="1800" b="1" kern="100">
+                                        <a:effectLst/>
+                                        <a:latin typeface="Cambria Math" panose="02040503050406030204" pitchFamily="18" charset="0"/>
+                                        <a:ea typeface="Aptos" panose="020B0004020202020204" pitchFamily="34" charset="0"/>
+                                        <a:cs typeface="Times New Roman" panose="02020603050405020304" pitchFamily="18" charset="0"/>
+                                      </a:rPr>
+                                      <m:t>sc</m:t>
+                                    </m:r>
+                                  </m:sub>
+                                </m:sSub>
+                              </m:num>
+                              <m:den>
+                                <m:sSub>
+                                  <m:sSubPr>
+                                    <m:ctrlPr>
+                                      <a:rPr lang="en-GB" sz="1800" b="1" i="1" kern="100">
+                                        <a:effectLst/>
+                                        <a:latin typeface="Cambria Math" panose="02040503050406030204" pitchFamily="18" charset="0"/>
+                                        <a:ea typeface="Aptos" panose="020B0004020202020204" pitchFamily="34" charset="0"/>
+                                        <a:cs typeface="Times New Roman" panose="02020603050405020304" pitchFamily="18" charset="0"/>
+                                      </a:rPr>
+                                    </m:ctrlPr>
+                                  </m:sSubPr>
+                                  <m:e>
+                                    <m:r>
+                                      <m:rPr>
+                                        <m:nor/>
+                                      </m:rPr>
+                                      <a:rPr lang="en-GB" sz="1800" b="1" kern="100">
+                                        <a:effectLst/>
+                                        <a:latin typeface="Cambria Math" panose="02040503050406030204" pitchFamily="18" charset="0"/>
+                                        <a:ea typeface="Aptos" panose="020B0004020202020204" pitchFamily="34" charset="0"/>
+                                        <a:cs typeface="Times New Roman" panose="02020603050405020304" pitchFamily="18" charset="0"/>
+                                      </a:rPr>
+                                      <m:t>FRF</m:t>
+                                    </m:r>
+                                  </m:e>
+                                  <m:sub>
+                                    <m:r>
+                                      <m:rPr>
+                                        <m:nor/>
+                                      </m:rPr>
+                                      <a:rPr lang="en-GB" sz="1800" b="1" kern="100">
+                                        <a:effectLst/>
+                                        <a:latin typeface="Cambria Math" panose="02040503050406030204" pitchFamily="18" charset="0"/>
+                                        <a:ea typeface="Aptos" panose="020B0004020202020204" pitchFamily="34" charset="0"/>
+                                        <a:cs typeface="Times New Roman" panose="02020603050405020304" pitchFamily="18" charset="0"/>
+                                      </a:rPr>
+                                      <m:t>sc</m:t>
+                                    </m:r>
+                                    <m:r>
+                                      <m:rPr>
+                                        <m:lit/>
+                                        <m:nor/>
+                                      </m:rPr>
+                                      <a:rPr lang="en-GB" sz="1800" b="1" kern="100">
+                                        <a:effectLst/>
+                                        <a:latin typeface="Cambria Math" panose="02040503050406030204" pitchFamily="18" charset="0"/>
+                                        <a:ea typeface="Aptos" panose="020B0004020202020204" pitchFamily="34" charset="0"/>
+                                        <a:cs typeface="Times New Roman" panose="02020603050405020304" pitchFamily="18" charset="0"/>
+                                      </a:rPr>
+                                      <m:t>_</m:t>
+                                    </m:r>
+                                    <m:r>
+                                      <m:rPr>
+                                        <m:nor/>
+                                      </m:rPr>
+                                      <a:rPr lang="en-GB" sz="1800" b="1" kern="100">
+                                        <a:effectLst/>
+                                        <a:latin typeface="Cambria Math" panose="02040503050406030204" pitchFamily="18" charset="0"/>
+                                        <a:ea typeface="Aptos" panose="020B0004020202020204" pitchFamily="34" charset="0"/>
+                                        <a:cs typeface="Times New Roman" panose="02020603050405020304" pitchFamily="18" charset="0"/>
+                                      </a:rPr>
+                                      <m:t>RL</m:t>
+                                    </m:r>
+                                  </m:sub>
+                                </m:sSub>
+                              </m:den>
+                            </m:f>
+                          </m:e>
+                        </m:d>
+                      </m:e>
+                    </m:func>
+                  </m:oMath>
+                </a14:m>
+                <a:r>
+                  <a:rPr lang="en-GB" sz="1800" b="1" kern="100" dirty="0">
+                    <a:effectLst/>
+                    <a:latin typeface="Aptos" panose="020B0004020202020204" pitchFamily="34" charset="0"/>
+                    <a:ea typeface="Aptos" panose="020B0004020202020204" pitchFamily="34" charset="0"/>
+                    <a:cs typeface="Times New Roman" panose="02020603050405020304" pitchFamily="18" charset="0"/>
+                  </a:rPr>
+                  <a:t> = 49.38 [dB]</a:t>
+                </a:r>
+              </a:p>
+              <a:p>
+                <a:endParaRPr lang="en-GB" sz="1800" b="1" kern="100" dirty="0">
+                  <a:effectLst/>
+                  <a:latin typeface="Aptos" panose="020B0004020202020204" pitchFamily="34" charset="0"/>
+                  <a:ea typeface="Aptos" panose="020B0004020202020204" pitchFamily="34" charset="0"/>
+                  <a:cs typeface="Times New Roman" panose="02020603050405020304" pitchFamily="18" charset="0"/>
+                </a:endParaRPr>
+              </a:p>
+              <a:p>
+                <a:r>
+                  <a:rPr lang="en-GB" sz="1800" kern="100" dirty="0">
+                    <a:effectLst/>
+                    <a:latin typeface="Aptos" panose="020B0004020202020204" pitchFamily="34" charset="0"/>
+                    <a:ea typeface="Aptos" panose="020B0004020202020204" pitchFamily="34" charset="0"/>
+                    <a:cs typeface="Times New Roman" panose="02020603050405020304" pitchFamily="18" charset="0"/>
+                  </a:rPr>
+                  <a:t>The magnitude of the FRF in this case with the resonant shunt is significantly reduced compared to the resistive </a:t>
+                </a:r>
+                <a:r>
+                  <a:rPr lang="en-GB" sz="1800" kern="100" dirty="0" err="1">
+                    <a:effectLst/>
+                    <a:latin typeface="Aptos" panose="020B0004020202020204" pitchFamily="34" charset="0"/>
+                    <a:ea typeface="Aptos" panose="020B0004020202020204" pitchFamily="34" charset="0"/>
+                    <a:cs typeface="Times New Roman" panose="02020603050405020304" pitchFamily="18" charset="0"/>
+                  </a:rPr>
+                  <a:t>shant</a:t>
+                </a:r>
+                <a:r>
+                  <a:rPr lang="en-GB" sz="1800" kern="100" dirty="0">
+                    <a:effectLst/>
+                    <a:latin typeface="Aptos" panose="020B0004020202020204" pitchFamily="34" charset="0"/>
+                    <a:ea typeface="Aptos" panose="020B0004020202020204" pitchFamily="34" charset="0"/>
+                    <a:cs typeface="Times New Roman" panose="02020603050405020304" pitchFamily="18" charset="0"/>
+                  </a:rPr>
+                  <a:t>.</a:t>
+                </a:r>
+              </a:p>
+              <a:p>
+                <a:endParaRPr lang="en-GB" sz="1800" kern="100" dirty="0">
+                  <a:effectLst/>
+                  <a:ea typeface="Aptos" panose="020B0004020202020204" pitchFamily="34" charset="0"/>
+                  <a:cs typeface="Times New Roman" panose="02020603050405020304" pitchFamily="18" charset="0"/>
+                </a:endParaRPr>
+              </a:p>
+              <a:p>
+                <a:endParaRPr lang="en-GB" dirty="0"/>
+              </a:p>
+            </p:txBody>
+          </p:sp>
+        </mc:Choice>
+        <mc:Fallback>
+          <p:sp>
+            <p:nvSpPr>
+              <p:cNvPr id="16" name="TextBox 15">
+                <a:extLst>
+                  <a:ext uri="{FF2B5EF4-FFF2-40B4-BE49-F238E27FC236}">
+                    <a16:creationId xmlns:a16="http://schemas.microsoft.com/office/drawing/2014/main" id="{282ADA16-5A4F-3A11-7AC6-3DDFAB96E02D}"/>
+                  </a:ext>
+                </a:extLst>
+              </p:cNvPr>
+              <p:cNvSpPr txBox="1">
+                <a:spLocks noRot="1" noChangeAspect="1" noMove="1" noResize="1" noEditPoints="1" noAdjustHandles="1" noChangeArrowheads="1" noChangeShapeType="1" noTextEdit="1"/>
+              </p:cNvSpPr>
+              <p:nvPr/>
+            </p:nvSpPr>
+            <p:spPr>
+              <a:xfrm>
+                <a:off x="1141413" y="1847461"/>
+                <a:ext cx="4617922" cy="5117106"/>
+              </a:xfrm>
+              <a:prstGeom prst="rect">
+                <a:avLst/>
+              </a:prstGeom>
+              <a:blipFill>
+                <a:blip r:embed="rId4"/>
+                <a:stretch>
+                  <a:fillRect l="-1055" t="-596" r="-1055"/>
+                </a:stretch>
+              </a:blipFill>
+            </p:spPr>
+            <p:txBody>
+              <a:bodyPr/>
+              <a:lstStyle/>
+              <a:p>
+                <a:r>
+                  <a:rPr lang="en-GB">
+                    <a:noFill/>
+                  </a:rPr>
+                  <a:t> </a:t>
+                </a:r>
+              </a:p>
+            </p:txBody>
+          </p:sp>
+        </mc:Fallback>
+      </mc:AlternateContent>
+      <p:pic>
+        <p:nvPicPr>
+          <p:cNvPr id="5" name="Picture 4">
+            <a:extLst>
+              <a:ext uri="{FF2B5EF4-FFF2-40B4-BE49-F238E27FC236}">
+                <a16:creationId xmlns:a16="http://schemas.microsoft.com/office/drawing/2014/main" id="{2CFFBF3B-DE54-D6B9-5378-7F9AD1647ED9}"/>
+              </a:ext>
+            </a:extLst>
+          </p:cNvPr>
+          <p:cNvPicPr>
+            <a:picLocks noChangeAspect="1"/>
+          </p:cNvPicPr>
+          <p:nvPr/>
+        </p:nvPicPr>
+        <p:blipFill>
+          <a:blip r:embed="rId5"/>
+          <a:stretch>
+            <a:fillRect/>
+          </a:stretch>
+        </p:blipFill>
+        <p:spPr>
+          <a:xfrm>
+            <a:off x="10453458" y="2001440"/>
+            <a:ext cx="706118" cy="292187"/>
           </a:xfrm>
           <a:prstGeom prst="rect">
             <a:avLst/>
@@ -17305,10 +18178,10 @@
       </p:pic>
       <p:sp>
         <p:nvSpPr>
-          <p:cNvPr id="16" name="TextBox 15">
+          <p:cNvPr id="6" name="TextBox 5">
             <a:extLst>
               <a:ext uri="{FF2B5EF4-FFF2-40B4-BE49-F238E27FC236}">
-                <a16:creationId xmlns:a16="http://schemas.microsoft.com/office/drawing/2014/main" id="{282ADA16-5A4F-3A11-7AC6-3DDFAB96E02D}"/>
+                <a16:creationId xmlns:a16="http://schemas.microsoft.com/office/drawing/2014/main" id="{8E9D6290-0CB0-4A91-9432-C9DE39432B29}"/>
               </a:ext>
             </a:extLst>
           </p:cNvPr>
@@ -17317,8 +18190,8 @@
         </p:nvSpPr>
         <p:spPr>
           <a:xfrm>
-            <a:off x="1217613" y="2216150"/>
-            <a:ext cx="4814887" cy="2031325"/>
+            <a:off x="9519556" y="2444301"/>
+            <a:ext cx="933902" cy="369332"/>
           </a:xfrm>
           <a:prstGeom prst="rect">
             <a:avLst/>
@@ -17332,68 +18205,18 @@
           <a:lstStyle/>
           <a:p>
             <a:r>
-              <a:rPr lang="en-GB" dirty="0"/>
-              <a:t>Blue</a:t>
-            </a:r>
-            <a:r>
-              <a:rPr lang="en-GB" b="1" dirty="0">
-                <a:latin typeface="Rockwell" panose="02060603020205020403" pitchFamily="18" charset="0"/>
+              <a:rPr lang="it-IT" dirty="0">
+                <a:solidFill>
+                  <a:srgbClr val="0070C0"/>
+                </a:solidFill>
               </a:rPr>
-              <a:t>: FRF </a:t>
-            </a:r>
-            <a:r>
-              <a:rPr lang="en-GB" b="1" dirty="0" err="1">
-                <a:latin typeface="Rockwell" panose="02060603020205020403" pitchFamily="18" charset="0"/>
-              </a:rPr>
-              <a:t>sc-sc</a:t>
-            </a:r>
-            <a:endParaRPr lang="en-GB" b="1" dirty="0">
-              <a:latin typeface="Rockwell" panose="02060603020205020403" pitchFamily="18" charset="0"/>
+              <a:t>0.1932</a:t>
+            </a:r>
+            <a:endParaRPr lang="en-GB" dirty="0">
+              <a:solidFill>
+                <a:srgbClr val="0070C0"/>
+              </a:solidFill>
             </a:endParaRPr>
-          </a:p>
-          <a:p>
-            <a:r>
-              <a:rPr lang="en-GB" dirty="0"/>
-              <a:t>Red: </a:t>
-            </a:r>
-            <a:r>
-              <a:rPr lang="en-GB" b="1" dirty="0">
-                <a:latin typeface="Rockwell" panose="02060603020205020403" pitchFamily="18" charset="0"/>
-              </a:rPr>
-              <a:t>FRF RL-</a:t>
-            </a:r>
-            <a:r>
-              <a:rPr lang="en-GB" b="1" dirty="0" err="1">
-                <a:latin typeface="Rockwell" panose="02060603020205020403" pitchFamily="18" charset="0"/>
-              </a:rPr>
-              <a:t>sc</a:t>
-            </a:r>
-            <a:endParaRPr lang="en-GB" b="1" dirty="0">
-              <a:latin typeface="Rockwell" panose="02060603020205020403" pitchFamily="18" charset="0"/>
-            </a:endParaRPr>
-          </a:p>
-          <a:p>
-            <a:r>
-              <a:rPr lang="en-GB" dirty="0"/>
-              <a:t>As we can see the attenuation on second is much more with respect with only the resistive method.</a:t>
-            </a:r>
-          </a:p>
-          <a:p>
-            <a:endParaRPr lang="en-GB" sz="1800" kern="100" dirty="0">
-              <a:effectLst/>
-              <a:latin typeface="Aptos" panose="020B0004020202020204" pitchFamily="34" charset="0"/>
-              <a:ea typeface="Aptos" panose="020B0004020202020204" pitchFamily="34" charset="0"/>
-              <a:cs typeface="Times New Roman" panose="02020603050405020304" pitchFamily="18" charset="0"/>
-            </a:endParaRPr>
-          </a:p>
-          <a:p>
-            <a:endParaRPr lang="en-GB" dirty="0"/>
-          </a:p>
-          <a:p>
-            <a:r>
-              <a:rPr lang="en-GB" dirty="0"/>
-              <a:t> </a:t>
-            </a:r>
           </a:p>
         </p:txBody>
       </p:sp>
@@ -17466,17 +18289,8 @@
               <a:rPr lang="it-IT" sz="4400" dirty="0">
                 <a:latin typeface="Rockwell" panose="02060603020205020403" pitchFamily="18" charset="0"/>
               </a:rPr>
-              <a:t>Double </a:t>
-            </a:r>
-            <a:r>
-              <a:rPr lang="it-IT" sz="4400" dirty="0" err="1">
-                <a:latin typeface="Rockwell" panose="02060603020205020403" pitchFamily="18" charset="0"/>
-              </a:rPr>
-              <a:t>piezo</a:t>
-            </a:r>
-            <a:endParaRPr lang="it-IT" sz="4400" dirty="0">
-              <a:latin typeface="Rockwell" panose="02060603020205020403" pitchFamily="18" charset="0"/>
-            </a:endParaRPr>
+              <a:t>Double piezo resonant shunt</a:t>
+            </a:r>
           </a:p>
         </p:txBody>
       </p:sp>
@@ -17531,7 +18345,7 @@
               <a:rPr lang="it-IT" sz="2800" dirty="0">
                 <a:latin typeface="Rockwell" panose="02060603020205020403" pitchFamily="18" charset="0"/>
               </a:rPr>
-              <a:t>Double resonant shaunt</a:t>
+              <a:t>both piezoeletric patch simultanesly</a:t>
             </a:r>
             <a:r>
               <a:rPr lang="it-IT" sz="4400" dirty="0">
@@ -17557,7 +18371,7 @@
         <p:spPr>
           <a:xfrm>
             <a:off x="1074057" y="2090057"/>
-            <a:ext cx="9768115" cy="5170646"/>
+            <a:ext cx="9768115" cy="3939540"/>
           </a:xfrm>
           <a:prstGeom prst="rect">
             <a:avLst/>
@@ -17572,7 +18386,7 @@
           <a:p>
             <a:r>
               <a:rPr lang="it-IT" sz="2000" dirty="0"/>
-              <a:t>For optimization of double piezo we will use two Resonant shaunt.</a:t>
+              <a:t>For optimization of double piezo we will use two Resonant shunt.</a:t>
             </a:r>
           </a:p>
           <a:p>
@@ -17620,19 +18434,13 @@
             </a:r>
           </a:p>
           <a:p>
-            <a:r>
-              <a:rPr lang="it-IT" sz="2000" dirty="0"/>
-              <a:t>-   Try to use the optimal values for single piezo optimization (NOT GOOD)</a:t>
-            </a:r>
-          </a:p>
-          <a:p>
-            <a:pPr marL="285750" indent="-285750">
+            <a:pPr marL="742950" lvl="1" indent="-285750">
               <a:buFontTx/>
               <a:buChar char="-"/>
             </a:pPr>
             <a:r>
               <a:rPr lang="it-IT" sz="2000" dirty="0"/>
-              <a:t>Find (</a:t>
+              <a:t>Use the values of </a:t>
             </a:r>
             <a:r>
               <a:rPr lang="it-IT" sz="2000" b="1" dirty="0">
@@ -17641,34 +18449,10 @@
               <a:t>PHI</a:t>
             </a:r>
             <a:r>
-              <a:rPr lang="it-IT" sz="2000" dirty="0"/>
-              <a:t>) the mode shape of the bar (bacause there are bit difference between the analitic and measured peaks):</a:t>
-            </a:r>
-          </a:p>
-          <a:p>
-            <a:pPr marL="742950" lvl="1" indent="-285750">
-              <a:buFontTx/>
-              <a:buChar char="-"/>
-            </a:pPr>
-            <a:r>
-              <a:rPr lang="it-IT" sz="2000" dirty="0"/>
-              <a:t>Deduct the PHI values from the experimental FRF and use it for fit the analitic function</a:t>
-            </a:r>
-          </a:p>
-          <a:p>
-            <a:pPr marL="742950" lvl="1" indent="-285750">
-              <a:buFontTx/>
-              <a:buChar char="-"/>
-            </a:pPr>
-            <a:r>
-              <a:rPr lang="it-IT" sz="2000" dirty="0"/>
-              <a:t>Use the values of </a:t>
-            </a:r>
-            <a:r>
               <a:rPr lang="it-IT" sz="2000" dirty="0">
                 <a:latin typeface="Rockwell" panose="02060603020205020403" pitchFamily="18" charset="0"/>
               </a:rPr>
-              <a:t>PHI</a:t>
+              <a:t> (mode shape)</a:t>
             </a:r>
             <a:r>
               <a:rPr lang="it-IT" sz="2000" dirty="0"/>
@@ -17682,7 +18466,11 @@
             </a:r>
             <a:r>
               <a:rPr lang="it-IT" sz="2000" dirty="0"/>
-              <a:t> also the values of analitic </a:t>
+              <a:t> </a:t>
+            </a:r>
+            <a:r>
+              <a:rPr lang="it-IT" sz="2000"/>
+              <a:t>also the </a:t>
             </a:r>
             <a:r>
               <a:rPr lang="it-IT" sz="2000" b="1" dirty="0">
@@ -17982,6 +18770,15 @@
                         </a:rPr>
                         <m:t>=</m:t>
                       </m:r>
+                      <m:r>
+                        <a:rPr lang="it-IT" sz="2300" b="1" i="1" smtClean="0">
+                          <a:effectLst/>
+                          <a:latin typeface="Cambria Math" panose="02040503050406030204" pitchFamily="18" charset="0"/>
+                          <a:ea typeface="Times New Roman" panose="02020603050405020304" pitchFamily="18" charset="0"/>
+                          <a:cs typeface="Times New Roman" panose="02020603050405020304" pitchFamily="18" charset="0"/>
+                        </a:rPr>
+                        <m:t>𝒋𝒘</m:t>
+                      </m:r>
                       <m:nary>
                         <m:naryPr>
                           <m:chr m:val="∑"/>
@@ -18045,20 +18842,19 @@
                               </m:ctrlPr>
                             </m:fPr>
                             <m:num>
-                              <m:sSubSup>
-                                <m:sSubSupPr>
+                              <m:sSub>
+                                <m:sSubPr>
                                   <m:ctrlPr>
-                                    <a:rPr lang="en-GB" sz="2300" b="1" i="1">
-                                      <a:effectLst/>
+                                    <a:rPr lang="en-GB" sz="2300" b="1" i="1" kern="100">
                                       <a:latin typeface="Cambria Math" panose="02040503050406030204" pitchFamily="18" charset="0"/>
                                       <a:ea typeface="Times New Roman" panose="02020603050405020304" pitchFamily="18" charset="0"/>
+                                      <a:cs typeface="Times New Roman" panose="02020603050405020304" pitchFamily="18" charset="0"/>
                                     </a:rPr>
                                   </m:ctrlPr>
-                                </m:sSubSupPr>
+                                </m:sSubPr>
                                 <m:e>
                                   <m:r>
-                                    <a:rPr lang="en-GB" sz="2300" b="1" i="1">
-                                      <a:effectLst/>
+                                    <a:rPr lang="en-GB" sz="2300" b="1" i="1" kern="100">
                                       <a:latin typeface="Cambria Math" panose="02040503050406030204" pitchFamily="18" charset="0"/>
                                       <a:ea typeface="Times New Roman" panose="02020603050405020304" pitchFamily="18" charset="0"/>
                                       <a:cs typeface="Times New Roman" panose="02020603050405020304" pitchFamily="18" charset="0"/>
@@ -18068,30 +18864,15 @@
                                 </m:e>
                                 <m:sub>
                                   <m:r>
-                                    <m:rPr>
-                                      <m:nor/>
-                                    </m:rPr>
-                                    <a:rPr lang="en-GB" sz="2300" b="1">
-                                      <a:effectLst/>
+                                    <a:rPr lang="en-GB" sz="2300" b="1" i="1" kern="100">
                                       <a:latin typeface="Cambria Math" panose="02040503050406030204" pitchFamily="18" charset="0"/>
                                       <a:ea typeface="Times New Roman" panose="02020603050405020304" pitchFamily="18" charset="0"/>
                                       <a:cs typeface="Times New Roman" panose="02020603050405020304" pitchFamily="18" charset="0"/>
                                     </a:rPr>
-                                    <m:t>ik</m:t>
+                                    <m:t>𝒋𝒌</m:t>
                                   </m:r>
                                 </m:sub>
-                                <m:sup>
-                                  <m:r>
-                                    <a:rPr lang="en-GB" sz="2300" b="1" i="1">
-                                      <a:effectLst/>
-                                      <a:latin typeface="Cambria Math" panose="02040503050406030204" pitchFamily="18" charset="0"/>
-                                      <a:ea typeface="Times New Roman" panose="02020603050405020304" pitchFamily="18" charset="0"/>
-                                      <a:cs typeface="Times New Roman" panose="02020603050405020304" pitchFamily="18" charset="0"/>
-                                    </a:rPr>
-                                    <m:t>𝟐</m:t>
-                                  </m:r>
-                                </m:sup>
-                              </m:sSubSup>
+                              </m:sSub>
                             </m:num>
                             <m:den>
                               <m:d>
@@ -18517,29 +19298,64 @@
                 </a:r>
               </a:p>
               <a:p>
-                <a:pPr marL="0" indent="0">
+                <a:pPr>
                   <a:lnSpc>
                     <a:spcPct val="115000"/>
                   </a:lnSpc>
                   <a:spcAft>
                     <a:spcPts val="800"/>
                   </a:spcAft>
-                  <a:buNone/>
+                  <a:buFontTx/>
+                  <a:buChar char="-"/>
                 </a:pPr>
+                <a:r>
+                  <a:rPr lang="en-GB" sz="2300" dirty="0">
+                    <a:ea typeface="Times New Roman" panose="02020603050405020304" pitchFamily="18" charset="0"/>
+                  </a:rPr>
+                  <a:t>At the beginning we considered </a:t>
+                </a:r>
+                <a14:m>
+                  <m:oMath xmlns:m="http://schemas.openxmlformats.org/officeDocument/2006/math">
+                    <m:sSub>
+                      <m:sSubPr>
+                        <m:ctrlPr>
+                          <a:rPr lang="en-GB" sz="2300" b="1" i="1" kern="100">
+                            <a:latin typeface="Cambria Math" panose="02040503050406030204" pitchFamily="18" charset="0"/>
+                            <a:ea typeface="Times New Roman" panose="02020603050405020304" pitchFamily="18" charset="0"/>
+                            <a:cs typeface="Times New Roman" panose="02020603050405020304" pitchFamily="18" charset="0"/>
+                          </a:rPr>
+                        </m:ctrlPr>
+                      </m:sSubPr>
+                      <m:e>
+                        <m:r>
+                          <a:rPr lang="en-GB" sz="2300" b="1" i="1" kern="100">
+                            <a:latin typeface="Cambria Math" panose="02040503050406030204" pitchFamily="18" charset="0"/>
+                            <a:ea typeface="Times New Roman" panose="02020603050405020304" pitchFamily="18" charset="0"/>
+                            <a:cs typeface="Times New Roman" panose="02020603050405020304" pitchFamily="18" charset="0"/>
+                          </a:rPr>
+                          <m:t>𝑨</m:t>
+                        </m:r>
+                      </m:e>
+                      <m:sub>
+                        <m:r>
+                          <a:rPr lang="en-GB" sz="2300" b="1" i="1" kern="100">
+                            <a:latin typeface="Cambria Math" panose="02040503050406030204" pitchFamily="18" charset="0"/>
+                            <a:ea typeface="Times New Roman" panose="02020603050405020304" pitchFamily="18" charset="0"/>
+                            <a:cs typeface="Times New Roman" panose="02020603050405020304" pitchFamily="18" charset="0"/>
+                          </a:rPr>
+                          <m:t>𝒋𝒌</m:t>
+                        </m:r>
+                      </m:sub>
+                    </m:sSub>
+                  </m:oMath>
+                </a14:m>
                 <a:r>
                   <a:rPr lang="en-GB" sz="2300" kern="100" dirty="0">
                     <a:effectLst/>
                     <a:ea typeface="Aptos" panose="020B0004020202020204" pitchFamily="34" charset="0"/>
                     <a:cs typeface="Times New Roman" panose="02020603050405020304" pitchFamily="18" charset="0"/>
                   </a:rPr>
-                  <a:t>For simplicity u</a:t>
-                </a:r>
-                <a:r>
-                  <a:rPr lang="en-GB" sz="2300" kern="100" dirty="0">
-                    <a:ea typeface="Aptos" panose="020B0004020202020204" pitchFamily="34" charset="0"/>
-                    <a:cs typeface="Times New Roman" panose="02020603050405020304" pitchFamily="18" charset="0"/>
-                  </a:rPr>
-                  <a:t>ntil now the numerator is considered = 1.</a:t>
+                  <a:t>= 1</a:t>
                 </a:r>
               </a:p>
               <a:p>
@@ -18774,111 +19590,57 @@
         </p:blipFill>
         <p:spPr>
           <a:xfrm>
-            <a:off x="979032" y="720130"/>
-            <a:ext cx="5370968" cy="5417740"/>
+            <a:off x="979032" y="698269"/>
+            <a:ext cx="5370968" cy="5439601"/>
           </a:xfrm>
           <a:prstGeom prst="rect">
             <a:avLst/>
           </a:prstGeom>
         </p:spPr>
       </p:pic>
-      <mc:AlternateContent xmlns:mc="http://schemas.openxmlformats.org/markup-compatibility/2006">
-        <mc:Choice xmlns:a14="http://schemas.microsoft.com/office/drawing/2010/main" Requires="a14">
-          <p:sp>
-            <p:nvSpPr>
-              <p:cNvPr id="2" name="Title 1">
-                <a:extLst>
-                  <a:ext uri="{FF2B5EF4-FFF2-40B4-BE49-F238E27FC236}">
-                    <a16:creationId xmlns:a16="http://schemas.microsoft.com/office/drawing/2014/main" id="{F776A23F-3AA9-5EC0-9C15-161138427BF4}"/>
-                  </a:ext>
-                </a:extLst>
-              </p:cNvPr>
-              <p:cNvSpPr>
-                <a:spLocks noGrp="1"/>
-              </p:cNvSpPr>
-              <p:nvPr>
-                <p:ph type="title"/>
-              </p:nvPr>
-            </p:nvSpPr>
-            <p:spPr>
-              <a:xfrm>
-                <a:off x="6546851" y="533401"/>
-                <a:ext cx="9933326" cy="844356"/>
-              </a:xfrm>
-            </p:spPr>
-            <p:txBody>
-              <a:bodyPr/>
-              <a:lstStyle/>
-              <a:p>
-                <a:r>
-                  <a:rPr lang="it-IT" dirty="0"/>
-                  <a:t>How compute </a:t>
-                </a:r>
-                <a14:m>
-                  <m:oMath xmlns:m="http://schemas.openxmlformats.org/officeDocument/2006/math">
-                    <m:r>
-                      <a:rPr lang="en-GB" sz="3600" b="1" i="1" kern="100" smtClean="0">
-                        <a:effectLst/>
-                        <a:latin typeface="Cambria Math" panose="02040503050406030204" pitchFamily="18" charset="0"/>
-                        <a:ea typeface="Times New Roman" panose="02020603050405020304" pitchFamily="18" charset="0"/>
-                        <a:cs typeface="Times New Roman" panose="02020603050405020304" pitchFamily="18" charset="0"/>
-                      </a:rPr>
-                      <m:t>𝝓</m:t>
-                    </m:r>
-                  </m:oMath>
-                </a14:m>
-                <a:r>
-                  <a:rPr lang="en-GB" dirty="0"/>
-                  <a:t> </a:t>
-                </a:r>
-              </a:p>
-            </p:txBody>
-          </p:sp>
-        </mc:Choice>
-        <mc:Fallback>
-          <p:sp>
-            <p:nvSpPr>
-              <p:cNvPr id="2" name="Title 1">
-                <a:extLst>
-                  <a:ext uri="{FF2B5EF4-FFF2-40B4-BE49-F238E27FC236}">
-                    <a16:creationId xmlns:a16="http://schemas.microsoft.com/office/drawing/2014/main" id="{F776A23F-3AA9-5EC0-9C15-161138427BF4}"/>
-                  </a:ext>
-                </a:extLst>
-              </p:cNvPr>
-              <p:cNvSpPr>
-                <a:spLocks noGrp="1" noRot="1" noChangeAspect="1" noMove="1" noResize="1" noEditPoints="1" noAdjustHandles="1" noChangeArrowheads="1" noChangeShapeType="1" noTextEdit="1"/>
-              </p:cNvSpPr>
-              <p:nvPr>
-                <p:ph type="title"/>
-              </p:nvPr>
-            </p:nvSpPr>
-            <p:spPr>
-              <a:xfrm>
-                <a:off x="6546851" y="533401"/>
-                <a:ext cx="9933326" cy="844356"/>
-              </a:xfrm>
-              <a:blipFill>
-                <a:blip r:embed="rId3"/>
-                <a:stretch>
-                  <a:fillRect l="-1903" t="-2899" b="-12319"/>
-                </a:stretch>
-              </a:blipFill>
-            </p:spPr>
-            <p:txBody>
-              <a:bodyPr/>
-              <a:lstStyle/>
-              <a:p>
-                <a:r>
-                  <a:rPr lang="en-GB">
-                    <a:noFill/>
-                  </a:rPr>
-                  <a:t> </a:t>
-                </a:r>
-              </a:p>
-            </p:txBody>
-          </p:sp>
-        </mc:Fallback>
-      </mc:AlternateContent>
+      <p:sp>
+        <p:nvSpPr>
+          <p:cNvPr id="2" name="Title 1">
+            <a:extLst>
+              <a:ext uri="{FF2B5EF4-FFF2-40B4-BE49-F238E27FC236}">
+                <a16:creationId xmlns:a16="http://schemas.microsoft.com/office/drawing/2014/main" id="{F776A23F-3AA9-5EC0-9C15-161138427BF4}"/>
+              </a:ext>
+            </a:extLst>
+          </p:cNvPr>
+          <p:cNvSpPr>
+            <a:spLocks noGrp="1"/>
+          </p:cNvSpPr>
+          <p:nvPr>
+            <p:ph type="title"/>
+          </p:nvPr>
+        </p:nvSpPr>
+        <p:spPr>
+          <a:xfrm>
+            <a:off x="6419850" y="698269"/>
+            <a:ext cx="9933326" cy="844356"/>
+          </a:xfrm>
+        </p:spPr>
+        <p:txBody>
+          <a:bodyPr>
+            <a:normAutofit fontScale="90000"/>
+          </a:bodyPr>
+          <a:lstStyle/>
+          <a:p>
+            <a:r>
+              <a:rPr lang="it-IT" dirty="0"/>
+              <a:t>Mode shape </a:t>
+            </a:r>
+            <a:br>
+              <a:rPr lang="it-IT" dirty="0"/>
+            </a:br>
+            <a:r>
+              <a:rPr lang="it-IT" dirty="0"/>
+              <a:t>identification</a:t>
+            </a:r>
+            <a:endParaRPr lang="en-GB" dirty="0"/>
+          </a:p>
+        </p:txBody>
+      </p:sp>
       <mc:AlternateContent xmlns:mc="http://schemas.openxmlformats.org/markup-compatibility/2006">
         <mc:Choice xmlns:a14="http://schemas.microsoft.com/office/drawing/2010/main" Requires="a14">
           <p:sp>
@@ -18959,7 +19721,19 @@
                   <a:rPr lang="it-IT" sz="1800" b="1" dirty="0">
                     <a:latin typeface="Rockwell" panose="02060603020205020403" pitchFamily="18" charset="0"/>
                   </a:rPr>
-                  <a:t>experimental FRF </a:t>
+                  <a:t>analytical H</a:t>
+                </a:r>
+                <a:r>
+                  <a:rPr lang="it-IT" sz="1800" b="1" baseline="-25000" dirty="0">
+                    <a:latin typeface="Rockwell" panose="02060603020205020403" pitchFamily="18" charset="0"/>
+                  </a:rPr>
+                  <a:t>sc_sc</a:t>
+                </a:r>
+                <a:r>
+                  <a:rPr lang="it-IT" sz="1800" b="1" dirty="0">
+                    <a:latin typeface="Rockwell" panose="02060603020205020403" pitchFamily="18" charset="0"/>
+                  </a:rPr>
+                  <a:t> </a:t>
                 </a:r>
                 <a:r>
                   <a:rPr lang="it-IT" sz="1800" dirty="0"/>
@@ -18969,17 +19743,8 @@
                   <a:rPr lang="it-IT" sz="1800" b="1" dirty="0">
                     <a:latin typeface="Rockwell" panose="02060603020205020403" pitchFamily="18" charset="0"/>
                   </a:rPr>
-                  <a:t>analytical H</a:t>
+                  <a:t>experimental FRF</a:t>
                 </a:r>
-                <a:r>
-                  <a:rPr lang="it-IT" sz="1800" b="1" baseline="-25000" dirty="0">
-                    <a:latin typeface="Rockwell" panose="02060603020205020403" pitchFamily="18" charset="0"/>
-                  </a:rPr>
-                  <a:t>sc_sc</a:t>
-                </a:r>
-                <a:endParaRPr lang="it-IT" sz="1800" b="1" dirty="0">
-                  <a:latin typeface="Rockwell" panose="02060603020205020403" pitchFamily="18" charset="0"/>
-                </a:endParaRPr>
               </a:p>
               <a:p>
                 <a:pPr marL="514350" indent="-514350">
@@ -19726,9 +20491,9 @@
                 <a:ext cx="5168901" cy="5072742"/>
               </a:xfrm>
               <a:blipFill>
-                <a:blip r:embed="rId4"/>
+                <a:blip r:embed="rId3"/>
                 <a:stretch>
-                  <a:fillRect l="-1297" t="-120" r="-1179" b="-962"/>
+                  <a:fillRect l="-1297" t="-120" r="-1061"/>
                 </a:stretch>
               </a:blipFill>
             </p:spPr>
@@ -19762,7 +20527,7 @@
           <p:nvPr/>
         </p:nvPicPr>
         <p:blipFill>
-          <a:blip r:embed="rId5"/>
+          <a:blip r:embed="rId4"/>
           <a:stretch>
             <a:fillRect/>
           </a:stretch>
@@ -19792,7 +20557,7 @@
           <p:nvPr/>
         </p:nvPicPr>
         <p:blipFill>
-          <a:blip r:embed="rId5"/>
+          <a:blip r:embed="rId4"/>
           <a:stretch>
             <a:fillRect/>
           </a:stretch>
@@ -21512,8 +22277,8 @@
         </p:nvSpPr>
         <p:spPr>
           <a:xfrm>
-            <a:off x="6796582" y="3104528"/>
-            <a:ext cx="213360" cy="400110"/>
+            <a:off x="6791139" y="3104528"/>
+            <a:ext cx="611664" cy="400110"/>
           </a:xfrm>
           <a:prstGeom prst="rect">
             <a:avLst/>
@@ -21529,7 +22294,7 @@
             <a:pPr algn="ctr"/>
             <a:r>
               <a:rPr lang="it-IT" sz="2000" dirty="0"/>
-              <a:t>F</a:t>
+              <a:t>F(w)</a:t>
             </a:r>
           </a:p>
         </p:txBody>
@@ -22029,8 +22794,8 @@
           </a:p>
         </p:txBody>
       </p:sp>
-      <mc:AlternateContent xmlns:mc="http://schemas.openxmlformats.org/markup-compatibility/2006">
-        <mc:Choice xmlns:a14="http://schemas.microsoft.com/office/drawing/2010/main" Requires="a14">
+      <mc:AlternateContent xmlns:mc="http://schemas.openxmlformats.org/markup-compatibility/2006" xmlns:a14="http://schemas.microsoft.com/office/drawing/2010/main">
+        <mc:Choice Requires="a14">
           <p:sp>
             <p:nvSpPr>
               <p:cNvPr id="3" name="Content Placeholder 2">
@@ -22219,7 +22984,7 @@
             </p:txBody>
           </p:sp>
         </mc:Choice>
-        <mc:Fallback>
+        <mc:Fallback xmlns="">
           <p:sp>
             <p:nvSpPr>
               <p:cNvPr id="3" name="Content Placeholder 2">
@@ -22331,8 +23096,8 @@
           </a:p>
         </p:txBody>
       </p:sp>
-      <mc:AlternateContent xmlns:mc="http://schemas.openxmlformats.org/markup-compatibility/2006">
-        <mc:Choice xmlns:a14="http://schemas.microsoft.com/office/drawing/2010/main" Requires="a14">
+      <mc:AlternateContent xmlns:mc="http://schemas.openxmlformats.org/markup-compatibility/2006" xmlns:a14="http://schemas.microsoft.com/office/drawing/2010/main">
+        <mc:Choice Requires="a14">
           <p:sp>
             <p:nvSpPr>
               <p:cNvPr id="3" name="Content Placeholder 2">
@@ -22946,7 +23711,7 @@
             </p:txBody>
           </p:sp>
         </mc:Choice>
-        <mc:Fallback>
+        <mc:Fallback xmlns="">
           <p:sp>
             <p:nvSpPr>
               <p:cNvPr id="3" name="Content Placeholder 2">
@@ -23062,8 +23827,8 @@
           </a:p>
         </p:txBody>
       </p:sp>
-      <mc:AlternateContent xmlns:mc="http://schemas.openxmlformats.org/markup-compatibility/2006">
-        <mc:Choice xmlns:a14="http://schemas.microsoft.com/office/drawing/2010/main" Requires="a14">
+      <mc:AlternateContent xmlns:mc="http://schemas.openxmlformats.org/markup-compatibility/2006" xmlns:a14="http://schemas.microsoft.com/office/drawing/2010/main">
+        <mc:Choice Requires="a14">
           <p:sp>
             <p:nvSpPr>
               <p:cNvPr id="3" name="Content Placeholder 2">
@@ -23230,15 +23995,7 @@
                                   <a:ea typeface="Times New Roman" panose="02020603050405020304" pitchFamily="18" charset="0"/>
                                   <a:cs typeface="Times New Roman" panose="02020603050405020304" pitchFamily="18" charset="0"/>
                                 </a:rPr>
-                                <m:t>+</m:t>
-                              </m:r>
-                              <m:r>
-                                <a:rPr lang="en-GB" i="1" kern="100">
-                                  <a:latin typeface="Cambria Math" panose="02040503050406030204" pitchFamily="18" charset="0"/>
-                                  <a:ea typeface="Times New Roman" panose="02020603050405020304" pitchFamily="18" charset="0"/>
-                                  <a:cs typeface="Times New Roman" panose="02020603050405020304" pitchFamily="18" charset="0"/>
-                                </a:rPr>
-                                <m:t>2</m:t>
+                                <m:t>+2</m:t>
                               </m:r>
                               <m:r>
                                 <a:rPr lang="en-GB" i="1" kern="100">
@@ -23428,15 +24185,7 @@
                                   <a:ea typeface="Times New Roman" panose="02020603050405020304" pitchFamily="18" charset="0"/>
                                   <a:cs typeface="Times New Roman" panose="02020603050405020304" pitchFamily="18" charset="0"/>
                                 </a:rPr>
-                                <m:t>+</m:t>
-                              </m:r>
-                              <m:r>
-                                <a:rPr lang="en-GB" i="1" kern="100">
-                                  <a:latin typeface="Cambria Math" panose="02040503050406030204" pitchFamily="18" charset="0"/>
-                                  <a:ea typeface="Times New Roman" panose="02020603050405020304" pitchFamily="18" charset="0"/>
-                                  <a:cs typeface="Times New Roman" panose="02020603050405020304" pitchFamily="18" charset="0"/>
-                                </a:rPr>
-                                <m:t>2</m:t>
+                                <m:t>+2</m:t>
                               </m:r>
                               <m:r>
                                 <a:rPr lang="en-GB" i="1" kern="100">
@@ -23622,16 +24371,7 @@
                               <a:ea typeface="Times New Roman" panose="02020603050405020304" pitchFamily="18" charset="0"/>
                               <a:cs typeface="Times New Roman" panose="02020603050405020304" pitchFamily="18" charset="0"/>
                             </a:rPr>
-                            <m:t>+</m:t>
-                          </m:r>
-                          <m:r>
-                            <a:rPr lang="en-GB" i="1" kern="100">
-                              <a:effectLst/>
-                              <a:latin typeface="Cambria Math" panose="02040503050406030204" pitchFamily="18" charset="0"/>
-                              <a:ea typeface="Times New Roman" panose="02020603050405020304" pitchFamily="18" charset="0"/>
-                              <a:cs typeface="Times New Roman" panose="02020603050405020304" pitchFamily="18" charset="0"/>
-                            </a:rPr>
-                            <m:t>2</m:t>
+                            <m:t>+2</m:t>
                           </m:r>
                           <m:r>
                             <a:rPr lang="en-GB" i="1" kern="100">
@@ -24449,7 +25189,7 @@
             </p:txBody>
           </p:sp>
         </mc:Choice>
-        <mc:Fallback>
+        <mc:Fallback xmlns="">
           <p:sp>
             <p:nvSpPr>
               <p:cNvPr id="3" name="Content Placeholder 2">
@@ -24606,8 +25346,8 @@
           </a:p>
         </p:txBody>
       </p:sp>
-      <mc:AlternateContent xmlns:mc="http://schemas.openxmlformats.org/markup-compatibility/2006">
-        <mc:Choice xmlns:a14="http://schemas.microsoft.com/office/drawing/2010/main" Requires="a14">
+      <mc:AlternateContent xmlns:mc="http://schemas.openxmlformats.org/markup-compatibility/2006" xmlns:a14="http://schemas.microsoft.com/office/drawing/2010/main">
+        <mc:Choice Requires="a14">
           <p:sp>
             <p:nvSpPr>
               <p:cNvPr id="3" name="Content Placeholder 2">
@@ -24932,7 +25672,7 @@
             </p:txBody>
           </p:sp>
         </mc:Choice>
-        <mc:Fallback>
+        <mc:Fallback xmlns="">
           <p:sp>
             <p:nvSpPr>
               <p:cNvPr id="3" name="Content Placeholder 2">
@@ -25099,8 +25839,8 @@
           </a:p>
         </p:txBody>
       </p:sp>
-      <mc:AlternateContent xmlns:mc="http://schemas.openxmlformats.org/markup-compatibility/2006">
-        <mc:Choice xmlns:a14="http://schemas.microsoft.com/office/drawing/2010/main" Requires="a14">
+      <mc:AlternateContent xmlns:mc="http://schemas.openxmlformats.org/markup-compatibility/2006" xmlns:a14="http://schemas.microsoft.com/office/drawing/2010/main">
+        <mc:Choice Requires="a14">
           <p:sp>
             <p:nvSpPr>
               <p:cNvPr id="3" name="Content Placeholder 2">
@@ -25381,7 +26121,7 @@
             </p:txBody>
           </p:sp>
         </mc:Choice>
-        <mc:Fallback>
+        <mc:Fallback xmlns="">
           <p:sp>
             <p:nvSpPr>
               <p:cNvPr id="3" name="Content Placeholder 2">
@@ -26366,7 +27106,7 @@
           <a:bodyPr/>
           <a:lstStyle/>
           <a:p>
-            <a:endParaRPr lang="en-GB"/>
+            <a:endParaRPr lang="en-GB" dirty="0"/>
           </a:p>
         </p:txBody>
       </p:sp>
@@ -26923,32 +27663,14 @@
               <a:rPr lang="it-IT" sz="4400" dirty="0">
                 <a:latin typeface="Rockwell" panose="02060603020205020403" pitchFamily="18" charset="0"/>
               </a:rPr>
-              <a:t>FRF </a:t>
-            </a:r>
-            <a:r>
-              <a:rPr lang="it-IT" sz="4400" dirty="0">
-                <a:solidFill>
-                  <a:srgbClr val="002060"/>
-                </a:solidFill>
-                <a:latin typeface="Rockwell" panose="02060603020205020403" pitchFamily="18" charset="0"/>
-              </a:rPr>
-              <a:t>SC-SC</a:t>
-            </a:r>
-            <a:r>
-              <a:rPr lang="it-IT" sz="4400" dirty="0">
-                <a:latin typeface="Rockwell" panose="02060603020205020403" pitchFamily="18" charset="0"/>
-              </a:rPr>
-              <a:t> / </a:t>
-            </a:r>
-            <a:r>
-              <a:rPr lang="it-IT" sz="4400" dirty="0">
-                <a:solidFill>
-                  <a:srgbClr val="C00000"/>
-                </a:solidFill>
-                <a:latin typeface="Rockwell" panose="02060603020205020403" pitchFamily="18" charset="0"/>
-              </a:rPr>
-              <a:t>OC-sc</a:t>
-            </a:r>
+              <a:t>First mode, R optimization</a:t>
+            </a:r>
+            <a:endParaRPr lang="it-IT" sz="4400" dirty="0">
+              <a:solidFill>
+                <a:srgbClr val="C00000"/>
+              </a:solidFill>
+              <a:latin typeface="Rockwell" panose="02060603020205020403" pitchFamily="18" charset="0"/>
+            </a:endParaRPr>
           </a:p>
         </p:txBody>
       </p:sp>

--- a/presentazione_progetto.pptx
+++ b/presentazione_progetto.pptx
@@ -1784,7 +1784,7 @@
           <a:noFill/>
           <a:extLst>
             <a:ext uri="{909E8E84-426E-40dd-AFC4-6F175D3DCCD1}">
-              <a14:hiddenFill xmlns:a14="http://schemas.microsoft.com/office/drawing/2010/main" xmlns="">
+              <a14:hiddenFill xmlns="" xmlns:a14="http://schemas.microsoft.com/office/drawing/2010/main">
                 <a:solidFill>
                   <a:srgbClr val="FFFFFF"/>
                 </a:solidFill>
@@ -1843,7 +1843,7 @@
             </a:ln>
             <a:extLst>
               <a:ext uri="{91240B29-F687-4f45-9708-019B960494DF}">
-                <a14:hiddenLine xmlns:a14="http://schemas.microsoft.com/office/drawing/2010/main" xmlns="" w="9525">
+                <a14:hiddenLine xmlns="" xmlns:a14="http://schemas.microsoft.com/office/drawing/2010/main" w="9525">
                   <a:solidFill>
                     <a:srgbClr val="000000"/>
                   </a:solidFill>
@@ -1933,7 +1933,7 @@
             </a:ln>
             <a:extLst>
               <a:ext uri="{91240B29-F687-4f45-9708-019B960494DF}">
-                <a14:hiddenLine xmlns:a14="http://schemas.microsoft.com/office/drawing/2010/main" xmlns="" w="9525">
+                <a14:hiddenLine xmlns="" xmlns:a14="http://schemas.microsoft.com/office/drawing/2010/main" w="9525">
                   <a:solidFill>
                     <a:srgbClr val="000000"/>
                   </a:solidFill>
@@ -2023,7 +2023,7 @@
             </a:ln>
             <a:extLst>
               <a:ext uri="{91240B29-F687-4f45-9708-019B960494DF}">
-                <a14:hiddenLine xmlns:a14="http://schemas.microsoft.com/office/drawing/2010/main" xmlns="" w="9525">
+                <a14:hiddenLine xmlns="" xmlns:a14="http://schemas.microsoft.com/office/drawing/2010/main" w="9525">
                   <a:solidFill>
                     <a:srgbClr val="000000"/>
                   </a:solidFill>
@@ -2057,7 +2057,7 @@
             </a:ln>
             <a:extLst>
               <a:ext uri="{91240B29-F687-4f45-9708-019B960494DF}">
-                <a14:hiddenLine xmlns:a14="http://schemas.microsoft.com/office/drawing/2010/main" xmlns="" w="9525">
+                <a14:hiddenLine xmlns="" xmlns:a14="http://schemas.microsoft.com/office/drawing/2010/main" w="9525">
                   <a:solidFill>
                     <a:srgbClr val="000000"/>
                   </a:solidFill>
@@ -2147,7 +2147,7 @@
             </a:ln>
             <a:extLst>
               <a:ext uri="{91240B29-F687-4f45-9708-019B960494DF}">
-                <a14:hiddenLine xmlns:a14="http://schemas.microsoft.com/office/drawing/2010/main" xmlns="" w="9525">
+                <a14:hiddenLine xmlns="" xmlns:a14="http://schemas.microsoft.com/office/drawing/2010/main" w="9525">
                   <a:solidFill>
                     <a:srgbClr val="000000"/>
                   </a:solidFill>
@@ -2209,7 +2209,7 @@
             </a:ln>
             <a:extLst>
               <a:ext uri="{91240B29-F687-4f45-9708-019B960494DF}">
-                <a14:hiddenLine xmlns:a14="http://schemas.microsoft.com/office/drawing/2010/main" xmlns="" w="9525">
+                <a14:hiddenLine xmlns="" xmlns:a14="http://schemas.microsoft.com/office/drawing/2010/main" w="9525">
                   <a:solidFill>
                     <a:srgbClr val="000000"/>
                   </a:solidFill>
@@ -2271,7 +2271,7 @@
             </a:ln>
             <a:extLst>
               <a:ext uri="{91240B29-F687-4f45-9708-019B960494DF}">
-                <a14:hiddenLine xmlns:a14="http://schemas.microsoft.com/office/drawing/2010/main" xmlns="" w="9525">
+                <a14:hiddenLine xmlns="" xmlns:a14="http://schemas.microsoft.com/office/drawing/2010/main" w="9525">
                   <a:solidFill>
                     <a:srgbClr val="000000"/>
                   </a:solidFill>
@@ -2361,7 +2361,7 @@
             </a:ln>
             <a:extLst>
               <a:ext uri="{91240B29-F687-4f45-9708-019B960494DF}">
-                <a14:hiddenLine xmlns:a14="http://schemas.microsoft.com/office/drawing/2010/main" xmlns="" w="9525">
+                <a14:hiddenLine xmlns="" xmlns:a14="http://schemas.microsoft.com/office/drawing/2010/main" w="9525">
                   <a:solidFill>
                     <a:srgbClr val="000000"/>
                   </a:solidFill>
@@ -2423,7 +2423,7 @@
             </a:ln>
             <a:extLst>
               <a:ext uri="{91240B29-F687-4f45-9708-019B960494DF}">
-                <a14:hiddenLine xmlns:a14="http://schemas.microsoft.com/office/drawing/2010/main" xmlns="" w="9525">
+                <a14:hiddenLine xmlns="" xmlns:a14="http://schemas.microsoft.com/office/drawing/2010/main" w="9525">
                   <a:solidFill>
                     <a:srgbClr val="000000"/>
                   </a:solidFill>
@@ -2485,7 +2485,7 @@
             </a:ln>
             <a:extLst>
               <a:ext uri="{91240B29-F687-4f45-9708-019B960494DF}">
-                <a14:hiddenLine xmlns:a14="http://schemas.microsoft.com/office/drawing/2010/main" xmlns="" w="9525">
+                <a14:hiddenLine xmlns="" xmlns:a14="http://schemas.microsoft.com/office/drawing/2010/main" w="9525">
                   <a:solidFill>
                     <a:srgbClr val="000000"/>
                   </a:solidFill>
@@ -2575,7 +2575,7 @@
             </a:ln>
             <a:extLst>
               <a:ext uri="{91240B29-F687-4f45-9708-019B960494DF}">
-                <a14:hiddenLine xmlns:a14="http://schemas.microsoft.com/office/drawing/2010/main" xmlns="" w="9525">
+                <a14:hiddenLine xmlns="" xmlns:a14="http://schemas.microsoft.com/office/drawing/2010/main" w="9525">
                   <a:solidFill>
                     <a:srgbClr val="000000"/>
                   </a:solidFill>
@@ -2665,7 +2665,7 @@
             </a:ln>
             <a:extLst>
               <a:ext uri="{91240B29-F687-4f45-9708-019B960494DF}">
-                <a14:hiddenLine xmlns:a14="http://schemas.microsoft.com/office/drawing/2010/main" xmlns="" w="9525">
+                <a14:hiddenLine xmlns="" xmlns:a14="http://schemas.microsoft.com/office/drawing/2010/main" w="9525">
                   <a:solidFill>
                     <a:srgbClr val="000000"/>
                   </a:solidFill>
@@ -2727,7 +2727,7 @@
             </a:ln>
             <a:extLst>
               <a:ext uri="{91240B29-F687-4f45-9708-019B960494DF}">
-                <a14:hiddenLine xmlns:a14="http://schemas.microsoft.com/office/drawing/2010/main" xmlns="" w="9525">
+                <a14:hiddenLine xmlns="" xmlns:a14="http://schemas.microsoft.com/office/drawing/2010/main" w="9525">
                   <a:solidFill>
                     <a:srgbClr val="000000"/>
                   </a:solidFill>
@@ -2837,7 +2837,7 @@
             </a:ln>
             <a:extLst>
               <a:ext uri="{91240B29-F687-4f45-9708-019B960494DF}">
-                <a14:hiddenLine xmlns:a14="http://schemas.microsoft.com/office/drawing/2010/main" xmlns="" w="9525">
+                <a14:hiddenLine xmlns="" xmlns:a14="http://schemas.microsoft.com/office/drawing/2010/main" w="9525">
                   <a:solidFill>
                     <a:srgbClr val="000000"/>
                   </a:solidFill>
@@ -2899,7 +2899,7 @@
             </a:ln>
             <a:extLst>
               <a:ext uri="{91240B29-F687-4f45-9708-019B960494DF}">
-                <a14:hiddenLine xmlns:a14="http://schemas.microsoft.com/office/drawing/2010/main" xmlns="" w="9525">
+                <a14:hiddenLine xmlns="" xmlns:a14="http://schemas.microsoft.com/office/drawing/2010/main" w="9525">
                   <a:solidFill>
                     <a:srgbClr val="000000"/>
                   </a:solidFill>
@@ -2989,7 +2989,7 @@
             </a:ln>
             <a:extLst>
               <a:ext uri="{91240B29-F687-4f45-9708-019B960494DF}">
-                <a14:hiddenLine xmlns:a14="http://schemas.microsoft.com/office/drawing/2010/main" xmlns="" w="9525">
+                <a14:hiddenLine xmlns="" xmlns:a14="http://schemas.microsoft.com/office/drawing/2010/main" w="9525">
                   <a:solidFill>
                     <a:srgbClr val="000000"/>
                   </a:solidFill>
@@ -3079,7 +3079,7 @@
             </a:ln>
             <a:extLst>
               <a:ext uri="{91240B29-F687-4f45-9708-019B960494DF}">
-                <a14:hiddenLine xmlns:a14="http://schemas.microsoft.com/office/drawing/2010/main" xmlns="" w="9525">
+                <a14:hiddenLine xmlns="" xmlns:a14="http://schemas.microsoft.com/office/drawing/2010/main" w="9525">
                   <a:solidFill>
                     <a:srgbClr val="000000"/>
                   </a:solidFill>
@@ -3141,7 +3141,7 @@
             </a:ln>
             <a:extLst>
               <a:ext uri="{91240B29-F687-4f45-9708-019B960494DF}">
-                <a14:hiddenLine xmlns:a14="http://schemas.microsoft.com/office/drawing/2010/main" xmlns="" w="9525">
+                <a14:hiddenLine xmlns="" xmlns:a14="http://schemas.microsoft.com/office/drawing/2010/main" w="9525">
                   <a:solidFill>
                     <a:srgbClr val="000000"/>
                   </a:solidFill>
@@ -3231,7 +3231,7 @@
             </a:ln>
             <a:extLst>
               <a:ext uri="{91240B29-F687-4f45-9708-019B960494DF}">
-                <a14:hiddenLine xmlns:a14="http://schemas.microsoft.com/office/drawing/2010/main" xmlns="" w="9525">
+                <a14:hiddenLine xmlns="" xmlns:a14="http://schemas.microsoft.com/office/drawing/2010/main" w="9525">
                   <a:solidFill>
                     <a:srgbClr val="000000"/>
                   </a:solidFill>
@@ -3321,7 +3321,7 @@
             </a:ln>
             <a:extLst>
               <a:ext uri="{91240B29-F687-4f45-9708-019B960494DF}">
-                <a14:hiddenLine xmlns:a14="http://schemas.microsoft.com/office/drawing/2010/main" xmlns="" w="9525">
+                <a14:hiddenLine xmlns="" xmlns:a14="http://schemas.microsoft.com/office/drawing/2010/main" w="9525">
                   <a:solidFill>
                     <a:srgbClr val="000000"/>
                   </a:solidFill>
@@ -3377,7 +3377,7 @@
             </a:ln>
             <a:extLst>
               <a:ext uri="{91240B29-F687-4f45-9708-019B960494DF}">
-                <a14:hiddenLine xmlns:a14="http://schemas.microsoft.com/office/drawing/2010/main" xmlns="" w="9525">
+                <a14:hiddenLine xmlns="" xmlns:a14="http://schemas.microsoft.com/office/drawing/2010/main" w="9525">
                   <a:solidFill>
                     <a:srgbClr val="000000"/>
                   </a:solidFill>
@@ -3467,7 +3467,7 @@
             </a:ln>
             <a:extLst>
               <a:ext uri="{91240B29-F687-4f45-9708-019B960494DF}">
-                <a14:hiddenLine xmlns:a14="http://schemas.microsoft.com/office/drawing/2010/main" xmlns="" w="9525">
+                <a14:hiddenLine xmlns="" xmlns:a14="http://schemas.microsoft.com/office/drawing/2010/main" w="9525">
                   <a:solidFill>
                     <a:srgbClr val="000000"/>
                   </a:solidFill>
@@ -3523,7 +3523,7 @@
             </a:ln>
             <a:extLst>
               <a:ext uri="{91240B29-F687-4f45-9708-019B960494DF}">
-                <a14:hiddenLine xmlns:a14="http://schemas.microsoft.com/office/drawing/2010/main" xmlns="" w="9525">
+                <a14:hiddenLine xmlns="" xmlns:a14="http://schemas.microsoft.com/office/drawing/2010/main" w="9525">
                   <a:solidFill>
                     <a:srgbClr val="000000"/>
                   </a:solidFill>
@@ -3613,7 +3613,7 @@
             </a:ln>
             <a:extLst>
               <a:ext uri="{91240B29-F687-4f45-9708-019B960494DF}">
-                <a14:hiddenLine xmlns:a14="http://schemas.microsoft.com/office/drawing/2010/main" xmlns="" w="9525">
+                <a14:hiddenLine xmlns="" xmlns:a14="http://schemas.microsoft.com/office/drawing/2010/main" w="9525">
                   <a:solidFill>
                     <a:srgbClr val="000000"/>
                   </a:solidFill>
@@ -3681,7 +3681,7 @@
             </a:ln>
             <a:extLst>
               <a:ext uri="{91240B29-F687-4f45-9708-019B960494DF}">
-                <a14:hiddenLine xmlns:a14="http://schemas.microsoft.com/office/drawing/2010/main" xmlns="" w="9525">
+                <a14:hiddenLine xmlns="" xmlns:a14="http://schemas.microsoft.com/office/drawing/2010/main" w="9525">
                   <a:solidFill>
                     <a:srgbClr val="000000"/>
                   </a:solidFill>
@@ -3771,7 +3771,7 @@
             </a:ln>
             <a:extLst>
               <a:ext uri="{91240B29-F687-4f45-9708-019B960494DF}">
-                <a14:hiddenLine xmlns:a14="http://schemas.microsoft.com/office/drawing/2010/main" xmlns="" w="9525">
+                <a14:hiddenLine xmlns="" xmlns:a14="http://schemas.microsoft.com/office/drawing/2010/main" w="9525">
                   <a:solidFill>
                     <a:srgbClr val="000000"/>
                   </a:solidFill>
@@ -3839,7 +3839,7 @@
             </a:ln>
             <a:extLst>
               <a:ext uri="{91240B29-F687-4f45-9708-019B960494DF}">
-                <a14:hiddenLine xmlns:a14="http://schemas.microsoft.com/office/drawing/2010/main" xmlns="" w="9525">
+                <a14:hiddenLine xmlns="" xmlns:a14="http://schemas.microsoft.com/office/drawing/2010/main" w="9525">
                   <a:solidFill>
                     <a:srgbClr val="000000"/>
                   </a:solidFill>
@@ -3929,7 +3929,7 @@
             </a:ln>
             <a:extLst>
               <a:ext uri="{91240B29-F687-4f45-9708-019B960494DF}">
-                <a14:hiddenLine xmlns:a14="http://schemas.microsoft.com/office/drawing/2010/main" xmlns="" w="9525">
+                <a14:hiddenLine xmlns="" xmlns:a14="http://schemas.microsoft.com/office/drawing/2010/main" w="9525">
                   <a:solidFill>
                     <a:srgbClr val="000000"/>
                   </a:solidFill>
@@ -3963,7 +3963,7 @@
             </a:ln>
             <a:extLst>
               <a:ext uri="{91240B29-F687-4f45-9708-019B960494DF}">
-                <a14:hiddenLine xmlns:a14="http://schemas.microsoft.com/office/drawing/2010/main" xmlns="" w="9525">
+                <a14:hiddenLine xmlns="" xmlns:a14="http://schemas.microsoft.com/office/drawing/2010/main" w="9525">
                   <a:solidFill>
                     <a:srgbClr val="000000"/>
                   </a:solidFill>
@@ -4053,7 +4053,7 @@
             </a:ln>
             <a:extLst>
               <a:ext uri="{91240B29-F687-4f45-9708-019B960494DF}">
-                <a14:hiddenLine xmlns:a14="http://schemas.microsoft.com/office/drawing/2010/main" xmlns="" w="9525">
+                <a14:hiddenLine xmlns="" xmlns:a14="http://schemas.microsoft.com/office/drawing/2010/main" w="9525">
                   <a:solidFill>
                     <a:srgbClr val="000000"/>
                   </a:solidFill>
@@ -4115,7 +4115,7 @@
             </a:ln>
             <a:extLst>
               <a:ext uri="{91240B29-F687-4f45-9708-019B960494DF}">
-                <a14:hiddenLine xmlns:a14="http://schemas.microsoft.com/office/drawing/2010/main" xmlns="" w="9525">
+                <a14:hiddenLine xmlns="" xmlns:a14="http://schemas.microsoft.com/office/drawing/2010/main" w="9525">
                   <a:solidFill>
                     <a:srgbClr val="000000"/>
                   </a:solidFill>
@@ -4177,7 +4177,7 @@
             </a:ln>
             <a:extLst>
               <a:ext uri="{91240B29-F687-4f45-9708-019B960494DF}">
-                <a14:hiddenLine xmlns:a14="http://schemas.microsoft.com/office/drawing/2010/main" xmlns="" w="9525">
+                <a14:hiddenLine xmlns="" xmlns:a14="http://schemas.microsoft.com/office/drawing/2010/main" w="9525">
                   <a:solidFill>
                     <a:srgbClr val="000000"/>
                   </a:solidFill>
@@ -4267,7 +4267,7 @@
             </a:ln>
             <a:extLst>
               <a:ext uri="{91240B29-F687-4f45-9708-019B960494DF}">
-                <a14:hiddenLine xmlns:a14="http://schemas.microsoft.com/office/drawing/2010/main" xmlns="" w="9525">
+                <a14:hiddenLine xmlns="" xmlns:a14="http://schemas.microsoft.com/office/drawing/2010/main" w="9525">
                   <a:solidFill>
                     <a:srgbClr val="000000"/>
                   </a:solidFill>
@@ -4335,7 +4335,7 @@
             </a:ln>
             <a:extLst>
               <a:ext uri="{91240B29-F687-4f45-9708-019B960494DF}">
-                <a14:hiddenLine xmlns:a14="http://schemas.microsoft.com/office/drawing/2010/main" xmlns="" w="9525">
+                <a14:hiddenLine xmlns="" xmlns:a14="http://schemas.microsoft.com/office/drawing/2010/main" w="9525">
                   <a:solidFill>
                     <a:srgbClr val="000000"/>
                   </a:solidFill>
@@ -4397,7 +4397,7 @@
             </a:ln>
             <a:extLst>
               <a:ext uri="{91240B29-F687-4f45-9708-019B960494DF}">
-                <a14:hiddenLine xmlns:a14="http://schemas.microsoft.com/office/drawing/2010/main" xmlns="" w="9525">
+                <a14:hiddenLine xmlns="" xmlns:a14="http://schemas.microsoft.com/office/drawing/2010/main" w="9525">
                   <a:solidFill>
                     <a:srgbClr val="000000"/>
                   </a:solidFill>
@@ -4487,7 +4487,7 @@
             </a:ln>
             <a:extLst>
               <a:ext uri="{91240B29-F687-4f45-9708-019B960494DF}">
-                <a14:hiddenLine xmlns:a14="http://schemas.microsoft.com/office/drawing/2010/main" xmlns="" w="9525">
+                <a14:hiddenLine xmlns="" xmlns:a14="http://schemas.microsoft.com/office/drawing/2010/main" w="9525">
                   <a:solidFill>
                     <a:srgbClr val="000000"/>
                   </a:solidFill>
@@ -4549,7 +4549,7 @@
             </a:ln>
             <a:extLst>
               <a:ext uri="{91240B29-F687-4f45-9708-019B960494DF}">
-                <a14:hiddenLine xmlns:a14="http://schemas.microsoft.com/office/drawing/2010/main" xmlns="" w="9525">
+                <a14:hiddenLine xmlns="" xmlns:a14="http://schemas.microsoft.com/office/drawing/2010/main" w="9525">
                   <a:solidFill>
                     <a:srgbClr val="000000"/>
                   </a:solidFill>
@@ -4639,7 +4639,7 @@
             </a:ln>
             <a:extLst>
               <a:ext uri="{91240B29-F687-4f45-9708-019B960494DF}">
-                <a14:hiddenLine xmlns:a14="http://schemas.microsoft.com/office/drawing/2010/main" xmlns="" w="9525">
+                <a14:hiddenLine xmlns="" xmlns:a14="http://schemas.microsoft.com/office/drawing/2010/main" w="9525">
                   <a:solidFill>
                     <a:srgbClr val="000000"/>
                   </a:solidFill>
@@ -4701,7 +4701,7 @@
             </a:ln>
             <a:extLst>
               <a:ext uri="{91240B29-F687-4f45-9708-019B960494DF}">
-                <a14:hiddenLine xmlns:a14="http://schemas.microsoft.com/office/drawing/2010/main" xmlns="" w="9525">
+                <a14:hiddenLine xmlns="" xmlns:a14="http://schemas.microsoft.com/office/drawing/2010/main" w="9525">
                   <a:solidFill>
                     <a:srgbClr val="000000"/>
                   </a:solidFill>
@@ -4791,7 +4791,7 @@
             </a:ln>
             <a:extLst>
               <a:ext uri="{91240B29-F687-4f45-9708-019B960494DF}">
-                <a14:hiddenLine xmlns:a14="http://schemas.microsoft.com/office/drawing/2010/main" xmlns="" w="9525">
+                <a14:hiddenLine xmlns="" xmlns:a14="http://schemas.microsoft.com/office/drawing/2010/main" w="9525">
                   <a:solidFill>
                     <a:srgbClr val="000000"/>
                   </a:solidFill>
@@ -4825,7 +4825,7 @@
             </a:ln>
             <a:extLst>
               <a:ext uri="{91240B29-F687-4f45-9708-019B960494DF}">
-                <a14:hiddenLine xmlns:a14="http://schemas.microsoft.com/office/drawing/2010/main" xmlns="" w="9525">
+                <a14:hiddenLine xmlns="" xmlns:a14="http://schemas.microsoft.com/office/drawing/2010/main" w="9525">
                   <a:solidFill>
                     <a:srgbClr val="000000"/>
                   </a:solidFill>
@@ -4890,7 +4890,7 @@
             </a:ln>
             <a:extLst>
               <a:ext uri="{91240B29-F687-4f45-9708-019B960494DF}">
-                <a14:hiddenLine xmlns:a14="http://schemas.microsoft.com/office/drawing/2010/main" xmlns="" w="9525">
+                <a14:hiddenLine xmlns="" xmlns:a14="http://schemas.microsoft.com/office/drawing/2010/main" w="9525">
                   <a:solidFill>
                     <a:srgbClr val="000000"/>
                   </a:solidFill>
@@ -4980,7 +4980,7 @@
             </a:ln>
             <a:extLst>
               <a:ext uri="{91240B29-F687-4f45-9708-019B960494DF}">
-                <a14:hiddenLine xmlns:a14="http://schemas.microsoft.com/office/drawing/2010/main" xmlns="" w="9525">
+                <a14:hiddenLine xmlns="" xmlns:a14="http://schemas.microsoft.com/office/drawing/2010/main" w="9525">
                   <a:solidFill>
                     <a:srgbClr val="000000"/>
                   </a:solidFill>
@@ -5042,7 +5042,7 @@
             </a:ln>
             <a:extLst>
               <a:ext uri="{91240B29-F687-4f45-9708-019B960494DF}">
-                <a14:hiddenLine xmlns:a14="http://schemas.microsoft.com/office/drawing/2010/main" xmlns="" w="9525">
+                <a14:hiddenLine xmlns="" xmlns:a14="http://schemas.microsoft.com/office/drawing/2010/main" w="9525">
                   <a:solidFill>
                     <a:srgbClr val="000000"/>
                   </a:solidFill>
@@ -5132,7 +5132,7 @@
             </a:ln>
             <a:extLst>
               <a:ext uri="{91240B29-F687-4f45-9708-019B960494DF}">
-                <a14:hiddenLine xmlns:a14="http://schemas.microsoft.com/office/drawing/2010/main" xmlns="" w="9525">
+                <a14:hiddenLine xmlns="" xmlns:a14="http://schemas.microsoft.com/office/drawing/2010/main" w="9525">
                   <a:solidFill>
                     <a:srgbClr val="000000"/>
                   </a:solidFill>
@@ -5222,7 +5222,7 @@
             </a:ln>
             <a:extLst>
               <a:ext uri="{91240B29-F687-4f45-9708-019B960494DF}">
-                <a14:hiddenLine xmlns:a14="http://schemas.microsoft.com/office/drawing/2010/main" xmlns="" w="9525">
+                <a14:hiddenLine xmlns="" xmlns:a14="http://schemas.microsoft.com/office/drawing/2010/main" w="9525">
                   <a:solidFill>
                     <a:srgbClr val="000000"/>
                   </a:solidFill>
@@ -5287,7 +5287,7 @@
             </a:ln>
             <a:extLst>
               <a:ext uri="{91240B29-F687-4f45-9708-019B960494DF}">
-                <a14:hiddenLine xmlns:a14="http://schemas.microsoft.com/office/drawing/2010/main" xmlns="" w="9525">
+                <a14:hiddenLine xmlns="" xmlns:a14="http://schemas.microsoft.com/office/drawing/2010/main" w="9525">
                   <a:solidFill>
                     <a:srgbClr val="000000"/>
                   </a:solidFill>
@@ -5349,7 +5349,7 @@
             </a:ln>
             <a:extLst>
               <a:ext uri="{91240B29-F687-4f45-9708-019B960494DF}">
-                <a14:hiddenLine xmlns:a14="http://schemas.microsoft.com/office/drawing/2010/main" xmlns="" w="9525">
+                <a14:hiddenLine xmlns="" xmlns:a14="http://schemas.microsoft.com/office/drawing/2010/main" w="9525">
                   <a:solidFill>
                     <a:srgbClr val="000000"/>
                   </a:solidFill>
@@ -5439,7 +5439,7 @@
             </a:ln>
             <a:extLst>
               <a:ext uri="{91240B29-F687-4f45-9708-019B960494DF}">
-                <a14:hiddenLine xmlns:a14="http://schemas.microsoft.com/office/drawing/2010/main" xmlns="" w="9525">
+                <a14:hiddenLine xmlns="" xmlns:a14="http://schemas.microsoft.com/office/drawing/2010/main" w="9525">
                   <a:solidFill>
                     <a:srgbClr val="000000"/>
                   </a:solidFill>
@@ -5529,7 +5529,7 @@
             </a:ln>
             <a:extLst>
               <a:ext uri="{91240B29-F687-4f45-9708-019B960494DF}">
-                <a14:hiddenLine xmlns:a14="http://schemas.microsoft.com/office/drawing/2010/main" xmlns="" w="9525">
+                <a14:hiddenLine xmlns="" xmlns:a14="http://schemas.microsoft.com/office/drawing/2010/main" w="9525">
                   <a:solidFill>
                     <a:srgbClr val="000000"/>
                   </a:solidFill>
@@ -5591,7 +5591,7 @@
             </a:ln>
             <a:extLst>
               <a:ext uri="{91240B29-F687-4f45-9708-019B960494DF}">
-                <a14:hiddenLine xmlns:a14="http://schemas.microsoft.com/office/drawing/2010/main" xmlns="" w="9525">
+                <a14:hiddenLine xmlns="" xmlns:a14="http://schemas.microsoft.com/office/drawing/2010/main" w="9525">
                   <a:solidFill>
                     <a:srgbClr val="000000"/>
                   </a:solidFill>
@@ -5711,7 +5711,7 @@
             </a:ln>
             <a:extLst>
               <a:ext uri="{91240B29-F687-4f45-9708-019B960494DF}">
-                <a14:hiddenLine xmlns:a14="http://schemas.microsoft.com/office/drawing/2010/main" xmlns="" w="9525">
+                <a14:hiddenLine xmlns="" xmlns:a14="http://schemas.microsoft.com/office/drawing/2010/main" w="9525">
                   <a:solidFill>
                     <a:srgbClr val="000000"/>
                   </a:solidFill>
@@ -5779,7 +5779,7 @@
             </a:ln>
             <a:extLst>
               <a:ext uri="{91240B29-F687-4f45-9708-019B960494DF}">
-                <a14:hiddenLine xmlns:a14="http://schemas.microsoft.com/office/drawing/2010/main" xmlns="" w="9525">
+                <a14:hiddenLine xmlns="" xmlns:a14="http://schemas.microsoft.com/office/drawing/2010/main" w="9525">
                   <a:solidFill>
                     <a:srgbClr val="000000"/>
                   </a:solidFill>
@@ -5869,7 +5869,7 @@
             </a:ln>
             <a:extLst>
               <a:ext uri="{91240B29-F687-4f45-9708-019B960494DF}">
-                <a14:hiddenLine xmlns:a14="http://schemas.microsoft.com/office/drawing/2010/main" xmlns="" w="9525">
+                <a14:hiddenLine xmlns="" xmlns:a14="http://schemas.microsoft.com/office/drawing/2010/main" w="9525">
                   <a:solidFill>
                     <a:srgbClr val="000000"/>
                   </a:solidFill>
@@ -10758,7 +10758,7 @@
           <a:noFill/>
           <a:extLst>
             <a:ext uri="{909E8E84-426E-40dd-AFC4-6F175D3DCCD1}">
-              <a14:hiddenFill xmlns:a14="http://schemas.microsoft.com/office/drawing/2010/main" xmlns="">
+              <a14:hiddenFill xmlns="" xmlns:a14="http://schemas.microsoft.com/office/drawing/2010/main">
                 <a:solidFill>
                   <a:srgbClr val="FFFFFF"/>
                 </a:solidFill>
@@ -10832,7 +10832,7 @@
               </a:ln>
               <a:extLst>
                 <a:ext uri="{91240B29-F687-4f45-9708-019B960494DF}">
-                  <a14:hiddenLine xmlns:a14="http://schemas.microsoft.com/office/drawing/2010/main" xmlns="" w="9525">
+                  <a14:hiddenLine xmlns="" xmlns:a14="http://schemas.microsoft.com/office/drawing/2010/main" w="9525">
                     <a:solidFill>
                       <a:srgbClr val="000000"/>
                     </a:solidFill>
@@ -10922,7 +10922,7 @@
               </a:ln>
               <a:extLst>
                 <a:ext uri="{91240B29-F687-4f45-9708-019B960494DF}">
-                  <a14:hiddenLine xmlns:a14="http://schemas.microsoft.com/office/drawing/2010/main" xmlns="" w="9525">
+                  <a14:hiddenLine xmlns="" xmlns:a14="http://schemas.microsoft.com/office/drawing/2010/main" w="9525">
                     <a:solidFill>
                       <a:srgbClr val="000000"/>
                     </a:solidFill>
@@ -11012,7 +11012,7 @@
               </a:ln>
               <a:extLst>
                 <a:ext uri="{91240B29-F687-4f45-9708-019B960494DF}">
-                  <a14:hiddenLine xmlns:a14="http://schemas.microsoft.com/office/drawing/2010/main" xmlns="" w="9525">
+                  <a14:hiddenLine xmlns="" xmlns:a14="http://schemas.microsoft.com/office/drawing/2010/main" w="9525">
                     <a:solidFill>
                       <a:srgbClr val="000000"/>
                     </a:solidFill>
@@ -11074,7 +11074,7 @@
               </a:ln>
               <a:extLst>
                 <a:ext uri="{91240B29-F687-4f45-9708-019B960494DF}">
-                  <a14:hiddenLine xmlns:a14="http://schemas.microsoft.com/office/drawing/2010/main" xmlns="" w="9525">
+                  <a14:hiddenLine xmlns="" xmlns:a14="http://schemas.microsoft.com/office/drawing/2010/main" w="9525">
                     <a:solidFill>
                       <a:srgbClr val="000000"/>
                     </a:solidFill>
@@ -11164,7 +11164,7 @@
               </a:ln>
               <a:extLst>
                 <a:ext uri="{91240B29-F687-4f45-9708-019B960494DF}">
-                  <a14:hiddenLine xmlns:a14="http://schemas.microsoft.com/office/drawing/2010/main" xmlns="" w="9525">
+                  <a14:hiddenLine xmlns="" xmlns:a14="http://schemas.microsoft.com/office/drawing/2010/main" w="9525">
                     <a:solidFill>
                       <a:srgbClr val="000000"/>
                     </a:solidFill>
@@ -11226,7 +11226,7 @@
               </a:ln>
               <a:extLst>
                 <a:ext uri="{91240B29-F687-4f45-9708-019B960494DF}">
-                  <a14:hiddenLine xmlns:a14="http://schemas.microsoft.com/office/drawing/2010/main" xmlns="" w="9525">
+                  <a14:hiddenLine xmlns="" xmlns:a14="http://schemas.microsoft.com/office/drawing/2010/main" w="9525">
                     <a:solidFill>
                       <a:srgbClr val="000000"/>
                     </a:solidFill>
@@ -11288,7 +11288,7 @@
               </a:ln>
               <a:extLst>
                 <a:ext uri="{91240B29-F687-4f45-9708-019B960494DF}">
-                  <a14:hiddenLine xmlns:a14="http://schemas.microsoft.com/office/drawing/2010/main" xmlns="" w="9525">
+                  <a14:hiddenLine xmlns="" xmlns:a14="http://schemas.microsoft.com/office/drawing/2010/main" w="9525">
                     <a:solidFill>
                       <a:srgbClr val="000000"/>
                     </a:solidFill>
@@ -11378,7 +11378,7 @@
               </a:ln>
               <a:extLst>
                 <a:ext uri="{91240B29-F687-4f45-9708-019B960494DF}">
-                  <a14:hiddenLine xmlns:a14="http://schemas.microsoft.com/office/drawing/2010/main" xmlns="" w="9525">
+                  <a14:hiddenLine xmlns="" xmlns:a14="http://schemas.microsoft.com/office/drawing/2010/main" w="9525">
                     <a:solidFill>
                       <a:srgbClr val="000000"/>
                     </a:solidFill>
@@ -11468,7 +11468,7 @@
               </a:ln>
               <a:extLst>
                 <a:ext uri="{91240B29-F687-4f45-9708-019B960494DF}">
-                  <a14:hiddenLine xmlns:a14="http://schemas.microsoft.com/office/drawing/2010/main" xmlns="" w="9525">
+                  <a14:hiddenLine xmlns="" xmlns:a14="http://schemas.microsoft.com/office/drawing/2010/main" w="9525">
                     <a:solidFill>
                       <a:srgbClr val="000000"/>
                     </a:solidFill>
@@ -11530,7 +11530,7 @@
               </a:ln>
               <a:extLst>
                 <a:ext uri="{91240B29-F687-4f45-9708-019B960494DF}">
-                  <a14:hiddenLine xmlns:a14="http://schemas.microsoft.com/office/drawing/2010/main" xmlns="" w="9525">
+                  <a14:hiddenLine xmlns="" xmlns:a14="http://schemas.microsoft.com/office/drawing/2010/main" w="9525">
                     <a:solidFill>
                       <a:srgbClr val="000000"/>
                     </a:solidFill>
@@ -11640,7 +11640,7 @@
               </a:ln>
               <a:extLst>
                 <a:ext uri="{91240B29-F687-4f45-9708-019B960494DF}">
-                  <a14:hiddenLine xmlns:a14="http://schemas.microsoft.com/office/drawing/2010/main" xmlns="" w="9525">
+                  <a14:hiddenLine xmlns="" xmlns:a14="http://schemas.microsoft.com/office/drawing/2010/main" w="9525">
                     <a:solidFill>
                       <a:srgbClr val="000000"/>
                     </a:solidFill>
@@ -11724,7 +11724,7 @@
               </a:ln>
               <a:extLst>
                 <a:ext uri="{91240B29-F687-4f45-9708-019B960494DF}">
-                  <a14:hiddenLine xmlns:a14="http://schemas.microsoft.com/office/drawing/2010/main" xmlns="" w="9525">
+                  <a14:hiddenLine xmlns="" xmlns:a14="http://schemas.microsoft.com/office/drawing/2010/main" w="9525">
                     <a:solidFill>
                       <a:srgbClr val="000000"/>
                     </a:solidFill>
@@ -11786,7 +11786,7 @@
               </a:ln>
               <a:extLst>
                 <a:ext uri="{91240B29-F687-4f45-9708-019B960494DF}">
-                  <a14:hiddenLine xmlns:a14="http://schemas.microsoft.com/office/drawing/2010/main" xmlns="" w="9525">
+                  <a14:hiddenLine xmlns="" xmlns:a14="http://schemas.microsoft.com/office/drawing/2010/main" w="9525">
                     <a:solidFill>
                       <a:srgbClr val="000000"/>
                     </a:solidFill>
@@ -11848,7 +11848,7 @@
               </a:ln>
               <a:extLst>
                 <a:ext uri="{91240B29-F687-4f45-9708-019B960494DF}">
-                  <a14:hiddenLine xmlns:a14="http://schemas.microsoft.com/office/drawing/2010/main" xmlns="" w="9525">
+                  <a14:hiddenLine xmlns="" xmlns:a14="http://schemas.microsoft.com/office/drawing/2010/main" w="9525">
                     <a:solidFill>
                       <a:srgbClr val="000000"/>
                     </a:solidFill>
@@ -11938,7 +11938,7 @@
               </a:ln>
               <a:extLst>
                 <a:ext uri="{91240B29-F687-4f45-9708-019B960494DF}">
-                  <a14:hiddenLine xmlns:a14="http://schemas.microsoft.com/office/drawing/2010/main" xmlns="" w="9525">
+                  <a14:hiddenLine xmlns="" xmlns:a14="http://schemas.microsoft.com/office/drawing/2010/main" w="9525">
                     <a:solidFill>
                       <a:srgbClr val="000000"/>
                     </a:solidFill>
@@ -11972,7 +11972,7 @@
               </a:ln>
               <a:extLst>
                 <a:ext uri="{91240B29-F687-4f45-9708-019B960494DF}">
-                  <a14:hiddenLine xmlns:a14="http://schemas.microsoft.com/office/drawing/2010/main" xmlns="" w="9525">
+                  <a14:hiddenLine xmlns="" xmlns:a14="http://schemas.microsoft.com/office/drawing/2010/main" w="9525">
                     <a:solidFill>
                       <a:srgbClr val="000000"/>
                     </a:solidFill>
@@ -12037,7 +12037,7 @@
               </a:ln>
               <a:extLst>
                 <a:ext uri="{91240B29-F687-4f45-9708-019B960494DF}">
-                  <a14:hiddenLine xmlns:a14="http://schemas.microsoft.com/office/drawing/2010/main" xmlns="" w="9525">
+                  <a14:hiddenLine xmlns="" xmlns:a14="http://schemas.microsoft.com/office/drawing/2010/main" w="9525">
                     <a:solidFill>
                       <a:srgbClr val="000000"/>
                     </a:solidFill>
@@ -12127,7 +12127,7 @@
               </a:ln>
               <a:extLst>
                 <a:ext uri="{91240B29-F687-4f45-9708-019B960494DF}">
-                  <a14:hiddenLine xmlns:a14="http://schemas.microsoft.com/office/drawing/2010/main" xmlns="" w="9525">
+                  <a14:hiddenLine xmlns="" xmlns:a14="http://schemas.microsoft.com/office/drawing/2010/main" w="9525">
                     <a:solidFill>
                       <a:srgbClr val="000000"/>
                     </a:solidFill>
@@ -12189,7 +12189,7 @@
               </a:ln>
               <a:extLst>
                 <a:ext uri="{91240B29-F687-4f45-9708-019B960494DF}">
-                  <a14:hiddenLine xmlns:a14="http://schemas.microsoft.com/office/drawing/2010/main" xmlns="" w="9525">
+                  <a14:hiddenLine xmlns="" xmlns:a14="http://schemas.microsoft.com/office/drawing/2010/main" w="9525">
                     <a:solidFill>
                       <a:srgbClr val="000000"/>
                     </a:solidFill>
@@ -12279,7 +12279,7 @@
               </a:ln>
               <a:extLst>
                 <a:ext uri="{91240B29-F687-4f45-9708-019B960494DF}">
-                  <a14:hiddenLine xmlns:a14="http://schemas.microsoft.com/office/drawing/2010/main" xmlns="" w="9525">
+                  <a14:hiddenLine xmlns="" xmlns:a14="http://schemas.microsoft.com/office/drawing/2010/main" w="9525">
                     <a:solidFill>
                       <a:srgbClr val="000000"/>
                     </a:solidFill>
@@ -12344,7 +12344,7 @@
               </a:ln>
               <a:extLst>
                 <a:ext uri="{91240B29-F687-4f45-9708-019B960494DF}">
-                  <a14:hiddenLine xmlns:a14="http://schemas.microsoft.com/office/drawing/2010/main" xmlns="" w="9525">
+                  <a14:hiddenLine xmlns="" xmlns:a14="http://schemas.microsoft.com/office/drawing/2010/main" w="9525">
                     <a:solidFill>
                       <a:srgbClr val="000000"/>
                     </a:solidFill>
@@ -12406,7 +12406,7 @@
               </a:ln>
               <a:extLst>
                 <a:ext uri="{91240B29-F687-4f45-9708-019B960494DF}">
-                  <a14:hiddenLine xmlns:a14="http://schemas.microsoft.com/office/drawing/2010/main" xmlns="" w="9525">
+                  <a14:hiddenLine xmlns="" xmlns:a14="http://schemas.microsoft.com/office/drawing/2010/main" w="9525">
                     <a:solidFill>
                       <a:srgbClr val="000000"/>
                     </a:solidFill>
@@ -12496,7 +12496,7 @@
               </a:ln>
               <a:extLst>
                 <a:ext uri="{91240B29-F687-4f45-9708-019B960494DF}">
-                  <a14:hiddenLine xmlns:a14="http://schemas.microsoft.com/office/drawing/2010/main" xmlns="" w="9525">
+                  <a14:hiddenLine xmlns="" xmlns:a14="http://schemas.microsoft.com/office/drawing/2010/main" w="9525">
                     <a:solidFill>
                       <a:srgbClr val="000000"/>
                     </a:solidFill>
@@ -12586,7 +12586,7 @@
               </a:ln>
               <a:extLst>
                 <a:ext uri="{91240B29-F687-4f45-9708-019B960494DF}">
-                  <a14:hiddenLine xmlns:a14="http://schemas.microsoft.com/office/drawing/2010/main" xmlns="" w="9525">
+                  <a14:hiddenLine xmlns="" xmlns:a14="http://schemas.microsoft.com/office/drawing/2010/main" w="9525">
                     <a:solidFill>
                       <a:srgbClr val="000000"/>
                     </a:solidFill>
@@ -12651,7 +12651,7 @@
               </a:ln>
               <a:extLst>
                 <a:ext uri="{91240B29-F687-4f45-9708-019B960494DF}">
-                  <a14:hiddenLine xmlns:a14="http://schemas.microsoft.com/office/drawing/2010/main" xmlns="" w="9525">
+                  <a14:hiddenLine xmlns="" xmlns:a14="http://schemas.microsoft.com/office/drawing/2010/main" w="9525">
                     <a:solidFill>
                       <a:srgbClr val="000000"/>
                     </a:solidFill>
@@ -12771,7 +12771,7 @@
               </a:ln>
               <a:extLst>
                 <a:ext uri="{91240B29-F687-4f45-9708-019B960494DF}">
-                  <a14:hiddenLine xmlns:a14="http://schemas.microsoft.com/office/drawing/2010/main" xmlns="" w="9525">
+                  <a14:hiddenLine xmlns="" xmlns:a14="http://schemas.microsoft.com/office/drawing/2010/main" w="9525">
                     <a:solidFill>
                       <a:srgbClr val="000000"/>
                     </a:solidFill>
@@ -12852,7 +12852,7 @@
               </a:ln>
               <a:extLst>
                 <a:ext uri="{91240B29-F687-4f45-9708-019B960494DF}">
-                  <a14:hiddenLine xmlns:a14="http://schemas.microsoft.com/office/drawing/2010/main" xmlns="" w="9525">
+                  <a14:hiddenLine xmlns="" xmlns:a14="http://schemas.microsoft.com/office/drawing/2010/main" w="9525">
                     <a:solidFill>
                       <a:srgbClr val="000000"/>
                     </a:solidFill>
@@ -12967,7 +12967,7 @@
               </a:ln>
               <a:extLst>
                 <a:ext uri="{91240B29-F687-4f45-9708-019B960494DF}">
-                  <a14:hiddenLine xmlns:a14="http://schemas.microsoft.com/office/drawing/2010/main" xmlns="" w="9525">
+                  <a14:hiddenLine xmlns="" xmlns:a14="http://schemas.microsoft.com/office/drawing/2010/main" w="9525">
                     <a:solidFill>
                       <a:srgbClr val="000000"/>
                     </a:solidFill>
@@ -13057,7 +13057,7 @@
               </a:ln>
               <a:extLst>
                 <a:ext uri="{91240B29-F687-4f45-9708-019B960494DF}">
-                  <a14:hiddenLine xmlns:a14="http://schemas.microsoft.com/office/drawing/2010/main" xmlns="" w="9525">
+                  <a14:hiddenLine xmlns="" xmlns:a14="http://schemas.microsoft.com/office/drawing/2010/main" w="9525">
                     <a:solidFill>
                       <a:srgbClr val="000000"/>
                     </a:solidFill>
@@ -13122,7 +13122,7 @@
               </a:ln>
               <a:extLst>
                 <a:ext uri="{91240B29-F687-4f45-9708-019B960494DF}">
-                  <a14:hiddenLine xmlns:a14="http://schemas.microsoft.com/office/drawing/2010/main" xmlns="" w="9525">
+                  <a14:hiddenLine xmlns="" xmlns:a14="http://schemas.microsoft.com/office/drawing/2010/main" w="9525">
                     <a:solidFill>
                       <a:srgbClr val="000000"/>
                     </a:solidFill>
@@ -13212,7 +13212,7 @@
               </a:ln>
               <a:extLst>
                 <a:ext uri="{91240B29-F687-4f45-9708-019B960494DF}">
-                  <a14:hiddenLine xmlns:a14="http://schemas.microsoft.com/office/drawing/2010/main" xmlns="" w="9525">
+                  <a14:hiddenLine xmlns="" xmlns:a14="http://schemas.microsoft.com/office/drawing/2010/main" w="9525">
                     <a:solidFill>
                       <a:srgbClr val="000000"/>
                     </a:solidFill>
@@ -13280,7 +13280,7 @@
               </a:ln>
               <a:extLst>
                 <a:ext uri="{91240B29-F687-4f45-9708-019B960494DF}">
-                  <a14:hiddenLine xmlns:a14="http://schemas.microsoft.com/office/drawing/2010/main" xmlns="" w="9525">
+                  <a14:hiddenLine xmlns="" xmlns:a14="http://schemas.microsoft.com/office/drawing/2010/main" w="9525">
                     <a:solidFill>
                       <a:srgbClr val="000000"/>
                     </a:solidFill>
@@ -13370,7 +13370,7 @@
               </a:ln>
               <a:extLst>
                 <a:ext uri="{91240B29-F687-4f45-9708-019B960494DF}">
-                  <a14:hiddenLine xmlns:a14="http://schemas.microsoft.com/office/drawing/2010/main" xmlns="" w="9525">
+                  <a14:hiddenLine xmlns="" xmlns:a14="http://schemas.microsoft.com/office/drawing/2010/main" w="9525">
                     <a:solidFill>
                       <a:srgbClr val="000000"/>
                     </a:solidFill>
@@ -13438,7 +13438,7 @@
               </a:ln>
               <a:extLst>
                 <a:ext uri="{91240B29-F687-4f45-9708-019B960494DF}">
-                  <a14:hiddenLine xmlns:a14="http://schemas.microsoft.com/office/drawing/2010/main" xmlns="" w="9525">
+                  <a14:hiddenLine xmlns="" xmlns:a14="http://schemas.microsoft.com/office/drawing/2010/main" w="9525">
                     <a:solidFill>
                       <a:srgbClr val="000000"/>
                     </a:solidFill>
@@ -13528,7 +13528,7 @@
               </a:ln>
               <a:extLst>
                 <a:ext uri="{91240B29-F687-4f45-9708-019B960494DF}">
-                  <a14:hiddenLine xmlns:a14="http://schemas.microsoft.com/office/drawing/2010/main" xmlns="" w="9525">
+                  <a14:hiddenLine xmlns="" xmlns:a14="http://schemas.microsoft.com/office/drawing/2010/main" w="9525">
                     <a:solidFill>
                       <a:srgbClr val="000000"/>
                     </a:solidFill>
@@ -13562,7 +13562,7 @@
               </a:ln>
               <a:extLst>
                 <a:ext uri="{91240B29-F687-4f45-9708-019B960494DF}">
-                  <a14:hiddenLine xmlns:a14="http://schemas.microsoft.com/office/drawing/2010/main" xmlns="" w="9525">
+                  <a14:hiddenLine xmlns="" xmlns:a14="http://schemas.microsoft.com/office/drawing/2010/main" w="9525">
                     <a:solidFill>
                       <a:srgbClr val="000000"/>
                     </a:solidFill>
@@ -14353,8 +14353,8 @@
           </a:p>
         </p:txBody>
       </p:sp>
-      <mc:AlternateContent xmlns:mc="http://schemas.openxmlformats.org/markup-compatibility/2006">
-        <mc:Choice xmlns:a14="http://schemas.microsoft.com/office/drawing/2010/main" Requires="a14">
+      <mc:AlternateContent xmlns:mc="http://schemas.openxmlformats.org/markup-compatibility/2006" xmlns:a14="http://schemas.microsoft.com/office/drawing/2010/main">
+        <mc:Choice Requires="a14">
           <p:sp>
             <p:nvSpPr>
               <p:cNvPr id="21" name="TextBox 20">
@@ -14750,7 +14750,7 @@
             </p:txBody>
           </p:sp>
         </mc:Choice>
-        <mc:Fallback>
+        <mc:Fallback xmlns="">
           <p:sp>
             <p:nvSpPr>
               <p:cNvPr id="21" name="TextBox 20">
@@ -17266,7 +17266,7 @@
         </p:spPr>
         <p:txBody>
           <a:bodyPr rtlCol="0">
-            <a:normAutofit/>
+            <a:normAutofit fontScale="90000"/>
           </a:bodyPr>
           <a:lstStyle/>
           <a:p>
@@ -17365,8 +17365,8 @@
           </a:prstGeom>
         </p:spPr>
       </p:pic>
-      <mc:AlternateContent xmlns:mc="http://schemas.openxmlformats.org/markup-compatibility/2006">
-        <mc:Choice xmlns:a14="http://schemas.microsoft.com/office/drawing/2010/main" Requires="a14">
+      <mc:AlternateContent xmlns:mc="http://schemas.openxmlformats.org/markup-compatibility/2006" xmlns:a14="http://schemas.microsoft.com/office/drawing/2010/main">
+        <mc:Choice Requires="a14">
           <p:sp>
             <p:nvSpPr>
               <p:cNvPr id="16" name="TextBox 15">
@@ -18101,7 +18101,7 @@
             </p:txBody>
           </p:sp>
         </mc:Choice>
-        <mc:Fallback>
+        <mc:Fallback xmlns="">
           <p:sp>
             <p:nvSpPr>
               <p:cNvPr id="16" name="TextBox 15">
@@ -18386,7 +18386,95 @@
           <a:p>
             <a:r>
               <a:rPr lang="it-IT" sz="2000" dirty="0"/>
-              <a:t>For optimization of double piezo we will use two Resonant shunt.</a:t>
+              <a:t>In </a:t>
+            </a:r>
+            <a:r>
+              <a:rPr lang="it-IT" sz="2000" dirty="0" err="1"/>
+              <a:t>this</a:t>
+            </a:r>
+            <a:r>
+              <a:rPr lang="it-IT" sz="2000" dirty="0"/>
+              <a:t> part </a:t>
+            </a:r>
+            <a:r>
+              <a:rPr lang="it-IT" sz="2000" dirty="0" err="1"/>
+              <a:t>we</a:t>
+            </a:r>
+            <a:r>
+              <a:rPr lang="it-IT" sz="2000" dirty="0"/>
+              <a:t> </a:t>
+            </a:r>
+            <a:r>
+              <a:rPr lang="it-IT" sz="2000" dirty="0" err="1"/>
+              <a:t>want</a:t>
+            </a:r>
+            <a:r>
+              <a:rPr lang="it-IT" sz="2000" dirty="0"/>
+              <a:t> to use </a:t>
+            </a:r>
+            <a:r>
+              <a:rPr lang="it-IT" sz="2000" dirty="0" err="1"/>
+              <a:t>both</a:t>
+            </a:r>
+            <a:r>
+              <a:rPr lang="it-IT" sz="2000" dirty="0"/>
+              <a:t> the </a:t>
+            </a:r>
+            <a:r>
+              <a:rPr lang="it-IT" sz="2000" dirty="0" err="1"/>
+              <a:t>paches</a:t>
+            </a:r>
+            <a:r>
+              <a:rPr lang="it-IT" sz="2000" dirty="0"/>
+              <a:t> </a:t>
+            </a:r>
+            <a:r>
+              <a:rPr lang="it-IT" sz="2000" dirty="0" err="1"/>
+              <a:t>at</a:t>
+            </a:r>
+            <a:r>
+              <a:rPr lang="it-IT" sz="2000" dirty="0"/>
+              <a:t> the </a:t>
+            </a:r>
+            <a:r>
+              <a:rPr lang="it-IT" sz="2000" dirty="0" err="1"/>
+              <a:t>same</a:t>
+            </a:r>
+            <a:r>
+              <a:rPr lang="it-IT" sz="2000" dirty="0"/>
+              <a:t> time, </a:t>
+            </a:r>
+            <a:r>
+              <a:rPr lang="it-IT" sz="2000" dirty="0" err="1"/>
+              <a:t>using</a:t>
+            </a:r>
+            <a:r>
+              <a:rPr lang="it-IT" sz="2000" dirty="0"/>
+              <a:t> </a:t>
+            </a:r>
+            <a:r>
+              <a:rPr lang="it-IT" sz="2000" dirty="0" err="1"/>
+              <a:t>two</a:t>
+            </a:r>
+            <a:r>
+              <a:rPr lang="it-IT" sz="2000" dirty="0"/>
+              <a:t> </a:t>
+            </a:r>
+            <a:r>
+              <a:rPr lang="it-IT" sz="2000" dirty="0" err="1"/>
+              <a:t>resonant</a:t>
+            </a:r>
+            <a:r>
+              <a:rPr lang="it-IT" sz="2000" dirty="0"/>
+              <a:t>-shunt </a:t>
+            </a:r>
+            <a:r>
+              <a:rPr lang="it-IT" sz="2000" dirty="0" err="1"/>
+              <a:t>circuit</a:t>
+            </a:r>
+            <a:r>
+              <a:rPr lang="it-IT" sz="2000" dirty="0"/>
+              <a:t>.</a:t>
             </a:r>
           </a:p>
           <a:p>
@@ -18469,15 +18557,22 @@
               <a:t> </a:t>
             </a:r>
             <a:r>
-              <a:rPr lang="it-IT" sz="2000"/>
-              <a:t>also the </a:t>
-            </a:r>
-            <a:r>
-              <a:rPr lang="it-IT" sz="2000" b="1" dirty="0">
+              <a:rPr lang="it-IT" sz="2000" dirty="0" err="1"/>
+              <a:t>also</a:t>
+            </a:r>
+            <a:r>
+              <a:rPr lang="it-IT" sz="2000" dirty="0"/>
+              <a:t> the </a:t>
+            </a:r>
+            <a:r>
+              <a:rPr lang="it-IT" sz="2000" b="1" dirty="0" err="1">
                 <a:latin typeface="Rockwell" panose="02060603020205020403" pitchFamily="18" charset="0"/>
               </a:rPr>
               <a:t>H_rl_rl</a:t>
             </a:r>
+            <a:endParaRPr lang="it-IT" sz="2000" b="1" dirty="0">
+              <a:latin typeface="Rockwell" panose="02060603020205020403" pitchFamily="18" charset="0"/>
+            </a:endParaRPr>
           </a:p>
           <a:p>
             <a:pPr marL="742950" lvl="1" indent="-285750">
@@ -18668,8 +18763,8 @@
           </a:p>
         </p:txBody>
       </p:sp>
-      <mc:AlternateContent xmlns:mc="http://schemas.openxmlformats.org/markup-compatibility/2006">
-        <mc:Choice xmlns:a14="http://schemas.microsoft.com/office/drawing/2010/main" Requires="a14">
+      <mc:AlternateContent xmlns:mc="http://schemas.openxmlformats.org/markup-compatibility/2006" xmlns:a14="http://schemas.microsoft.com/office/drawing/2010/main">
+        <mc:Choice Requires="a14">
           <p:sp>
             <p:nvSpPr>
               <p:cNvPr id="3" name="Content Placeholder 2">
@@ -19435,7 +19530,7 @@
             </p:txBody>
           </p:sp>
         </mc:Choice>
-        <mc:Fallback>
+        <mc:Fallback xmlns="">
           <p:sp>
             <p:nvSpPr>
               <p:cNvPr id="3" name="Content Placeholder 2">
@@ -19641,8 +19736,8 @@
           </a:p>
         </p:txBody>
       </p:sp>
-      <mc:AlternateContent xmlns:mc="http://schemas.openxmlformats.org/markup-compatibility/2006">
-        <mc:Choice xmlns:a14="http://schemas.microsoft.com/office/drawing/2010/main" Requires="a14">
+      <mc:AlternateContent xmlns:mc="http://schemas.openxmlformats.org/markup-compatibility/2006" xmlns:a14="http://schemas.microsoft.com/office/drawing/2010/main">
+        <mc:Choice Requires="a14">
           <p:sp>
             <p:nvSpPr>
               <p:cNvPr id="3" name="Content Placeholder 2">
@@ -20468,7 +20563,7 @@
             </p:txBody>
           </p:sp>
         </mc:Choice>
-        <mc:Fallback>
+        <mc:Fallback xmlns="">
           <p:sp>
             <p:nvSpPr>
               <p:cNvPr id="3" name="Content Placeholder 2">
@@ -23096,8 +23191,8 @@
           </a:p>
         </p:txBody>
       </p:sp>
-      <mc:AlternateContent xmlns:mc="http://schemas.openxmlformats.org/markup-compatibility/2006" xmlns:a14="http://schemas.microsoft.com/office/drawing/2010/main">
-        <mc:Choice Requires="a14">
+      <mc:AlternateContent xmlns:mc="http://schemas.openxmlformats.org/markup-compatibility/2006">
+        <mc:Choice xmlns:a14="http://schemas.microsoft.com/office/drawing/2010/main" Requires="a14">
           <p:sp>
             <p:nvSpPr>
               <p:cNvPr id="3" name="Content Placeholder 2">
@@ -23465,40 +23560,37 @@
                           </a:rPr>
                           <m:t>−</m:t>
                         </m:r>
-                        <m:sSub>
-                          <m:sSubPr>
+                        <m:sSup>
+                          <m:sSupPr>
                             <m:ctrlPr>
-                              <a:rPr lang="en-GB" sz="1800" b="1" i="1" kern="100">
+                              <a:rPr lang="en-GB" sz="1800" b="1" i="1" kern="100" smtClean="0">
                                 <a:effectLst/>
                                 <a:latin typeface="Cambria Math" panose="02040503050406030204" pitchFamily="18" charset="0"/>
-                                <a:ea typeface="Times New Roman" panose="02020603050405020304" pitchFamily="18" charset="0"/>
                                 <a:cs typeface="Times New Roman" panose="02020603050405020304" pitchFamily="18" charset="0"/>
                               </a:rPr>
                             </m:ctrlPr>
-                          </m:sSubPr>
+                          </m:sSupPr>
                           <m:e>
                             <m:r>
-                              <a:rPr lang="en-GB" sz="1800" b="1" i="1" kern="100">
+                              <a:rPr lang="it-IT" sz="1800" b="1" i="1" kern="100" smtClean="0">
                                 <a:effectLst/>
                                 <a:latin typeface="Cambria Math" panose="02040503050406030204" pitchFamily="18" charset="0"/>
-                                <a:ea typeface="Times New Roman" panose="02020603050405020304" pitchFamily="18" charset="0"/>
                                 <a:cs typeface="Times New Roman" panose="02020603050405020304" pitchFamily="18" charset="0"/>
                               </a:rPr>
                               <m:t>𝒘</m:t>
                             </m:r>
                           </m:e>
-                          <m:sub>
+                          <m:sup>
                             <m:r>
-                              <a:rPr lang="en-GB" sz="1800" b="1" i="1" kern="100">
+                              <a:rPr lang="it-IT" sz="1800" b="1" i="1" kern="100" smtClean="0">
                                 <a:effectLst/>
                                 <a:latin typeface="Cambria Math" panose="02040503050406030204" pitchFamily="18" charset="0"/>
-                                <a:ea typeface="Times New Roman" panose="02020603050405020304" pitchFamily="18" charset="0"/>
                                 <a:cs typeface="Times New Roman" panose="02020603050405020304" pitchFamily="18" charset="0"/>
                               </a:rPr>
                               <m:t>𝟐</m:t>
                             </m:r>
-                          </m:sub>
-                        </m:sSub>
+                          </m:sup>
+                        </m:sSup>
                         <m:r>
                           <a:rPr lang="en-GB" sz="1800" b="1" i="1" kern="100">
                             <a:effectLst/>
@@ -23698,20 +23790,10 @@
                   <a:t>We are now able to derive the complete analytical equation of the frequency response function with the electrical contribution of both piezoelectric patch.</a:t>
                 </a:r>
               </a:p>
-              <a:p>
-                <a:pPr marL="0" indent="0">
-                  <a:buNone/>
-                </a:pPr>
-                <a:endParaRPr lang="en-US" sz="1800" dirty="0">
-                  <a:latin typeface="Cambria" panose="02040503050406030204" pitchFamily="18" charset="0"/>
-                  <a:ea typeface="MS Mincho" panose="02020609040205080304" pitchFamily="49" charset="-128"/>
-                  <a:cs typeface="Times New Roman" panose="02020603050405020304" pitchFamily="18" charset="0"/>
-                </a:endParaRPr>
-              </a:p>
             </p:txBody>
           </p:sp>
         </mc:Choice>
-        <mc:Fallback xmlns="">
+        <mc:Fallback>
           <p:sp>
             <p:nvSpPr>
               <p:cNvPr id="3" name="Content Placeholder 2">
@@ -23745,7 +23827,7 @@
               <a:lstStyle/>
               <a:p>
                 <a:r>
-                  <a:rPr lang="en-GB">
+                  <a:rPr lang="it-IT">
                     <a:noFill/>
                   </a:rPr>
                   <a:t> </a:t>
